--- a/Documentation/application.pptx
+++ b/Documentation/application.pptx
@@ -6,8 +6,12 @@
   </p:sldMasterIdLst>
   <p:sldIdLst>
     <p:sldId id="257" r:id="rId2"/>
-    <p:sldId id="258" r:id="rId3"/>
-    <p:sldId id="259" r:id="rId4"/>
+    <p:sldId id="260" r:id="rId3"/>
+    <p:sldId id="261" r:id="rId4"/>
+    <p:sldId id="258" r:id="rId5"/>
+    <p:sldId id="259" r:id="rId6"/>
+    <p:sldId id="262" r:id="rId7"/>
+    <p:sldId id="263" r:id="rId8"/>
   </p:sldIdLst>
   <p:sldSz cx="12192000" cy="6858000"/>
   <p:notesSz cx="6858000" cy="9144000"/>
@@ -263,7 +267,7 @@
           <a:p>
             <a:fld id="{06C1DEA8-278E-4AD7-82EB-2AEBA95EFEC4}" type="datetimeFigureOut">
               <a:rPr lang="en-GB" smtClean="0"/>
-              <a:t>12/06/2024</a:t>
+              <a:t>13/06/2024</a:t>
             </a:fld>
             <a:endParaRPr lang="en-GB"/>
           </a:p>
@@ -463,7 +467,7 @@
           <a:p>
             <a:fld id="{06C1DEA8-278E-4AD7-82EB-2AEBA95EFEC4}" type="datetimeFigureOut">
               <a:rPr lang="en-GB" smtClean="0"/>
-              <a:t>12/06/2024</a:t>
+              <a:t>13/06/2024</a:t>
             </a:fld>
             <a:endParaRPr lang="en-GB"/>
           </a:p>
@@ -673,7 +677,7 @@
           <a:p>
             <a:fld id="{06C1DEA8-278E-4AD7-82EB-2AEBA95EFEC4}" type="datetimeFigureOut">
               <a:rPr lang="en-GB" smtClean="0"/>
-              <a:t>12/06/2024</a:t>
+              <a:t>13/06/2024</a:t>
             </a:fld>
             <a:endParaRPr lang="en-GB"/>
           </a:p>
@@ -873,7 +877,7 @@
           <a:p>
             <a:fld id="{06C1DEA8-278E-4AD7-82EB-2AEBA95EFEC4}" type="datetimeFigureOut">
               <a:rPr lang="en-GB" smtClean="0"/>
-              <a:t>12/06/2024</a:t>
+              <a:t>13/06/2024</a:t>
             </a:fld>
             <a:endParaRPr lang="en-GB"/>
           </a:p>
@@ -1149,7 +1153,7 @@
           <a:p>
             <a:fld id="{06C1DEA8-278E-4AD7-82EB-2AEBA95EFEC4}" type="datetimeFigureOut">
               <a:rPr lang="en-GB" smtClean="0"/>
-              <a:t>12/06/2024</a:t>
+              <a:t>13/06/2024</a:t>
             </a:fld>
             <a:endParaRPr lang="en-GB"/>
           </a:p>
@@ -1417,7 +1421,7 @@
           <a:p>
             <a:fld id="{06C1DEA8-278E-4AD7-82EB-2AEBA95EFEC4}" type="datetimeFigureOut">
               <a:rPr lang="en-GB" smtClean="0"/>
-              <a:t>12/06/2024</a:t>
+              <a:t>13/06/2024</a:t>
             </a:fld>
             <a:endParaRPr lang="en-GB"/>
           </a:p>
@@ -1832,7 +1836,7 @@
           <a:p>
             <a:fld id="{06C1DEA8-278E-4AD7-82EB-2AEBA95EFEC4}" type="datetimeFigureOut">
               <a:rPr lang="en-GB" smtClean="0"/>
-              <a:t>12/06/2024</a:t>
+              <a:t>13/06/2024</a:t>
             </a:fld>
             <a:endParaRPr lang="en-GB"/>
           </a:p>
@@ -1974,7 +1978,7 @@
           <a:p>
             <a:fld id="{06C1DEA8-278E-4AD7-82EB-2AEBA95EFEC4}" type="datetimeFigureOut">
               <a:rPr lang="en-GB" smtClean="0"/>
-              <a:t>12/06/2024</a:t>
+              <a:t>13/06/2024</a:t>
             </a:fld>
             <a:endParaRPr lang="en-GB"/>
           </a:p>
@@ -2087,7 +2091,7 @@
           <a:p>
             <a:fld id="{06C1DEA8-278E-4AD7-82EB-2AEBA95EFEC4}" type="datetimeFigureOut">
               <a:rPr lang="en-GB" smtClean="0"/>
-              <a:t>12/06/2024</a:t>
+              <a:t>13/06/2024</a:t>
             </a:fld>
             <a:endParaRPr lang="en-GB"/>
           </a:p>
@@ -2400,7 +2404,7 @@
           <a:p>
             <a:fld id="{06C1DEA8-278E-4AD7-82EB-2AEBA95EFEC4}" type="datetimeFigureOut">
               <a:rPr lang="en-GB" smtClean="0"/>
-              <a:t>12/06/2024</a:t>
+              <a:t>13/06/2024</a:t>
             </a:fld>
             <a:endParaRPr lang="en-GB"/>
           </a:p>
@@ -2689,7 +2693,7 @@
           <a:p>
             <a:fld id="{06C1DEA8-278E-4AD7-82EB-2AEBA95EFEC4}" type="datetimeFigureOut">
               <a:rPr lang="en-GB" smtClean="0"/>
-              <a:t>12/06/2024</a:t>
+              <a:t>13/06/2024</a:t>
             </a:fld>
             <a:endParaRPr lang="en-GB"/>
           </a:p>
@@ -2932,7 +2936,7 @@
           <a:p>
             <a:fld id="{06C1DEA8-278E-4AD7-82EB-2AEBA95EFEC4}" type="datetimeFigureOut">
               <a:rPr lang="en-GB" smtClean="0"/>
-              <a:t>12/06/2024</a:t>
+              <a:t>13/06/2024</a:t>
             </a:fld>
             <a:endParaRPr lang="en-GB"/>
           </a:p>
@@ -3623,8 +3627,8 @@
         </p:nvSpPr>
         <p:spPr>
           <a:xfrm>
-            <a:off x="6082750" y="2842592"/>
-            <a:ext cx="3313042" cy="397565"/>
+            <a:off x="2653735" y="2849217"/>
+            <a:ext cx="1954692" cy="397565"/>
           </a:xfrm>
           <a:prstGeom prst="roundRect">
             <a:avLst/>
@@ -3651,7 +3655,7 @@
             <a:pPr algn="ctr"/>
             <a:r>
               <a:rPr lang="en-GB" dirty="0"/>
-              <a:t>NAV Interface</a:t>
+              <a:t>GCAS Interface</a:t>
             </a:r>
           </a:p>
         </p:txBody>
@@ -3670,8 +3674,8 @@
         </p:nvSpPr>
         <p:spPr>
           <a:xfrm>
-            <a:off x="2627238" y="2842592"/>
-            <a:ext cx="3313042" cy="397565"/>
+            <a:off x="5146810" y="2837613"/>
+            <a:ext cx="1898379" cy="397565"/>
           </a:xfrm>
           <a:prstGeom prst="roundRect">
             <a:avLst/>
@@ -3717,7 +3721,7 @@
         </p:nvSpPr>
         <p:spPr>
           <a:xfrm>
-            <a:off x="4383151" y="1676399"/>
+            <a:off x="4305287" y="2438394"/>
             <a:ext cx="851452" cy="357809"/>
           </a:xfrm>
           <a:prstGeom prst="rightArrow">
@@ -3764,7 +3768,7 @@
         </p:nvSpPr>
         <p:spPr>
           <a:xfrm flipH="1">
-            <a:off x="6645958" y="1669773"/>
+            <a:off x="6652582" y="2438394"/>
             <a:ext cx="851453" cy="357809"/>
           </a:xfrm>
           <a:prstGeom prst="rightArrow">
@@ -3794,94 +3798,6 @@
               <a:rPr lang="en-GB" sz="1100" dirty="0"/>
               <a:t>config</a:t>
             </a:r>
-          </a:p>
-        </p:txBody>
-      </p:sp>
-      <p:sp>
-        <p:nvSpPr>
-          <p:cNvPr id="13" name="Arrow: Down 12">
-            <a:extLst>
-              <a:ext uri="{FF2B5EF4-FFF2-40B4-BE49-F238E27FC236}">
-                <a16:creationId xmlns:a16="http://schemas.microsoft.com/office/drawing/2014/main" id="{098FCD9D-C586-A284-F9D2-57E85AA721A0}"/>
-              </a:ext>
-            </a:extLst>
-          </p:cNvPr>
-          <p:cNvSpPr/>
-          <p:nvPr/>
-        </p:nvSpPr>
-        <p:spPr>
-          <a:xfrm flipV="1">
-            <a:off x="3554889" y="2325757"/>
-            <a:ext cx="238539" cy="308113"/>
-          </a:xfrm>
-          <a:prstGeom prst="downArrow">
-            <a:avLst/>
-          </a:prstGeom>
-        </p:spPr>
-        <p:style>
-          <a:lnRef idx="3">
-            <a:schemeClr val="lt1"/>
-          </a:lnRef>
-          <a:fillRef idx="1">
-            <a:schemeClr val="accent5"/>
-          </a:fillRef>
-          <a:effectRef idx="1">
-            <a:schemeClr val="accent5"/>
-          </a:effectRef>
-          <a:fontRef idx="minor">
-            <a:schemeClr val="lt1"/>
-          </a:fontRef>
-        </p:style>
-        <p:txBody>
-          <a:bodyPr rtlCol="0" anchor="ctr"/>
-          <a:lstStyle/>
-          <a:p>
-            <a:pPr algn="ctr"/>
-            <a:endParaRPr lang="en-GB"/>
-          </a:p>
-        </p:txBody>
-      </p:sp>
-      <p:sp>
-        <p:nvSpPr>
-          <p:cNvPr id="14" name="Arrow: Down 13">
-            <a:extLst>
-              <a:ext uri="{FF2B5EF4-FFF2-40B4-BE49-F238E27FC236}">
-                <a16:creationId xmlns:a16="http://schemas.microsoft.com/office/drawing/2014/main" id="{33CB8554-6CDB-D4CB-24BE-3E9C228525A2}"/>
-              </a:ext>
-            </a:extLst>
-          </p:cNvPr>
-          <p:cNvSpPr/>
-          <p:nvPr/>
-        </p:nvSpPr>
-        <p:spPr>
-          <a:xfrm flipV="1">
-            <a:off x="8093759" y="2335700"/>
-            <a:ext cx="238539" cy="308113"/>
-          </a:xfrm>
-          <a:prstGeom prst="downArrow">
-            <a:avLst/>
-          </a:prstGeom>
-        </p:spPr>
-        <p:style>
-          <a:lnRef idx="3">
-            <a:schemeClr val="lt1"/>
-          </a:lnRef>
-          <a:fillRef idx="1">
-            <a:schemeClr val="accent5"/>
-          </a:fillRef>
-          <a:effectRef idx="1">
-            <a:schemeClr val="accent5"/>
-          </a:effectRef>
-          <a:fontRef idx="minor">
-            <a:schemeClr val="lt1"/>
-          </a:fontRef>
-        </p:style>
-        <p:txBody>
-          <a:bodyPr rtlCol="0" anchor="ctr"/>
-          <a:lstStyle/>
-          <a:p>
-            <a:pPr algn="ctr"/>
-            <a:endParaRPr lang="en-GB"/>
           </a:p>
         </p:txBody>
       </p:sp>
@@ -4067,6 +3983,141 @@
               <a:rPr lang="en-GB" sz="2800" dirty="0"/>
               <a:t>Application</a:t>
             </a:r>
+          </a:p>
+        </p:txBody>
+      </p:sp>
+      <p:sp>
+        <p:nvSpPr>
+          <p:cNvPr id="17" name="Rectangle: Rounded Corners 16">
+            <a:extLst>
+              <a:ext uri="{FF2B5EF4-FFF2-40B4-BE49-F238E27FC236}">
+                <a16:creationId xmlns:a16="http://schemas.microsoft.com/office/drawing/2014/main" id="{976B06B8-4591-7BDB-6624-D92AC8FE5152}"/>
+              </a:ext>
+            </a:extLst>
+          </p:cNvPr>
+          <p:cNvSpPr/>
+          <p:nvPr/>
+        </p:nvSpPr>
+        <p:spPr>
+          <a:xfrm>
+            <a:off x="7583575" y="2837614"/>
+            <a:ext cx="1908294" cy="397565"/>
+          </a:xfrm>
+          <a:prstGeom prst="roundRect">
+            <a:avLst/>
+          </a:prstGeom>
+        </p:spPr>
+        <p:style>
+          <a:lnRef idx="1">
+            <a:schemeClr val="accent1"/>
+          </a:lnRef>
+          <a:fillRef idx="2">
+            <a:schemeClr val="accent1"/>
+          </a:fillRef>
+          <a:effectRef idx="1">
+            <a:schemeClr val="accent1"/>
+          </a:effectRef>
+          <a:fontRef idx="minor">
+            <a:schemeClr val="dk1"/>
+          </a:fontRef>
+        </p:style>
+        <p:txBody>
+          <a:bodyPr rtlCol="0" anchor="ctr"/>
+          <a:lstStyle/>
+          <a:p>
+            <a:pPr algn="ctr"/>
+            <a:r>
+              <a:rPr lang="en-GB" dirty="0"/>
+              <a:t>NAV Interface</a:t>
+            </a:r>
+          </a:p>
+        </p:txBody>
+      </p:sp>
+      <p:sp>
+        <p:nvSpPr>
+          <p:cNvPr id="18" name="Arrow: Up-Down 17">
+            <a:extLst>
+              <a:ext uri="{FF2B5EF4-FFF2-40B4-BE49-F238E27FC236}">
+                <a16:creationId xmlns:a16="http://schemas.microsoft.com/office/drawing/2014/main" id="{4349A6C0-8C9C-B2B2-85F6-8ED490DAEBE7}"/>
+              </a:ext>
+            </a:extLst>
+          </p:cNvPr>
+          <p:cNvSpPr/>
+          <p:nvPr/>
+        </p:nvSpPr>
+        <p:spPr>
+          <a:xfrm>
+            <a:off x="8107010" y="2309188"/>
+            <a:ext cx="212036" cy="367742"/>
+          </a:xfrm>
+          <a:prstGeom prst="upDownArrow">
+            <a:avLst/>
+          </a:prstGeom>
+        </p:spPr>
+        <p:style>
+          <a:lnRef idx="3">
+            <a:schemeClr val="lt1"/>
+          </a:lnRef>
+          <a:fillRef idx="1">
+            <a:schemeClr val="accent5"/>
+          </a:fillRef>
+          <a:effectRef idx="1">
+            <a:schemeClr val="accent5"/>
+          </a:effectRef>
+          <a:fontRef idx="minor">
+            <a:schemeClr val="lt1"/>
+          </a:fontRef>
+        </p:style>
+        <p:txBody>
+          <a:bodyPr rtlCol="0" anchor="ctr"/>
+          <a:lstStyle/>
+          <a:p>
+            <a:pPr algn="ctr"/>
+            <a:endParaRPr lang="en-GB"/>
+          </a:p>
+        </p:txBody>
+      </p:sp>
+      <p:sp>
+        <p:nvSpPr>
+          <p:cNvPr id="19" name="Arrow: Up-Down 18">
+            <a:extLst>
+              <a:ext uri="{FF2B5EF4-FFF2-40B4-BE49-F238E27FC236}">
+                <a16:creationId xmlns:a16="http://schemas.microsoft.com/office/drawing/2014/main" id="{2B064D7F-5263-EB02-DCF2-783A10650F9F}"/>
+              </a:ext>
+            </a:extLst>
+          </p:cNvPr>
+          <p:cNvSpPr/>
+          <p:nvPr/>
+        </p:nvSpPr>
+        <p:spPr>
+          <a:xfrm>
+            <a:off x="3564821" y="2320794"/>
+            <a:ext cx="212036" cy="367742"/>
+          </a:xfrm>
+          <a:prstGeom prst="upDownArrow">
+            <a:avLst/>
+          </a:prstGeom>
+        </p:spPr>
+        <p:style>
+          <a:lnRef idx="3">
+            <a:schemeClr val="lt1"/>
+          </a:lnRef>
+          <a:fillRef idx="1">
+            <a:schemeClr val="accent5"/>
+          </a:fillRef>
+          <a:effectRef idx="1">
+            <a:schemeClr val="accent5"/>
+          </a:effectRef>
+          <a:fontRef idx="minor">
+            <a:schemeClr val="lt1"/>
+          </a:fontRef>
+        </p:style>
+        <p:txBody>
+          <a:bodyPr rtlCol="0" anchor="ctr"/>
+          <a:lstStyle/>
+          <a:p>
+            <a:pPr algn="ctr"/>
+            <a:endParaRPr lang="en-GB"/>
           </a:p>
         </p:txBody>
       </p:sp>
@@ -4102,10 +4153,10 @@
       </p:grpSpPr>
       <p:sp>
         <p:nvSpPr>
-          <p:cNvPr id="4" name="Rectangle 3">
-            <a:extLst>
-              <a:ext uri="{FF2B5EF4-FFF2-40B4-BE49-F238E27FC236}">
-                <a16:creationId xmlns:a16="http://schemas.microsoft.com/office/drawing/2014/main" id="{67F4BA31-8377-4A5A-45C9-57A836BD003A}"/>
+          <p:cNvPr id="15" name="Rectangle 14">
+            <a:extLst>
+              <a:ext uri="{FF2B5EF4-FFF2-40B4-BE49-F238E27FC236}">
+                <a16:creationId xmlns:a16="http://schemas.microsoft.com/office/drawing/2014/main" id="{7DCC3BB4-CE12-05F7-14C9-0EA8A77EEE80}"/>
               </a:ext>
             </a:extLst>
           </p:cNvPr>
@@ -4114,8 +4165,8 @@
         </p:nvSpPr>
         <p:spPr>
           <a:xfrm>
-            <a:off x="2564291" y="1474301"/>
-            <a:ext cx="1417983" cy="987287"/>
+            <a:off x="3803374" y="801756"/>
+            <a:ext cx="4777409" cy="1560434"/>
           </a:xfrm>
           <a:prstGeom prst="rect">
             <a:avLst/>
@@ -4136,23 +4187,23 @@
           </a:fontRef>
         </p:style>
         <p:txBody>
-          <a:bodyPr rtlCol="0" anchor="ctr"/>
+          <a:bodyPr rtlCol="0" anchor="t"/>
           <a:lstStyle/>
           <a:p>
             <a:pPr algn="ctr"/>
             <a:r>
-              <a:rPr lang="en-GB" dirty="0"/>
-              <a:t>Altitude</a:t>
-            </a:r>
-          </a:p>
-        </p:txBody>
-      </p:sp>
-      <p:sp>
-        <p:nvSpPr>
-          <p:cNvPr id="5" name="Rectangle 4">
-            <a:extLst>
-              <a:ext uri="{FF2B5EF4-FFF2-40B4-BE49-F238E27FC236}">
-                <a16:creationId xmlns:a16="http://schemas.microsoft.com/office/drawing/2014/main" id="{8EFA9B11-46BE-C9EC-A5CF-AD69CE6FCC13}"/>
+              <a:rPr lang="en-GB" sz="2000" dirty="0"/>
+              <a:t>AFDS</a:t>
+            </a:r>
+          </a:p>
+        </p:txBody>
+      </p:sp>
+      <p:sp>
+        <p:nvSpPr>
+          <p:cNvPr id="4" name="Rectangle 3">
+            <a:extLst>
+              <a:ext uri="{FF2B5EF4-FFF2-40B4-BE49-F238E27FC236}">
+                <a16:creationId xmlns:a16="http://schemas.microsoft.com/office/drawing/2014/main" id="{F42AC3A9-EA49-E774-27E2-B82048350840}"/>
               </a:ext>
             </a:extLst>
           </p:cNvPr>
@@ -4161,7 +4212,7 @@
         </p:nvSpPr>
         <p:spPr>
           <a:xfrm>
-            <a:off x="2564291" y="2819397"/>
+            <a:off x="5493021" y="1258949"/>
             <a:ext cx="1417983" cy="987287"/>
           </a:xfrm>
           <a:prstGeom prst="rect">
@@ -4189,17 +4240,24 @@
             <a:pPr algn="ctr"/>
             <a:r>
               <a:rPr lang="en-GB" dirty="0"/>
-              <a:t>Heading</a:t>
-            </a:r>
-          </a:p>
-        </p:txBody>
-      </p:sp>
-      <p:sp>
-        <p:nvSpPr>
-          <p:cNvPr id="6" name="Rectangle 5">
-            <a:extLst>
-              <a:ext uri="{FF2B5EF4-FFF2-40B4-BE49-F238E27FC236}">
-                <a16:creationId xmlns:a16="http://schemas.microsoft.com/office/drawing/2014/main" id="{F2EC3387-B209-8129-BF91-A9BA1AD59B01}"/>
+              <a:t>AFDS-*</a:t>
+            </a:r>
+          </a:p>
+          <a:p>
+            <a:pPr algn="ctr"/>
+            <a:r>
+              <a:rPr lang="en-GB" dirty="0"/>
+              <a:t>autopilot</a:t>
+            </a:r>
+          </a:p>
+        </p:txBody>
+      </p:sp>
+      <p:sp>
+        <p:nvSpPr>
+          <p:cNvPr id="5" name="Rectangle 4">
+            <a:extLst>
+              <a:ext uri="{FF2B5EF4-FFF2-40B4-BE49-F238E27FC236}">
+                <a16:creationId xmlns:a16="http://schemas.microsoft.com/office/drawing/2014/main" id="{0CFC6FC9-8CE7-7EEC-D953-9E21AE17E5F2}"/>
               </a:ext>
             </a:extLst>
           </p:cNvPr>
@@ -4208,7 +4266,7 @@
         </p:nvSpPr>
         <p:spPr>
           <a:xfrm>
-            <a:off x="2564290" y="4164493"/>
+            <a:off x="3922638" y="1258948"/>
             <a:ext cx="1417983" cy="987287"/>
           </a:xfrm>
           <a:prstGeom prst="rect">
@@ -4236,17 +4294,24 @@
             <a:pPr algn="ctr"/>
             <a:r>
               <a:rPr lang="en-GB" dirty="0"/>
-              <a:t>Velocity</a:t>
-            </a:r>
-          </a:p>
-        </p:txBody>
-      </p:sp>
-      <p:sp>
-        <p:nvSpPr>
-          <p:cNvPr id="7" name="Rectangle 6">
-            <a:extLst>
-              <a:ext uri="{FF2B5EF4-FFF2-40B4-BE49-F238E27FC236}">
-                <a16:creationId xmlns:a16="http://schemas.microsoft.com/office/drawing/2014/main" id="{84FBFF6D-D8CD-0B4A-F7AC-9DB677FC21FD}"/>
+              <a:t>AFDS-IFACE</a:t>
+            </a:r>
+          </a:p>
+          <a:p>
+            <a:pPr algn="ctr"/>
+            <a:r>
+              <a:rPr lang="en-GB" sz="1100" dirty="0"/>
+              <a:t>Data Input</a:t>
+            </a:r>
+          </a:p>
+        </p:txBody>
+      </p:sp>
+      <p:sp>
+        <p:nvSpPr>
+          <p:cNvPr id="6" name="Rectangle 5">
+            <a:extLst>
+              <a:ext uri="{FF2B5EF4-FFF2-40B4-BE49-F238E27FC236}">
+                <a16:creationId xmlns:a16="http://schemas.microsoft.com/office/drawing/2014/main" id="{B22C788F-F7E9-32DF-62D7-E09D2B830DA0}"/>
               </a:ext>
             </a:extLst>
           </p:cNvPr>
@@ -4255,7 +4320,7 @@
         </p:nvSpPr>
         <p:spPr>
           <a:xfrm>
-            <a:off x="371059" y="2083900"/>
+            <a:off x="7063404" y="1258947"/>
             <a:ext cx="1417983" cy="987287"/>
           </a:xfrm>
           <a:prstGeom prst="rect">
@@ -4267,10 +4332,10 @@
             <a:schemeClr val="lt1"/>
           </a:lnRef>
           <a:fillRef idx="1">
-            <a:schemeClr val="accent3"/>
+            <a:schemeClr val="accent1"/>
           </a:fillRef>
           <a:effectRef idx="1">
-            <a:schemeClr val="accent3"/>
+            <a:schemeClr val="accent1"/>
           </a:effectRef>
           <a:fontRef idx="minor">
             <a:schemeClr val="lt1"/>
@@ -4283,24 +4348,71 @@
             <a:pPr algn="ctr"/>
             <a:r>
               <a:rPr lang="en-GB" dirty="0"/>
-              <a:t>Aircraft</a:t>
+              <a:t>AFDS-IFACE</a:t>
             </a:r>
           </a:p>
           <a:p>
             <a:pPr algn="ctr"/>
             <a:r>
+              <a:rPr lang="en-GB" sz="1100" dirty="0"/>
+              <a:t>Data Output</a:t>
+            </a:r>
+          </a:p>
+        </p:txBody>
+      </p:sp>
+      <p:sp>
+        <p:nvSpPr>
+          <p:cNvPr id="8" name="Rectangle: Rounded Corners 7">
+            <a:extLst>
+              <a:ext uri="{FF2B5EF4-FFF2-40B4-BE49-F238E27FC236}">
+                <a16:creationId xmlns:a16="http://schemas.microsoft.com/office/drawing/2014/main" id="{3EB9D026-5059-C2B3-275E-ADF5C31B2519}"/>
+              </a:ext>
+            </a:extLst>
+          </p:cNvPr>
+          <p:cNvSpPr/>
+          <p:nvPr/>
+        </p:nvSpPr>
+        <p:spPr>
+          <a:xfrm>
+            <a:off x="1250665" y="1964625"/>
+            <a:ext cx="1898379" cy="397565"/>
+          </a:xfrm>
+          <a:prstGeom prst="roundRect">
+            <a:avLst/>
+          </a:prstGeom>
+        </p:spPr>
+        <p:style>
+          <a:lnRef idx="1">
+            <a:schemeClr val="accent1"/>
+          </a:lnRef>
+          <a:fillRef idx="2">
+            <a:schemeClr val="accent1"/>
+          </a:fillRef>
+          <a:effectRef idx="1">
+            <a:schemeClr val="accent1"/>
+          </a:effectRef>
+          <a:fontRef idx="minor">
+            <a:schemeClr val="dk1"/>
+          </a:fontRef>
+        </p:style>
+        <p:txBody>
+          <a:bodyPr rtlCol="0" anchor="ctr"/>
+          <a:lstStyle/>
+          <a:p>
+            <a:pPr algn="ctr"/>
+            <a:r>
               <a:rPr lang="en-GB" dirty="0"/>
-              <a:t>status</a:t>
-            </a:r>
-          </a:p>
-        </p:txBody>
-      </p:sp>
-      <p:sp>
-        <p:nvSpPr>
-          <p:cNvPr id="8" name="Rectangle 7">
-            <a:extLst>
-              <a:ext uri="{FF2B5EF4-FFF2-40B4-BE49-F238E27FC236}">
-                <a16:creationId xmlns:a16="http://schemas.microsoft.com/office/drawing/2014/main" id="{10D1B1A8-C243-21FC-E1CD-2BE904AFB49C}"/>
+              <a:t>GCAS Interface</a:t>
+            </a:r>
+          </a:p>
+        </p:txBody>
+      </p:sp>
+      <p:sp>
+        <p:nvSpPr>
+          <p:cNvPr id="9" name="Rectangle: Rounded Corners 8">
+            <a:extLst>
+              <a:ext uri="{FF2B5EF4-FFF2-40B4-BE49-F238E27FC236}">
+                <a16:creationId xmlns:a16="http://schemas.microsoft.com/office/drawing/2014/main" id="{F7914995-91B0-989C-2E79-CED2D11F1FF3}"/>
               </a:ext>
             </a:extLst>
           </p:cNvPr>
@@ -4309,8 +4421,241 @@
         </p:nvSpPr>
         <p:spPr>
           <a:xfrm>
-            <a:off x="371058" y="3564831"/>
-            <a:ext cx="1417983" cy="987287"/>
+            <a:off x="1250665" y="1156242"/>
+            <a:ext cx="1898379" cy="397565"/>
+          </a:xfrm>
+          <a:prstGeom prst="roundRect">
+            <a:avLst/>
+          </a:prstGeom>
+        </p:spPr>
+        <p:style>
+          <a:lnRef idx="1">
+            <a:schemeClr val="accent1"/>
+          </a:lnRef>
+          <a:fillRef idx="2">
+            <a:schemeClr val="accent1"/>
+          </a:fillRef>
+          <a:effectRef idx="1">
+            <a:schemeClr val="accent1"/>
+          </a:effectRef>
+          <a:fontRef idx="minor">
+            <a:schemeClr val="dk1"/>
+          </a:fontRef>
+        </p:style>
+        <p:txBody>
+          <a:bodyPr rtlCol="0" anchor="ctr"/>
+          <a:lstStyle/>
+          <a:p>
+            <a:pPr algn="ctr"/>
+            <a:r>
+              <a:rPr lang="en-GB" dirty="0"/>
+              <a:t>Aircraft Interface</a:t>
+            </a:r>
+          </a:p>
+        </p:txBody>
+      </p:sp>
+      <p:sp>
+        <p:nvSpPr>
+          <p:cNvPr id="10" name="Rectangle: Rounded Corners 9">
+            <a:extLst>
+              <a:ext uri="{FF2B5EF4-FFF2-40B4-BE49-F238E27FC236}">
+                <a16:creationId xmlns:a16="http://schemas.microsoft.com/office/drawing/2014/main" id="{C5154D0A-B759-8C06-3E42-0C75B0FEA090}"/>
+              </a:ext>
+            </a:extLst>
+          </p:cNvPr>
+          <p:cNvSpPr/>
+          <p:nvPr/>
+        </p:nvSpPr>
+        <p:spPr>
+          <a:xfrm>
+            <a:off x="1250665" y="1567060"/>
+            <a:ext cx="1898379" cy="397565"/>
+          </a:xfrm>
+          <a:prstGeom prst="roundRect">
+            <a:avLst/>
+          </a:prstGeom>
+        </p:spPr>
+        <p:style>
+          <a:lnRef idx="1">
+            <a:schemeClr val="accent1"/>
+          </a:lnRef>
+          <a:fillRef idx="2">
+            <a:schemeClr val="accent1"/>
+          </a:fillRef>
+          <a:effectRef idx="1">
+            <a:schemeClr val="accent1"/>
+          </a:effectRef>
+          <a:fontRef idx="minor">
+            <a:schemeClr val="dk1"/>
+          </a:fontRef>
+        </p:style>
+        <p:txBody>
+          <a:bodyPr rtlCol="0" anchor="ctr"/>
+          <a:lstStyle/>
+          <a:p>
+            <a:pPr algn="ctr"/>
+            <a:r>
+              <a:rPr lang="en-GB" dirty="0"/>
+              <a:t>NAV Interface</a:t>
+            </a:r>
+          </a:p>
+        </p:txBody>
+      </p:sp>
+      <p:sp>
+        <p:nvSpPr>
+          <p:cNvPr id="14" name="Rectangle: Rounded Corners 13">
+            <a:extLst>
+              <a:ext uri="{FF2B5EF4-FFF2-40B4-BE49-F238E27FC236}">
+                <a16:creationId xmlns:a16="http://schemas.microsoft.com/office/drawing/2014/main" id="{5E75D09B-35AF-B161-9BF9-23508495A134}"/>
+              </a:ext>
+            </a:extLst>
+          </p:cNvPr>
+          <p:cNvSpPr/>
+          <p:nvPr/>
+        </p:nvSpPr>
+        <p:spPr>
+          <a:xfrm>
+            <a:off x="9200312" y="1553807"/>
+            <a:ext cx="1898379" cy="397565"/>
+          </a:xfrm>
+          <a:prstGeom prst="roundRect">
+            <a:avLst/>
+          </a:prstGeom>
+        </p:spPr>
+        <p:style>
+          <a:lnRef idx="1">
+            <a:schemeClr val="accent1"/>
+          </a:lnRef>
+          <a:fillRef idx="2">
+            <a:schemeClr val="accent1"/>
+          </a:fillRef>
+          <a:effectRef idx="1">
+            <a:schemeClr val="accent1"/>
+          </a:effectRef>
+          <a:fontRef idx="minor">
+            <a:schemeClr val="dk1"/>
+          </a:fontRef>
+        </p:style>
+        <p:txBody>
+          <a:bodyPr rtlCol="0" anchor="ctr"/>
+          <a:lstStyle/>
+          <a:p>
+            <a:pPr algn="ctr"/>
+            <a:r>
+              <a:rPr lang="en-GB" dirty="0"/>
+              <a:t>Aircraft Interface</a:t>
+            </a:r>
+          </a:p>
+        </p:txBody>
+      </p:sp>
+      <p:sp>
+        <p:nvSpPr>
+          <p:cNvPr id="16" name="Arrow: Right 15">
+            <a:extLst>
+              <a:ext uri="{FF2B5EF4-FFF2-40B4-BE49-F238E27FC236}">
+                <a16:creationId xmlns:a16="http://schemas.microsoft.com/office/drawing/2014/main" id="{AE84E960-C89A-13F8-F571-421FB59EE3E4}"/>
+              </a:ext>
+            </a:extLst>
+          </p:cNvPr>
+          <p:cNvSpPr/>
+          <p:nvPr/>
+        </p:nvSpPr>
+        <p:spPr>
+          <a:xfrm>
+            <a:off x="3273287" y="1567060"/>
+            <a:ext cx="430691" cy="384312"/>
+          </a:xfrm>
+          <a:prstGeom prst="rightArrow">
+            <a:avLst/>
+          </a:prstGeom>
+        </p:spPr>
+        <p:style>
+          <a:lnRef idx="2">
+            <a:schemeClr val="accent1">
+              <a:shade val="15000"/>
+            </a:schemeClr>
+          </a:lnRef>
+          <a:fillRef idx="1">
+            <a:schemeClr val="accent1"/>
+          </a:fillRef>
+          <a:effectRef idx="0">
+            <a:schemeClr val="accent1"/>
+          </a:effectRef>
+          <a:fontRef idx="minor">
+            <a:schemeClr val="lt1"/>
+          </a:fontRef>
+        </p:style>
+        <p:txBody>
+          <a:bodyPr rtlCol="0" anchor="ctr"/>
+          <a:lstStyle/>
+          <a:p>
+            <a:pPr algn="ctr"/>
+            <a:endParaRPr lang="en-GB"/>
+          </a:p>
+        </p:txBody>
+      </p:sp>
+      <p:sp>
+        <p:nvSpPr>
+          <p:cNvPr id="17" name="Arrow: Right 16">
+            <a:extLst>
+              <a:ext uri="{FF2B5EF4-FFF2-40B4-BE49-F238E27FC236}">
+                <a16:creationId xmlns:a16="http://schemas.microsoft.com/office/drawing/2014/main" id="{2F68941C-5E63-06EE-4E43-6230F4A9B145}"/>
+              </a:ext>
+            </a:extLst>
+          </p:cNvPr>
+          <p:cNvSpPr/>
+          <p:nvPr/>
+        </p:nvSpPr>
+        <p:spPr>
+          <a:xfrm>
+            <a:off x="8660286" y="1537232"/>
+            <a:ext cx="430691" cy="384312"/>
+          </a:xfrm>
+          <a:prstGeom prst="rightArrow">
+            <a:avLst/>
+          </a:prstGeom>
+        </p:spPr>
+        <p:style>
+          <a:lnRef idx="2">
+            <a:schemeClr val="accent1">
+              <a:shade val="15000"/>
+            </a:schemeClr>
+          </a:lnRef>
+          <a:fillRef idx="1">
+            <a:schemeClr val="accent1"/>
+          </a:fillRef>
+          <a:effectRef idx="0">
+            <a:schemeClr val="accent1"/>
+          </a:effectRef>
+          <a:fontRef idx="minor">
+            <a:schemeClr val="lt1"/>
+          </a:fontRef>
+        </p:style>
+        <p:txBody>
+          <a:bodyPr rtlCol="0" anchor="ctr"/>
+          <a:lstStyle/>
+          <a:p>
+            <a:pPr algn="ctr"/>
+            <a:endParaRPr lang="en-GB"/>
+          </a:p>
+        </p:txBody>
+      </p:sp>
+      <p:sp>
+        <p:nvSpPr>
+          <p:cNvPr id="18" name="Rectangle 17">
+            <a:extLst>
+              <a:ext uri="{FF2B5EF4-FFF2-40B4-BE49-F238E27FC236}">
+                <a16:creationId xmlns:a16="http://schemas.microsoft.com/office/drawing/2014/main" id="{00B4625F-008D-ED7F-CD21-C17ACFD8C7D6}"/>
+              </a:ext>
+            </a:extLst>
+          </p:cNvPr>
+          <p:cNvSpPr/>
+          <p:nvPr/>
+        </p:nvSpPr>
+        <p:spPr>
+          <a:xfrm>
+            <a:off x="3803374" y="2661192"/>
+            <a:ext cx="4777409" cy="1560434"/>
           </a:xfrm>
           <a:prstGeom prst="rect">
             <a:avLst/>
@@ -4321,40 +4666,33 @@
             <a:schemeClr val="lt1"/>
           </a:lnRef>
           <a:fillRef idx="1">
-            <a:schemeClr val="accent3"/>
+            <a:schemeClr val="accent1"/>
           </a:fillRef>
           <a:effectRef idx="1">
-            <a:schemeClr val="accent3"/>
+            <a:schemeClr val="accent1"/>
           </a:effectRef>
           <a:fontRef idx="minor">
             <a:schemeClr val="lt1"/>
           </a:fontRef>
         </p:style>
         <p:txBody>
-          <a:bodyPr rtlCol="0" anchor="ctr"/>
+          <a:bodyPr rtlCol="0" anchor="t"/>
           <a:lstStyle/>
           <a:p>
             <a:pPr algn="ctr"/>
             <a:r>
-              <a:rPr lang="en-GB" dirty="0"/>
-              <a:t>NAV</a:t>
-            </a:r>
-          </a:p>
-          <a:p>
-            <a:pPr algn="ctr"/>
-            <a:r>
-              <a:rPr lang="en-GB" dirty="0"/>
-              <a:t>settings</a:t>
-            </a:r>
-          </a:p>
-        </p:txBody>
-      </p:sp>
-      <p:sp>
-        <p:nvSpPr>
-          <p:cNvPr id="10" name="Rectangle 9">
-            <a:extLst>
-              <a:ext uri="{FF2B5EF4-FFF2-40B4-BE49-F238E27FC236}">
-                <a16:creationId xmlns:a16="http://schemas.microsoft.com/office/drawing/2014/main" id="{777DCE79-CD58-F68D-0F21-8FB059B45B40}"/>
+              <a:rPr lang="en-GB" sz="2000" dirty="0"/>
+              <a:t>GCAS</a:t>
+            </a:r>
+          </a:p>
+        </p:txBody>
+      </p:sp>
+      <p:sp>
+        <p:nvSpPr>
+          <p:cNvPr id="19" name="Rectangle 18">
+            <a:extLst>
+              <a:ext uri="{FF2B5EF4-FFF2-40B4-BE49-F238E27FC236}">
+                <a16:creationId xmlns:a16="http://schemas.microsoft.com/office/drawing/2014/main" id="{BC564E33-FA6E-2D0F-CAB8-1B808BCF7FD9}"/>
               </a:ext>
             </a:extLst>
           </p:cNvPr>
@@ -4363,7 +4701,7 @@
         </p:nvSpPr>
         <p:spPr>
           <a:xfrm>
-            <a:off x="6543258" y="738804"/>
+            <a:off x="5493021" y="3118385"/>
             <a:ext cx="1417983" cy="987287"/>
           </a:xfrm>
           <a:prstGeom prst="rect">
@@ -4391,17 +4729,17 @@
             <a:pPr algn="ctr"/>
             <a:r>
               <a:rPr lang="en-GB" dirty="0"/>
-              <a:t>Pitch</a:t>
-            </a:r>
-          </a:p>
-        </p:txBody>
-      </p:sp>
-      <p:sp>
-        <p:nvSpPr>
-          <p:cNvPr id="11" name="Rectangle 10">
-            <a:extLst>
-              <a:ext uri="{FF2B5EF4-FFF2-40B4-BE49-F238E27FC236}">
-                <a16:creationId xmlns:a16="http://schemas.microsoft.com/office/drawing/2014/main" id="{E67B3ECB-8707-D244-37CC-A6B50D98EF35}"/>
+              <a:t>GCAS-IMPL</a:t>
+            </a:r>
+          </a:p>
+        </p:txBody>
+      </p:sp>
+      <p:sp>
+        <p:nvSpPr>
+          <p:cNvPr id="20" name="Rectangle 19">
+            <a:extLst>
+              <a:ext uri="{FF2B5EF4-FFF2-40B4-BE49-F238E27FC236}">
+                <a16:creationId xmlns:a16="http://schemas.microsoft.com/office/drawing/2014/main" id="{814CD2BC-49A0-8029-3B44-14B76E2000B7}"/>
               </a:ext>
             </a:extLst>
           </p:cNvPr>
@@ -4410,8 +4748,8 @@
         </p:nvSpPr>
         <p:spPr>
           <a:xfrm>
-            <a:off x="4558744" y="3424028"/>
-            <a:ext cx="1417983" cy="987287"/>
+            <a:off x="3922638" y="3118384"/>
+            <a:ext cx="1461048" cy="987287"/>
           </a:xfrm>
           <a:prstGeom prst="rect">
             <a:avLst/>
@@ -4438,17 +4776,25 @@
             <a:pPr algn="ctr"/>
             <a:r>
               <a:rPr lang="en-GB" dirty="0"/>
-              <a:t>Roll</a:t>
-            </a:r>
-          </a:p>
-        </p:txBody>
-      </p:sp>
-      <p:sp>
-        <p:nvSpPr>
-          <p:cNvPr id="12" name="Rectangle 11">
-            <a:extLst>
-              <a:ext uri="{FF2B5EF4-FFF2-40B4-BE49-F238E27FC236}">
-                <a16:creationId xmlns:a16="http://schemas.microsoft.com/office/drawing/2014/main" id="{D692960C-ACE1-68B1-ABF4-EA7EC34BEBB9}"/>
+              <a:t>GCAS-IFACE</a:t>
+            </a:r>
+            <a:endParaRPr lang="en-GB" sz="1100" dirty="0"/>
+          </a:p>
+          <a:p>
+            <a:pPr algn="ctr"/>
+            <a:r>
+              <a:rPr lang="en-GB" sz="1100" dirty="0"/>
+              <a:t>Data Input</a:t>
+            </a:r>
+          </a:p>
+        </p:txBody>
+      </p:sp>
+      <p:sp>
+        <p:nvSpPr>
+          <p:cNvPr id="21" name="Rectangle 20">
+            <a:extLst>
+              <a:ext uri="{FF2B5EF4-FFF2-40B4-BE49-F238E27FC236}">
+                <a16:creationId xmlns:a16="http://schemas.microsoft.com/office/drawing/2014/main" id="{75965DF1-ACA1-74A0-94A6-5C3F15313E77}"/>
               </a:ext>
             </a:extLst>
           </p:cNvPr>
@@ -4457,8 +4803,8 @@
         </p:nvSpPr>
         <p:spPr>
           <a:xfrm>
-            <a:off x="8603970" y="3428995"/>
-            <a:ext cx="1417983" cy="987287"/>
+            <a:off x="7020340" y="3118383"/>
+            <a:ext cx="1461048" cy="987287"/>
           </a:xfrm>
           <a:prstGeom prst="rect">
             <a:avLst/>
@@ -4469,10 +4815,10 @@
             <a:schemeClr val="lt1"/>
           </a:lnRef>
           <a:fillRef idx="1">
-            <a:schemeClr val="accent5"/>
+            <a:schemeClr val="accent1"/>
           </a:fillRef>
           <a:effectRef idx="1">
-            <a:schemeClr val="accent5"/>
+            <a:schemeClr val="accent1"/>
           </a:effectRef>
           <a:fontRef idx="minor">
             <a:schemeClr val="lt1"/>
@@ -4485,17 +4831,24 @@
             <a:pPr algn="ctr"/>
             <a:r>
               <a:rPr lang="en-GB" dirty="0"/>
-              <a:t>Ailerons</a:t>
-            </a:r>
-          </a:p>
-        </p:txBody>
-      </p:sp>
-      <p:sp>
-        <p:nvSpPr>
-          <p:cNvPr id="14" name="Rectangle 13">
-            <a:extLst>
-              <a:ext uri="{FF2B5EF4-FFF2-40B4-BE49-F238E27FC236}">
-                <a16:creationId xmlns:a16="http://schemas.microsoft.com/office/drawing/2014/main" id="{5A0CEAC6-0BCF-A476-F73E-01FAF2459D2C}"/>
+              <a:t>GCAS-IFACE</a:t>
+            </a:r>
+          </a:p>
+          <a:p>
+            <a:pPr algn="ctr"/>
+            <a:r>
+              <a:rPr lang="en-GB" sz="1100" dirty="0"/>
+              <a:t>Data Output</a:t>
+            </a:r>
+          </a:p>
+        </p:txBody>
+      </p:sp>
+      <p:sp>
+        <p:nvSpPr>
+          <p:cNvPr id="22" name="Rectangle: Rounded Corners 21">
+            <a:extLst>
+              <a:ext uri="{FF2B5EF4-FFF2-40B4-BE49-F238E27FC236}">
+                <a16:creationId xmlns:a16="http://schemas.microsoft.com/office/drawing/2014/main" id="{23D8BADF-3474-94A3-4E0D-130930C2462D}"/>
               </a:ext>
             </a:extLst>
           </p:cNvPr>
@@ -4504,8 +4857,241 @@
         </p:nvSpPr>
         <p:spPr>
           <a:xfrm>
-            <a:off x="4558744" y="738804"/>
-            <a:ext cx="1417983" cy="987287"/>
+            <a:off x="1252338" y="3631050"/>
+            <a:ext cx="1898379" cy="397565"/>
+          </a:xfrm>
+          <a:prstGeom prst="roundRect">
+            <a:avLst/>
+          </a:prstGeom>
+        </p:spPr>
+        <p:style>
+          <a:lnRef idx="1">
+            <a:schemeClr val="accent1"/>
+          </a:lnRef>
+          <a:fillRef idx="2">
+            <a:schemeClr val="accent1"/>
+          </a:fillRef>
+          <a:effectRef idx="1">
+            <a:schemeClr val="accent1"/>
+          </a:effectRef>
+          <a:fontRef idx="minor">
+            <a:schemeClr val="dk1"/>
+          </a:fontRef>
+        </p:style>
+        <p:txBody>
+          <a:bodyPr rtlCol="0" anchor="ctr"/>
+          <a:lstStyle/>
+          <a:p>
+            <a:pPr algn="ctr"/>
+            <a:r>
+              <a:rPr lang="en-GB" dirty="0"/>
+              <a:t>GCAS Interface</a:t>
+            </a:r>
+          </a:p>
+        </p:txBody>
+      </p:sp>
+      <p:sp>
+        <p:nvSpPr>
+          <p:cNvPr id="23" name="Rectangle: Rounded Corners 22">
+            <a:extLst>
+              <a:ext uri="{FF2B5EF4-FFF2-40B4-BE49-F238E27FC236}">
+                <a16:creationId xmlns:a16="http://schemas.microsoft.com/office/drawing/2014/main" id="{BF354F9C-2B5B-5E36-9AEB-7BA8D446DBF0}"/>
+              </a:ext>
+            </a:extLst>
+          </p:cNvPr>
+          <p:cNvSpPr/>
+          <p:nvPr/>
+        </p:nvSpPr>
+        <p:spPr>
+          <a:xfrm>
+            <a:off x="1250664" y="3226858"/>
+            <a:ext cx="1898379" cy="397565"/>
+          </a:xfrm>
+          <a:prstGeom prst="roundRect">
+            <a:avLst/>
+          </a:prstGeom>
+        </p:spPr>
+        <p:style>
+          <a:lnRef idx="1">
+            <a:schemeClr val="accent1"/>
+          </a:lnRef>
+          <a:fillRef idx="2">
+            <a:schemeClr val="accent1"/>
+          </a:fillRef>
+          <a:effectRef idx="1">
+            <a:schemeClr val="accent1"/>
+          </a:effectRef>
+          <a:fontRef idx="minor">
+            <a:schemeClr val="dk1"/>
+          </a:fontRef>
+        </p:style>
+        <p:txBody>
+          <a:bodyPr rtlCol="0" anchor="ctr"/>
+          <a:lstStyle/>
+          <a:p>
+            <a:pPr algn="ctr"/>
+            <a:r>
+              <a:rPr lang="en-GB" dirty="0"/>
+              <a:t>Aircraft Interface</a:t>
+            </a:r>
+          </a:p>
+        </p:txBody>
+      </p:sp>
+      <p:sp>
+        <p:nvSpPr>
+          <p:cNvPr id="25" name="Rectangle: Rounded Corners 24">
+            <a:extLst>
+              <a:ext uri="{FF2B5EF4-FFF2-40B4-BE49-F238E27FC236}">
+                <a16:creationId xmlns:a16="http://schemas.microsoft.com/office/drawing/2014/main" id="{30A962A7-32E1-17C5-EF13-475DA05727D7}"/>
+              </a:ext>
+            </a:extLst>
+          </p:cNvPr>
+          <p:cNvSpPr/>
+          <p:nvPr/>
+        </p:nvSpPr>
+        <p:spPr>
+          <a:xfrm>
+            <a:off x="9200312" y="3413243"/>
+            <a:ext cx="1898379" cy="397565"/>
+          </a:xfrm>
+          <a:prstGeom prst="roundRect">
+            <a:avLst/>
+          </a:prstGeom>
+        </p:spPr>
+        <p:style>
+          <a:lnRef idx="1">
+            <a:schemeClr val="accent1"/>
+          </a:lnRef>
+          <a:fillRef idx="2">
+            <a:schemeClr val="accent1"/>
+          </a:fillRef>
+          <a:effectRef idx="1">
+            <a:schemeClr val="accent1"/>
+          </a:effectRef>
+          <a:fontRef idx="minor">
+            <a:schemeClr val="dk1"/>
+          </a:fontRef>
+        </p:style>
+        <p:txBody>
+          <a:bodyPr rtlCol="0" anchor="ctr"/>
+          <a:lstStyle/>
+          <a:p>
+            <a:pPr algn="ctr"/>
+            <a:r>
+              <a:rPr lang="en-GB" dirty="0"/>
+              <a:t>GCAS Interface</a:t>
+            </a:r>
+          </a:p>
+        </p:txBody>
+      </p:sp>
+      <p:sp>
+        <p:nvSpPr>
+          <p:cNvPr id="26" name="Arrow: Right 25">
+            <a:extLst>
+              <a:ext uri="{FF2B5EF4-FFF2-40B4-BE49-F238E27FC236}">
+                <a16:creationId xmlns:a16="http://schemas.microsoft.com/office/drawing/2014/main" id="{41F25217-7E70-01BE-4712-851CFCE194E6}"/>
+              </a:ext>
+            </a:extLst>
+          </p:cNvPr>
+          <p:cNvSpPr/>
+          <p:nvPr/>
+        </p:nvSpPr>
+        <p:spPr>
+          <a:xfrm>
+            <a:off x="3273287" y="3426496"/>
+            <a:ext cx="430691" cy="384312"/>
+          </a:xfrm>
+          <a:prstGeom prst="rightArrow">
+            <a:avLst/>
+          </a:prstGeom>
+        </p:spPr>
+        <p:style>
+          <a:lnRef idx="2">
+            <a:schemeClr val="accent1">
+              <a:shade val="15000"/>
+            </a:schemeClr>
+          </a:lnRef>
+          <a:fillRef idx="1">
+            <a:schemeClr val="accent1"/>
+          </a:fillRef>
+          <a:effectRef idx="0">
+            <a:schemeClr val="accent1"/>
+          </a:effectRef>
+          <a:fontRef idx="minor">
+            <a:schemeClr val="lt1"/>
+          </a:fontRef>
+        </p:style>
+        <p:txBody>
+          <a:bodyPr rtlCol="0" anchor="ctr"/>
+          <a:lstStyle/>
+          <a:p>
+            <a:pPr algn="ctr"/>
+            <a:endParaRPr lang="en-GB"/>
+          </a:p>
+        </p:txBody>
+      </p:sp>
+      <p:sp>
+        <p:nvSpPr>
+          <p:cNvPr id="27" name="Arrow: Right 26">
+            <a:extLst>
+              <a:ext uri="{FF2B5EF4-FFF2-40B4-BE49-F238E27FC236}">
+                <a16:creationId xmlns:a16="http://schemas.microsoft.com/office/drawing/2014/main" id="{DFAEE4AD-AF89-0C16-B920-1CB174D57EEF}"/>
+              </a:ext>
+            </a:extLst>
+          </p:cNvPr>
+          <p:cNvSpPr/>
+          <p:nvPr/>
+        </p:nvSpPr>
+        <p:spPr>
+          <a:xfrm>
+            <a:off x="8660286" y="3396668"/>
+            <a:ext cx="430691" cy="384312"/>
+          </a:xfrm>
+          <a:prstGeom prst="rightArrow">
+            <a:avLst/>
+          </a:prstGeom>
+        </p:spPr>
+        <p:style>
+          <a:lnRef idx="2">
+            <a:schemeClr val="accent1">
+              <a:shade val="15000"/>
+            </a:schemeClr>
+          </a:lnRef>
+          <a:fillRef idx="1">
+            <a:schemeClr val="accent1"/>
+          </a:fillRef>
+          <a:effectRef idx="0">
+            <a:schemeClr val="accent1"/>
+          </a:effectRef>
+          <a:fontRef idx="minor">
+            <a:schemeClr val="lt1"/>
+          </a:fontRef>
+        </p:style>
+        <p:txBody>
+          <a:bodyPr rtlCol="0" anchor="ctr"/>
+          <a:lstStyle/>
+          <a:p>
+            <a:pPr algn="ctr"/>
+            <a:endParaRPr lang="en-GB"/>
+          </a:p>
+        </p:txBody>
+      </p:sp>
+      <p:sp>
+        <p:nvSpPr>
+          <p:cNvPr id="28" name="Rectangle 27">
+            <a:extLst>
+              <a:ext uri="{FF2B5EF4-FFF2-40B4-BE49-F238E27FC236}">
+                <a16:creationId xmlns:a16="http://schemas.microsoft.com/office/drawing/2014/main" id="{492DF3E0-97DF-7058-35DD-5A706D087FD0}"/>
+              </a:ext>
+            </a:extLst>
+          </p:cNvPr>
+          <p:cNvSpPr/>
+          <p:nvPr/>
+        </p:nvSpPr>
+        <p:spPr>
+          <a:xfrm>
+            <a:off x="3803374" y="4550452"/>
+            <a:ext cx="4777409" cy="1560434"/>
           </a:xfrm>
           <a:prstGeom prst="rect">
             <a:avLst/>
@@ -4526,23 +5112,23 @@
           </a:fontRef>
         </p:style>
         <p:txBody>
-          <a:bodyPr rtlCol="0" anchor="ctr"/>
+          <a:bodyPr rtlCol="0" anchor="t"/>
           <a:lstStyle/>
           <a:p>
             <a:pPr algn="ctr"/>
             <a:r>
-              <a:rPr lang="en-GB" dirty="0"/>
-              <a:t>Vertical Speed</a:t>
-            </a:r>
-          </a:p>
-        </p:txBody>
-      </p:sp>
-      <p:sp>
-        <p:nvSpPr>
-          <p:cNvPr id="15" name="Rectangle 14">
-            <a:extLst>
-              <a:ext uri="{FF2B5EF4-FFF2-40B4-BE49-F238E27FC236}">
-                <a16:creationId xmlns:a16="http://schemas.microsoft.com/office/drawing/2014/main" id="{41700776-7CB7-C975-4C71-C21B39578110}"/>
+              <a:rPr lang="en-GB" sz="2000" dirty="0"/>
+              <a:t>NAV</a:t>
+            </a:r>
+          </a:p>
+        </p:txBody>
+      </p:sp>
+      <p:sp>
+        <p:nvSpPr>
+          <p:cNvPr id="29" name="Rectangle 28">
+            <a:extLst>
+              <a:ext uri="{FF2B5EF4-FFF2-40B4-BE49-F238E27FC236}">
+                <a16:creationId xmlns:a16="http://schemas.microsoft.com/office/drawing/2014/main" id="{E02C418E-92FF-851C-E145-70A92FB1E836}"/>
               </a:ext>
             </a:extLst>
           </p:cNvPr>
@@ -4551,7 +5137,7 @@
         </p:nvSpPr>
         <p:spPr>
           <a:xfrm>
-            <a:off x="8603971" y="738804"/>
+            <a:off x="5493021" y="5007645"/>
             <a:ext cx="1417983" cy="987287"/>
           </a:xfrm>
           <a:prstGeom prst="rect">
@@ -4563,10 +5149,10 @@
             <a:schemeClr val="lt1"/>
           </a:lnRef>
           <a:fillRef idx="1">
-            <a:schemeClr val="accent5"/>
+            <a:schemeClr val="accent1"/>
           </a:fillRef>
           <a:effectRef idx="1">
-            <a:schemeClr val="accent5"/>
+            <a:schemeClr val="accent1"/>
           </a:effectRef>
           <a:fontRef idx="minor">
             <a:schemeClr val="lt1"/>
@@ -4579,17 +5165,24 @@
             <a:pPr algn="ctr"/>
             <a:r>
               <a:rPr lang="en-GB" dirty="0"/>
-              <a:t>Elevators</a:t>
-            </a:r>
-          </a:p>
-        </p:txBody>
-      </p:sp>
-      <p:sp>
-        <p:nvSpPr>
-          <p:cNvPr id="16" name="Rectangle 15">
-            <a:extLst>
-              <a:ext uri="{FF2B5EF4-FFF2-40B4-BE49-F238E27FC236}">
-                <a16:creationId xmlns:a16="http://schemas.microsoft.com/office/drawing/2014/main" id="{D51E09BF-561D-A1FB-FAA9-29C4D0BFC62C}"/>
+              <a:t>NAV-IMPL</a:t>
+            </a:r>
+          </a:p>
+          <a:p>
+            <a:pPr algn="ctr"/>
+            <a:r>
+              <a:rPr lang="en-GB" dirty="0"/>
+              <a:t>navigation</a:t>
+            </a:r>
+          </a:p>
+        </p:txBody>
+      </p:sp>
+      <p:sp>
+        <p:nvSpPr>
+          <p:cNvPr id="30" name="Rectangle 29">
+            <a:extLst>
+              <a:ext uri="{FF2B5EF4-FFF2-40B4-BE49-F238E27FC236}">
+                <a16:creationId xmlns:a16="http://schemas.microsoft.com/office/drawing/2014/main" id="{31CBD995-8507-A337-66D9-1C5907777A67}"/>
               </a:ext>
             </a:extLst>
           </p:cNvPr>
@@ -4598,7 +5191,7 @@
         </p:nvSpPr>
         <p:spPr>
           <a:xfrm>
-            <a:off x="8603970" y="4774093"/>
+            <a:off x="3922638" y="5007644"/>
             <a:ext cx="1417983" cy="987287"/>
           </a:xfrm>
           <a:prstGeom prst="rect">
@@ -4610,10 +5203,10 @@
             <a:schemeClr val="lt1"/>
           </a:lnRef>
           <a:fillRef idx="1">
-            <a:schemeClr val="accent5"/>
+            <a:schemeClr val="accent1"/>
           </a:fillRef>
           <a:effectRef idx="1">
-            <a:schemeClr val="accent5"/>
+            <a:schemeClr val="accent1"/>
           </a:effectRef>
           <a:fontRef idx="minor">
             <a:schemeClr val="lt1"/>
@@ -4626,17 +5219,24 @@
             <a:pPr algn="ctr"/>
             <a:r>
               <a:rPr lang="en-GB" dirty="0"/>
-              <a:t>Throttles</a:t>
-            </a:r>
-          </a:p>
-        </p:txBody>
-      </p:sp>
-      <p:sp>
-        <p:nvSpPr>
-          <p:cNvPr id="17" name="Rectangle 16">
-            <a:extLst>
-              <a:ext uri="{FF2B5EF4-FFF2-40B4-BE49-F238E27FC236}">
-                <a16:creationId xmlns:a16="http://schemas.microsoft.com/office/drawing/2014/main" id="{04B78173-958D-AD3A-BDC9-B44530117CAB}"/>
+              <a:t>NAV-IFACE</a:t>
+            </a:r>
+          </a:p>
+          <a:p>
+            <a:pPr algn="ctr"/>
+            <a:r>
+              <a:rPr lang="en-GB" sz="1100" dirty="0"/>
+              <a:t>Data Input</a:t>
+            </a:r>
+          </a:p>
+        </p:txBody>
+      </p:sp>
+      <p:sp>
+        <p:nvSpPr>
+          <p:cNvPr id="31" name="Rectangle 30">
+            <a:extLst>
+              <a:ext uri="{FF2B5EF4-FFF2-40B4-BE49-F238E27FC236}">
+                <a16:creationId xmlns:a16="http://schemas.microsoft.com/office/drawing/2014/main" id="{CF8609F9-6816-2998-F7E5-646B5B3F1FFB}"/>
               </a:ext>
             </a:extLst>
           </p:cNvPr>
@@ -4645,7 +5245,7 @@
         </p:nvSpPr>
         <p:spPr>
           <a:xfrm>
-            <a:off x="10588485" y="2700130"/>
+            <a:off x="7063404" y="5007643"/>
             <a:ext cx="1417983" cy="987287"/>
           </a:xfrm>
           <a:prstGeom prst="rect">
@@ -4657,10 +5257,10 @@
             <a:schemeClr val="lt1"/>
           </a:lnRef>
           <a:fillRef idx="1">
-            <a:schemeClr val="accent2"/>
+            <a:schemeClr val="accent1"/>
           </a:fillRef>
           <a:effectRef idx="1">
-            <a:schemeClr val="accent2"/>
+            <a:schemeClr val="accent1"/>
           </a:effectRef>
           <a:fontRef idx="minor">
             <a:schemeClr val="lt1"/>
@@ -4673,24 +5273,71 @@
             <a:pPr algn="ctr"/>
             <a:r>
               <a:rPr lang="en-GB" dirty="0"/>
-              <a:t>Aircraft</a:t>
+              <a:t>NAV-IFACE</a:t>
             </a:r>
           </a:p>
           <a:p>
             <a:pPr algn="ctr"/>
             <a:r>
+              <a:rPr lang="en-GB" sz="1100" dirty="0"/>
+              <a:t>Data Output</a:t>
+            </a:r>
+          </a:p>
+        </p:txBody>
+      </p:sp>
+      <p:sp>
+        <p:nvSpPr>
+          <p:cNvPr id="33" name="Rectangle: Rounded Corners 32">
+            <a:extLst>
+              <a:ext uri="{FF2B5EF4-FFF2-40B4-BE49-F238E27FC236}">
+                <a16:creationId xmlns:a16="http://schemas.microsoft.com/office/drawing/2014/main" id="{ED4F4AE7-1165-0CD4-5C7E-FDFCF179DFD1}"/>
+              </a:ext>
+            </a:extLst>
+          </p:cNvPr>
+          <p:cNvSpPr/>
+          <p:nvPr/>
+        </p:nvSpPr>
+        <p:spPr>
+          <a:xfrm>
+            <a:off x="1250664" y="5097093"/>
+            <a:ext cx="1898379" cy="397565"/>
+          </a:xfrm>
+          <a:prstGeom prst="roundRect">
+            <a:avLst/>
+          </a:prstGeom>
+        </p:spPr>
+        <p:style>
+          <a:lnRef idx="1">
+            <a:schemeClr val="accent1"/>
+          </a:lnRef>
+          <a:fillRef idx="2">
+            <a:schemeClr val="accent1"/>
+          </a:fillRef>
+          <a:effectRef idx="1">
+            <a:schemeClr val="accent1"/>
+          </a:effectRef>
+          <a:fontRef idx="minor">
+            <a:schemeClr val="dk1"/>
+          </a:fontRef>
+        </p:style>
+        <p:txBody>
+          <a:bodyPr rtlCol="0" anchor="ctr"/>
+          <a:lstStyle/>
+          <a:p>
+            <a:pPr algn="ctr"/>
+            <a:r>
               <a:rPr lang="en-GB" dirty="0"/>
-              <a:t>control</a:t>
-            </a:r>
-          </a:p>
-        </p:txBody>
-      </p:sp>
-      <p:sp>
-        <p:nvSpPr>
-          <p:cNvPr id="18" name="Rectangle 17">
-            <a:extLst>
-              <a:ext uri="{FF2B5EF4-FFF2-40B4-BE49-F238E27FC236}">
-                <a16:creationId xmlns:a16="http://schemas.microsoft.com/office/drawing/2014/main" id="{530DF511-CF72-2B5E-C7D9-809DCD24AB4E}"/>
+              <a:t>Aircraft Interface</a:t>
+            </a:r>
+          </a:p>
+        </p:txBody>
+      </p:sp>
+      <p:sp>
+        <p:nvSpPr>
+          <p:cNvPr id="34" name="Rectangle: Rounded Corners 33">
+            <a:extLst>
+              <a:ext uri="{FF2B5EF4-FFF2-40B4-BE49-F238E27FC236}">
+                <a16:creationId xmlns:a16="http://schemas.microsoft.com/office/drawing/2014/main" id="{908D3703-733D-46E5-351E-C8E4F0EF3562}"/>
               </a:ext>
             </a:extLst>
           </p:cNvPr>
@@ -4699,22 +5346,164 @@
         </p:nvSpPr>
         <p:spPr>
           <a:xfrm>
-            <a:off x="8603970" y="2083900"/>
-            <a:ext cx="1417983" cy="987287"/>
-          </a:xfrm>
-          <a:prstGeom prst="rect">
-            <a:avLst/>
-          </a:prstGeom>
-        </p:spPr>
-        <p:style>
-          <a:lnRef idx="3">
+            <a:off x="1250664" y="5501285"/>
+            <a:ext cx="1898379" cy="397565"/>
+          </a:xfrm>
+          <a:prstGeom prst="roundRect">
+            <a:avLst/>
+          </a:prstGeom>
+        </p:spPr>
+        <p:style>
+          <a:lnRef idx="1">
+            <a:schemeClr val="accent1"/>
+          </a:lnRef>
+          <a:fillRef idx="2">
+            <a:schemeClr val="accent1"/>
+          </a:fillRef>
+          <a:effectRef idx="1">
+            <a:schemeClr val="accent1"/>
+          </a:effectRef>
+          <a:fontRef idx="minor">
+            <a:schemeClr val="dk1"/>
+          </a:fontRef>
+        </p:style>
+        <p:txBody>
+          <a:bodyPr rtlCol="0" anchor="ctr"/>
+          <a:lstStyle/>
+          <a:p>
+            <a:pPr algn="ctr"/>
+            <a:r>
+              <a:rPr lang="en-GB" dirty="0"/>
+              <a:t>NAV Interface</a:t>
+            </a:r>
+          </a:p>
+        </p:txBody>
+      </p:sp>
+      <p:sp>
+        <p:nvSpPr>
+          <p:cNvPr id="35" name="Rectangle: Rounded Corners 34">
+            <a:extLst>
+              <a:ext uri="{FF2B5EF4-FFF2-40B4-BE49-F238E27FC236}">
+                <a16:creationId xmlns:a16="http://schemas.microsoft.com/office/drawing/2014/main" id="{52172937-F475-6E16-9B0E-C1EAE50AF125}"/>
+              </a:ext>
+            </a:extLst>
+          </p:cNvPr>
+          <p:cNvSpPr/>
+          <p:nvPr/>
+        </p:nvSpPr>
+        <p:spPr>
+          <a:xfrm>
+            <a:off x="9200312" y="5302503"/>
+            <a:ext cx="1898379" cy="397565"/>
+          </a:xfrm>
+          <a:prstGeom prst="roundRect">
+            <a:avLst/>
+          </a:prstGeom>
+        </p:spPr>
+        <p:style>
+          <a:lnRef idx="1">
+            <a:schemeClr val="accent1"/>
+          </a:lnRef>
+          <a:fillRef idx="2">
+            <a:schemeClr val="accent1"/>
+          </a:fillRef>
+          <a:effectRef idx="1">
+            <a:schemeClr val="accent1"/>
+          </a:effectRef>
+          <a:fontRef idx="minor">
+            <a:schemeClr val="dk1"/>
+          </a:fontRef>
+        </p:style>
+        <p:txBody>
+          <a:bodyPr rtlCol="0" anchor="ctr"/>
+          <a:lstStyle/>
+          <a:p>
+            <a:pPr algn="ctr"/>
+            <a:r>
+              <a:rPr lang="en-GB" dirty="0"/>
+              <a:t>NAV Interface</a:t>
+            </a:r>
+          </a:p>
+        </p:txBody>
+      </p:sp>
+      <p:sp>
+        <p:nvSpPr>
+          <p:cNvPr id="36" name="Arrow: Right 35">
+            <a:extLst>
+              <a:ext uri="{FF2B5EF4-FFF2-40B4-BE49-F238E27FC236}">
+                <a16:creationId xmlns:a16="http://schemas.microsoft.com/office/drawing/2014/main" id="{20DF3602-D2EC-253C-F194-7537D26EB926}"/>
+              </a:ext>
+            </a:extLst>
+          </p:cNvPr>
+          <p:cNvSpPr/>
+          <p:nvPr/>
+        </p:nvSpPr>
+        <p:spPr>
+          <a:xfrm>
+            <a:off x="3273287" y="5315756"/>
+            <a:ext cx="430691" cy="384312"/>
+          </a:xfrm>
+          <a:prstGeom prst="rightArrow">
+            <a:avLst/>
+          </a:prstGeom>
+        </p:spPr>
+        <p:style>
+          <a:lnRef idx="2">
+            <a:schemeClr val="accent1">
+              <a:shade val="15000"/>
+            </a:schemeClr>
+          </a:lnRef>
+          <a:fillRef idx="1">
+            <a:schemeClr val="accent1"/>
+          </a:fillRef>
+          <a:effectRef idx="0">
+            <a:schemeClr val="accent1"/>
+          </a:effectRef>
+          <a:fontRef idx="minor">
             <a:schemeClr val="lt1"/>
+          </a:fontRef>
+        </p:style>
+        <p:txBody>
+          <a:bodyPr rtlCol="0" anchor="ctr"/>
+          <a:lstStyle/>
+          <a:p>
+            <a:pPr algn="ctr"/>
+            <a:endParaRPr lang="en-GB"/>
+          </a:p>
+        </p:txBody>
+      </p:sp>
+      <p:sp>
+        <p:nvSpPr>
+          <p:cNvPr id="37" name="Arrow: Right 36">
+            <a:extLst>
+              <a:ext uri="{FF2B5EF4-FFF2-40B4-BE49-F238E27FC236}">
+                <a16:creationId xmlns:a16="http://schemas.microsoft.com/office/drawing/2014/main" id="{F5A0ACFF-0D29-7EAC-D209-AE30A85D4C36}"/>
+              </a:ext>
+            </a:extLst>
+          </p:cNvPr>
+          <p:cNvSpPr/>
+          <p:nvPr/>
+        </p:nvSpPr>
+        <p:spPr>
+          <a:xfrm>
+            <a:off x="8660286" y="5285928"/>
+            <a:ext cx="430691" cy="384312"/>
+          </a:xfrm>
+          <a:prstGeom prst="rightArrow">
+            <a:avLst/>
+          </a:prstGeom>
+        </p:spPr>
+        <p:style>
+          <a:lnRef idx="2">
+            <a:schemeClr val="accent1">
+              <a:shade val="15000"/>
+            </a:schemeClr>
           </a:lnRef>
           <a:fillRef idx="1">
-            <a:schemeClr val="accent5"/>
-          </a:fillRef>
-          <a:effectRef idx="1">
-            <a:schemeClr val="accent5"/>
+            <a:schemeClr val="accent1"/>
+          </a:fillRef>
+          <a:effectRef idx="0">
+            <a:schemeClr val="accent1"/>
           </a:effectRef>
           <a:fontRef idx="minor">
             <a:schemeClr val="lt1"/>
@@ -4725,825 +5514,14 @@
           <a:lstStyle/>
           <a:p>
             <a:pPr algn="ctr"/>
-            <a:r>
-              <a:rPr lang="en-GB" dirty="0"/>
-              <a:t>Rudder</a:t>
-            </a:r>
-          </a:p>
-        </p:txBody>
-      </p:sp>
-      <p:cxnSp>
-        <p:nvCxnSpPr>
-          <p:cNvPr id="20" name="Straight Arrow Connector 19">
-            <a:extLst>
-              <a:ext uri="{FF2B5EF4-FFF2-40B4-BE49-F238E27FC236}">
-                <a16:creationId xmlns:a16="http://schemas.microsoft.com/office/drawing/2014/main" id="{86E64262-9583-18CA-7C55-4E8A19C06678}"/>
-              </a:ext>
-            </a:extLst>
-          </p:cNvPr>
-          <p:cNvCxnSpPr>
-            <a:stCxn id="18" idx="3"/>
-            <a:endCxn id="17" idx="1"/>
-          </p:cNvCxnSpPr>
-          <p:nvPr/>
-        </p:nvCxnSpPr>
-        <p:spPr>
-          <a:xfrm>
-            <a:off x="10021953" y="2577544"/>
-            <a:ext cx="566532" cy="616230"/>
-          </a:xfrm>
-          <a:prstGeom prst="straightConnector1">
-            <a:avLst/>
-          </a:prstGeom>
-          <a:ln>
-            <a:tailEnd type="triangle"/>
-          </a:ln>
-        </p:spPr>
-        <p:style>
-          <a:lnRef idx="2">
-            <a:schemeClr val="accent1"/>
-          </a:lnRef>
-          <a:fillRef idx="0">
-            <a:schemeClr val="accent1"/>
-          </a:fillRef>
-          <a:effectRef idx="1">
-            <a:schemeClr val="accent1"/>
-          </a:effectRef>
-          <a:fontRef idx="minor">
-            <a:schemeClr val="tx1"/>
-          </a:fontRef>
-        </p:style>
-      </p:cxnSp>
-      <p:cxnSp>
-        <p:nvCxnSpPr>
-          <p:cNvPr id="21" name="Straight Arrow Connector 20">
-            <a:extLst>
-              <a:ext uri="{FF2B5EF4-FFF2-40B4-BE49-F238E27FC236}">
-                <a16:creationId xmlns:a16="http://schemas.microsoft.com/office/drawing/2014/main" id="{7C101BDA-D7CA-2C3A-259D-3FC4C2ADE019}"/>
-              </a:ext>
-            </a:extLst>
-          </p:cNvPr>
-          <p:cNvCxnSpPr>
-            <a:cxnSpLocks/>
-            <a:stCxn id="12" idx="3"/>
-            <a:endCxn id="17" idx="1"/>
-          </p:cNvCxnSpPr>
-          <p:nvPr/>
-        </p:nvCxnSpPr>
-        <p:spPr>
-          <a:xfrm flipV="1">
-            <a:off x="10021953" y="3193774"/>
-            <a:ext cx="566532" cy="728865"/>
-          </a:xfrm>
-          <a:prstGeom prst="straightConnector1">
-            <a:avLst/>
-          </a:prstGeom>
-          <a:ln>
-            <a:tailEnd type="triangle"/>
-          </a:ln>
-        </p:spPr>
-        <p:style>
-          <a:lnRef idx="2">
-            <a:schemeClr val="accent1"/>
-          </a:lnRef>
-          <a:fillRef idx="0">
-            <a:schemeClr val="accent1"/>
-          </a:fillRef>
-          <a:effectRef idx="1">
-            <a:schemeClr val="accent1"/>
-          </a:effectRef>
-          <a:fontRef idx="minor">
-            <a:schemeClr val="tx1"/>
-          </a:fontRef>
-        </p:style>
-      </p:cxnSp>
-      <p:cxnSp>
-        <p:nvCxnSpPr>
-          <p:cNvPr id="24" name="Straight Arrow Connector 23">
-            <a:extLst>
-              <a:ext uri="{FF2B5EF4-FFF2-40B4-BE49-F238E27FC236}">
-                <a16:creationId xmlns:a16="http://schemas.microsoft.com/office/drawing/2014/main" id="{29E0A8AD-06F6-3E7A-7C9A-A02644ADE13B}"/>
-              </a:ext>
-            </a:extLst>
-          </p:cNvPr>
-          <p:cNvCxnSpPr>
-            <a:cxnSpLocks/>
-            <a:stCxn id="16" idx="3"/>
-            <a:endCxn id="17" idx="1"/>
-          </p:cNvCxnSpPr>
-          <p:nvPr/>
-        </p:nvCxnSpPr>
-        <p:spPr>
-          <a:xfrm flipV="1">
-            <a:off x="10021953" y="3193774"/>
-            <a:ext cx="566532" cy="2073963"/>
-          </a:xfrm>
-          <a:prstGeom prst="straightConnector1">
-            <a:avLst/>
-          </a:prstGeom>
-          <a:ln>
-            <a:tailEnd type="triangle"/>
-          </a:ln>
-        </p:spPr>
-        <p:style>
-          <a:lnRef idx="2">
-            <a:schemeClr val="accent1"/>
-          </a:lnRef>
-          <a:fillRef idx="0">
-            <a:schemeClr val="accent1"/>
-          </a:fillRef>
-          <a:effectRef idx="1">
-            <a:schemeClr val="accent1"/>
-          </a:effectRef>
-          <a:fontRef idx="minor">
-            <a:schemeClr val="tx1"/>
-          </a:fontRef>
-        </p:style>
-      </p:cxnSp>
-      <p:cxnSp>
-        <p:nvCxnSpPr>
-          <p:cNvPr id="27" name="Straight Arrow Connector 26">
-            <a:extLst>
-              <a:ext uri="{FF2B5EF4-FFF2-40B4-BE49-F238E27FC236}">
-                <a16:creationId xmlns:a16="http://schemas.microsoft.com/office/drawing/2014/main" id="{7936D34F-0763-282F-AF82-1CD2D66B7B5A}"/>
-              </a:ext>
-            </a:extLst>
-          </p:cNvPr>
-          <p:cNvCxnSpPr>
-            <a:cxnSpLocks/>
-            <a:stCxn id="15" idx="3"/>
-            <a:endCxn id="17" idx="1"/>
-          </p:cNvCxnSpPr>
-          <p:nvPr/>
-        </p:nvCxnSpPr>
-        <p:spPr>
-          <a:xfrm>
-            <a:off x="10021954" y="1232448"/>
-            <a:ext cx="566531" cy="1961326"/>
-          </a:xfrm>
-          <a:prstGeom prst="straightConnector1">
-            <a:avLst/>
-          </a:prstGeom>
-          <a:ln>
-            <a:tailEnd type="triangle"/>
-          </a:ln>
-        </p:spPr>
-        <p:style>
-          <a:lnRef idx="2">
-            <a:schemeClr val="accent1"/>
-          </a:lnRef>
-          <a:fillRef idx="0">
-            <a:schemeClr val="accent1"/>
-          </a:fillRef>
-          <a:effectRef idx="1">
-            <a:schemeClr val="accent1"/>
-          </a:effectRef>
-          <a:fontRef idx="minor">
-            <a:schemeClr val="tx1"/>
-          </a:fontRef>
-        </p:style>
-      </p:cxnSp>
-      <p:cxnSp>
-        <p:nvCxnSpPr>
-          <p:cNvPr id="39" name="Straight Arrow Connector 38">
-            <a:extLst>
-              <a:ext uri="{FF2B5EF4-FFF2-40B4-BE49-F238E27FC236}">
-                <a16:creationId xmlns:a16="http://schemas.microsoft.com/office/drawing/2014/main" id="{1A165CEC-1BED-A184-7DB6-DAF9FEA3E0BA}"/>
-              </a:ext>
-            </a:extLst>
-          </p:cNvPr>
-          <p:cNvCxnSpPr>
-            <a:cxnSpLocks/>
-            <a:stCxn id="11" idx="3"/>
-            <a:endCxn id="12" idx="1"/>
-          </p:cNvCxnSpPr>
-          <p:nvPr/>
-        </p:nvCxnSpPr>
-        <p:spPr>
-          <a:xfrm>
-            <a:off x="5976727" y="3917672"/>
-            <a:ext cx="2627243" cy="4967"/>
-          </a:xfrm>
-          <a:prstGeom prst="straightConnector1">
-            <a:avLst/>
-          </a:prstGeom>
-          <a:ln>
-            <a:tailEnd type="triangle"/>
-          </a:ln>
-        </p:spPr>
-        <p:style>
-          <a:lnRef idx="2">
-            <a:schemeClr val="accent1"/>
-          </a:lnRef>
-          <a:fillRef idx="0">
-            <a:schemeClr val="accent1"/>
-          </a:fillRef>
-          <a:effectRef idx="1">
-            <a:schemeClr val="accent1"/>
-          </a:effectRef>
-          <a:fontRef idx="minor">
-            <a:schemeClr val="tx1"/>
-          </a:fontRef>
-        </p:style>
-      </p:cxnSp>
-      <p:cxnSp>
-        <p:nvCxnSpPr>
-          <p:cNvPr id="42" name="Straight Arrow Connector 41">
-            <a:extLst>
-              <a:ext uri="{FF2B5EF4-FFF2-40B4-BE49-F238E27FC236}">
-                <a16:creationId xmlns:a16="http://schemas.microsoft.com/office/drawing/2014/main" id="{7CFA5603-3EAF-EC7A-B8D6-52CD219C7108}"/>
-              </a:ext>
-            </a:extLst>
-          </p:cNvPr>
-          <p:cNvCxnSpPr>
-            <a:cxnSpLocks/>
-            <a:stCxn id="5" idx="3"/>
-            <a:endCxn id="18" idx="1"/>
-          </p:cNvCxnSpPr>
-          <p:nvPr/>
-        </p:nvCxnSpPr>
-        <p:spPr>
-          <a:xfrm flipV="1">
-            <a:off x="3982274" y="2577544"/>
-            <a:ext cx="4621696" cy="735497"/>
-          </a:xfrm>
-          <a:prstGeom prst="straightConnector1">
-            <a:avLst/>
-          </a:prstGeom>
-          <a:ln>
-            <a:tailEnd type="triangle"/>
-          </a:ln>
-        </p:spPr>
-        <p:style>
-          <a:lnRef idx="2">
-            <a:schemeClr val="accent1"/>
-          </a:lnRef>
-          <a:fillRef idx="0">
-            <a:schemeClr val="accent1"/>
-          </a:fillRef>
-          <a:effectRef idx="1">
-            <a:schemeClr val="accent1"/>
-          </a:effectRef>
-          <a:fontRef idx="minor">
-            <a:schemeClr val="tx1"/>
-          </a:fontRef>
-        </p:style>
-      </p:cxnSp>
-      <p:cxnSp>
-        <p:nvCxnSpPr>
-          <p:cNvPr id="45" name="Straight Arrow Connector 44">
-            <a:extLst>
-              <a:ext uri="{FF2B5EF4-FFF2-40B4-BE49-F238E27FC236}">
-                <a16:creationId xmlns:a16="http://schemas.microsoft.com/office/drawing/2014/main" id="{F23BF4F3-F84C-EAD6-3E0D-CBF6F68A5986}"/>
-              </a:ext>
-            </a:extLst>
-          </p:cNvPr>
-          <p:cNvCxnSpPr>
-            <a:cxnSpLocks/>
-            <a:stCxn id="5" idx="3"/>
-            <a:endCxn id="15" idx="1"/>
-          </p:cNvCxnSpPr>
-          <p:nvPr/>
-        </p:nvCxnSpPr>
-        <p:spPr>
-          <a:xfrm flipV="1">
-            <a:off x="3982274" y="1232448"/>
-            <a:ext cx="4621697" cy="2080593"/>
-          </a:xfrm>
-          <a:prstGeom prst="straightConnector1">
-            <a:avLst/>
-          </a:prstGeom>
-          <a:ln>
-            <a:tailEnd type="triangle"/>
-          </a:ln>
-        </p:spPr>
-        <p:style>
-          <a:lnRef idx="2">
-            <a:schemeClr val="accent1"/>
-          </a:lnRef>
-          <a:fillRef idx="0">
-            <a:schemeClr val="accent1"/>
-          </a:fillRef>
-          <a:effectRef idx="1">
-            <a:schemeClr val="accent1"/>
-          </a:effectRef>
-          <a:fontRef idx="minor">
-            <a:schemeClr val="tx1"/>
-          </a:fontRef>
-        </p:style>
-      </p:cxnSp>
-      <p:cxnSp>
-        <p:nvCxnSpPr>
-          <p:cNvPr id="48" name="Straight Arrow Connector 47">
-            <a:extLst>
-              <a:ext uri="{FF2B5EF4-FFF2-40B4-BE49-F238E27FC236}">
-                <a16:creationId xmlns:a16="http://schemas.microsoft.com/office/drawing/2014/main" id="{FE426249-9725-ED06-5CA7-39091D5D80B7}"/>
-              </a:ext>
-            </a:extLst>
-          </p:cNvPr>
-          <p:cNvCxnSpPr>
-            <a:cxnSpLocks/>
-            <a:stCxn id="10" idx="3"/>
-            <a:endCxn id="15" idx="1"/>
-          </p:cNvCxnSpPr>
-          <p:nvPr/>
-        </p:nvCxnSpPr>
-        <p:spPr>
-          <a:xfrm>
-            <a:off x="7961241" y="1232448"/>
-            <a:ext cx="642730" cy="0"/>
-          </a:xfrm>
-          <a:prstGeom prst="straightConnector1">
-            <a:avLst/>
-          </a:prstGeom>
-          <a:ln>
-            <a:tailEnd type="triangle"/>
-          </a:ln>
-        </p:spPr>
-        <p:style>
-          <a:lnRef idx="2">
-            <a:schemeClr val="accent1"/>
-          </a:lnRef>
-          <a:fillRef idx="0">
-            <a:schemeClr val="accent1"/>
-          </a:fillRef>
-          <a:effectRef idx="1">
-            <a:schemeClr val="accent1"/>
-          </a:effectRef>
-          <a:fontRef idx="minor">
-            <a:schemeClr val="tx1"/>
-          </a:fontRef>
-        </p:style>
-      </p:cxnSp>
-      <p:cxnSp>
-        <p:nvCxnSpPr>
-          <p:cNvPr id="51" name="Straight Arrow Connector 50">
-            <a:extLst>
-              <a:ext uri="{FF2B5EF4-FFF2-40B4-BE49-F238E27FC236}">
-                <a16:creationId xmlns:a16="http://schemas.microsoft.com/office/drawing/2014/main" id="{32C1FE92-FA4B-244B-F7C5-ABF0474437A3}"/>
-              </a:ext>
-            </a:extLst>
-          </p:cNvPr>
-          <p:cNvCxnSpPr>
-            <a:cxnSpLocks/>
-            <a:stCxn id="6" idx="3"/>
-            <a:endCxn id="16" idx="1"/>
-          </p:cNvCxnSpPr>
-          <p:nvPr/>
-        </p:nvCxnSpPr>
-        <p:spPr>
-          <a:xfrm>
-            <a:off x="3982273" y="4658137"/>
-            <a:ext cx="4621697" cy="609600"/>
-          </a:xfrm>
-          <a:prstGeom prst="straightConnector1">
-            <a:avLst/>
-          </a:prstGeom>
-          <a:ln>
-            <a:tailEnd type="triangle"/>
-          </a:ln>
-        </p:spPr>
-        <p:style>
-          <a:lnRef idx="2">
-            <a:schemeClr val="accent1"/>
-          </a:lnRef>
-          <a:fillRef idx="0">
-            <a:schemeClr val="accent1"/>
-          </a:fillRef>
-          <a:effectRef idx="1">
-            <a:schemeClr val="accent1"/>
-          </a:effectRef>
-          <a:fontRef idx="minor">
-            <a:schemeClr val="tx1"/>
-          </a:fontRef>
-        </p:style>
-      </p:cxnSp>
-      <p:cxnSp>
-        <p:nvCxnSpPr>
-          <p:cNvPr id="54" name="Straight Arrow Connector 53">
-            <a:extLst>
-              <a:ext uri="{FF2B5EF4-FFF2-40B4-BE49-F238E27FC236}">
-                <a16:creationId xmlns:a16="http://schemas.microsoft.com/office/drawing/2014/main" id="{C32FC923-F2CC-AA09-ABE5-7FA6F93F47EC}"/>
-              </a:ext>
-            </a:extLst>
-          </p:cNvPr>
-          <p:cNvCxnSpPr>
-            <a:cxnSpLocks/>
-            <a:stCxn id="5" idx="3"/>
-            <a:endCxn id="11" idx="1"/>
-          </p:cNvCxnSpPr>
-          <p:nvPr/>
-        </p:nvCxnSpPr>
-        <p:spPr>
-          <a:xfrm>
-            <a:off x="3982274" y="3313041"/>
-            <a:ext cx="576470" cy="604631"/>
-          </a:xfrm>
-          <a:prstGeom prst="straightConnector1">
-            <a:avLst/>
-          </a:prstGeom>
-          <a:ln>
-            <a:tailEnd type="triangle"/>
-          </a:ln>
-        </p:spPr>
-        <p:style>
-          <a:lnRef idx="2">
-            <a:schemeClr val="accent1"/>
-          </a:lnRef>
-          <a:fillRef idx="0">
-            <a:schemeClr val="accent1"/>
-          </a:fillRef>
-          <a:effectRef idx="1">
-            <a:schemeClr val="accent1"/>
-          </a:effectRef>
-          <a:fontRef idx="minor">
-            <a:schemeClr val="tx1"/>
-          </a:fontRef>
-        </p:style>
-      </p:cxnSp>
-      <p:cxnSp>
-        <p:nvCxnSpPr>
-          <p:cNvPr id="57" name="Straight Arrow Connector 56">
-            <a:extLst>
-              <a:ext uri="{FF2B5EF4-FFF2-40B4-BE49-F238E27FC236}">
-                <a16:creationId xmlns:a16="http://schemas.microsoft.com/office/drawing/2014/main" id="{19FE65BB-5DF9-D0E9-0288-8131CB768AB1}"/>
-              </a:ext>
-            </a:extLst>
-          </p:cNvPr>
-          <p:cNvCxnSpPr>
-            <a:cxnSpLocks/>
-            <a:stCxn id="4" idx="3"/>
-            <a:endCxn id="14" idx="1"/>
-          </p:cNvCxnSpPr>
-          <p:nvPr/>
-        </p:nvCxnSpPr>
-        <p:spPr>
-          <a:xfrm flipV="1">
-            <a:off x="3982274" y="1232448"/>
-            <a:ext cx="576470" cy="735497"/>
-          </a:xfrm>
-          <a:prstGeom prst="straightConnector1">
-            <a:avLst/>
-          </a:prstGeom>
-          <a:ln>
-            <a:tailEnd type="triangle"/>
-          </a:ln>
-        </p:spPr>
-        <p:style>
-          <a:lnRef idx="2">
-            <a:schemeClr val="accent1"/>
-          </a:lnRef>
-          <a:fillRef idx="0">
-            <a:schemeClr val="accent1"/>
-          </a:fillRef>
-          <a:effectRef idx="1">
-            <a:schemeClr val="accent1"/>
-          </a:effectRef>
-          <a:fontRef idx="minor">
-            <a:schemeClr val="tx1"/>
-          </a:fontRef>
-        </p:style>
-      </p:cxnSp>
-      <p:cxnSp>
-        <p:nvCxnSpPr>
-          <p:cNvPr id="60" name="Straight Arrow Connector 59">
-            <a:extLst>
-              <a:ext uri="{FF2B5EF4-FFF2-40B4-BE49-F238E27FC236}">
-                <a16:creationId xmlns:a16="http://schemas.microsoft.com/office/drawing/2014/main" id="{818BBD38-17E7-8E19-2BB2-C2DD19A84F66}"/>
-              </a:ext>
-            </a:extLst>
-          </p:cNvPr>
-          <p:cNvCxnSpPr>
-            <a:cxnSpLocks/>
-            <a:stCxn id="8" idx="3"/>
-            <a:endCxn id="4" idx="1"/>
-          </p:cNvCxnSpPr>
-          <p:nvPr/>
-        </p:nvCxnSpPr>
-        <p:spPr>
-          <a:xfrm flipV="1">
-            <a:off x="1789041" y="1967945"/>
-            <a:ext cx="775250" cy="2090530"/>
-          </a:xfrm>
-          <a:prstGeom prst="straightConnector1">
-            <a:avLst/>
-          </a:prstGeom>
-          <a:ln>
-            <a:tailEnd type="triangle"/>
-          </a:ln>
-        </p:spPr>
-        <p:style>
-          <a:lnRef idx="2">
-            <a:schemeClr val="accent1"/>
-          </a:lnRef>
-          <a:fillRef idx="0">
-            <a:schemeClr val="accent1"/>
-          </a:fillRef>
-          <a:effectRef idx="1">
-            <a:schemeClr val="accent1"/>
-          </a:effectRef>
-          <a:fontRef idx="minor">
-            <a:schemeClr val="tx1"/>
-          </a:fontRef>
-        </p:style>
-      </p:cxnSp>
-      <p:cxnSp>
-        <p:nvCxnSpPr>
-          <p:cNvPr id="63" name="Straight Arrow Connector 62">
-            <a:extLst>
-              <a:ext uri="{FF2B5EF4-FFF2-40B4-BE49-F238E27FC236}">
-                <a16:creationId xmlns:a16="http://schemas.microsoft.com/office/drawing/2014/main" id="{DE56C18F-6013-ACDD-669C-B18119B8291F}"/>
-              </a:ext>
-            </a:extLst>
-          </p:cNvPr>
-          <p:cNvCxnSpPr>
-            <a:cxnSpLocks/>
-            <a:stCxn id="8" idx="3"/>
-            <a:endCxn id="5" idx="1"/>
-          </p:cNvCxnSpPr>
-          <p:nvPr/>
-        </p:nvCxnSpPr>
-        <p:spPr>
-          <a:xfrm flipV="1">
-            <a:off x="1789041" y="3313041"/>
-            <a:ext cx="775250" cy="745434"/>
-          </a:xfrm>
-          <a:prstGeom prst="straightConnector1">
-            <a:avLst/>
-          </a:prstGeom>
-          <a:ln>
-            <a:tailEnd type="triangle"/>
-          </a:ln>
-        </p:spPr>
-        <p:style>
-          <a:lnRef idx="2">
-            <a:schemeClr val="accent1"/>
-          </a:lnRef>
-          <a:fillRef idx="0">
-            <a:schemeClr val="accent1"/>
-          </a:fillRef>
-          <a:effectRef idx="1">
-            <a:schemeClr val="accent1"/>
-          </a:effectRef>
-          <a:fontRef idx="minor">
-            <a:schemeClr val="tx1"/>
-          </a:fontRef>
-        </p:style>
-      </p:cxnSp>
-      <p:cxnSp>
-        <p:nvCxnSpPr>
-          <p:cNvPr id="66" name="Straight Arrow Connector 65">
-            <a:extLst>
-              <a:ext uri="{FF2B5EF4-FFF2-40B4-BE49-F238E27FC236}">
-                <a16:creationId xmlns:a16="http://schemas.microsoft.com/office/drawing/2014/main" id="{18A4E21B-8316-64DC-BDAF-DD92083D7AF3}"/>
-              </a:ext>
-            </a:extLst>
-          </p:cNvPr>
-          <p:cNvCxnSpPr>
-            <a:cxnSpLocks/>
-            <a:stCxn id="8" idx="3"/>
-            <a:endCxn id="6" idx="1"/>
-          </p:cNvCxnSpPr>
-          <p:nvPr/>
-        </p:nvCxnSpPr>
-        <p:spPr>
-          <a:xfrm>
-            <a:off x="1789041" y="4058475"/>
-            <a:ext cx="775249" cy="599662"/>
-          </a:xfrm>
-          <a:prstGeom prst="straightConnector1">
-            <a:avLst/>
-          </a:prstGeom>
-          <a:ln>
-            <a:tailEnd type="triangle"/>
-          </a:ln>
-        </p:spPr>
-        <p:style>
-          <a:lnRef idx="2">
-            <a:schemeClr val="accent1"/>
-          </a:lnRef>
-          <a:fillRef idx="0">
-            <a:schemeClr val="accent1"/>
-          </a:fillRef>
-          <a:effectRef idx="1">
-            <a:schemeClr val="accent1"/>
-          </a:effectRef>
-          <a:fontRef idx="minor">
-            <a:schemeClr val="tx1"/>
-          </a:fontRef>
-        </p:style>
-      </p:cxnSp>
-      <p:cxnSp>
-        <p:nvCxnSpPr>
-          <p:cNvPr id="75" name="Straight Arrow Connector 74">
-            <a:extLst>
-              <a:ext uri="{FF2B5EF4-FFF2-40B4-BE49-F238E27FC236}">
-                <a16:creationId xmlns:a16="http://schemas.microsoft.com/office/drawing/2014/main" id="{60D8DF70-9A0E-8261-3D38-8614FEDB636E}"/>
-              </a:ext>
-            </a:extLst>
-          </p:cNvPr>
-          <p:cNvCxnSpPr>
-            <a:cxnSpLocks/>
-            <a:stCxn id="7" idx="3"/>
-            <a:endCxn id="4" idx="1"/>
-          </p:cNvCxnSpPr>
-          <p:nvPr/>
-        </p:nvCxnSpPr>
-        <p:spPr>
-          <a:xfrm flipV="1">
-            <a:off x="1789042" y="1967945"/>
-            <a:ext cx="775249" cy="609599"/>
-          </a:xfrm>
-          <a:prstGeom prst="straightConnector1">
-            <a:avLst/>
-          </a:prstGeom>
-          <a:ln>
-            <a:tailEnd type="triangle"/>
-          </a:ln>
-        </p:spPr>
-        <p:style>
-          <a:lnRef idx="2">
-            <a:schemeClr val="accent1"/>
-          </a:lnRef>
-          <a:fillRef idx="0">
-            <a:schemeClr val="accent1"/>
-          </a:fillRef>
-          <a:effectRef idx="1">
-            <a:schemeClr val="accent1"/>
-          </a:effectRef>
-          <a:fontRef idx="minor">
-            <a:schemeClr val="tx1"/>
-          </a:fontRef>
-        </p:style>
-      </p:cxnSp>
-      <p:cxnSp>
-        <p:nvCxnSpPr>
-          <p:cNvPr id="78" name="Straight Arrow Connector 77">
-            <a:extLst>
-              <a:ext uri="{FF2B5EF4-FFF2-40B4-BE49-F238E27FC236}">
-                <a16:creationId xmlns:a16="http://schemas.microsoft.com/office/drawing/2014/main" id="{445F1C4F-724E-9EDA-88B1-742175246CE7}"/>
-              </a:ext>
-            </a:extLst>
-          </p:cNvPr>
-          <p:cNvCxnSpPr>
-            <a:cxnSpLocks/>
-            <a:stCxn id="7" idx="3"/>
-            <a:endCxn id="5" idx="1"/>
-          </p:cNvCxnSpPr>
-          <p:nvPr/>
-        </p:nvCxnSpPr>
-        <p:spPr>
-          <a:xfrm>
-            <a:off x="1789042" y="2577544"/>
-            <a:ext cx="775249" cy="735497"/>
-          </a:xfrm>
-          <a:prstGeom prst="straightConnector1">
-            <a:avLst/>
-          </a:prstGeom>
-          <a:ln>
-            <a:tailEnd type="triangle"/>
-          </a:ln>
-        </p:spPr>
-        <p:style>
-          <a:lnRef idx="2">
-            <a:schemeClr val="accent1"/>
-          </a:lnRef>
-          <a:fillRef idx="0">
-            <a:schemeClr val="accent1"/>
-          </a:fillRef>
-          <a:effectRef idx="1">
-            <a:schemeClr val="accent1"/>
-          </a:effectRef>
-          <a:fontRef idx="minor">
-            <a:schemeClr val="tx1"/>
-          </a:fontRef>
-        </p:style>
-      </p:cxnSp>
-      <p:cxnSp>
-        <p:nvCxnSpPr>
-          <p:cNvPr id="81" name="Straight Arrow Connector 80">
-            <a:extLst>
-              <a:ext uri="{FF2B5EF4-FFF2-40B4-BE49-F238E27FC236}">
-                <a16:creationId xmlns:a16="http://schemas.microsoft.com/office/drawing/2014/main" id="{DEEE687F-8591-A07C-E0B2-E4EB3AB1CA9F}"/>
-              </a:ext>
-            </a:extLst>
-          </p:cNvPr>
-          <p:cNvCxnSpPr>
-            <a:cxnSpLocks/>
-            <a:stCxn id="7" idx="3"/>
-            <a:endCxn id="6" idx="1"/>
-          </p:cNvCxnSpPr>
-          <p:nvPr/>
-        </p:nvCxnSpPr>
-        <p:spPr>
-          <a:xfrm>
-            <a:off x="1789042" y="2577544"/>
-            <a:ext cx="775248" cy="2080593"/>
-          </a:xfrm>
-          <a:prstGeom prst="straightConnector1">
-            <a:avLst/>
-          </a:prstGeom>
-          <a:ln>
-            <a:tailEnd type="triangle"/>
-          </a:ln>
-        </p:spPr>
-        <p:style>
-          <a:lnRef idx="2">
-            <a:schemeClr val="accent1"/>
-          </a:lnRef>
-          <a:fillRef idx="0">
-            <a:schemeClr val="accent1"/>
-          </a:fillRef>
-          <a:effectRef idx="1">
-            <a:schemeClr val="accent1"/>
-          </a:effectRef>
-          <a:fontRef idx="minor">
-            <a:schemeClr val="tx1"/>
-          </a:fontRef>
-        </p:style>
-      </p:cxnSp>
-      <p:cxnSp>
-        <p:nvCxnSpPr>
-          <p:cNvPr id="84" name="Straight Arrow Connector 83">
-            <a:extLst>
-              <a:ext uri="{FF2B5EF4-FFF2-40B4-BE49-F238E27FC236}">
-                <a16:creationId xmlns:a16="http://schemas.microsoft.com/office/drawing/2014/main" id="{54D48FBE-525C-86BA-FA22-D259F1CAED05}"/>
-              </a:ext>
-            </a:extLst>
-          </p:cNvPr>
-          <p:cNvCxnSpPr>
-            <a:cxnSpLocks/>
-            <a:stCxn id="14" idx="3"/>
-            <a:endCxn id="10" idx="1"/>
-          </p:cNvCxnSpPr>
-          <p:nvPr/>
-        </p:nvCxnSpPr>
-        <p:spPr>
-          <a:xfrm>
-            <a:off x="5976727" y="1232448"/>
-            <a:ext cx="566531" cy="0"/>
-          </a:xfrm>
-          <a:prstGeom prst="straightConnector1">
-            <a:avLst/>
-          </a:prstGeom>
-          <a:ln>
-            <a:tailEnd type="triangle"/>
-          </a:ln>
-        </p:spPr>
-        <p:style>
-          <a:lnRef idx="2">
-            <a:schemeClr val="accent1"/>
-          </a:lnRef>
-          <a:fillRef idx="0">
-            <a:schemeClr val="accent1"/>
-          </a:fillRef>
-          <a:effectRef idx="1">
-            <a:schemeClr val="accent1"/>
-          </a:effectRef>
-          <a:fontRef idx="minor">
-            <a:schemeClr val="tx1"/>
-          </a:fontRef>
-        </p:style>
-      </p:cxnSp>
-      <p:sp>
-        <p:nvSpPr>
-          <p:cNvPr id="61" name="Title 60">
-            <a:extLst>
-              <a:ext uri="{FF2B5EF4-FFF2-40B4-BE49-F238E27FC236}">
-                <a16:creationId xmlns:a16="http://schemas.microsoft.com/office/drawing/2014/main" id="{1682203B-9450-9B32-BD03-C99201713750}"/>
-              </a:ext>
-            </a:extLst>
-          </p:cNvPr>
-          <p:cNvSpPr>
-            <a:spLocks noGrp="1"/>
-          </p:cNvSpPr>
-          <p:nvPr>
-            <p:ph type="title"/>
-          </p:nvPr>
-        </p:nvSpPr>
-        <p:spPr>
-          <a:xfrm>
-            <a:off x="141124" y="148290"/>
-            <a:ext cx="1530630" cy="730356"/>
-          </a:xfrm>
-        </p:spPr>
-        <p:txBody>
-          <a:bodyPr>
-            <a:normAutofit/>
-          </a:bodyPr>
-          <a:lstStyle/>
-          <a:p>
-            <a:r>
-              <a:rPr lang="en-GB" sz="2800" dirty="0"/>
-              <a:t>AFDS</a:t>
-            </a:r>
+            <a:endParaRPr lang="en-GB"/>
           </a:p>
         </p:txBody>
       </p:sp>
     </p:spTree>
     <p:extLst>
       <p:ext uri="{BB962C8B-B14F-4D97-AF65-F5344CB8AC3E}">
-        <p14:creationId xmlns:p14="http://schemas.microsoft.com/office/powerpoint/2010/main" val="2944336919"/>
+        <p14:creationId xmlns:p14="http://schemas.microsoft.com/office/powerpoint/2010/main" val="4145807663"/>
       </p:ext>
     </p:extLst>
   </p:cSld>
@@ -5572,6 +5550,1559 @@
       </p:grpSpPr>
       <p:sp>
         <p:nvSpPr>
+          <p:cNvPr id="4" name="Title 3">
+            <a:extLst>
+              <a:ext uri="{FF2B5EF4-FFF2-40B4-BE49-F238E27FC236}">
+                <a16:creationId xmlns:a16="http://schemas.microsoft.com/office/drawing/2014/main" id="{472D649A-9B92-6EFA-D47E-7826AD2A195A}"/>
+              </a:ext>
+            </a:extLst>
+          </p:cNvPr>
+          <p:cNvSpPr>
+            <a:spLocks noGrp="1"/>
+          </p:cNvSpPr>
+          <p:nvPr>
+            <p:ph type="title"/>
+          </p:nvPr>
+        </p:nvSpPr>
+        <p:spPr/>
+        <p:txBody>
+          <a:bodyPr/>
+          <a:lstStyle/>
+          <a:p>
+            <a:r>
+              <a:rPr lang="en-GB" dirty="0"/>
+              <a:t>AFDS</a:t>
+            </a:r>
+          </a:p>
+        </p:txBody>
+      </p:sp>
+      <p:sp>
+        <p:nvSpPr>
+          <p:cNvPr id="5" name="Text Placeholder 4">
+            <a:extLst>
+              <a:ext uri="{FF2B5EF4-FFF2-40B4-BE49-F238E27FC236}">
+                <a16:creationId xmlns:a16="http://schemas.microsoft.com/office/drawing/2014/main" id="{449E2105-10CC-E5C0-9DA8-FA5BFA2EF15E}"/>
+              </a:ext>
+            </a:extLst>
+          </p:cNvPr>
+          <p:cNvSpPr>
+            <a:spLocks noGrp="1"/>
+          </p:cNvSpPr>
+          <p:nvPr>
+            <p:ph type="body" idx="1"/>
+          </p:nvPr>
+        </p:nvSpPr>
+        <p:spPr/>
+        <p:txBody>
+          <a:bodyPr/>
+          <a:lstStyle/>
+          <a:p>
+            <a:endParaRPr lang="en-GB"/>
+          </a:p>
+        </p:txBody>
+      </p:sp>
+    </p:spTree>
+    <p:extLst>
+      <p:ext uri="{BB962C8B-B14F-4D97-AF65-F5344CB8AC3E}">
+        <p14:creationId xmlns:p14="http://schemas.microsoft.com/office/powerpoint/2010/main" val="3622977380"/>
+      </p:ext>
+    </p:extLst>
+  </p:cSld>
+  <p:clrMapOvr>
+    <a:masterClrMapping/>
+  </p:clrMapOvr>
+</p:sld>
+</file>
+
+<file path=ppt/slides/slide4.xml><?xml version="1.0" encoding="utf-8"?>
+<p:sld xmlns:a="http://schemas.openxmlformats.org/drawingml/2006/main" xmlns:r="http://schemas.openxmlformats.org/officeDocument/2006/relationships" xmlns:p="http://schemas.openxmlformats.org/presentationml/2006/main">
+  <p:cSld>
+    <p:spTree>
+      <p:nvGrpSpPr>
+        <p:cNvPr id="1" name=""/>
+        <p:cNvGrpSpPr/>
+        <p:nvPr/>
+      </p:nvGrpSpPr>
+      <p:grpSpPr>
+        <a:xfrm>
+          <a:off x="0" y="0"/>
+          <a:ext cx="0" cy="0"/>
+          <a:chOff x="0" y="0"/>
+          <a:chExt cx="0" cy="0"/>
+        </a:xfrm>
+      </p:grpSpPr>
+      <p:sp>
+        <p:nvSpPr>
+          <p:cNvPr id="4" name="Rectangle 3">
+            <a:extLst>
+              <a:ext uri="{FF2B5EF4-FFF2-40B4-BE49-F238E27FC236}">
+                <a16:creationId xmlns:a16="http://schemas.microsoft.com/office/drawing/2014/main" id="{67F4BA31-8377-4A5A-45C9-57A836BD003A}"/>
+              </a:ext>
+            </a:extLst>
+          </p:cNvPr>
+          <p:cNvSpPr/>
+          <p:nvPr/>
+        </p:nvSpPr>
+        <p:spPr>
+          <a:xfrm>
+            <a:off x="2564291" y="1474301"/>
+            <a:ext cx="1417983" cy="987287"/>
+          </a:xfrm>
+          <a:prstGeom prst="rect">
+            <a:avLst/>
+          </a:prstGeom>
+        </p:spPr>
+        <p:style>
+          <a:lnRef idx="3">
+            <a:schemeClr val="lt1"/>
+          </a:lnRef>
+          <a:fillRef idx="1">
+            <a:schemeClr val="accent1"/>
+          </a:fillRef>
+          <a:effectRef idx="1">
+            <a:schemeClr val="accent1"/>
+          </a:effectRef>
+          <a:fontRef idx="minor">
+            <a:schemeClr val="lt1"/>
+          </a:fontRef>
+        </p:style>
+        <p:txBody>
+          <a:bodyPr rtlCol="0" anchor="ctr"/>
+          <a:lstStyle/>
+          <a:p>
+            <a:pPr algn="ctr"/>
+            <a:r>
+              <a:rPr lang="en-GB" dirty="0"/>
+              <a:t>Altitude</a:t>
+            </a:r>
+          </a:p>
+        </p:txBody>
+      </p:sp>
+      <p:sp>
+        <p:nvSpPr>
+          <p:cNvPr id="5" name="Rectangle 4">
+            <a:extLst>
+              <a:ext uri="{FF2B5EF4-FFF2-40B4-BE49-F238E27FC236}">
+                <a16:creationId xmlns:a16="http://schemas.microsoft.com/office/drawing/2014/main" id="{8EFA9B11-46BE-C9EC-A5CF-AD69CE6FCC13}"/>
+              </a:ext>
+            </a:extLst>
+          </p:cNvPr>
+          <p:cNvSpPr/>
+          <p:nvPr/>
+        </p:nvSpPr>
+        <p:spPr>
+          <a:xfrm>
+            <a:off x="2564291" y="2819397"/>
+            <a:ext cx="1417983" cy="987287"/>
+          </a:xfrm>
+          <a:prstGeom prst="rect">
+            <a:avLst/>
+          </a:prstGeom>
+        </p:spPr>
+        <p:style>
+          <a:lnRef idx="3">
+            <a:schemeClr val="lt1"/>
+          </a:lnRef>
+          <a:fillRef idx="1">
+            <a:schemeClr val="accent1"/>
+          </a:fillRef>
+          <a:effectRef idx="1">
+            <a:schemeClr val="accent1"/>
+          </a:effectRef>
+          <a:fontRef idx="minor">
+            <a:schemeClr val="lt1"/>
+          </a:fontRef>
+        </p:style>
+        <p:txBody>
+          <a:bodyPr rtlCol="0" anchor="ctr"/>
+          <a:lstStyle/>
+          <a:p>
+            <a:pPr algn="ctr"/>
+            <a:r>
+              <a:rPr lang="en-GB" dirty="0"/>
+              <a:t>Heading</a:t>
+            </a:r>
+          </a:p>
+        </p:txBody>
+      </p:sp>
+      <p:sp>
+        <p:nvSpPr>
+          <p:cNvPr id="6" name="Rectangle 5">
+            <a:extLst>
+              <a:ext uri="{FF2B5EF4-FFF2-40B4-BE49-F238E27FC236}">
+                <a16:creationId xmlns:a16="http://schemas.microsoft.com/office/drawing/2014/main" id="{F2EC3387-B209-8129-BF91-A9BA1AD59B01}"/>
+              </a:ext>
+            </a:extLst>
+          </p:cNvPr>
+          <p:cNvSpPr/>
+          <p:nvPr/>
+        </p:nvSpPr>
+        <p:spPr>
+          <a:xfrm>
+            <a:off x="2564290" y="4164493"/>
+            <a:ext cx="1417983" cy="987287"/>
+          </a:xfrm>
+          <a:prstGeom prst="rect">
+            <a:avLst/>
+          </a:prstGeom>
+        </p:spPr>
+        <p:style>
+          <a:lnRef idx="3">
+            <a:schemeClr val="lt1"/>
+          </a:lnRef>
+          <a:fillRef idx="1">
+            <a:schemeClr val="accent1"/>
+          </a:fillRef>
+          <a:effectRef idx="1">
+            <a:schemeClr val="accent1"/>
+          </a:effectRef>
+          <a:fontRef idx="minor">
+            <a:schemeClr val="lt1"/>
+          </a:fontRef>
+        </p:style>
+        <p:txBody>
+          <a:bodyPr rtlCol="0" anchor="ctr"/>
+          <a:lstStyle/>
+          <a:p>
+            <a:pPr algn="ctr"/>
+            <a:r>
+              <a:rPr lang="en-GB" dirty="0"/>
+              <a:t>Velocity</a:t>
+            </a:r>
+          </a:p>
+        </p:txBody>
+      </p:sp>
+      <p:sp>
+        <p:nvSpPr>
+          <p:cNvPr id="7" name="Rectangle 6">
+            <a:extLst>
+              <a:ext uri="{FF2B5EF4-FFF2-40B4-BE49-F238E27FC236}">
+                <a16:creationId xmlns:a16="http://schemas.microsoft.com/office/drawing/2014/main" id="{84FBFF6D-D8CD-0B4A-F7AC-9DB677FC21FD}"/>
+              </a:ext>
+            </a:extLst>
+          </p:cNvPr>
+          <p:cNvSpPr/>
+          <p:nvPr/>
+        </p:nvSpPr>
+        <p:spPr>
+          <a:xfrm>
+            <a:off x="371059" y="2083900"/>
+            <a:ext cx="1417983" cy="987287"/>
+          </a:xfrm>
+          <a:prstGeom prst="rect">
+            <a:avLst/>
+          </a:prstGeom>
+        </p:spPr>
+        <p:style>
+          <a:lnRef idx="3">
+            <a:schemeClr val="lt1"/>
+          </a:lnRef>
+          <a:fillRef idx="1">
+            <a:schemeClr val="accent3"/>
+          </a:fillRef>
+          <a:effectRef idx="1">
+            <a:schemeClr val="accent3"/>
+          </a:effectRef>
+          <a:fontRef idx="minor">
+            <a:schemeClr val="lt1"/>
+          </a:fontRef>
+        </p:style>
+        <p:txBody>
+          <a:bodyPr rtlCol="0" anchor="ctr"/>
+          <a:lstStyle/>
+          <a:p>
+            <a:pPr algn="ctr"/>
+            <a:r>
+              <a:rPr lang="en-GB" dirty="0"/>
+              <a:t>Aircraft</a:t>
+            </a:r>
+          </a:p>
+          <a:p>
+            <a:pPr algn="ctr"/>
+            <a:r>
+              <a:rPr lang="en-GB" dirty="0"/>
+              <a:t>status</a:t>
+            </a:r>
+          </a:p>
+        </p:txBody>
+      </p:sp>
+      <p:sp>
+        <p:nvSpPr>
+          <p:cNvPr id="8" name="Rectangle 7">
+            <a:extLst>
+              <a:ext uri="{FF2B5EF4-FFF2-40B4-BE49-F238E27FC236}">
+                <a16:creationId xmlns:a16="http://schemas.microsoft.com/office/drawing/2014/main" id="{10D1B1A8-C243-21FC-E1CD-2BE904AFB49C}"/>
+              </a:ext>
+            </a:extLst>
+          </p:cNvPr>
+          <p:cNvSpPr/>
+          <p:nvPr/>
+        </p:nvSpPr>
+        <p:spPr>
+          <a:xfrm>
+            <a:off x="371058" y="3564831"/>
+            <a:ext cx="1417983" cy="987287"/>
+          </a:xfrm>
+          <a:prstGeom prst="rect">
+            <a:avLst/>
+          </a:prstGeom>
+        </p:spPr>
+        <p:style>
+          <a:lnRef idx="3">
+            <a:schemeClr val="lt1"/>
+          </a:lnRef>
+          <a:fillRef idx="1">
+            <a:schemeClr val="accent3"/>
+          </a:fillRef>
+          <a:effectRef idx="1">
+            <a:schemeClr val="accent3"/>
+          </a:effectRef>
+          <a:fontRef idx="minor">
+            <a:schemeClr val="lt1"/>
+          </a:fontRef>
+        </p:style>
+        <p:txBody>
+          <a:bodyPr rtlCol="0" anchor="ctr"/>
+          <a:lstStyle/>
+          <a:p>
+            <a:pPr algn="ctr"/>
+            <a:r>
+              <a:rPr lang="en-GB" dirty="0"/>
+              <a:t>NAV</a:t>
+            </a:r>
+          </a:p>
+          <a:p>
+            <a:pPr algn="ctr"/>
+            <a:r>
+              <a:rPr lang="en-GB" dirty="0"/>
+              <a:t>settings</a:t>
+            </a:r>
+          </a:p>
+        </p:txBody>
+      </p:sp>
+      <p:sp>
+        <p:nvSpPr>
+          <p:cNvPr id="10" name="Rectangle 9">
+            <a:extLst>
+              <a:ext uri="{FF2B5EF4-FFF2-40B4-BE49-F238E27FC236}">
+                <a16:creationId xmlns:a16="http://schemas.microsoft.com/office/drawing/2014/main" id="{777DCE79-CD58-F68D-0F21-8FB059B45B40}"/>
+              </a:ext>
+            </a:extLst>
+          </p:cNvPr>
+          <p:cNvSpPr/>
+          <p:nvPr/>
+        </p:nvSpPr>
+        <p:spPr>
+          <a:xfrm>
+            <a:off x="6543258" y="738804"/>
+            <a:ext cx="1417983" cy="987287"/>
+          </a:xfrm>
+          <a:prstGeom prst="rect">
+            <a:avLst/>
+          </a:prstGeom>
+        </p:spPr>
+        <p:style>
+          <a:lnRef idx="3">
+            <a:schemeClr val="lt1"/>
+          </a:lnRef>
+          <a:fillRef idx="1">
+            <a:schemeClr val="accent1"/>
+          </a:fillRef>
+          <a:effectRef idx="1">
+            <a:schemeClr val="accent1"/>
+          </a:effectRef>
+          <a:fontRef idx="minor">
+            <a:schemeClr val="lt1"/>
+          </a:fontRef>
+        </p:style>
+        <p:txBody>
+          <a:bodyPr rtlCol="0" anchor="ctr"/>
+          <a:lstStyle/>
+          <a:p>
+            <a:pPr algn="ctr"/>
+            <a:r>
+              <a:rPr lang="en-GB" dirty="0"/>
+              <a:t>Pitch</a:t>
+            </a:r>
+          </a:p>
+        </p:txBody>
+      </p:sp>
+      <p:sp>
+        <p:nvSpPr>
+          <p:cNvPr id="11" name="Rectangle 10">
+            <a:extLst>
+              <a:ext uri="{FF2B5EF4-FFF2-40B4-BE49-F238E27FC236}">
+                <a16:creationId xmlns:a16="http://schemas.microsoft.com/office/drawing/2014/main" id="{E67B3ECB-8707-D244-37CC-A6B50D98EF35}"/>
+              </a:ext>
+            </a:extLst>
+          </p:cNvPr>
+          <p:cNvSpPr/>
+          <p:nvPr/>
+        </p:nvSpPr>
+        <p:spPr>
+          <a:xfrm>
+            <a:off x="4558744" y="3424028"/>
+            <a:ext cx="1417983" cy="987287"/>
+          </a:xfrm>
+          <a:prstGeom prst="rect">
+            <a:avLst/>
+          </a:prstGeom>
+        </p:spPr>
+        <p:style>
+          <a:lnRef idx="3">
+            <a:schemeClr val="lt1"/>
+          </a:lnRef>
+          <a:fillRef idx="1">
+            <a:schemeClr val="accent1"/>
+          </a:fillRef>
+          <a:effectRef idx="1">
+            <a:schemeClr val="accent1"/>
+          </a:effectRef>
+          <a:fontRef idx="minor">
+            <a:schemeClr val="lt1"/>
+          </a:fontRef>
+        </p:style>
+        <p:txBody>
+          <a:bodyPr rtlCol="0" anchor="ctr"/>
+          <a:lstStyle/>
+          <a:p>
+            <a:pPr algn="ctr"/>
+            <a:r>
+              <a:rPr lang="en-GB" dirty="0"/>
+              <a:t>Roll</a:t>
+            </a:r>
+          </a:p>
+        </p:txBody>
+      </p:sp>
+      <p:sp>
+        <p:nvSpPr>
+          <p:cNvPr id="12" name="Rectangle 11">
+            <a:extLst>
+              <a:ext uri="{FF2B5EF4-FFF2-40B4-BE49-F238E27FC236}">
+                <a16:creationId xmlns:a16="http://schemas.microsoft.com/office/drawing/2014/main" id="{D692960C-ACE1-68B1-ABF4-EA7EC34BEBB9}"/>
+              </a:ext>
+            </a:extLst>
+          </p:cNvPr>
+          <p:cNvSpPr/>
+          <p:nvPr/>
+        </p:nvSpPr>
+        <p:spPr>
+          <a:xfrm>
+            <a:off x="8603970" y="3428995"/>
+            <a:ext cx="1417983" cy="987287"/>
+          </a:xfrm>
+          <a:prstGeom prst="rect">
+            <a:avLst/>
+          </a:prstGeom>
+        </p:spPr>
+        <p:style>
+          <a:lnRef idx="3">
+            <a:schemeClr val="lt1"/>
+          </a:lnRef>
+          <a:fillRef idx="1">
+            <a:schemeClr val="accent5"/>
+          </a:fillRef>
+          <a:effectRef idx="1">
+            <a:schemeClr val="accent5"/>
+          </a:effectRef>
+          <a:fontRef idx="minor">
+            <a:schemeClr val="lt1"/>
+          </a:fontRef>
+        </p:style>
+        <p:txBody>
+          <a:bodyPr rtlCol="0" anchor="ctr"/>
+          <a:lstStyle/>
+          <a:p>
+            <a:pPr algn="ctr"/>
+            <a:r>
+              <a:rPr lang="en-GB" dirty="0"/>
+              <a:t>Ailerons</a:t>
+            </a:r>
+          </a:p>
+        </p:txBody>
+      </p:sp>
+      <p:sp>
+        <p:nvSpPr>
+          <p:cNvPr id="14" name="Rectangle 13">
+            <a:extLst>
+              <a:ext uri="{FF2B5EF4-FFF2-40B4-BE49-F238E27FC236}">
+                <a16:creationId xmlns:a16="http://schemas.microsoft.com/office/drawing/2014/main" id="{5A0CEAC6-0BCF-A476-F73E-01FAF2459D2C}"/>
+              </a:ext>
+            </a:extLst>
+          </p:cNvPr>
+          <p:cNvSpPr/>
+          <p:nvPr/>
+        </p:nvSpPr>
+        <p:spPr>
+          <a:xfrm>
+            <a:off x="4558744" y="738804"/>
+            <a:ext cx="1417983" cy="987287"/>
+          </a:xfrm>
+          <a:prstGeom prst="rect">
+            <a:avLst/>
+          </a:prstGeom>
+        </p:spPr>
+        <p:style>
+          <a:lnRef idx="3">
+            <a:schemeClr val="lt1"/>
+          </a:lnRef>
+          <a:fillRef idx="1">
+            <a:schemeClr val="accent1"/>
+          </a:fillRef>
+          <a:effectRef idx="1">
+            <a:schemeClr val="accent1"/>
+          </a:effectRef>
+          <a:fontRef idx="minor">
+            <a:schemeClr val="lt1"/>
+          </a:fontRef>
+        </p:style>
+        <p:txBody>
+          <a:bodyPr rtlCol="0" anchor="ctr"/>
+          <a:lstStyle/>
+          <a:p>
+            <a:pPr algn="ctr"/>
+            <a:r>
+              <a:rPr lang="en-GB" dirty="0"/>
+              <a:t>Vertical Speed</a:t>
+            </a:r>
+          </a:p>
+        </p:txBody>
+      </p:sp>
+      <p:sp>
+        <p:nvSpPr>
+          <p:cNvPr id="15" name="Rectangle 14">
+            <a:extLst>
+              <a:ext uri="{FF2B5EF4-FFF2-40B4-BE49-F238E27FC236}">
+                <a16:creationId xmlns:a16="http://schemas.microsoft.com/office/drawing/2014/main" id="{41700776-7CB7-C975-4C71-C21B39578110}"/>
+              </a:ext>
+            </a:extLst>
+          </p:cNvPr>
+          <p:cNvSpPr/>
+          <p:nvPr/>
+        </p:nvSpPr>
+        <p:spPr>
+          <a:xfrm>
+            <a:off x="8603971" y="738804"/>
+            <a:ext cx="1417983" cy="987287"/>
+          </a:xfrm>
+          <a:prstGeom prst="rect">
+            <a:avLst/>
+          </a:prstGeom>
+        </p:spPr>
+        <p:style>
+          <a:lnRef idx="3">
+            <a:schemeClr val="lt1"/>
+          </a:lnRef>
+          <a:fillRef idx="1">
+            <a:schemeClr val="accent5"/>
+          </a:fillRef>
+          <a:effectRef idx="1">
+            <a:schemeClr val="accent5"/>
+          </a:effectRef>
+          <a:fontRef idx="minor">
+            <a:schemeClr val="lt1"/>
+          </a:fontRef>
+        </p:style>
+        <p:txBody>
+          <a:bodyPr rtlCol="0" anchor="ctr"/>
+          <a:lstStyle/>
+          <a:p>
+            <a:pPr algn="ctr"/>
+            <a:r>
+              <a:rPr lang="en-GB" dirty="0"/>
+              <a:t>Elevators</a:t>
+            </a:r>
+          </a:p>
+        </p:txBody>
+      </p:sp>
+      <p:sp>
+        <p:nvSpPr>
+          <p:cNvPr id="16" name="Rectangle 15">
+            <a:extLst>
+              <a:ext uri="{FF2B5EF4-FFF2-40B4-BE49-F238E27FC236}">
+                <a16:creationId xmlns:a16="http://schemas.microsoft.com/office/drawing/2014/main" id="{D51E09BF-561D-A1FB-FAA9-29C4D0BFC62C}"/>
+              </a:ext>
+            </a:extLst>
+          </p:cNvPr>
+          <p:cNvSpPr/>
+          <p:nvPr/>
+        </p:nvSpPr>
+        <p:spPr>
+          <a:xfrm>
+            <a:off x="8603970" y="4774093"/>
+            <a:ext cx="1417983" cy="987287"/>
+          </a:xfrm>
+          <a:prstGeom prst="rect">
+            <a:avLst/>
+          </a:prstGeom>
+        </p:spPr>
+        <p:style>
+          <a:lnRef idx="3">
+            <a:schemeClr val="lt1"/>
+          </a:lnRef>
+          <a:fillRef idx="1">
+            <a:schemeClr val="accent5"/>
+          </a:fillRef>
+          <a:effectRef idx="1">
+            <a:schemeClr val="accent5"/>
+          </a:effectRef>
+          <a:fontRef idx="minor">
+            <a:schemeClr val="lt1"/>
+          </a:fontRef>
+        </p:style>
+        <p:txBody>
+          <a:bodyPr rtlCol="0" anchor="ctr"/>
+          <a:lstStyle/>
+          <a:p>
+            <a:pPr algn="ctr"/>
+            <a:r>
+              <a:rPr lang="en-GB" dirty="0"/>
+              <a:t>Throttles</a:t>
+            </a:r>
+          </a:p>
+        </p:txBody>
+      </p:sp>
+      <p:sp>
+        <p:nvSpPr>
+          <p:cNvPr id="17" name="Rectangle 16">
+            <a:extLst>
+              <a:ext uri="{FF2B5EF4-FFF2-40B4-BE49-F238E27FC236}">
+                <a16:creationId xmlns:a16="http://schemas.microsoft.com/office/drawing/2014/main" id="{04B78173-958D-AD3A-BDC9-B44530117CAB}"/>
+              </a:ext>
+            </a:extLst>
+          </p:cNvPr>
+          <p:cNvSpPr/>
+          <p:nvPr/>
+        </p:nvSpPr>
+        <p:spPr>
+          <a:xfrm>
+            <a:off x="10588485" y="2700130"/>
+            <a:ext cx="1417983" cy="987287"/>
+          </a:xfrm>
+          <a:prstGeom prst="rect">
+            <a:avLst/>
+          </a:prstGeom>
+        </p:spPr>
+        <p:style>
+          <a:lnRef idx="3">
+            <a:schemeClr val="lt1"/>
+          </a:lnRef>
+          <a:fillRef idx="1">
+            <a:schemeClr val="accent2"/>
+          </a:fillRef>
+          <a:effectRef idx="1">
+            <a:schemeClr val="accent2"/>
+          </a:effectRef>
+          <a:fontRef idx="minor">
+            <a:schemeClr val="lt1"/>
+          </a:fontRef>
+        </p:style>
+        <p:txBody>
+          <a:bodyPr rtlCol="0" anchor="ctr"/>
+          <a:lstStyle/>
+          <a:p>
+            <a:pPr algn="ctr"/>
+            <a:r>
+              <a:rPr lang="en-GB" dirty="0"/>
+              <a:t>Aircraft</a:t>
+            </a:r>
+          </a:p>
+          <a:p>
+            <a:pPr algn="ctr"/>
+            <a:r>
+              <a:rPr lang="en-GB" dirty="0"/>
+              <a:t>control</a:t>
+            </a:r>
+          </a:p>
+        </p:txBody>
+      </p:sp>
+      <p:sp>
+        <p:nvSpPr>
+          <p:cNvPr id="18" name="Rectangle 17">
+            <a:extLst>
+              <a:ext uri="{FF2B5EF4-FFF2-40B4-BE49-F238E27FC236}">
+                <a16:creationId xmlns:a16="http://schemas.microsoft.com/office/drawing/2014/main" id="{530DF511-CF72-2B5E-C7D9-809DCD24AB4E}"/>
+              </a:ext>
+            </a:extLst>
+          </p:cNvPr>
+          <p:cNvSpPr/>
+          <p:nvPr/>
+        </p:nvSpPr>
+        <p:spPr>
+          <a:xfrm>
+            <a:off x="8603970" y="2083900"/>
+            <a:ext cx="1417983" cy="987287"/>
+          </a:xfrm>
+          <a:prstGeom prst="rect">
+            <a:avLst/>
+          </a:prstGeom>
+        </p:spPr>
+        <p:style>
+          <a:lnRef idx="3">
+            <a:schemeClr val="lt1"/>
+          </a:lnRef>
+          <a:fillRef idx="1">
+            <a:schemeClr val="accent5"/>
+          </a:fillRef>
+          <a:effectRef idx="1">
+            <a:schemeClr val="accent5"/>
+          </a:effectRef>
+          <a:fontRef idx="minor">
+            <a:schemeClr val="lt1"/>
+          </a:fontRef>
+        </p:style>
+        <p:txBody>
+          <a:bodyPr rtlCol="0" anchor="ctr"/>
+          <a:lstStyle/>
+          <a:p>
+            <a:pPr algn="ctr"/>
+            <a:r>
+              <a:rPr lang="en-GB" dirty="0"/>
+              <a:t>Rudder</a:t>
+            </a:r>
+          </a:p>
+        </p:txBody>
+      </p:sp>
+      <p:cxnSp>
+        <p:nvCxnSpPr>
+          <p:cNvPr id="20" name="Straight Arrow Connector 19">
+            <a:extLst>
+              <a:ext uri="{FF2B5EF4-FFF2-40B4-BE49-F238E27FC236}">
+                <a16:creationId xmlns:a16="http://schemas.microsoft.com/office/drawing/2014/main" id="{86E64262-9583-18CA-7C55-4E8A19C06678}"/>
+              </a:ext>
+            </a:extLst>
+          </p:cNvPr>
+          <p:cNvCxnSpPr>
+            <a:stCxn id="18" idx="3"/>
+            <a:endCxn id="17" idx="1"/>
+          </p:cNvCxnSpPr>
+          <p:nvPr/>
+        </p:nvCxnSpPr>
+        <p:spPr>
+          <a:xfrm>
+            <a:off x="10021953" y="2577544"/>
+            <a:ext cx="566532" cy="616230"/>
+          </a:xfrm>
+          <a:prstGeom prst="straightConnector1">
+            <a:avLst/>
+          </a:prstGeom>
+          <a:ln>
+            <a:tailEnd type="triangle"/>
+          </a:ln>
+        </p:spPr>
+        <p:style>
+          <a:lnRef idx="2">
+            <a:schemeClr val="accent1"/>
+          </a:lnRef>
+          <a:fillRef idx="0">
+            <a:schemeClr val="accent1"/>
+          </a:fillRef>
+          <a:effectRef idx="1">
+            <a:schemeClr val="accent1"/>
+          </a:effectRef>
+          <a:fontRef idx="minor">
+            <a:schemeClr val="tx1"/>
+          </a:fontRef>
+        </p:style>
+      </p:cxnSp>
+      <p:cxnSp>
+        <p:nvCxnSpPr>
+          <p:cNvPr id="21" name="Straight Arrow Connector 20">
+            <a:extLst>
+              <a:ext uri="{FF2B5EF4-FFF2-40B4-BE49-F238E27FC236}">
+                <a16:creationId xmlns:a16="http://schemas.microsoft.com/office/drawing/2014/main" id="{7C101BDA-D7CA-2C3A-259D-3FC4C2ADE019}"/>
+              </a:ext>
+            </a:extLst>
+          </p:cNvPr>
+          <p:cNvCxnSpPr>
+            <a:cxnSpLocks/>
+            <a:stCxn id="12" idx="3"/>
+            <a:endCxn id="17" idx="1"/>
+          </p:cNvCxnSpPr>
+          <p:nvPr/>
+        </p:nvCxnSpPr>
+        <p:spPr>
+          <a:xfrm flipV="1">
+            <a:off x="10021953" y="3193774"/>
+            <a:ext cx="566532" cy="728865"/>
+          </a:xfrm>
+          <a:prstGeom prst="straightConnector1">
+            <a:avLst/>
+          </a:prstGeom>
+          <a:ln>
+            <a:tailEnd type="triangle"/>
+          </a:ln>
+        </p:spPr>
+        <p:style>
+          <a:lnRef idx="2">
+            <a:schemeClr val="accent1"/>
+          </a:lnRef>
+          <a:fillRef idx="0">
+            <a:schemeClr val="accent1"/>
+          </a:fillRef>
+          <a:effectRef idx="1">
+            <a:schemeClr val="accent1"/>
+          </a:effectRef>
+          <a:fontRef idx="minor">
+            <a:schemeClr val="tx1"/>
+          </a:fontRef>
+        </p:style>
+      </p:cxnSp>
+      <p:cxnSp>
+        <p:nvCxnSpPr>
+          <p:cNvPr id="24" name="Straight Arrow Connector 23">
+            <a:extLst>
+              <a:ext uri="{FF2B5EF4-FFF2-40B4-BE49-F238E27FC236}">
+                <a16:creationId xmlns:a16="http://schemas.microsoft.com/office/drawing/2014/main" id="{29E0A8AD-06F6-3E7A-7C9A-A02644ADE13B}"/>
+              </a:ext>
+            </a:extLst>
+          </p:cNvPr>
+          <p:cNvCxnSpPr>
+            <a:cxnSpLocks/>
+            <a:stCxn id="16" idx="3"/>
+            <a:endCxn id="17" idx="1"/>
+          </p:cNvCxnSpPr>
+          <p:nvPr/>
+        </p:nvCxnSpPr>
+        <p:spPr>
+          <a:xfrm flipV="1">
+            <a:off x="10021953" y="3193774"/>
+            <a:ext cx="566532" cy="2073963"/>
+          </a:xfrm>
+          <a:prstGeom prst="straightConnector1">
+            <a:avLst/>
+          </a:prstGeom>
+          <a:ln>
+            <a:tailEnd type="triangle"/>
+          </a:ln>
+        </p:spPr>
+        <p:style>
+          <a:lnRef idx="2">
+            <a:schemeClr val="accent1"/>
+          </a:lnRef>
+          <a:fillRef idx="0">
+            <a:schemeClr val="accent1"/>
+          </a:fillRef>
+          <a:effectRef idx="1">
+            <a:schemeClr val="accent1"/>
+          </a:effectRef>
+          <a:fontRef idx="minor">
+            <a:schemeClr val="tx1"/>
+          </a:fontRef>
+        </p:style>
+      </p:cxnSp>
+      <p:cxnSp>
+        <p:nvCxnSpPr>
+          <p:cNvPr id="27" name="Straight Arrow Connector 26">
+            <a:extLst>
+              <a:ext uri="{FF2B5EF4-FFF2-40B4-BE49-F238E27FC236}">
+                <a16:creationId xmlns:a16="http://schemas.microsoft.com/office/drawing/2014/main" id="{7936D34F-0763-282F-AF82-1CD2D66B7B5A}"/>
+              </a:ext>
+            </a:extLst>
+          </p:cNvPr>
+          <p:cNvCxnSpPr>
+            <a:cxnSpLocks/>
+            <a:stCxn id="15" idx="3"/>
+            <a:endCxn id="17" idx="1"/>
+          </p:cNvCxnSpPr>
+          <p:nvPr/>
+        </p:nvCxnSpPr>
+        <p:spPr>
+          <a:xfrm>
+            <a:off x="10021954" y="1232448"/>
+            <a:ext cx="566531" cy="1961326"/>
+          </a:xfrm>
+          <a:prstGeom prst="straightConnector1">
+            <a:avLst/>
+          </a:prstGeom>
+          <a:ln>
+            <a:tailEnd type="triangle"/>
+          </a:ln>
+        </p:spPr>
+        <p:style>
+          <a:lnRef idx="2">
+            <a:schemeClr val="accent1"/>
+          </a:lnRef>
+          <a:fillRef idx="0">
+            <a:schemeClr val="accent1"/>
+          </a:fillRef>
+          <a:effectRef idx="1">
+            <a:schemeClr val="accent1"/>
+          </a:effectRef>
+          <a:fontRef idx="minor">
+            <a:schemeClr val="tx1"/>
+          </a:fontRef>
+        </p:style>
+      </p:cxnSp>
+      <p:cxnSp>
+        <p:nvCxnSpPr>
+          <p:cNvPr id="39" name="Straight Arrow Connector 38">
+            <a:extLst>
+              <a:ext uri="{FF2B5EF4-FFF2-40B4-BE49-F238E27FC236}">
+                <a16:creationId xmlns:a16="http://schemas.microsoft.com/office/drawing/2014/main" id="{1A165CEC-1BED-A184-7DB6-DAF9FEA3E0BA}"/>
+              </a:ext>
+            </a:extLst>
+          </p:cNvPr>
+          <p:cNvCxnSpPr>
+            <a:cxnSpLocks/>
+            <a:stCxn id="11" idx="3"/>
+            <a:endCxn id="12" idx="1"/>
+          </p:cNvCxnSpPr>
+          <p:nvPr/>
+        </p:nvCxnSpPr>
+        <p:spPr>
+          <a:xfrm>
+            <a:off x="5976727" y="3917672"/>
+            <a:ext cx="2627243" cy="4967"/>
+          </a:xfrm>
+          <a:prstGeom prst="straightConnector1">
+            <a:avLst/>
+          </a:prstGeom>
+          <a:ln>
+            <a:tailEnd type="triangle"/>
+          </a:ln>
+        </p:spPr>
+        <p:style>
+          <a:lnRef idx="2">
+            <a:schemeClr val="accent1"/>
+          </a:lnRef>
+          <a:fillRef idx="0">
+            <a:schemeClr val="accent1"/>
+          </a:fillRef>
+          <a:effectRef idx="1">
+            <a:schemeClr val="accent1"/>
+          </a:effectRef>
+          <a:fontRef idx="minor">
+            <a:schemeClr val="tx1"/>
+          </a:fontRef>
+        </p:style>
+      </p:cxnSp>
+      <p:cxnSp>
+        <p:nvCxnSpPr>
+          <p:cNvPr id="42" name="Straight Arrow Connector 41">
+            <a:extLst>
+              <a:ext uri="{FF2B5EF4-FFF2-40B4-BE49-F238E27FC236}">
+                <a16:creationId xmlns:a16="http://schemas.microsoft.com/office/drawing/2014/main" id="{7CFA5603-3EAF-EC7A-B8D6-52CD219C7108}"/>
+              </a:ext>
+            </a:extLst>
+          </p:cNvPr>
+          <p:cNvCxnSpPr>
+            <a:cxnSpLocks/>
+            <a:stCxn id="5" idx="3"/>
+            <a:endCxn id="18" idx="1"/>
+          </p:cNvCxnSpPr>
+          <p:nvPr/>
+        </p:nvCxnSpPr>
+        <p:spPr>
+          <a:xfrm flipV="1">
+            <a:off x="3982274" y="2577544"/>
+            <a:ext cx="4621696" cy="735497"/>
+          </a:xfrm>
+          <a:prstGeom prst="straightConnector1">
+            <a:avLst/>
+          </a:prstGeom>
+          <a:ln>
+            <a:tailEnd type="triangle"/>
+          </a:ln>
+        </p:spPr>
+        <p:style>
+          <a:lnRef idx="2">
+            <a:schemeClr val="accent1"/>
+          </a:lnRef>
+          <a:fillRef idx="0">
+            <a:schemeClr val="accent1"/>
+          </a:fillRef>
+          <a:effectRef idx="1">
+            <a:schemeClr val="accent1"/>
+          </a:effectRef>
+          <a:fontRef idx="minor">
+            <a:schemeClr val="tx1"/>
+          </a:fontRef>
+        </p:style>
+      </p:cxnSp>
+      <p:cxnSp>
+        <p:nvCxnSpPr>
+          <p:cNvPr id="45" name="Straight Arrow Connector 44">
+            <a:extLst>
+              <a:ext uri="{FF2B5EF4-FFF2-40B4-BE49-F238E27FC236}">
+                <a16:creationId xmlns:a16="http://schemas.microsoft.com/office/drawing/2014/main" id="{F23BF4F3-F84C-EAD6-3E0D-CBF6F68A5986}"/>
+              </a:ext>
+            </a:extLst>
+          </p:cNvPr>
+          <p:cNvCxnSpPr>
+            <a:cxnSpLocks/>
+            <a:stCxn id="5" idx="3"/>
+            <a:endCxn id="15" idx="1"/>
+          </p:cNvCxnSpPr>
+          <p:nvPr/>
+        </p:nvCxnSpPr>
+        <p:spPr>
+          <a:xfrm flipV="1">
+            <a:off x="3982274" y="1232448"/>
+            <a:ext cx="4621697" cy="2080593"/>
+          </a:xfrm>
+          <a:prstGeom prst="straightConnector1">
+            <a:avLst/>
+          </a:prstGeom>
+          <a:ln>
+            <a:tailEnd type="triangle"/>
+          </a:ln>
+        </p:spPr>
+        <p:style>
+          <a:lnRef idx="2">
+            <a:schemeClr val="accent1"/>
+          </a:lnRef>
+          <a:fillRef idx="0">
+            <a:schemeClr val="accent1"/>
+          </a:fillRef>
+          <a:effectRef idx="1">
+            <a:schemeClr val="accent1"/>
+          </a:effectRef>
+          <a:fontRef idx="minor">
+            <a:schemeClr val="tx1"/>
+          </a:fontRef>
+        </p:style>
+      </p:cxnSp>
+      <p:cxnSp>
+        <p:nvCxnSpPr>
+          <p:cNvPr id="48" name="Straight Arrow Connector 47">
+            <a:extLst>
+              <a:ext uri="{FF2B5EF4-FFF2-40B4-BE49-F238E27FC236}">
+                <a16:creationId xmlns:a16="http://schemas.microsoft.com/office/drawing/2014/main" id="{FE426249-9725-ED06-5CA7-39091D5D80B7}"/>
+              </a:ext>
+            </a:extLst>
+          </p:cNvPr>
+          <p:cNvCxnSpPr>
+            <a:cxnSpLocks/>
+            <a:stCxn id="10" idx="3"/>
+            <a:endCxn id="15" idx="1"/>
+          </p:cNvCxnSpPr>
+          <p:nvPr/>
+        </p:nvCxnSpPr>
+        <p:spPr>
+          <a:xfrm>
+            <a:off x="7961241" y="1232448"/>
+            <a:ext cx="642730" cy="0"/>
+          </a:xfrm>
+          <a:prstGeom prst="straightConnector1">
+            <a:avLst/>
+          </a:prstGeom>
+          <a:ln>
+            <a:tailEnd type="triangle"/>
+          </a:ln>
+        </p:spPr>
+        <p:style>
+          <a:lnRef idx="2">
+            <a:schemeClr val="accent1"/>
+          </a:lnRef>
+          <a:fillRef idx="0">
+            <a:schemeClr val="accent1"/>
+          </a:fillRef>
+          <a:effectRef idx="1">
+            <a:schemeClr val="accent1"/>
+          </a:effectRef>
+          <a:fontRef idx="minor">
+            <a:schemeClr val="tx1"/>
+          </a:fontRef>
+        </p:style>
+      </p:cxnSp>
+      <p:cxnSp>
+        <p:nvCxnSpPr>
+          <p:cNvPr id="51" name="Straight Arrow Connector 50">
+            <a:extLst>
+              <a:ext uri="{FF2B5EF4-FFF2-40B4-BE49-F238E27FC236}">
+                <a16:creationId xmlns:a16="http://schemas.microsoft.com/office/drawing/2014/main" id="{32C1FE92-FA4B-244B-F7C5-ABF0474437A3}"/>
+              </a:ext>
+            </a:extLst>
+          </p:cNvPr>
+          <p:cNvCxnSpPr>
+            <a:cxnSpLocks/>
+            <a:stCxn id="6" idx="3"/>
+            <a:endCxn id="16" idx="1"/>
+          </p:cNvCxnSpPr>
+          <p:nvPr/>
+        </p:nvCxnSpPr>
+        <p:spPr>
+          <a:xfrm>
+            <a:off x="3982273" y="4658137"/>
+            <a:ext cx="4621697" cy="609600"/>
+          </a:xfrm>
+          <a:prstGeom prst="straightConnector1">
+            <a:avLst/>
+          </a:prstGeom>
+          <a:ln>
+            <a:tailEnd type="triangle"/>
+          </a:ln>
+        </p:spPr>
+        <p:style>
+          <a:lnRef idx="2">
+            <a:schemeClr val="accent1"/>
+          </a:lnRef>
+          <a:fillRef idx="0">
+            <a:schemeClr val="accent1"/>
+          </a:fillRef>
+          <a:effectRef idx="1">
+            <a:schemeClr val="accent1"/>
+          </a:effectRef>
+          <a:fontRef idx="minor">
+            <a:schemeClr val="tx1"/>
+          </a:fontRef>
+        </p:style>
+      </p:cxnSp>
+      <p:cxnSp>
+        <p:nvCxnSpPr>
+          <p:cNvPr id="54" name="Straight Arrow Connector 53">
+            <a:extLst>
+              <a:ext uri="{FF2B5EF4-FFF2-40B4-BE49-F238E27FC236}">
+                <a16:creationId xmlns:a16="http://schemas.microsoft.com/office/drawing/2014/main" id="{C32FC923-F2CC-AA09-ABE5-7FA6F93F47EC}"/>
+              </a:ext>
+            </a:extLst>
+          </p:cNvPr>
+          <p:cNvCxnSpPr>
+            <a:cxnSpLocks/>
+            <a:stCxn id="5" idx="3"/>
+            <a:endCxn id="11" idx="1"/>
+          </p:cNvCxnSpPr>
+          <p:nvPr/>
+        </p:nvCxnSpPr>
+        <p:spPr>
+          <a:xfrm>
+            <a:off x="3982274" y="3313041"/>
+            <a:ext cx="576470" cy="604631"/>
+          </a:xfrm>
+          <a:prstGeom prst="straightConnector1">
+            <a:avLst/>
+          </a:prstGeom>
+          <a:ln>
+            <a:tailEnd type="triangle"/>
+          </a:ln>
+        </p:spPr>
+        <p:style>
+          <a:lnRef idx="2">
+            <a:schemeClr val="accent1"/>
+          </a:lnRef>
+          <a:fillRef idx="0">
+            <a:schemeClr val="accent1"/>
+          </a:fillRef>
+          <a:effectRef idx="1">
+            <a:schemeClr val="accent1"/>
+          </a:effectRef>
+          <a:fontRef idx="minor">
+            <a:schemeClr val="tx1"/>
+          </a:fontRef>
+        </p:style>
+      </p:cxnSp>
+      <p:cxnSp>
+        <p:nvCxnSpPr>
+          <p:cNvPr id="57" name="Straight Arrow Connector 56">
+            <a:extLst>
+              <a:ext uri="{FF2B5EF4-FFF2-40B4-BE49-F238E27FC236}">
+                <a16:creationId xmlns:a16="http://schemas.microsoft.com/office/drawing/2014/main" id="{19FE65BB-5DF9-D0E9-0288-8131CB768AB1}"/>
+              </a:ext>
+            </a:extLst>
+          </p:cNvPr>
+          <p:cNvCxnSpPr>
+            <a:cxnSpLocks/>
+            <a:stCxn id="4" idx="3"/>
+            <a:endCxn id="14" idx="1"/>
+          </p:cNvCxnSpPr>
+          <p:nvPr/>
+        </p:nvCxnSpPr>
+        <p:spPr>
+          <a:xfrm flipV="1">
+            <a:off x="3982274" y="1232448"/>
+            <a:ext cx="576470" cy="735497"/>
+          </a:xfrm>
+          <a:prstGeom prst="straightConnector1">
+            <a:avLst/>
+          </a:prstGeom>
+          <a:ln>
+            <a:tailEnd type="triangle"/>
+          </a:ln>
+        </p:spPr>
+        <p:style>
+          <a:lnRef idx="2">
+            <a:schemeClr val="accent1"/>
+          </a:lnRef>
+          <a:fillRef idx="0">
+            <a:schemeClr val="accent1"/>
+          </a:fillRef>
+          <a:effectRef idx="1">
+            <a:schemeClr val="accent1"/>
+          </a:effectRef>
+          <a:fontRef idx="minor">
+            <a:schemeClr val="tx1"/>
+          </a:fontRef>
+        </p:style>
+      </p:cxnSp>
+      <p:cxnSp>
+        <p:nvCxnSpPr>
+          <p:cNvPr id="60" name="Straight Arrow Connector 59">
+            <a:extLst>
+              <a:ext uri="{FF2B5EF4-FFF2-40B4-BE49-F238E27FC236}">
+                <a16:creationId xmlns:a16="http://schemas.microsoft.com/office/drawing/2014/main" id="{818BBD38-17E7-8E19-2BB2-C2DD19A84F66}"/>
+              </a:ext>
+            </a:extLst>
+          </p:cNvPr>
+          <p:cNvCxnSpPr>
+            <a:cxnSpLocks/>
+            <a:stCxn id="8" idx="3"/>
+            <a:endCxn id="4" idx="1"/>
+          </p:cNvCxnSpPr>
+          <p:nvPr/>
+        </p:nvCxnSpPr>
+        <p:spPr>
+          <a:xfrm flipV="1">
+            <a:off x="1789041" y="1967945"/>
+            <a:ext cx="775250" cy="2090530"/>
+          </a:xfrm>
+          <a:prstGeom prst="straightConnector1">
+            <a:avLst/>
+          </a:prstGeom>
+          <a:ln>
+            <a:tailEnd type="triangle"/>
+          </a:ln>
+        </p:spPr>
+        <p:style>
+          <a:lnRef idx="2">
+            <a:schemeClr val="accent1"/>
+          </a:lnRef>
+          <a:fillRef idx="0">
+            <a:schemeClr val="accent1"/>
+          </a:fillRef>
+          <a:effectRef idx="1">
+            <a:schemeClr val="accent1"/>
+          </a:effectRef>
+          <a:fontRef idx="minor">
+            <a:schemeClr val="tx1"/>
+          </a:fontRef>
+        </p:style>
+      </p:cxnSp>
+      <p:cxnSp>
+        <p:nvCxnSpPr>
+          <p:cNvPr id="63" name="Straight Arrow Connector 62">
+            <a:extLst>
+              <a:ext uri="{FF2B5EF4-FFF2-40B4-BE49-F238E27FC236}">
+                <a16:creationId xmlns:a16="http://schemas.microsoft.com/office/drawing/2014/main" id="{DE56C18F-6013-ACDD-669C-B18119B8291F}"/>
+              </a:ext>
+            </a:extLst>
+          </p:cNvPr>
+          <p:cNvCxnSpPr>
+            <a:cxnSpLocks/>
+            <a:stCxn id="8" idx="3"/>
+            <a:endCxn id="5" idx="1"/>
+          </p:cNvCxnSpPr>
+          <p:nvPr/>
+        </p:nvCxnSpPr>
+        <p:spPr>
+          <a:xfrm flipV="1">
+            <a:off x="1789041" y="3313041"/>
+            <a:ext cx="775250" cy="745434"/>
+          </a:xfrm>
+          <a:prstGeom prst="straightConnector1">
+            <a:avLst/>
+          </a:prstGeom>
+          <a:ln>
+            <a:tailEnd type="triangle"/>
+          </a:ln>
+        </p:spPr>
+        <p:style>
+          <a:lnRef idx="2">
+            <a:schemeClr val="accent1"/>
+          </a:lnRef>
+          <a:fillRef idx="0">
+            <a:schemeClr val="accent1"/>
+          </a:fillRef>
+          <a:effectRef idx="1">
+            <a:schemeClr val="accent1"/>
+          </a:effectRef>
+          <a:fontRef idx="minor">
+            <a:schemeClr val="tx1"/>
+          </a:fontRef>
+        </p:style>
+      </p:cxnSp>
+      <p:cxnSp>
+        <p:nvCxnSpPr>
+          <p:cNvPr id="66" name="Straight Arrow Connector 65">
+            <a:extLst>
+              <a:ext uri="{FF2B5EF4-FFF2-40B4-BE49-F238E27FC236}">
+                <a16:creationId xmlns:a16="http://schemas.microsoft.com/office/drawing/2014/main" id="{18A4E21B-8316-64DC-BDAF-DD92083D7AF3}"/>
+              </a:ext>
+            </a:extLst>
+          </p:cNvPr>
+          <p:cNvCxnSpPr>
+            <a:cxnSpLocks/>
+            <a:stCxn id="8" idx="3"/>
+            <a:endCxn id="6" idx="1"/>
+          </p:cNvCxnSpPr>
+          <p:nvPr/>
+        </p:nvCxnSpPr>
+        <p:spPr>
+          <a:xfrm>
+            <a:off x="1789041" y="4058475"/>
+            <a:ext cx="775249" cy="599662"/>
+          </a:xfrm>
+          <a:prstGeom prst="straightConnector1">
+            <a:avLst/>
+          </a:prstGeom>
+          <a:ln>
+            <a:tailEnd type="triangle"/>
+          </a:ln>
+        </p:spPr>
+        <p:style>
+          <a:lnRef idx="2">
+            <a:schemeClr val="accent1"/>
+          </a:lnRef>
+          <a:fillRef idx="0">
+            <a:schemeClr val="accent1"/>
+          </a:fillRef>
+          <a:effectRef idx="1">
+            <a:schemeClr val="accent1"/>
+          </a:effectRef>
+          <a:fontRef idx="minor">
+            <a:schemeClr val="tx1"/>
+          </a:fontRef>
+        </p:style>
+      </p:cxnSp>
+      <p:cxnSp>
+        <p:nvCxnSpPr>
+          <p:cNvPr id="75" name="Straight Arrow Connector 74">
+            <a:extLst>
+              <a:ext uri="{FF2B5EF4-FFF2-40B4-BE49-F238E27FC236}">
+                <a16:creationId xmlns:a16="http://schemas.microsoft.com/office/drawing/2014/main" id="{60D8DF70-9A0E-8261-3D38-8614FEDB636E}"/>
+              </a:ext>
+            </a:extLst>
+          </p:cNvPr>
+          <p:cNvCxnSpPr>
+            <a:cxnSpLocks/>
+            <a:stCxn id="7" idx="3"/>
+            <a:endCxn id="4" idx="1"/>
+          </p:cNvCxnSpPr>
+          <p:nvPr/>
+        </p:nvCxnSpPr>
+        <p:spPr>
+          <a:xfrm flipV="1">
+            <a:off x="1789042" y="1967945"/>
+            <a:ext cx="775249" cy="609599"/>
+          </a:xfrm>
+          <a:prstGeom prst="straightConnector1">
+            <a:avLst/>
+          </a:prstGeom>
+          <a:ln>
+            <a:tailEnd type="triangle"/>
+          </a:ln>
+        </p:spPr>
+        <p:style>
+          <a:lnRef idx="2">
+            <a:schemeClr val="accent1"/>
+          </a:lnRef>
+          <a:fillRef idx="0">
+            <a:schemeClr val="accent1"/>
+          </a:fillRef>
+          <a:effectRef idx="1">
+            <a:schemeClr val="accent1"/>
+          </a:effectRef>
+          <a:fontRef idx="minor">
+            <a:schemeClr val="tx1"/>
+          </a:fontRef>
+        </p:style>
+      </p:cxnSp>
+      <p:cxnSp>
+        <p:nvCxnSpPr>
+          <p:cNvPr id="78" name="Straight Arrow Connector 77">
+            <a:extLst>
+              <a:ext uri="{FF2B5EF4-FFF2-40B4-BE49-F238E27FC236}">
+                <a16:creationId xmlns:a16="http://schemas.microsoft.com/office/drawing/2014/main" id="{445F1C4F-724E-9EDA-88B1-742175246CE7}"/>
+              </a:ext>
+            </a:extLst>
+          </p:cNvPr>
+          <p:cNvCxnSpPr>
+            <a:cxnSpLocks/>
+            <a:stCxn id="7" idx="3"/>
+            <a:endCxn id="5" idx="1"/>
+          </p:cNvCxnSpPr>
+          <p:nvPr/>
+        </p:nvCxnSpPr>
+        <p:spPr>
+          <a:xfrm>
+            <a:off x="1789042" y="2577544"/>
+            <a:ext cx="775249" cy="735497"/>
+          </a:xfrm>
+          <a:prstGeom prst="straightConnector1">
+            <a:avLst/>
+          </a:prstGeom>
+          <a:ln>
+            <a:tailEnd type="triangle"/>
+          </a:ln>
+        </p:spPr>
+        <p:style>
+          <a:lnRef idx="2">
+            <a:schemeClr val="accent1"/>
+          </a:lnRef>
+          <a:fillRef idx="0">
+            <a:schemeClr val="accent1"/>
+          </a:fillRef>
+          <a:effectRef idx="1">
+            <a:schemeClr val="accent1"/>
+          </a:effectRef>
+          <a:fontRef idx="minor">
+            <a:schemeClr val="tx1"/>
+          </a:fontRef>
+        </p:style>
+      </p:cxnSp>
+      <p:cxnSp>
+        <p:nvCxnSpPr>
+          <p:cNvPr id="81" name="Straight Arrow Connector 80">
+            <a:extLst>
+              <a:ext uri="{FF2B5EF4-FFF2-40B4-BE49-F238E27FC236}">
+                <a16:creationId xmlns:a16="http://schemas.microsoft.com/office/drawing/2014/main" id="{DEEE687F-8591-A07C-E0B2-E4EB3AB1CA9F}"/>
+              </a:ext>
+            </a:extLst>
+          </p:cNvPr>
+          <p:cNvCxnSpPr>
+            <a:cxnSpLocks/>
+            <a:stCxn id="7" idx="3"/>
+            <a:endCxn id="6" idx="1"/>
+          </p:cNvCxnSpPr>
+          <p:nvPr/>
+        </p:nvCxnSpPr>
+        <p:spPr>
+          <a:xfrm>
+            <a:off x="1789042" y="2577544"/>
+            <a:ext cx="775248" cy="2080593"/>
+          </a:xfrm>
+          <a:prstGeom prst="straightConnector1">
+            <a:avLst/>
+          </a:prstGeom>
+          <a:ln>
+            <a:tailEnd type="triangle"/>
+          </a:ln>
+        </p:spPr>
+        <p:style>
+          <a:lnRef idx="2">
+            <a:schemeClr val="accent1"/>
+          </a:lnRef>
+          <a:fillRef idx="0">
+            <a:schemeClr val="accent1"/>
+          </a:fillRef>
+          <a:effectRef idx="1">
+            <a:schemeClr val="accent1"/>
+          </a:effectRef>
+          <a:fontRef idx="minor">
+            <a:schemeClr val="tx1"/>
+          </a:fontRef>
+        </p:style>
+      </p:cxnSp>
+      <p:cxnSp>
+        <p:nvCxnSpPr>
+          <p:cNvPr id="84" name="Straight Arrow Connector 83">
+            <a:extLst>
+              <a:ext uri="{FF2B5EF4-FFF2-40B4-BE49-F238E27FC236}">
+                <a16:creationId xmlns:a16="http://schemas.microsoft.com/office/drawing/2014/main" id="{54D48FBE-525C-86BA-FA22-D259F1CAED05}"/>
+              </a:ext>
+            </a:extLst>
+          </p:cNvPr>
+          <p:cNvCxnSpPr>
+            <a:cxnSpLocks/>
+            <a:stCxn id="14" idx="3"/>
+            <a:endCxn id="10" idx="1"/>
+          </p:cNvCxnSpPr>
+          <p:nvPr/>
+        </p:nvCxnSpPr>
+        <p:spPr>
+          <a:xfrm>
+            <a:off x="5976727" y="1232448"/>
+            <a:ext cx="566531" cy="0"/>
+          </a:xfrm>
+          <a:prstGeom prst="straightConnector1">
+            <a:avLst/>
+          </a:prstGeom>
+          <a:ln>
+            <a:tailEnd type="triangle"/>
+          </a:ln>
+        </p:spPr>
+        <p:style>
+          <a:lnRef idx="2">
+            <a:schemeClr val="accent1"/>
+          </a:lnRef>
+          <a:fillRef idx="0">
+            <a:schemeClr val="accent1"/>
+          </a:fillRef>
+          <a:effectRef idx="1">
+            <a:schemeClr val="accent1"/>
+          </a:effectRef>
+          <a:fontRef idx="minor">
+            <a:schemeClr val="tx1"/>
+          </a:fontRef>
+        </p:style>
+      </p:cxnSp>
+      <p:sp>
+        <p:nvSpPr>
+          <p:cNvPr id="61" name="Title 60">
+            <a:extLst>
+              <a:ext uri="{FF2B5EF4-FFF2-40B4-BE49-F238E27FC236}">
+                <a16:creationId xmlns:a16="http://schemas.microsoft.com/office/drawing/2014/main" id="{1682203B-9450-9B32-BD03-C99201713750}"/>
+              </a:ext>
+            </a:extLst>
+          </p:cNvPr>
+          <p:cNvSpPr>
+            <a:spLocks noGrp="1"/>
+          </p:cNvSpPr>
+          <p:nvPr>
+            <p:ph type="title"/>
+          </p:nvPr>
+        </p:nvSpPr>
+        <p:spPr>
+          <a:xfrm>
+            <a:off x="0" y="-1489"/>
+            <a:ext cx="3092406" cy="624337"/>
+          </a:xfrm>
+        </p:spPr>
+        <p:txBody>
+          <a:bodyPr>
+            <a:normAutofit/>
+          </a:bodyPr>
+          <a:lstStyle/>
+          <a:p>
+            <a:r>
+              <a:rPr lang="en-GB" sz="2800" dirty="0"/>
+              <a:t>AFDS-* (Autopilot)</a:t>
+            </a:r>
+          </a:p>
+        </p:txBody>
+      </p:sp>
+    </p:spTree>
+    <p:extLst>
+      <p:ext uri="{BB962C8B-B14F-4D97-AF65-F5344CB8AC3E}">
+        <p14:creationId xmlns:p14="http://schemas.microsoft.com/office/powerpoint/2010/main" val="2944336919"/>
+      </p:ext>
+    </p:extLst>
+  </p:cSld>
+  <p:clrMapOvr>
+    <a:masterClrMapping/>
+  </p:clrMapOvr>
+</p:sld>
+</file>
+
+<file path=ppt/slides/slide5.xml><?xml version="1.0" encoding="utf-8"?>
+<p:sld xmlns:a="http://schemas.openxmlformats.org/drawingml/2006/main" xmlns:r="http://schemas.openxmlformats.org/officeDocument/2006/relationships" xmlns:p="http://schemas.openxmlformats.org/presentationml/2006/main">
+  <p:cSld>
+    <p:spTree>
+      <p:nvGrpSpPr>
+        <p:cNvPr id="1" name=""/>
+        <p:cNvGrpSpPr/>
+        <p:nvPr/>
+      </p:nvGrpSpPr>
+      <p:grpSpPr>
+        <a:xfrm>
+          <a:off x="0" y="0"/>
+          <a:ext cx="0" cy="0"/>
+          <a:chOff x="0" y="0"/>
+          <a:chExt cx="0" cy="0"/>
+        </a:xfrm>
+      </p:grpSpPr>
+      <p:sp>
+        <p:nvSpPr>
           <p:cNvPr id="4" name="Rectangle 3">
             <a:extLst>
               <a:ext uri="{FF2B5EF4-FFF2-40B4-BE49-F238E27FC236}">
@@ -7121,14 +8652,7 @@
             <a:pPr algn="ctr"/>
             <a:r>
               <a:rPr lang="en-GB" dirty="0"/>
-              <a:t>GCAS</a:t>
-            </a:r>
-          </a:p>
-          <a:p>
-            <a:pPr algn="ctr"/>
-            <a:r>
-              <a:rPr lang="en-GB" sz="1100" dirty="0"/>
-              <a:t>(ground collision avoidance system)</a:t>
+              <a:t>AFDS-GCAS</a:t>
             </a:r>
           </a:p>
         </p:txBody>
@@ -7144,15 +8668,15 @@
           </p:cNvPr>
           <p:cNvCxnSpPr>
             <a:cxnSpLocks/>
-            <a:stCxn id="7" idx="0"/>
+            <a:stCxn id="13" idx="0"/>
             <a:endCxn id="2" idx="1"/>
           </p:cNvCxnSpPr>
           <p:nvPr/>
         </p:nvCxnSpPr>
         <p:spPr>
           <a:xfrm flipV="1">
-            <a:off x="1119804" y="1096617"/>
-            <a:ext cx="1086677" cy="2030896"/>
+            <a:off x="1142995" y="1096617"/>
+            <a:ext cx="1063486" cy="760343"/>
           </a:xfrm>
           <a:prstGeom prst="straightConnector1">
             <a:avLst/>
@@ -7407,8 +8931,8 @@
         </p:nvSpPr>
         <p:spPr>
           <a:xfrm>
-            <a:off x="141124" y="148290"/>
-            <a:ext cx="1530630" cy="730356"/>
+            <a:off x="0" y="39065"/>
+            <a:ext cx="1899711" cy="441325"/>
           </a:xfrm>
           <a:prstGeom prst="rect">
             <a:avLst/>
@@ -7416,7 +8940,7 @@
         </p:spPr>
         <p:txBody>
           <a:bodyPr vert="horz" lIns="91440" tIns="45720" rIns="91440" bIns="45720" rtlCol="0" anchor="b">
-            <a:normAutofit/>
+            <a:normAutofit fontScale="92500" lnSpcReduction="10000"/>
           </a:bodyPr>
           <a:lstStyle>
             <a:lvl1pPr algn="ctr" defTabSz="914400" rtl="0" eaLnBrk="1" latinLnBrk="0" hangingPunct="1">
@@ -7440,7 +8964,61 @@
           <a:p>
             <a:r>
               <a:rPr lang="en-GB" sz="2800" dirty="0"/>
+              <a:t>AFDS-GCAS</a:t>
+            </a:r>
+          </a:p>
+        </p:txBody>
+      </p:sp>
+      <p:sp>
+        <p:nvSpPr>
+          <p:cNvPr id="13" name="Rectangle 12">
+            <a:extLst>
+              <a:ext uri="{FF2B5EF4-FFF2-40B4-BE49-F238E27FC236}">
+                <a16:creationId xmlns:a16="http://schemas.microsoft.com/office/drawing/2014/main" id="{7DCD25A4-CEDD-8166-1662-4091F69D90CA}"/>
+              </a:ext>
+            </a:extLst>
+          </p:cNvPr>
+          <p:cNvSpPr/>
+          <p:nvPr/>
+        </p:nvSpPr>
+        <p:spPr>
+          <a:xfrm>
+            <a:off x="434003" y="1856960"/>
+            <a:ext cx="1417983" cy="987287"/>
+          </a:xfrm>
+          <a:prstGeom prst="rect">
+            <a:avLst/>
+          </a:prstGeom>
+        </p:spPr>
+        <p:style>
+          <a:lnRef idx="3">
+            <a:schemeClr val="lt1"/>
+          </a:lnRef>
+          <a:fillRef idx="1">
+            <a:schemeClr val="accent2"/>
+          </a:fillRef>
+          <a:effectRef idx="1">
+            <a:schemeClr val="accent2"/>
+          </a:effectRef>
+          <a:fontRef idx="minor">
+            <a:schemeClr val="lt1"/>
+          </a:fontRef>
+        </p:style>
+        <p:txBody>
+          <a:bodyPr rtlCol="0" anchor="ctr"/>
+          <a:lstStyle/>
+          <a:p>
+            <a:pPr algn="ctr"/>
+            <a:r>
+              <a:rPr lang="en-GB" dirty="0"/>
               <a:t>GCAS</a:t>
+            </a:r>
+          </a:p>
+          <a:p>
+            <a:pPr algn="ctr"/>
+            <a:r>
+              <a:rPr lang="en-GB" dirty="0"/>
+              <a:t>status</a:t>
             </a:r>
           </a:p>
         </p:txBody>
@@ -7449,6 +9027,1388 @@
     <p:extLst>
       <p:ext uri="{BB962C8B-B14F-4D97-AF65-F5344CB8AC3E}">
         <p14:creationId xmlns:p14="http://schemas.microsoft.com/office/powerpoint/2010/main" val="2765171996"/>
+      </p:ext>
+    </p:extLst>
+  </p:cSld>
+  <p:clrMapOvr>
+    <a:masterClrMapping/>
+  </p:clrMapOvr>
+</p:sld>
+</file>
+
+<file path=ppt/slides/slide6.xml><?xml version="1.0" encoding="utf-8"?>
+<p:sld xmlns:a="http://schemas.openxmlformats.org/drawingml/2006/main" xmlns:r="http://schemas.openxmlformats.org/officeDocument/2006/relationships" xmlns:p="http://schemas.openxmlformats.org/presentationml/2006/main">
+  <p:cSld>
+    <p:spTree>
+      <p:nvGrpSpPr>
+        <p:cNvPr id="1" name=""/>
+        <p:cNvGrpSpPr/>
+        <p:nvPr/>
+      </p:nvGrpSpPr>
+      <p:grpSpPr>
+        <a:xfrm>
+          <a:off x="0" y="0"/>
+          <a:ext cx="0" cy="0"/>
+          <a:chOff x="0" y="0"/>
+          <a:chExt cx="0" cy="0"/>
+        </a:xfrm>
+      </p:grpSpPr>
+      <p:sp>
+        <p:nvSpPr>
+          <p:cNvPr id="4" name="Title 3">
+            <a:extLst>
+              <a:ext uri="{FF2B5EF4-FFF2-40B4-BE49-F238E27FC236}">
+                <a16:creationId xmlns:a16="http://schemas.microsoft.com/office/drawing/2014/main" id="{4C815C8B-B3DF-FC80-F7E5-6D73F8D4F1AD}"/>
+              </a:ext>
+            </a:extLst>
+          </p:cNvPr>
+          <p:cNvSpPr>
+            <a:spLocks noGrp="1"/>
+          </p:cNvSpPr>
+          <p:nvPr>
+            <p:ph type="title"/>
+          </p:nvPr>
+        </p:nvSpPr>
+        <p:spPr/>
+        <p:txBody>
+          <a:bodyPr/>
+          <a:lstStyle/>
+          <a:p>
+            <a:r>
+              <a:rPr lang="en-GB" dirty="0"/>
+              <a:t>GCAS</a:t>
+            </a:r>
+          </a:p>
+        </p:txBody>
+      </p:sp>
+      <p:sp>
+        <p:nvSpPr>
+          <p:cNvPr id="5" name="Text Placeholder 4">
+            <a:extLst>
+              <a:ext uri="{FF2B5EF4-FFF2-40B4-BE49-F238E27FC236}">
+                <a16:creationId xmlns:a16="http://schemas.microsoft.com/office/drawing/2014/main" id="{BB9FAD6E-70B2-2F58-26A5-F3AC0499A6B4}"/>
+              </a:ext>
+            </a:extLst>
+          </p:cNvPr>
+          <p:cNvSpPr>
+            <a:spLocks noGrp="1"/>
+          </p:cNvSpPr>
+          <p:nvPr>
+            <p:ph type="body" idx="1"/>
+          </p:nvPr>
+        </p:nvSpPr>
+        <p:spPr/>
+        <p:txBody>
+          <a:bodyPr/>
+          <a:lstStyle/>
+          <a:p>
+            <a:endParaRPr lang="en-GB"/>
+          </a:p>
+        </p:txBody>
+      </p:sp>
+    </p:spTree>
+    <p:extLst>
+      <p:ext uri="{BB962C8B-B14F-4D97-AF65-F5344CB8AC3E}">
+        <p14:creationId xmlns:p14="http://schemas.microsoft.com/office/powerpoint/2010/main" val="1798731313"/>
+      </p:ext>
+    </p:extLst>
+  </p:cSld>
+  <p:clrMapOvr>
+    <a:masterClrMapping/>
+  </p:clrMapOvr>
+</p:sld>
+</file>
+
+<file path=ppt/slides/slide7.xml><?xml version="1.0" encoding="utf-8"?>
+<p:sld xmlns:a="http://schemas.openxmlformats.org/drawingml/2006/main" xmlns:r="http://schemas.openxmlformats.org/officeDocument/2006/relationships" xmlns:p="http://schemas.openxmlformats.org/presentationml/2006/main">
+  <p:cSld>
+    <p:spTree>
+      <p:nvGrpSpPr>
+        <p:cNvPr id="1" name=""/>
+        <p:cNvGrpSpPr/>
+        <p:nvPr/>
+      </p:nvGrpSpPr>
+      <p:grpSpPr>
+        <a:xfrm>
+          <a:off x="0" y="0"/>
+          <a:ext cx="0" cy="0"/>
+          <a:chOff x="0" y="0"/>
+          <a:chExt cx="0" cy="0"/>
+        </a:xfrm>
+      </p:grpSpPr>
+      <p:sp>
+        <p:nvSpPr>
+          <p:cNvPr id="4" name="Rectangle 3">
+            <a:extLst>
+              <a:ext uri="{FF2B5EF4-FFF2-40B4-BE49-F238E27FC236}">
+                <a16:creationId xmlns:a16="http://schemas.microsoft.com/office/drawing/2014/main" id="{389CF64B-3EFF-A590-EFF2-279B2131A72F}"/>
+              </a:ext>
+            </a:extLst>
+          </p:cNvPr>
+          <p:cNvSpPr/>
+          <p:nvPr/>
+        </p:nvSpPr>
+        <p:spPr>
+          <a:xfrm>
+            <a:off x="3707295" y="474583"/>
+            <a:ext cx="4777409" cy="1560434"/>
+          </a:xfrm>
+          <a:prstGeom prst="rect">
+            <a:avLst/>
+          </a:prstGeom>
+          <a:solidFill>
+            <a:schemeClr val="dk1">
+              <a:alpha val="50000"/>
+            </a:schemeClr>
+          </a:solidFill>
+          <a:ln>
+            <a:noFill/>
+          </a:ln>
+        </p:spPr>
+        <p:style>
+          <a:lnRef idx="0">
+            <a:scrgbClr r="0" g="0" b="0"/>
+          </a:lnRef>
+          <a:fillRef idx="0">
+            <a:scrgbClr r="0" g="0" b="0"/>
+          </a:fillRef>
+          <a:effectRef idx="0">
+            <a:scrgbClr r="0" g="0" b="0"/>
+          </a:effectRef>
+          <a:fontRef idx="minor">
+            <a:schemeClr val="lt1"/>
+          </a:fontRef>
+        </p:style>
+        <p:txBody>
+          <a:bodyPr rtlCol="0" anchor="t"/>
+          <a:lstStyle/>
+          <a:p>
+            <a:pPr algn="ctr"/>
+            <a:r>
+              <a:rPr lang="en-GB" sz="2000" dirty="0"/>
+              <a:t>GCAS</a:t>
+            </a:r>
+          </a:p>
+        </p:txBody>
+      </p:sp>
+      <p:sp>
+        <p:nvSpPr>
+          <p:cNvPr id="5" name="Rectangle 4">
+            <a:extLst>
+              <a:ext uri="{FF2B5EF4-FFF2-40B4-BE49-F238E27FC236}">
+                <a16:creationId xmlns:a16="http://schemas.microsoft.com/office/drawing/2014/main" id="{A6741F20-9DB9-A130-F066-E4A76DA80ECD}"/>
+              </a:ext>
+            </a:extLst>
+          </p:cNvPr>
+          <p:cNvSpPr/>
+          <p:nvPr/>
+        </p:nvSpPr>
+        <p:spPr>
+          <a:xfrm>
+            <a:off x="5396942" y="931776"/>
+            <a:ext cx="1417983" cy="987287"/>
+          </a:xfrm>
+          <a:prstGeom prst="rect">
+            <a:avLst/>
+          </a:prstGeom>
+        </p:spPr>
+        <p:style>
+          <a:lnRef idx="3">
+            <a:schemeClr val="lt1"/>
+          </a:lnRef>
+          <a:fillRef idx="1">
+            <a:schemeClr val="accent1"/>
+          </a:fillRef>
+          <a:effectRef idx="1">
+            <a:schemeClr val="accent1"/>
+          </a:effectRef>
+          <a:fontRef idx="minor">
+            <a:schemeClr val="lt1"/>
+          </a:fontRef>
+        </p:style>
+        <p:txBody>
+          <a:bodyPr rtlCol="0" anchor="ctr"/>
+          <a:lstStyle/>
+          <a:p>
+            <a:pPr algn="ctr"/>
+            <a:r>
+              <a:rPr lang="en-GB" dirty="0"/>
+              <a:t>GCAS-IMPL</a:t>
+            </a:r>
+          </a:p>
+        </p:txBody>
+      </p:sp>
+      <p:sp>
+        <p:nvSpPr>
+          <p:cNvPr id="6" name="Rectangle 5">
+            <a:extLst>
+              <a:ext uri="{FF2B5EF4-FFF2-40B4-BE49-F238E27FC236}">
+                <a16:creationId xmlns:a16="http://schemas.microsoft.com/office/drawing/2014/main" id="{2E8E28F6-F2FC-47DB-53EE-7D9E16408CA5}"/>
+              </a:ext>
+            </a:extLst>
+          </p:cNvPr>
+          <p:cNvSpPr/>
+          <p:nvPr/>
+        </p:nvSpPr>
+        <p:spPr>
+          <a:xfrm>
+            <a:off x="3826559" y="931775"/>
+            <a:ext cx="1461048" cy="987287"/>
+          </a:xfrm>
+          <a:prstGeom prst="rect">
+            <a:avLst/>
+          </a:prstGeom>
+          <a:solidFill>
+            <a:schemeClr val="dk1">
+              <a:alpha val="50000"/>
+            </a:schemeClr>
+          </a:solidFill>
+          <a:ln>
+            <a:noFill/>
+          </a:ln>
+        </p:spPr>
+        <p:style>
+          <a:lnRef idx="0">
+            <a:scrgbClr r="0" g="0" b="0"/>
+          </a:lnRef>
+          <a:fillRef idx="0">
+            <a:scrgbClr r="0" g="0" b="0"/>
+          </a:fillRef>
+          <a:effectRef idx="0">
+            <a:scrgbClr r="0" g="0" b="0"/>
+          </a:effectRef>
+          <a:fontRef idx="minor">
+            <a:schemeClr val="lt1"/>
+          </a:fontRef>
+        </p:style>
+        <p:txBody>
+          <a:bodyPr rtlCol="0" anchor="ctr"/>
+          <a:lstStyle/>
+          <a:p>
+            <a:pPr algn="ctr"/>
+            <a:r>
+              <a:rPr lang="en-GB" dirty="0"/>
+              <a:t>GCAS-IFACE</a:t>
+            </a:r>
+            <a:endParaRPr lang="en-GB" sz="1100" dirty="0"/>
+          </a:p>
+          <a:p>
+            <a:pPr algn="ctr"/>
+            <a:r>
+              <a:rPr lang="en-GB" sz="1100" dirty="0"/>
+              <a:t>Data Input</a:t>
+            </a:r>
+          </a:p>
+        </p:txBody>
+      </p:sp>
+      <p:sp>
+        <p:nvSpPr>
+          <p:cNvPr id="7" name="Rectangle 6">
+            <a:extLst>
+              <a:ext uri="{FF2B5EF4-FFF2-40B4-BE49-F238E27FC236}">
+                <a16:creationId xmlns:a16="http://schemas.microsoft.com/office/drawing/2014/main" id="{6BF8C09B-6E85-5F19-A5F2-6A7FA719E047}"/>
+              </a:ext>
+            </a:extLst>
+          </p:cNvPr>
+          <p:cNvSpPr/>
+          <p:nvPr/>
+        </p:nvSpPr>
+        <p:spPr>
+          <a:xfrm>
+            <a:off x="6924261" y="931774"/>
+            <a:ext cx="1461048" cy="987287"/>
+          </a:xfrm>
+          <a:prstGeom prst="rect">
+            <a:avLst/>
+          </a:prstGeom>
+          <a:solidFill>
+            <a:schemeClr val="dk1">
+              <a:alpha val="50000"/>
+            </a:schemeClr>
+          </a:solidFill>
+          <a:ln>
+            <a:noFill/>
+          </a:ln>
+        </p:spPr>
+        <p:style>
+          <a:lnRef idx="0">
+            <a:scrgbClr r="0" g="0" b="0"/>
+          </a:lnRef>
+          <a:fillRef idx="0">
+            <a:scrgbClr r="0" g="0" b="0"/>
+          </a:fillRef>
+          <a:effectRef idx="0">
+            <a:scrgbClr r="0" g="0" b="0"/>
+          </a:effectRef>
+          <a:fontRef idx="minor">
+            <a:schemeClr val="lt1"/>
+          </a:fontRef>
+        </p:style>
+        <p:txBody>
+          <a:bodyPr rtlCol="0" anchor="ctr"/>
+          <a:lstStyle/>
+          <a:p>
+            <a:pPr algn="ctr"/>
+            <a:r>
+              <a:rPr lang="en-GB" dirty="0"/>
+              <a:t>GCAS-IFACE</a:t>
+            </a:r>
+          </a:p>
+          <a:p>
+            <a:pPr algn="ctr"/>
+            <a:r>
+              <a:rPr lang="en-GB" sz="1100" dirty="0"/>
+              <a:t>Data Output</a:t>
+            </a:r>
+          </a:p>
+        </p:txBody>
+      </p:sp>
+      <p:sp>
+        <p:nvSpPr>
+          <p:cNvPr id="8" name="Rectangle: Rounded Corners 7">
+            <a:extLst>
+              <a:ext uri="{FF2B5EF4-FFF2-40B4-BE49-F238E27FC236}">
+                <a16:creationId xmlns:a16="http://schemas.microsoft.com/office/drawing/2014/main" id="{EBC9315B-F62E-C451-4064-95CC5C92E726}"/>
+              </a:ext>
+            </a:extLst>
+          </p:cNvPr>
+          <p:cNvSpPr/>
+          <p:nvPr/>
+        </p:nvSpPr>
+        <p:spPr>
+          <a:xfrm>
+            <a:off x="1156259" y="1444441"/>
+            <a:ext cx="1898379" cy="397565"/>
+          </a:xfrm>
+          <a:prstGeom prst="roundRect">
+            <a:avLst/>
+          </a:prstGeom>
+          <a:solidFill>
+            <a:schemeClr val="dk1">
+              <a:alpha val="50000"/>
+            </a:schemeClr>
+          </a:solidFill>
+          <a:ln>
+            <a:noFill/>
+          </a:ln>
+        </p:spPr>
+        <p:style>
+          <a:lnRef idx="0">
+            <a:scrgbClr r="0" g="0" b="0"/>
+          </a:lnRef>
+          <a:fillRef idx="0">
+            <a:scrgbClr r="0" g="0" b="0"/>
+          </a:fillRef>
+          <a:effectRef idx="0">
+            <a:scrgbClr r="0" g="0" b="0"/>
+          </a:effectRef>
+          <a:fontRef idx="minor">
+            <a:schemeClr val="lt1"/>
+          </a:fontRef>
+        </p:style>
+        <p:txBody>
+          <a:bodyPr rtlCol="0" anchor="ctr"/>
+          <a:lstStyle/>
+          <a:p>
+            <a:pPr algn="ctr"/>
+            <a:r>
+              <a:rPr lang="en-GB" dirty="0"/>
+              <a:t>GCAS Interface</a:t>
+            </a:r>
+          </a:p>
+        </p:txBody>
+      </p:sp>
+      <p:sp>
+        <p:nvSpPr>
+          <p:cNvPr id="9" name="Rectangle: Rounded Corners 8">
+            <a:extLst>
+              <a:ext uri="{FF2B5EF4-FFF2-40B4-BE49-F238E27FC236}">
+                <a16:creationId xmlns:a16="http://schemas.microsoft.com/office/drawing/2014/main" id="{38735929-E813-313D-8692-DA1C46FBE916}"/>
+              </a:ext>
+            </a:extLst>
+          </p:cNvPr>
+          <p:cNvSpPr/>
+          <p:nvPr/>
+        </p:nvSpPr>
+        <p:spPr>
+          <a:xfrm>
+            <a:off x="1154585" y="1040249"/>
+            <a:ext cx="1898379" cy="397565"/>
+          </a:xfrm>
+          <a:prstGeom prst="roundRect">
+            <a:avLst/>
+          </a:prstGeom>
+          <a:solidFill>
+            <a:schemeClr val="dk1">
+              <a:alpha val="50000"/>
+            </a:schemeClr>
+          </a:solidFill>
+          <a:ln>
+            <a:noFill/>
+          </a:ln>
+        </p:spPr>
+        <p:style>
+          <a:lnRef idx="0">
+            <a:scrgbClr r="0" g="0" b="0"/>
+          </a:lnRef>
+          <a:fillRef idx="0">
+            <a:scrgbClr r="0" g="0" b="0"/>
+          </a:fillRef>
+          <a:effectRef idx="0">
+            <a:scrgbClr r="0" g="0" b="0"/>
+          </a:effectRef>
+          <a:fontRef idx="minor">
+            <a:schemeClr val="lt1"/>
+          </a:fontRef>
+        </p:style>
+        <p:txBody>
+          <a:bodyPr rtlCol="0" anchor="ctr"/>
+          <a:lstStyle/>
+          <a:p>
+            <a:pPr algn="ctr"/>
+            <a:r>
+              <a:rPr lang="en-GB" dirty="0"/>
+              <a:t>Aircraft Interface</a:t>
+            </a:r>
+          </a:p>
+        </p:txBody>
+      </p:sp>
+      <p:sp>
+        <p:nvSpPr>
+          <p:cNvPr id="10" name="Rectangle: Rounded Corners 9">
+            <a:extLst>
+              <a:ext uri="{FF2B5EF4-FFF2-40B4-BE49-F238E27FC236}">
+                <a16:creationId xmlns:a16="http://schemas.microsoft.com/office/drawing/2014/main" id="{BC693D19-96BE-943B-6BD0-5B01C64310CF}"/>
+              </a:ext>
+            </a:extLst>
+          </p:cNvPr>
+          <p:cNvSpPr/>
+          <p:nvPr/>
+        </p:nvSpPr>
+        <p:spPr>
+          <a:xfrm>
+            <a:off x="9104233" y="1226634"/>
+            <a:ext cx="1898379" cy="397565"/>
+          </a:xfrm>
+          <a:prstGeom prst="roundRect">
+            <a:avLst/>
+          </a:prstGeom>
+          <a:solidFill>
+            <a:schemeClr val="dk1">
+              <a:alpha val="50000"/>
+            </a:schemeClr>
+          </a:solidFill>
+          <a:ln>
+            <a:noFill/>
+          </a:ln>
+        </p:spPr>
+        <p:style>
+          <a:lnRef idx="0">
+            <a:scrgbClr r="0" g="0" b="0"/>
+          </a:lnRef>
+          <a:fillRef idx="0">
+            <a:scrgbClr r="0" g="0" b="0"/>
+          </a:fillRef>
+          <a:effectRef idx="0">
+            <a:scrgbClr r="0" g="0" b="0"/>
+          </a:effectRef>
+          <a:fontRef idx="minor">
+            <a:schemeClr val="lt1"/>
+          </a:fontRef>
+        </p:style>
+        <p:txBody>
+          <a:bodyPr rtlCol="0" anchor="ctr"/>
+          <a:lstStyle/>
+          <a:p>
+            <a:pPr algn="ctr"/>
+            <a:r>
+              <a:rPr lang="en-GB" dirty="0"/>
+              <a:t>GCAS Interface</a:t>
+            </a:r>
+          </a:p>
+        </p:txBody>
+      </p:sp>
+      <p:sp>
+        <p:nvSpPr>
+          <p:cNvPr id="11" name="Arrow: Right 10">
+            <a:extLst>
+              <a:ext uri="{FF2B5EF4-FFF2-40B4-BE49-F238E27FC236}">
+                <a16:creationId xmlns:a16="http://schemas.microsoft.com/office/drawing/2014/main" id="{B3627525-6D5A-4C56-E171-8C93EB7A6657}"/>
+              </a:ext>
+            </a:extLst>
+          </p:cNvPr>
+          <p:cNvSpPr/>
+          <p:nvPr/>
+        </p:nvSpPr>
+        <p:spPr>
+          <a:xfrm>
+            <a:off x="3177208" y="1239887"/>
+            <a:ext cx="430691" cy="384312"/>
+          </a:xfrm>
+          <a:prstGeom prst="rightArrow">
+            <a:avLst/>
+          </a:prstGeom>
+          <a:solidFill>
+            <a:schemeClr val="dk1">
+              <a:alpha val="50000"/>
+            </a:schemeClr>
+          </a:solidFill>
+          <a:ln>
+            <a:noFill/>
+          </a:ln>
+        </p:spPr>
+        <p:style>
+          <a:lnRef idx="0">
+            <a:scrgbClr r="0" g="0" b="0"/>
+          </a:lnRef>
+          <a:fillRef idx="0">
+            <a:scrgbClr r="0" g="0" b="0"/>
+          </a:fillRef>
+          <a:effectRef idx="0">
+            <a:scrgbClr r="0" g="0" b="0"/>
+          </a:effectRef>
+          <a:fontRef idx="minor">
+            <a:schemeClr val="lt1"/>
+          </a:fontRef>
+        </p:style>
+        <p:txBody>
+          <a:bodyPr rtlCol="0" anchor="ctr"/>
+          <a:lstStyle/>
+          <a:p>
+            <a:pPr algn="ctr"/>
+            <a:endParaRPr lang="en-GB"/>
+          </a:p>
+        </p:txBody>
+      </p:sp>
+      <p:sp>
+        <p:nvSpPr>
+          <p:cNvPr id="12" name="Arrow: Right 11">
+            <a:extLst>
+              <a:ext uri="{FF2B5EF4-FFF2-40B4-BE49-F238E27FC236}">
+                <a16:creationId xmlns:a16="http://schemas.microsoft.com/office/drawing/2014/main" id="{97FE958B-6CB7-F7C7-ACDD-B5D5C187A1C8}"/>
+              </a:ext>
+            </a:extLst>
+          </p:cNvPr>
+          <p:cNvSpPr/>
+          <p:nvPr/>
+        </p:nvSpPr>
+        <p:spPr>
+          <a:xfrm>
+            <a:off x="8564207" y="1210059"/>
+            <a:ext cx="430691" cy="384312"/>
+          </a:xfrm>
+          <a:prstGeom prst="rightArrow">
+            <a:avLst/>
+          </a:prstGeom>
+          <a:solidFill>
+            <a:schemeClr val="dk1">
+              <a:alpha val="50000"/>
+            </a:schemeClr>
+          </a:solidFill>
+          <a:ln>
+            <a:noFill/>
+          </a:ln>
+        </p:spPr>
+        <p:style>
+          <a:lnRef idx="0">
+            <a:scrgbClr r="0" g="0" b="0"/>
+          </a:lnRef>
+          <a:fillRef idx="0">
+            <a:scrgbClr r="0" g="0" b="0"/>
+          </a:fillRef>
+          <a:effectRef idx="0">
+            <a:scrgbClr r="0" g="0" b="0"/>
+          </a:effectRef>
+          <a:fontRef idx="minor">
+            <a:schemeClr val="lt1"/>
+          </a:fontRef>
+        </p:style>
+        <p:txBody>
+          <a:bodyPr rtlCol="0" anchor="ctr"/>
+          <a:lstStyle/>
+          <a:p>
+            <a:pPr algn="ctr"/>
+            <a:endParaRPr lang="en-GB"/>
+          </a:p>
+        </p:txBody>
+      </p:sp>
+      <p:sp>
+        <p:nvSpPr>
+          <p:cNvPr id="15" name="Rectangle: Rounded Corners 14">
+            <a:extLst>
+              <a:ext uri="{FF2B5EF4-FFF2-40B4-BE49-F238E27FC236}">
+                <a16:creationId xmlns:a16="http://schemas.microsoft.com/office/drawing/2014/main" id="{D998A320-6C49-DB3D-61F8-E06D54919A14}"/>
+              </a:ext>
+            </a:extLst>
+          </p:cNvPr>
+          <p:cNvSpPr/>
+          <p:nvPr/>
+        </p:nvSpPr>
+        <p:spPr>
+          <a:xfrm>
+            <a:off x="2408581" y="3750365"/>
+            <a:ext cx="1537253" cy="543339"/>
+          </a:xfrm>
+          <a:prstGeom prst="roundRect">
+            <a:avLst/>
+          </a:prstGeom>
+        </p:spPr>
+        <p:style>
+          <a:lnRef idx="2">
+            <a:schemeClr val="accent6">
+              <a:shade val="15000"/>
+            </a:schemeClr>
+          </a:lnRef>
+          <a:fillRef idx="1">
+            <a:schemeClr val="accent6"/>
+          </a:fillRef>
+          <a:effectRef idx="0">
+            <a:schemeClr val="accent6"/>
+          </a:effectRef>
+          <a:fontRef idx="minor">
+            <a:schemeClr val="lt1"/>
+          </a:fontRef>
+        </p:style>
+        <p:txBody>
+          <a:bodyPr rtlCol="0" anchor="ctr"/>
+          <a:lstStyle/>
+          <a:p>
+            <a:pPr algn="ctr"/>
+            <a:r>
+              <a:rPr lang="en-GB" dirty="0"/>
+              <a:t>disengaged</a:t>
+            </a:r>
+          </a:p>
+        </p:txBody>
+      </p:sp>
+      <p:sp>
+        <p:nvSpPr>
+          <p:cNvPr id="16" name="Rectangle: Rounded Corners 15">
+            <a:extLst>
+              <a:ext uri="{FF2B5EF4-FFF2-40B4-BE49-F238E27FC236}">
+                <a16:creationId xmlns:a16="http://schemas.microsoft.com/office/drawing/2014/main" id="{A726DE8D-C94E-4FDC-8493-49BBDB2E7332}"/>
+              </a:ext>
+            </a:extLst>
+          </p:cNvPr>
+          <p:cNvSpPr/>
+          <p:nvPr/>
+        </p:nvSpPr>
+        <p:spPr>
+          <a:xfrm>
+            <a:off x="5277672" y="2720005"/>
+            <a:ext cx="1537253" cy="543339"/>
+          </a:xfrm>
+          <a:prstGeom prst="roundRect">
+            <a:avLst/>
+          </a:prstGeom>
+          <a:solidFill>
+            <a:srgbClr val="C00000"/>
+          </a:solidFill>
+        </p:spPr>
+        <p:style>
+          <a:lnRef idx="2">
+            <a:schemeClr val="accent1">
+              <a:shade val="15000"/>
+            </a:schemeClr>
+          </a:lnRef>
+          <a:fillRef idx="1">
+            <a:schemeClr val="accent1"/>
+          </a:fillRef>
+          <a:effectRef idx="0">
+            <a:schemeClr val="accent1"/>
+          </a:effectRef>
+          <a:fontRef idx="minor">
+            <a:schemeClr val="lt1"/>
+          </a:fontRef>
+        </p:style>
+        <p:txBody>
+          <a:bodyPr rtlCol="0" anchor="ctr"/>
+          <a:lstStyle/>
+          <a:p>
+            <a:pPr algn="ctr"/>
+            <a:r>
+              <a:rPr lang="en-GB" dirty="0"/>
+              <a:t>emergency</a:t>
+            </a:r>
+          </a:p>
+        </p:txBody>
+      </p:sp>
+      <p:sp>
+        <p:nvSpPr>
+          <p:cNvPr id="17" name="Rectangle: Rounded Corners 16">
+            <a:extLst>
+              <a:ext uri="{FF2B5EF4-FFF2-40B4-BE49-F238E27FC236}">
+                <a16:creationId xmlns:a16="http://schemas.microsoft.com/office/drawing/2014/main" id="{587D9DC9-2CA3-7D48-37D8-F39E8690DADB}"/>
+              </a:ext>
+            </a:extLst>
+          </p:cNvPr>
+          <p:cNvSpPr/>
+          <p:nvPr/>
+        </p:nvSpPr>
+        <p:spPr>
+          <a:xfrm>
+            <a:off x="8150070" y="3750365"/>
+            <a:ext cx="1537253" cy="543339"/>
+          </a:xfrm>
+          <a:prstGeom prst="roundRect">
+            <a:avLst/>
+          </a:prstGeom>
+        </p:spPr>
+        <p:style>
+          <a:lnRef idx="2">
+            <a:schemeClr val="accent2">
+              <a:shade val="15000"/>
+            </a:schemeClr>
+          </a:lnRef>
+          <a:fillRef idx="1">
+            <a:schemeClr val="accent2"/>
+          </a:fillRef>
+          <a:effectRef idx="0">
+            <a:schemeClr val="accent2"/>
+          </a:effectRef>
+          <a:fontRef idx="minor">
+            <a:schemeClr val="lt1"/>
+          </a:fontRef>
+        </p:style>
+        <p:txBody>
+          <a:bodyPr rtlCol="0" anchor="ctr"/>
+          <a:lstStyle/>
+          <a:p>
+            <a:pPr algn="ctr"/>
+            <a:r>
+              <a:rPr lang="en-GB" dirty="0"/>
+              <a:t>recovery</a:t>
+            </a:r>
+          </a:p>
+        </p:txBody>
+      </p:sp>
+      <p:sp>
+        <p:nvSpPr>
+          <p:cNvPr id="18" name="Rectangle: Rounded Corners 17">
+            <a:extLst>
+              <a:ext uri="{FF2B5EF4-FFF2-40B4-BE49-F238E27FC236}">
+                <a16:creationId xmlns:a16="http://schemas.microsoft.com/office/drawing/2014/main" id="{6F99A7CC-278F-49AB-BEC0-3240196F070A}"/>
+              </a:ext>
+            </a:extLst>
+          </p:cNvPr>
+          <p:cNvSpPr/>
+          <p:nvPr/>
+        </p:nvSpPr>
+        <p:spPr>
+          <a:xfrm>
+            <a:off x="5327372" y="5382885"/>
+            <a:ext cx="1537253" cy="543339"/>
+          </a:xfrm>
+          <a:prstGeom prst="roundRect">
+            <a:avLst/>
+          </a:prstGeom>
+        </p:spPr>
+        <p:style>
+          <a:lnRef idx="2">
+            <a:schemeClr val="accent4">
+              <a:shade val="15000"/>
+            </a:schemeClr>
+          </a:lnRef>
+          <a:fillRef idx="1">
+            <a:schemeClr val="accent4"/>
+          </a:fillRef>
+          <a:effectRef idx="0">
+            <a:schemeClr val="accent4"/>
+          </a:effectRef>
+          <a:fontRef idx="minor">
+            <a:schemeClr val="lt1"/>
+          </a:fontRef>
+        </p:style>
+        <p:txBody>
+          <a:bodyPr rtlCol="0" anchor="ctr"/>
+          <a:lstStyle/>
+          <a:p>
+            <a:pPr algn="ctr"/>
+            <a:r>
+              <a:rPr lang="en-GB" dirty="0"/>
+              <a:t>stabilize</a:t>
+            </a:r>
+          </a:p>
+        </p:txBody>
+      </p:sp>
+      <p:sp>
+        <p:nvSpPr>
+          <p:cNvPr id="19" name="Rectangle: Rounded Corners 18">
+            <a:extLst>
+              <a:ext uri="{FF2B5EF4-FFF2-40B4-BE49-F238E27FC236}">
+                <a16:creationId xmlns:a16="http://schemas.microsoft.com/office/drawing/2014/main" id="{28358A02-5642-E470-5E35-E6FAE4306DE1}"/>
+              </a:ext>
+            </a:extLst>
+          </p:cNvPr>
+          <p:cNvSpPr/>
+          <p:nvPr/>
+        </p:nvSpPr>
+        <p:spPr>
+          <a:xfrm>
+            <a:off x="1278834" y="3902765"/>
+            <a:ext cx="233559" cy="238538"/>
+          </a:xfrm>
+          <a:prstGeom prst="roundRect">
+            <a:avLst/>
+          </a:prstGeom>
+        </p:spPr>
+        <p:style>
+          <a:lnRef idx="2">
+            <a:schemeClr val="accent1">
+              <a:shade val="15000"/>
+            </a:schemeClr>
+          </a:lnRef>
+          <a:fillRef idx="1">
+            <a:schemeClr val="accent1"/>
+          </a:fillRef>
+          <a:effectRef idx="0">
+            <a:schemeClr val="accent1"/>
+          </a:effectRef>
+          <a:fontRef idx="minor">
+            <a:schemeClr val="lt1"/>
+          </a:fontRef>
+        </p:style>
+        <p:txBody>
+          <a:bodyPr rtlCol="0" anchor="ctr"/>
+          <a:lstStyle/>
+          <a:p>
+            <a:pPr algn="ctr"/>
+            <a:endParaRPr lang="en-GB" dirty="0"/>
+          </a:p>
+        </p:txBody>
+      </p:sp>
+      <p:cxnSp>
+        <p:nvCxnSpPr>
+          <p:cNvPr id="21" name="Straight Arrow Connector 20">
+            <a:extLst>
+              <a:ext uri="{FF2B5EF4-FFF2-40B4-BE49-F238E27FC236}">
+                <a16:creationId xmlns:a16="http://schemas.microsoft.com/office/drawing/2014/main" id="{7784086F-9131-3D50-706C-67B8773CAC77}"/>
+              </a:ext>
+            </a:extLst>
+          </p:cNvPr>
+          <p:cNvCxnSpPr>
+            <a:stCxn id="19" idx="3"/>
+            <a:endCxn id="15" idx="1"/>
+          </p:cNvCxnSpPr>
+          <p:nvPr/>
+        </p:nvCxnSpPr>
+        <p:spPr>
+          <a:xfrm>
+            <a:off x="1512393" y="4022034"/>
+            <a:ext cx="896188" cy="1"/>
+          </a:xfrm>
+          <a:prstGeom prst="straightConnector1">
+            <a:avLst/>
+          </a:prstGeom>
+          <a:ln w="38100">
+            <a:tailEnd type="triangle"/>
+          </a:ln>
+        </p:spPr>
+        <p:style>
+          <a:lnRef idx="3">
+            <a:schemeClr val="accent6"/>
+          </a:lnRef>
+          <a:fillRef idx="0">
+            <a:schemeClr val="accent6"/>
+          </a:fillRef>
+          <a:effectRef idx="2">
+            <a:schemeClr val="accent6"/>
+          </a:effectRef>
+          <a:fontRef idx="minor">
+            <a:schemeClr val="tx1"/>
+          </a:fontRef>
+        </p:style>
+      </p:cxnSp>
+      <p:cxnSp>
+        <p:nvCxnSpPr>
+          <p:cNvPr id="22" name="Straight Arrow Connector 21">
+            <a:extLst>
+              <a:ext uri="{FF2B5EF4-FFF2-40B4-BE49-F238E27FC236}">
+                <a16:creationId xmlns:a16="http://schemas.microsoft.com/office/drawing/2014/main" id="{16D95CCA-2F4D-E0A5-9056-C152D2027563}"/>
+              </a:ext>
+            </a:extLst>
+          </p:cNvPr>
+          <p:cNvCxnSpPr>
+            <a:cxnSpLocks/>
+            <a:stCxn id="15" idx="0"/>
+            <a:endCxn id="16" idx="1"/>
+          </p:cNvCxnSpPr>
+          <p:nvPr/>
+        </p:nvCxnSpPr>
+        <p:spPr>
+          <a:xfrm flipV="1">
+            <a:off x="3177208" y="2991675"/>
+            <a:ext cx="2100464" cy="758690"/>
+          </a:xfrm>
+          <a:prstGeom prst="straightConnector1">
+            <a:avLst/>
+          </a:prstGeom>
+          <a:ln w="38100">
+            <a:solidFill>
+              <a:srgbClr val="C00000"/>
+            </a:solidFill>
+            <a:tailEnd type="triangle"/>
+          </a:ln>
+        </p:spPr>
+        <p:style>
+          <a:lnRef idx="2">
+            <a:schemeClr val="accent1"/>
+          </a:lnRef>
+          <a:fillRef idx="0">
+            <a:schemeClr val="accent1"/>
+          </a:fillRef>
+          <a:effectRef idx="1">
+            <a:schemeClr val="accent1"/>
+          </a:effectRef>
+          <a:fontRef idx="minor">
+            <a:schemeClr val="tx1"/>
+          </a:fontRef>
+        </p:style>
+      </p:cxnSp>
+      <p:cxnSp>
+        <p:nvCxnSpPr>
+          <p:cNvPr id="25" name="Straight Arrow Connector 24">
+            <a:extLst>
+              <a:ext uri="{FF2B5EF4-FFF2-40B4-BE49-F238E27FC236}">
+                <a16:creationId xmlns:a16="http://schemas.microsoft.com/office/drawing/2014/main" id="{C28CD740-A86A-846A-B336-79223F2DAC78}"/>
+              </a:ext>
+            </a:extLst>
+          </p:cNvPr>
+          <p:cNvCxnSpPr>
+            <a:cxnSpLocks/>
+            <a:stCxn id="16" idx="3"/>
+            <a:endCxn id="17" idx="0"/>
+          </p:cNvCxnSpPr>
+          <p:nvPr/>
+        </p:nvCxnSpPr>
+        <p:spPr>
+          <a:xfrm>
+            <a:off x="6814925" y="2991675"/>
+            <a:ext cx="2103772" cy="758690"/>
+          </a:xfrm>
+          <a:prstGeom prst="straightConnector1">
+            <a:avLst/>
+          </a:prstGeom>
+          <a:ln w="38100">
+            <a:tailEnd type="triangle"/>
+          </a:ln>
+        </p:spPr>
+        <p:style>
+          <a:lnRef idx="3">
+            <a:schemeClr val="accent6"/>
+          </a:lnRef>
+          <a:fillRef idx="0">
+            <a:schemeClr val="accent6"/>
+          </a:fillRef>
+          <a:effectRef idx="2">
+            <a:schemeClr val="accent6"/>
+          </a:effectRef>
+          <a:fontRef idx="minor">
+            <a:schemeClr val="tx1"/>
+          </a:fontRef>
+        </p:style>
+      </p:cxnSp>
+      <p:cxnSp>
+        <p:nvCxnSpPr>
+          <p:cNvPr id="28" name="Straight Arrow Connector 27">
+            <a:extLst>
+              <a:ext uri="{FF2B5EF4-FFF2-40B4-BE49-F238E27FC236}">
+                <a16:creationId xmlns:a16="http://schemas.microsoft.com/office/drawing/2014/main" id="{123A1647-CB1B-3B40-DA94-D89F26C7339E}"/>
+              </a:ext>
+            </a:extLst>
+          </p:cNvPr>
+          <p:cNvCxnSpPr>
+            <a:cxnSpLocks/>
+            <a:stCxn id="17" idx="2"/>
+            <a:endCxn id="18" idx="3"/>
+          </p:cNvCxnSpPr>
+          <p:nvPr/>
+        </p:nvCxnSpPr>
+        <p:spPr>
+          <a:xfrm flipH="1">
+            <a:off x="6864625" y="4293704"/>
+            <a:ext cx="2054072" cy="1360851"/>
+          </a:xfrm>
+          <a:prstGeom prst="straightConnector1">
+            <a:avLst/>
+          </a:prstGeom>
+          <a:ln w="38100">
+            <a:tailEnd type="triangle"/>
+          </a:ln>
+        </p:spPr>
+        <p:style>
+          <a:lnRef idx="3">
+            <a:schemeClr val="accent6"/>
+          </a:lnRef>
+          <a:fillRef idx="0">
+            <a:schemeClr val="accent6"/>
+          </a:fillRef>
+          <a:effectRef idx="2">
+            <a:schemeClr val="accent6"/>
+          </a:effectRef>
+          <a:fontRef idx="minor">
+            <a:schemeClr val="tx1"/>
+          </a:fontRef>
+        </p:style>
+      </p:cxnSp>
+      <p:cxnSp>
+        <p:nvCxnSpPr>
+          <p:cNvPr id="31" name="Straight Arrow Connector 30">
+            <a:extLst>
+              <a:ext uri="{FF2B5EF4-FFF2-40B4-BE49-F238E27FC236}">
+                <a16:creationId xmlns:a16="http://schemas.microsoft.com/office/drawing/2014/main" id="{63600C65-E2DF-2B2D-650A-1587B45AB3C0}"/>
+              </a:ext>
+            </a:extLst>
+          </p:cNvPr>
+          <p:cNvCxnSpPr>
+            <a:cxnSpLocks/>
+            <a:stCxn id="18" idx="1"/>
+            <a:endCxn id="15" idx="2"/>
+          </p:cNvCxnSpPr>
+          <p:nvPr/>
+        </p:nvCxnSpPr>
+        <p:spPr>
+          <a:xfrm flipH="1" flipV="1">
+            <a:off x="3177208" y="4293704"/>
+            <a:ext cx="2150164" cy="1360851"/>
+          </a:xfrm>
+          <a:prstGeom prst="straightConnector1">
+            <a:avLst/>
+          </a:prstGeom>
+          <a:ln w="38100">
+            <a:tailEnd type="triangle"/>
+          </a:ln>
+        </p:spPr>
+        <p:style>
+          <a:lnRef idx="3">
+            <a:schemeClr val="accent6"/>
+          </a:lnRef>
+          <a:fillRef idx="0">
+            <a:schemeClr val="accent6"/>
+          </a:fillRef>
+          <a:effectRef idx="2">
+            <a:schemeClr val="accent6"/>
+          </a:effectRef>
+          <a:fontRef idx="minor">
+            <a:schemeClr val="tx1"/>
+          </a:fontRef>
+        </p:style>
+      </p:cxnSp>
+      <p:sp>
+        <p:nvSpPr>
+          <p:cNvPr id="37" name="TextBox 36">
+            <a:extLst>
+              <a:ext uri="{FF2B5EF4-FFF2-40B4-BE49-F238E27FC236}">
+                <a16:creationId xmlns:a16="http://schemas.microsoft.com/office/drawing/2014/main" id="{43CCEA19-983C-53D8-C357-CBE49C50F1A3}"/>
+              </a:ext>
+            </a:extLst>
+          </p:cNvPr>
+          <p:cNvSpPr txBox="1"/>
+          <p:nvPr/>
+        </p:nvSpPr>
+        <p:spPr>
+          <a:xfrm rot="20379495">
+            <a:off x="3611984" y="3117233"/>
+            <a:ext cx="1284326" cy="253916"/>
+          </a:xfrm>
+          <a:prstGeom prst="rect">
+            <a:avLst/>
+          </a:prstGeom>
+          <a:noFill/>
+        </p:spPr>
+        <p:txBody>
+          <a:bodyPr wrap="none" rtlCol="0">
+            <a:spAutoFit/>
+          </a:bodyPr>
+          <a:lstStyle/>
+          <a:p>
+            <a:r>
+              <a:rPr lang="en-GB" sz="1050" dirty="0"/>
+              <a:t>Collision predicted</a:t>
+            </a:r>
+          </a:p>
+        </p:txBody>
+      </p:sp>
+      <p:sp>
+        <p:nvSpPr>
+          <p:cNvPr id="38" name="TextBox 37">
+            <a:extLst>
+              <a:ext uri="{FF2B5EF4-FFF2-40B4-BE49-F238E27FC236}">
+                <a16:creationId xmlns:a16="http://schemas.microsoft.com/office/drawing/2014/main" id="{C0AF6DFC-C08F-6B8F-03E7-126E1BEA26ED}"/>
+              </a:ext>
+            </a:extLst>
+          </p:cNvPr>
+          <p:cNvSpPr txBox="1"/>
+          <p:nvPr/>
+        </p:nvSpPr>
+        <p:spPr>
+          <a:xfrm>
+            <a:off x="7433404" y="2980677"/>
+            <a:ext cx="1699504" cy="253916"/>
+          </a:xfrm>
+          <a:prstGeom prst="rect">
+            <a:avLst/>
+          </a:prstGeom>
+          <a:noFill/>
+        </p:spPr>
+        <p:txBody>
+          <a:bodyPr wrap="none" rtlCol="0">
+            <a:spAutoFit/>
+          </a:bodyPr>
+          <a:lstStyle/>
+          <a:p>
+            <a:r>
+              <a:rPr lang="en-GB" sz="1050" dirty="0"/>
+              <a:t>Vertical speed &gt; threshold</a:t>
+            </a:r>
+          </a:p>
+        </p:txBody>
+      </p:sp>
+      <p:sp>
+        <p:nvSpPr>
+          <p:cNvPr id="39" name="TextBox 38">
+            <a:extLst>
+              <a:ext uri="{FF2B5EF4-FFF2-40B4-BE49-F238E27FC236}">
+                <a16:creationId xmlns:a16="http://schemas.microsoft.com/office/drawing/2014/main" id="{E3E74C85-DAD2-DD31-9C79-8BB26985CD58}"/>
+              </a:ext>
+            </a:extLst>
+          </p:cNvPr>
+          <p:cNvSpPr txBox="1"/>
+          <p:nvPr/>
+        </p:nvSpPr>
+        <p:spPr>
+          <a:xfrm>
+            <a:off x="7866811" y="4973598"/>
+            <a:ext cx="1322798" cy="253916"/>
+          </a:xfrm>
+          <a:prstGeom prst="rect">
+            <a:avLst/>
+          </a:prstGeom>
+          <a:noFill/>
+        </p:spPr>
+        <p:txBody>
+          <a:bodyPr wrap="none" rtlCol="0">
+            <a:spAutoFit/>
+          </a:bodyPr>
+          <a:lstStyle/>
+          <a:p>
+            <a:r>
+              <a:rPr lang="en-GB" sz="1050" dirty="0"/>
+              <a:t>Altitude &gt; threshold</a:t>
+            </a:r>
+          </a:p>
+        </p:txBody>
+      </p:sp>
+      <p:sp>
+        <p:nvSpPr>
+          <p:cNvPr id="40" name="TextBox 39">
+            <a:extLst>
+              <a:ext uri="{FF2B5EF4-FFF2-40B4-BE49-F238E27FC236}">
+                <a16:creationId xmlns:a16="http://schemas.microsoft.com/office/drawing/2014/main" id="{F4A25796-A536-C9B9-7A16-D3E9CD3B0AB5}"/>
+              </a:ext>
+            </a:extLst>
+          </p:cNvPr>
+          <p:cNvSpPr txBox="1"/>
+          <p:nvPr/>
+        </p:nvSpPr>
+        <p:spPr>
+          <a:xfrm>
+            <a:off x="3256729" y="5023656"/>
+            <a:ext cx="1383712" cy="577081"/>
+          </a:xfrm>
+          <a:prstGeom prst="rect">
+            <a:avLst/>
+          </a:prstGeom>
+          <a:noFill/>
+        </p:spPr>
+        <p:txBody>
+          <a:bodyPr wrap="none" rtlCol="0">
+            <a:spAutoFit/>
+          </a:bodyPr>
+          <a:lstStyle/>
+          <a:p>
+            <a:r>
+              <a:rPr lang="en-GB" sz="1050" dirty="0"/>
+              <a:t>Stable flight</a:t>
+            </a:r>
+          </a:p>
+          <a:p>
+            <a:r>
+              <a:rPr lang="en-GB" sz="1050" dirty="0"/>
+              <a:t>(Pitch, Roll, Velocity)</a:t>
+            </a:r>
+          </a:p>
+          <a:p>
+            <a:endParaRPr lang="en-GB" sz="1050" dirty="0"/>
+          </a:p>
+        </p:txBody>
+      </p:sp>
+      <p:cxnSp>
+        <p:nvCxnSpPr>
+          <p:cNvPr id="41" name="Straight Arrow Connector 40">
+            <a:extLst>
+              <a:ext uri="{FF2B5EF4-FFF2-40B4-BE49-F238E27FC236}">
+                <a16:creationId xmlns:a16="http://schemas.microsoft.com/office/drawing/2014/main" id="{C26CFC36-F5C3-E96C-365E-2348EBA0CBE5}"/>
+              </a:ext>
+            </a:extLst>
+          </p:cNvPr>
+          <p:cNvCxnSpPr>
+            <a:cxnSpLocks/>
+            <a:stCxn id="17" idx="1"/>
+            <a:endCxn id="16" idx="2"/>
+          </p:cNvCxnSpPr>
+          <p:nvPr/>
+        </p:nvCxnSpPr>
+        <p:spPr>
+          <a:xfrm flipH="1" flipV="1">
+            <a:off x="6046299" y="3263344"/>
+            <a:ext cx="2103771" cy="758691"/>
+          </a:xfrm>
+          <a:prstGeom prst="straightConnector1">
+            <a:avLst/>
+          </a:prstGeom>
+          <a:ln w="38100">
+            <a:solidFill>
+              <a:srgbClr val="C00000"/>
+            </a:solidFill>
+            <a:tailEnd type="triangle"/>
+          </a:ln>
+        </p:spPr>
+        <p:style>
+          <a:lnRef idx="2">
+            <a:schemeClr val="accent1"/>
+          </a:lnRef>
+          <a:fillRef idx="0">
+            <a:schemeClr val="accent1"/>
+          </a:fillRef>
+          <a:effectRef idx="1">
+            <a:schemeClr val="accent1"/>
+          </a:effectRef>
+          <a:fontRef idx="minor">
+            <a:schemeClr val="tx1"/>
+          </a:fontRef>
+        </p:style>
+      </p:cxnSp>
+      <p:cxnSp>
+        <p:nvCxnSpPr>
+          <p:cNvPr id="45" name="Straight Arrow Connector 44">
+            <a:extLst>
+              <a:ext uri="{FF2B5EF4-FFF2-40B4-BE49-F238E27FC236}">
+                <a16:creationId xmlns:a16="http://schemas.microsoft.com/office/drawing/2014/main" id="{14026901-2045-B7B5-4BD2-B4BF5A4AB1B5}"/>
+              </a:ext>
+            </a:extLst>
+          </p:cNvPr>
+          <p:cNvCxnSpPr>
+            <a:cxnSpLocks/>
+            <a:stCxn id="18" idx="0"/>
+            <a:endCxn id="16" idx="2"/>
+          </p:cNvCxnSpPr>
+          <p:nvPr/>
+        </p:nvCxnSpPr>
+        <p:spPr>
+          <a:xfrm flipH="1" flipV="1">
+            <a:off x="6046299" y="3263344"/>
+            <a:ext cx="49700" cy="2119541"/>
+          </a:xfrm>
+          <a:prstGeom prst="straightConnector1">
+            <a:avLst/>
+          </a:prstGeom>
+          <a:ln w="38100">
+            <a:solidFill>
+              <a:srgbClr val="C00000"/>
+            </a:solidFill>
+            <a:tailEnd type="triangle"/>
+          </a:ln>
+        </p:spPr>
+        <p:style>
+          <a:lnRef idx="2">
+            <a:schemeClr val="accent1"/>
+          </a:lnRef>
+          <a:fillRef idx="0">
+            <a:schemeClr val="accent1"/>
+          </a:fillRef>
+          <a:effectRef idx="1">
+            <a:schemeClr val="accent1"/>
+          </a:effectRef>
+          <a:fontRef idx="minor">
+            <a:schemeClr val="tx1"/>
+          </a:fontRef>
+        </p:style>
+      </p:cxnSp>
+      <p:sp>
+        <p:nvSpPr>
+          <p:cNvPr id="48" name="TextBox 47">
+            <a:extLst>
+              <a:ext uri="{FF2B5EF4-FFF2-40B4-BE49-F238E27FC236}">
+                <a16:creationId xmlns:a16="http://schemas.microsoft.com/office/drawing/2014/main" id="{D66B4800-130F-3ECA-AB82-9B332F57A642}"/>
+              </a:ext>
+            </a:extLst>
+          </p:cNvPr>
+          <p:cNvSpPr txBox="1"/>
+          <p:nvPr/>
+        </p:nvSpPr>
+        <p:spPr>
+          <a:xfrm rot="16200000">
+            <a:off x="5277177" y="4109862"/>
+            <a:ext cx="1284326" cy="253916"/>
+          </a:xfrm>
+          <a:prstGeom prst="rect">
+            <a:avLst/>
+          </a:prstGeom>
+          <a:noFill/>
+        </p:spPr>
+        <p:txBody>
+          <a:bodyPr wrap="none" rtlCol="0">
+            <a:spAutoFit/>
+          </a:bodyPr>
+          <a:lstStyle/>
+          <a:p>
+            <a:r>
+              <a:rPr lang="en-GB" sz="1050" dirty="0"/>
+              <a:t>Collision predicted</a:t>
+            </a:r>
+          </a:p>
+        </p:txBody>
+      </p:sp>
+      <p:sp>
+        <p:nvSpPr>
+          <p:cNvPr id="49" name="TextBox 48">
+            <a:extLst>
+              <a:ext uri="{FF2B5EF4-FFF2-40B4-BE49-F238E27FC236}">
+                <a16:creationId xmlns:a16="http://schemas.microsoft.com/office/drawing/2014/main" id="{6FD70617-0969-4B8D-9BBF-358285E7529B}"/>
+              </a:ext>
+            </a:extLst>
+          </p:cNvPr>
+          <p:cNvSpPr txBox="1"/>
+          <p:nvPr/>
+        </p:nvSpPr>
+        <p:spPr>
+          <a:xfrm rot="1241175">
+            <a:off x="6367012" y="3591463"/>
+            <a:ext cx="1284326" cy="253916"/>
+          </a:xfrm>
+          <a:prstGeom prst="rect">
+            <a:avLst/>
+          </a:prstGeom>
+          <a:noFill/>
+        </p:spPr>
+        <p:txBody>
+          <a:bodyPr wrap="none" rtlCol="0">
+            <a:spAutoFit/>
+          </a:bodyPr>
+          <a:lstStyle/>
+          <a:p>
+            <a:r>
+              <a:rPr lang="en-GB" sz="1050" dirty="0"/>
+              <a:t>Collision predicted</a:t>
+            </a:r>
+          </a:p>
+        </p:txBody>
+      </p:sp>
+    </p:spTree>
+    <p:extLst>
+      <p:ext uri="{BB962C8B-B14F-4D97-AF65-F5344CB8AC3E}">
+        <p14:creationId xmlns:p14="http://schemas.microsoft.com/office/powerpoint/2010/main" val="4292345501"/>
       </p:ext>
     </p:extLst>
   </p:cSld>

--- a/Documentation/application.pptx
+++ b/Documentation/application.pptx
@@ -8,15 +8,16 @@
     <p:sldId id="257" r:id="rId2"/>
     <p:sldId id="264" r:id="rId3"/>
     <p:sldId id="260" r:id="rId4"/>
-    <p:sldId id="262" r:id="rId5"/>
-    <p:sldId id="265" r:id="rId6"/>
-    <p:sldId id="263" r:id="rId7"/>
-    <p:sldId id="261" r:id="rId8"/>
-    <p:sldId id="266" r:id="rId9"/>
-    <p:sldId id="258" r:id="rId10"/>
-    <p:sldId id="259" r:id="rId11"/>
-    <p:sldId id="267" r:id="rId12"/>
-    <p:sldId id="268" r:id="rId13"/>
+    <p:sldId id="269" r:id="rId5"/>
+    <p:sldId id="262" r:id="rId6"/>
+    <p:sldId id="265" r:id="rId7"/>
+    <p:sldId id="263" r:id="rId8"/>
+    <p:sldId id="261" r:id="rId9"/>
+    <p:sldId id="266" r:id="rId10"/>
+    <p:sldId id="258" r:id="rId11"/>
+    <p:sldId id="259" r:id="rId12"/>
+    <p:sldId id="267" r:id="rId13"/>
+    <p:sldId id="268" r:id="rId14"/>
   </p:sldIdLst>
   <p:sldSz cx="12192000" cy="6858000"/>
   <p:notesSz cx="6858000" cy="9144000"/>
@@ -4170,30 +4171,22 @@
         </p:nvSpPr>
         <p:spPr>
           <a:xfrm>
-            <a:off x="2584169" y="2441713"/>
+            <a:off x="2564291" y="1474301"/>
             <a:ext cx="1417983" cy="987287"/>
           </a:xfrm>
           <a:prstGeom prst="rect">
             <a:avLst/>
           </a:prstGeom>
-          <a:solidFill>
-            <a:schemeClr val="dk1">
-              <a:alpha val="50000"/>
-            </a:schemeClr>
-          </a:solidFill>
-          <a:ln>
-            <a:noFill/>
-          </a:ln>
-        </p:spPr>
-        <p:style>
-          <a:lnRef idx="0">
-            <a:scrgbClr r="0" g="0" b="0"/>
-          </a:lnRef>
-          <a:fillRef idx="0">
-            <a:scrgbClr r="0" g="0" b="0"/>
-          </a:fillRef>
-          <a:effectRef idx="0">
-            <a:scrgbClr r="0" g="0" b="0"/>
+        </p:spPr>
+        <p:style>
+          <a:lnRef idx="3">
+            <a:schemeClr val="lt1"/>
+          </a:lnRef>
+          <a:fillRef idx="1">
+            <a:schemeClr val="accent1"/>
+          </a:fillRef>
+          <a:effectRef idx="1">
+            <a:schemeClr val="accent1"/>
           </a:effectRef>
           <a:fontRef idx="minor">
             <a:schemeClr val="lt1"/>
@@ -4225,30 +4218,22 @@
         </p:nvSpPr>
         <p:spPr>
           <a:xfrm>
-            <a:off x="2584169" y="3786809"/>
+            <a:off x="2564291" y="2819397"/>
             <a:ext cx="1417983" cy="987287"/>
           </a:xfrm>
           <a:prstGeom prst="rect">
             <a:avLst/>
           </a:prstGeom>
-          <a:solidFill>
-            <a:schemeClr val="dk1">
-              <a:alpha val="50000"/>
-            </a:schemeClr>
-          </a:solidFill>
-          <a:ln>
-            <a:noFill/>
-          </a:ln>
-        </p:spPr>
-        <p:style>
-          <a:lnRef idx="0">
-            <a:scrgbClr r="0" g="0" b="0"/>
-          </a:lnRef>
-          <a:fillRef idx="0">
-            <a:scrgbClr r="0" g="0" b="0"/>
-          </a:fillRef>
-          <a:effectRef idx="0">
-            <a:scrgbClr r="0" g="0" b="0"/>
+        </p:spPr>
+        <p:style>
+          <a:lnRef idx="3">
+            <a:schemeClr val="lt1"/>
+          </a:lnRef>
+          <a:fillRef idx="1">
+            <a:schemeClr val="accent1"/>
+          </a:fillRef>
+          <a:effectRef idx="1">
+            <a:schemeClr val="accent1"/>
           </a:effectRef>
           <a:fontRef idx="minor">
             <a:schemeClr val="lt1"/>
@@ -4280,30 +4265,22 @@
         </p:nvSpPr>
         <p:spPr>
           <a:xfrm>
-            <a:off x="2584168" y="5131905"/>
+            <a:off x="2564290" y="4164493"/>
             <a:ext cx="1417983" cy="987287"/>
           </a:xfrm>
           <a:prstGeom prst="rect">
             <a:avLst/>
           </a:prstGeom>
-          <a:solidFill>
-            <a:schemeClr val="dk1">
-              <a:alpha val="50000"/>
-            </a:schemeClr>
-          </a:solidFill>
-          <a:ln>
-            <a:noFill/>
-          </a:ln>
-        </p:spPr>
-        <p:style>
-          <a:lnRef idx="0">
-            <a:scrgbClr r="0" g="0" b="0"/>
-          </a:lnRef>
-          <a:fillRef idx="0">
-            <a:scrgbClr r="0" g="0" b="0"/>
-          </a:fillRef>
-          <a:effectRef idx="0">
-            <a:scrgbClr r="0" g="0" b="0"/>
+        </p:spPr>
+        <p:style>
+          <a:lnRef idx="3">
+            <a:schemeClr val="lt1"/>
+          </a:lnRef>
+          <a:fillRef idx="1">
+            <a:schemeClr val="accent1"/>
+          </a:fillRef>
+          <a:effectRef idx="1">
+            <a:schemeClr val="accent1"/>
           </a:effectRef>
           <a:fontRef idx="minor">
             <a:schemeClr val="lt1"/>
@@ -4335,30 +4312,22 @@
         </p:nvSpPr>
         <p:spPr>
           <a:xfrm>
-            <a:off x="410812" y="3127513"/>
+            <a:off x="371059" y="2083900"/>
             <a:ext cx="1417983" cy="987287"/>
           </a:xfrm>
           <a:prstGeom prst="rect">
             <a:avLst/>
           </a:prstGeom>
-          <a:solidFill>
-            <a:schemeClr val="dk1">
-              <a:alpha val="50000"/>
-            </a:schemeClr>
-          </a:solidFill>
-          <a:ln>
-            <a:noFill/>
-          </a:ln>
-        </p:spPr>
-        <p:style>
-          <a:lnRef idx="0">
-            <a:scrgbClr r="0" g="0" b="0"/>
-          </a:lnRef>
-          <a:fillRef idx="0">
-            <a:scrgbClr r="0" g="0" b="0"/>
-          </a:fillRef>
-          <a:effectRef idx="0">
-            <a:scrgbClr r="0" g="0" b="0"/>
+        </p:spPr>
+        <p:style>
+          <a:lnRef idx="3">
+            <a:schemeClr val="lt1"/>
+          </a:lnRef>
+          <a:fillRef idx="1">
+            <a:schemeClr val="accent3"/>
+          </a:fillRef>
+          <a:effectRef idx="1">
+            <a:schemeClr val="accent3"/>
           </a:effectRef>
           <a:fontRef idx="minor">
             <a:schemeClr val="lt1"/>
@@ -4397,30 +4366,22 @@
         </p:nvSpPr>
         <p:spPr>
           <a:xfrm>
-            <a:off x="410815" y="4459357"/>
+            <a:off x="371058" y="3564831"/>
             <a:ext cx="1417983" cy="987287"/>
           </a:xfrm>
           <a:prstGeom prst="rect">
             <a:avLst/>
           </a:prstGeom>
-          <a:solidFill>
-            <a:schemeClr val="dk1">
-              <a:alpha val="50000"/>
-            </a:schemeClr>
-          </a:solidFill>
-          <a:ln>
-            <a:noFill/>
-          </a:ln>
-        </p:spPr>
-        <p:style>
-          <a:lnRef idx="0">
-            <a:scrgbClr r="0" g="0" b="0"/>
-          </a:lnRef>
-          <a:fillRef idx="0">
-            <a:scrgbClr r="0" g="0" b="0"/>
-          </a:fillRef>
-          <a:effectRef idx="0">
-            <a:scrgbClr r="0" g="0" b="0"/>
+        </p:spPr>
+        <p:style>
+          <a:lnRef idx="3">
+            <a:schemeClr val="lt1"/>
+          </a:lnRef>
+          <a:fillRef idx="1">
+            <a:schemeClr val="accent3"/>
+          </a:fillRef>
+          <a:effectRef idx="1">
+            <a:schemeClr val="accent3"/>
           </a:effectRef>
           <a:fontRef idx="minor">
             <a:schemeClr val="lt1"/>
@@ -4459,30 +4420,22 @@
         </p:nvSpPr>
         <p:spPr>
           <a:xfrm>
-            <a:off x="6563136" y="1706216"/>
+            <a:off x="6543258" y="738804"/>
             <a:ext cx="1417983" cy="987287"/>
           </a:xfrm>
           <a:prstGeom prst="rect">
             <a:avLst/>
           </a:prstGeom>
-          <a:solidFill>
-            <a:schemeClr val="dk1">
-              <a:alpha val="50000"/>
-            </a:schemeClr>
-          </a:solidFill>
-          <a:ln>
-            <a:noFill/>
-          </a:ln>
-        </p:spPr>
-        <p:style>
-          <a:lnRef idx="0">
-            <a:scrgbClr r="0" g="0" b="0"/>
-          </a:lnRef>
-          <a:fillRef idx="0">
-            <a:scrgbClr r="0" g="0" b="0"/>
-          </a:fillRef>
-          <a:effectRef idx="0">
-            <a:scrgbClr r="0" g="0" b="0"/>
+        </p:spPr>
+        <p:style>
+          <a:lnRef idx="3">
+            <a:schemeClr val="lt1"/>
+          </a:lnRef>
+          <a:fillRef idx="1">
+            <a:schemeClr val="accent1"/>
+          </a:fillRef>
+          <a:effectRef idx="1">
+            <a:schemeClr val="accent1"/>
           </a:effectRef>
           <a:fontRef idx="minor">
             <a:schemeClr val="lt1"/>
@@ -4514,30 +4467,22 @@
         </p:nvSpPr>
         <p:spPr>
           <a:xfrm>
-            <a:off x="4578622" y="4391440"/>
+            <a:off x="4558744" y="3424028"/>
             <a:ext cx="1417983" cy="987287"/>
           </a:xfrm>
           <a:prstGeom prst="rect">
             <a:avLst/>
           </a:prstGeom>
-          <a:solidFill>
-            <a:schemeClr val="dk1">
-              <a:alpha val="50000"/>
-            </a:schemeClr>
-          </a:solidFill>
-          <a:ln>
-            <a:noFill/>
-          </a:ln>
-        </p:spPr>
-        <p:style>
-          <a:lnRef idx="0">
-            <a:scrgbClr r="0" g="0" b="0"/>
-          </a:lnRef>
-          <a:fillRef idx="0">
-            <a:scrgbClr r="0" g="0" b="0"/>
-          </a:fillRef>
-          <a:effectRef idx="0">
-            <a:scrgbClr r="0" g="0" b="0"/>
+        </p:spPr>
+        <p:style>
+          <a:lnRef idx="3">
+            <a:schemeClr val="lt1"/>
+          </a:lnRef>
+          <a:fillRef idx="1">
+            <a:schemeClr val="accent1"/>
+          </a:fillRef>
+          <a:effectRef idx="1">
+            <a:schemeClr val="accent1"/>
           </a:effectRef>
           <a:fontRef idx="minor">
             <a:schemeClr val="lt1"/>
@@ -4569,30 +4514,22 @@
         </p:nvSpPr>
         <p:spPr>
           <a:xfrm>
-            <a:off x="8623848" y="4396407"/>
+            <a:off x="8603970" y="3428995"/>
             <a:ext cx="1417983" cy="987287"/>
           </a:xfrm>
           <a:prstGeom prst="rect">
             <a:avLst/>
           </a:prstGeom>
-          <a:solidFill>
-            <a:schemeClr val="dk1">
-              <a:alpha val="50000"/>
-            </a:schemeClr>
-          </a:solidFill>
-          <a:ln>
-            <a:noFill/>
-          </a:ln>
-        </p:spPr>
-        <p:style>
-          <a:lnRef idx="0">
-            <a:scrgbClr r="0" g="0" b="0"/>
-          </a:lnRef>
-          <a:fillRef idx="0">
-            <a:scrgbClr r="0" g="0" b="0"/>
-          </a:fillRef>
-          <a:effectRef idx="0">
-            <a:scrgbClr r="0" g="0" b="0"/>
+        </p:spPr>
+        <p:style>
+          <a:lnRef idx="3">
+            <a:schemeClr val="lt1"/>
+          </a:lnRef>
+          <a:fillRef idx="1">
+            <a:schemeClr val="accent5"/>
+          </a:fillRef>
+          <a:effectRef idx="1">
+            <a:schemeClr val="accent5"/>
           </a:effectRef>
           <a:fontRef idx="minor">
             <a:schemeClr val="lt1"/>
@@ -4624,30 +4561,22 @@
         </p:nvSpPr>
         <p:spPr>
           <a:xfrm>
-            <a:off x="4578622" y="1706216"/>
+            <a:off x="4558744" y="738804"/>
             <a:ext cx="1417983" cy="987287"/>
           </a:xfrm>
           <a:prstGeom prst="rect">
             <a:avLst/>
           </a:prstGeom>
-          <a:solidFill>
-            <a:schemeClr val="dk1">
-              <a:alpha val="50000"/>
-            </a:schemeClr>
-          </a:solidFill>
-          <a:ln>
-            <a:noFill/>
-          </a:ln>
-        </p:spPr>
-        <p:style>
-          <a:lnRef idx="0">
-            <a:scrgbClr r="0" g="0" b="0"/>
-          </a:lnRef>
-          <a:fillRef idx="0">
-            <a:scrgbClr r="0" g="0" b="0"/>
-          </a:fillRef>
-          <a:effectRef idx="0">
-            <a:scrgbClr r="0" g="0" b="0"/>
+        </p:spPr>
+        <p:style>
+          <a:lnRef idx="3">
+            <a:schemeClr val="lt1"/>
+          </a:lnRef>
+          <a:fillRef idx="1">
+            <a:schemeClr val="accent1"/>
+          </a:fillRef>
+          <a:effectRef idx="1">
+            <a:schemeClr val="accent1"/>
           </a:effectRef>
           <a:fontRef idx="minor">
             <a:schemeClr val="lt1"/>
@@ -4679,30 +4608,22 @@
         </p:nvSpPr>
         <p:spPr>
           <a:xfrm>
-            <a:off x="8623849" y="1706216"/>
+            <a:off x="8603971" y="738804"/>
             <a:ext cx="1417983" cy="987287"/>
           </a:xfrm>
           <a:prstGeom prst="rect">
             <a:avLst/>
           </a:prstGeom>
-          <a:solidFill>
-            <a:schemeClr val="dk1">
-              <a:alpha val="50000"/>
-            </a:schemeClr>
-          </a:solidFill>
-          <a:ln>
-            <a:noFill/>
-          </a:ln>
-        </p:spPr>
-        <p:style>
-          <a:lnRef idx="0">
-            <a:scrgbClr r="0" g="0" b="0"/>
-          </a:lnRef>
-          <a:fillRef idx="0">
-            <a:scrgbClr r="0" g="0" b="0"/>
-          </a:fillRef>
-          <a:effectRef idx="0">
-            <a:scrgbClr r="0" g="0" b="0"/>
+        </p:spPr>
+        <p:style>
+          <a:lnRef idx="3">
+            <a:schemeClr val="lt1"/>
+          </a:lnRef>
+          <a:fillRef idx="1">
+            <a:schemeClr val="accent5"/>
+          </a:fillRef>
+          <a:effectRef idx="1">
+            <a:schemeClr val="accent5"/>
           </a:effectRef>
           <a:fontRef idx="minor">
             <a:schemeClr val="lt1"/>
@@ -4734,30 +4655,22 @@
         </p:nvSpPr>
         <p:spPr>
           <a:xfrm>
-            <a:off x="8623848" y="5741505"/>
+            <a:off x="8603970" y="4774093"/>
             <a:ext cx="1417983" cy="987287"/>
           </a:xfrm>
           <a:prstGeom prst="rect">
             <a:avLst/>
           </a:prstGeom>
-          <a:solidFill>
-            <a:schemeClr val="dk1">
-              <a:alpha val="50000"/>
-            </a:schemeClr>
-          </a:solidFill>
-          <a:ln>
-            <a:noFill/>
-          </a:ln>
-        </p:spPr>
-        <p:style>
-          <a:lnRef idx="0">
-            <a:scrgbClr r="0" g="0" b="0"/>
-          </a:lnRef>
-          <a:fillRef idx="0">
-            <a:scrgbClr r="0" g="0" b="0"/>
-          </a:fillRef>
-          <a:effectRef idx="0">
-            <a:scrgbClr r="0" g="0" b="0"/>
+        </p:spPr>
+        <p:style>
+          <a:lnRef idx="3">
+            <a:schemeClr val="lt1"/>
+          </a:lnRef>
+          <a:fillRef idx="1">
+            <a:schemeClr val="accent5"/>
+          </a:fillRef>
+          <a:effectRef idx="1">
+            <a:schemeClr val="accent5"/>
           </a:effectRef>
           <a:fontRef idx="minor">
             <a:schemeClr val="lt1"/>
@@ -4789,30 +4702,22 @@
         </p:nvSpPr>
         <p:spPr>
           <a:xfrm>
-            <a:off x="10608363" y="3667542"/>
+            <a:off x="10588485" y="2700130"/>
             <a:ext cx="1417983" cy="987287"/>
           </a:xfrm>
           <a:prstGeom prst="rect">
             <a:avLst/>
           </a:prstGeom>
-          <a:solidFill>
-            <a:schemeClr val="dk1">
-              <a:alpha val="50000"/>
-            </a:schemeClr>
-          </a:solidFill>
-          <a:ln>
-            <a:noFill/>
-          </a:ln>
-        </p:spPr>
-        <p:style>
-          <a:lnRef idx="0">
-            <a:scrgbClr r="0" g="0" b="0"/>
-          </a:lnRef>
-          <a:fillRef idx="0">
-            <a:scrgbClr r="0" g="0" b="0"/>
-          </a:fillRef>
-          <a:effectRef idx="0">
-            <a:scrgbClr r="0" g="0" b="0"/>
+        </p:spPr>
+        <p:style>
+          <a:lnRef idx="3">
+            <a:schemeClr val="lt1"/>
+          </a:lnRef>
+          <a:fillRef idx="1">
+            <a:schemeClr val="accent2"/>
+          </a:fillRef>
+          <a:effectRef idx="1">
+            <a:schemeClr val="accent2"/>
           </a:effectRef>
           <a:fontRef idx="minor">
             <a:schemeClr val="lt1"/>
@@ -4851,30 +4756,22 @@
         </p:nvSpPr>
         <p:spPr>
           <a:xfrm>
-            <a:off x="8623848" y="3051312"/>
+            <a:off x="8603970" y="2083900"/>
             <a:ext cx="1417983" cy="987287"/>
           </a:xfrm>
           <a:prstGeom prst="rect">
             <a:avLst/>
           </a:prstGeom>
-          <a:solidFill>
-            <a:schemeClr val="dk1">
-              <a:alpha val="50000"/>
-            </a:schemeClr>
-          </a:solidFill>
-          <a:ln>
-            <a:noFill/>
-          </a:ln>
-        </p:spPr>
-        <p:style>
-          <a:lnRef idx="0">
-            <a:scrgbClr r="0" g="0" b="0"/>
-          </a:lnRef>
-          <a:fillRef idx="0">
-            <a:scrgbClr r="0" g="0" b="0"/>
-          </a:fillRef>
-          <a:effectRef idx="0">
-            <a:scrgbClr r="0" g="0" b="0"/>
+        </p:spPr>
+        <p:style>
+          <a:lnRef idx="3">
+            <a:schemeClr val="lt1"/>
+          </a:lnRef>
+          <a:fillRef idx="1">
+            <a:schemeClr val="accent5"/>
+          </a:fillRef>
+          <a:effectRef idx="1">
+            <a:schemeClr val="accent5"/>
           </a:effectRef>
           <a:fontRef idx="minor">
             <a:schemeClr val="lt1"/>
@@ -4909,7 +4806,7 @@
         </p:nvCxnSpPr>
         <p:spPr>
           <a:xfrm>
-            <a:off x="10041831" y="3544956"/>
+            <a:off x="10021953" y="2577544"/>
             <a:ext cx="566532" cy="616230"/>
           </a:xfrm>
           <a:prstGeom prst="straightConnector1">
@@ -4920,14 +4817,14 @@
           </a:ln>
         </p:spPr>
         <p:style>
-          <a:lnRef idx="1">
-            <a:schemeClr val="dk1"/>
+          <a:lnRef idx="2">
+            <a:schemeClr val="accent1"/>
           </a:lnRef>
           <a:fillRef idx="0">
-            <a:schemeClr val="dk1"/>
-          </a:fillRef>
-          <a:effectRef idx="0">
-            <a:schemeClr val="dk1"/>
+            <a:schemeClr val="accent1"/>
+          </a:fillRef>
+          <a:effectRef idx="1">
+            <a:schemeClr val="accent1"/>
           </a:effectRef>
           <a:fontRef idx="minor">
             <a:schemeClr val="tx1"/>
@@ -4952,7 +4849,7 @@
         </p:nvCxnSpPr>
         <p:spPr>
           <a:xfrm flipV="1">
-            <a:off x="10041831" y="4161186"/>
+            <a:off x="10021953" y="3193774"/>
             <a:ext cx="566532" cy="728865"/>
           </a:xfrm>
           <a:prstGeom prst="straightConnector1">
@@ -4963,14 +4860,14 @@
           </a:ln>
         </p:spPr>
         <p:style>
-          <a:lnRef idx="1">
-            <a:schemeClr val="dk1"/>
+          <a:lnRef idx="2">
+            <a:schemeClr val="accent1"/>
           </a:lnRef>
           <a:fillRef idx="0">
-            <a:schemeClr val="dk1"/>
-          </a:fillRef>
-          <a:effectRef idx="0">
-            <a:schemeClr val="dk1"/>
+            <a:schemeClr val="accent1"/>
+          </a:fillRef>
+          <a:effectRef idx="1">
+            <a:schemeClr val="accent1"/>
           </a:effectRef>
           <a:fontRef idx="minor">
             <a:schemeClr val="tx1"/>
@@ -4995,7 +4892,7 @@
         </p:nvCxnSpPr>
         <p:spPr>
           <a:xfrm flipV="1">
-            <a:off x="10041831" y="4161186"/>
+            <a:off x="10021953" y="3193774"/>
             <a:ext cx="566532" cy="2073963"/>
           </a:xfrm>
           <a:prstGeom prst="straightConnector1">
@@ -5006,14 +4903,14 @@
           </a:ln>
         </p:spPr>
         <p:style>
-          <a:lnRef idx="1">
-            <a:schemeClr val="dk1"/>
+          <a:lnRef idx="2">
+            <a:schemeClr val="accent1"/>
           </a:lnRef>
           <a:fillRef idx="0">
-            <a:schemeClr val="dk1"/>
-          </a:fillRef>
-          <a:effectRef idx="0">
-            <a:schemeClr val="dk1"/>
+            <a:schemeClr val="accent1"/>
+          </a:fillRef>
+          <a:effectRef idx="1">
+            <a:schemeClr val="accent1"/>
           </a:effectRef>
           <a:fontRef idx="minor">
             <a:schemeClr val="tx1"/>
@@ -5038,7 +4935,7 @@
         </p:nvCxnSpPr>
         <p:spPr>
           <a:xfrm>
-            <a:off x="10041832" y="2199860"/>
+            <a:off x="10021954" y="1232448"/>
             <a:ext cx="566531" cy="1961326"/>
           </a:xfrm>
           <a:prstGeom prst="straightConnector1">
@@ -5049,14 +4946,14 @@
           </a:ln>
         </p:spPr>
         <p:style>
-          <a:lnRef idx="1">
-            <a:schemeClr val="dk1"/>
+          <a:lnRef idx="2">
+            <a:schemeClr val="accent1"/>
           </a:lnRef>
           <a:fillRef idx="0">
-            <a:schemeClr val="dk1"/>
-          </a:fillRef>
-          <a:effectRef idx="0">
-            <a:schemeClr val="dk1"/>
+            <a:schemeClr val="accent1"/>
+          </a:fillRef>
+          <a:effectRef idx="1">
+            <a:schemeClr val="accent1"/>
           </a:effectRef>
           <a:fontRef idx="minor">
             <a:schemeClr val="tx1"/>
@@ -5081,7 +4978,7 @@
         </p:nvCxnSpPr>
         <p:spPr>
           <a:xfrm>
-            <a:off x="5996605" y="4885084"/>
+            <a:off x="5976727" y="3917672"/>
             <a:ext cx="2627243" cy="4967"/>
           </a:xfrm>
           <a:prstGeom prst="straightConnector1">
@@ -5092,14 +4989,14 @@
           </a:ln>
         </p:spPr>
         <p:style>
-          <a:lnRef idx="1">
-            <a:schemeClr val="dk1"/>
+          <a:lnRef idx="2">
+            <a:schemeClr val="accent1"/>
           </a:lnRef>
           <a:fillRef idx="0">
-            <a:schemeClr val="dk1"/>
-          </a:fillRef>
-          <a:effectRef idx="0">
-            <a:schemeClr val="dk1"/>
+            <a:schemeClr val="accent1"/>
+          </a:fillRef>
+          <a:effectRef idx="1">
+            <a:schemeClr val="accent1"/>
           </a:effectRef>
           <a:fontRef idx="minor">
             <a:schemeClr val="tx1"/>
@@ -5124,7 +5021,7 @@
         </p:nvCxnSpPr>
         <p:spPr>
           <a:xfrm flipV="1">
-            <a:off x="4002152" y="3544956"/>
+            <a:off x="3982274" y="2577544"/>
             <a:ext cx="4621696" cy="735497"/>
           </a:xfrm>
           <a:prstGeom prst="straightConnector1">
@@ -5135,14 +5032,14 @@
           </a:ln>
         </p:spPr>
         <p:style>
-          <a:lnRef idx="1">
-            <a:schemeClr val="dk1"/>
+          <a:lnRef idx="2">
+            <a:schemeClr val="accent1"/>
           </a:lnRef>
           <a:fillRef idx="0">
-            <a:schemeClr val="dk1"/>
-          </a:fillRef>
-          <a:effectRef idx="0">
-            <a:schemeClr val="dk1"/>
+            <a:schemeClr val="accent1"/>
+          </a:fillRef>
+          <a:effectRef idx="1">
+            <a:schemeClr val="accent1"/>
           </a:effectRef>
           <a:fontRef idx="minor">
             <a:schemeClr val="tx1"/>
@@ -5167,7 +5064,7 @@
         </p:nvCxnSpPr>
         <p:spPr>
           <a:xfrm flipV="1">
-            <a:off x="4002152" y="2199860"/>
+            <a:off x="3982274" y="1232448"/>
             <a:ext cx="4621697" cy="2080593"/>
           </a:xfrm>
           <a:prstGeom prst="straightConnector1">
@@ -5178,14 +5075,14 @@
           </a:ln>
         </p:spPr>
         <p:style>
-          <a:lnRef idx="1">
-            <a:schemeClr val="dk1"/>
+          <a:lnRef idx="2">
+            <a:schemeClr val="accent1"/>
           </a:lnRef>
           <a:fillRef idx="0">
-            <a:schemeClr val="dk1"/>
-          </a:fillRef>
-          <a:effectRef idx="0">
-            <a:schemeClr val="dk1"/>
+            <a:schemeClr val="accent1"/>
+          </a:fillRef>
+          <a:effectRef idx="1">
+            <a:schemeClr val="accent1"/>
           </a:effectRef>
           <a:fontRef idx="minor">
             <a:schemeClr val="tx1"/>
@@ -5210,7 +5107,7 @@
         </p:nvCxnSpPr>
         <p:spPr>
           <a:xfrm>
-            <a:off x="7981119" y="2199860"/>
+            <a:off x="7961241" y="1232448"/>
             <a:ext cx="642730" cy="0"/>
           </a:xfrm>
           <a:prstGeom prst="straightConnector1">
@@ -5221,14 +5118,14 @@
           </a:ln>
         </p:spPr>
         <p:style>
-          <a:lnRef idx="1">
-            <a:schemeClr val="dk1"/>
+          <a:lnRef idx="2">
+            <a:schemeClr val="accent1"/>
           </a:lnRef>
           <a:fillRef idx="0">
-            <a:schemeClr val="dk1"/>
-          </a:fillRef>
-          <a:effectRef idx="0">
-            <a:schemeClr val="dk1"/>
+            <a:schemeClr val="accent1"/>
+          </a:fillRef>
+          <a:effectRef idx="1">
+            <a:schemeClr val="accent1"/>
           </a:effectRef>
           <a:fontRef idx="minor">
             <a:schemeClr val="tx1"/>
@@ -5253,7 +5150,7 @@
         </p:nvCxnSpPr>
         <p:spPr>
           <a:xfrm>
-            <a:off x="4002151" y="5625549"/>
+            <a:off x="3982273" y="4658137"/>
             <a:ext cx="4621697" cy="609600"/>
           </a:xfrm>
           <a:prstGeom prst="straightConnector1">
@@ -5264,14 +5161,14 @@
           </a:ln>
         </p:spPr>
         <p:style>
-          <a:lnRef idx="1">
-            <a:schemeClr val="dk1"/>
+          <a:lnRef idx="2">
+            <a:schemeClr val="accent1"/>
           </a:lnRef>
           <a:fillRef idx="0">
-            <a:schemeClr val="dk1"/>
-          </a:fillRef>
-          <a:effectRef idx="0">
-            <a:schemeClr val="dk1"/>
+            <a:schemeClr val="accent1"/>
+          </a:fillRef>
+          <a:effectRef idx="1">
+            <a:schemeClr val="accent1"/>
           </a:effectRef>
           <a:fontRef idx="minor">
             <a:schemeClr val="tx1"/>
@@ -5296,7 +5193,7 @@
         </p:nvCxnSpPr>
         <p:spPr>
           <a:xfrm>
-            <a:off x="4002152" y="4280453"/>
+            <a:off x="3982274" y="3313041"/>
             <a:ext cx="576470" cy="604631"/>
           </a:xfrm>
           <a:prstGeom prst="straightConnector1">
@@ -5307,14 +5204,14 @@
           </a:ln>
         </p:spPr>
         <p:style>
-          <a:lnRef idx="1">
-            <a:schemeClr val="dk1"/>
+          <a:lnRef idx="2">
+            <a:schemeClr val="accent1"/>
           </a:lnRef>
           <a:fillRef idx="0">
-            <a:schemeClr val="dk1"/>
-          </a:fillRef>
-          <a:effectRef idx="0">
-            <a:schemeClr val="dk1"/>
+            <a:schemeClr val="accent1"/>
+          </a:fillRef>
+          <a:effectRef idx="1">
+            <a:schemeClr val="accent1"/>
           </a:effectRef>
           <a:fontRef idx="minor">
             <a:schemeClr val="tx1"/>
@@ -5339,7 +5236,7 @@
         </p:nvCxnSpPr>
         <p:spPr>
           <a:xfrm flipV="1">
-            <a:off x="4002152" y="2199860"/>
+            <a:off x="3982274" y="1232448"/>
             <a:ext cx="576470" cy="735497"/>
           </a:xfrm>
           <a:prstGeom prst="straightConnector1">
@@ -5350,14 +5247,14 @@
           </a:ln>
         </p:spPr>
         <p:style>
-          <a:lnRef idx="1">
-            <a:schemeClr val="dk1"/>
+          <a:lnRef idx="2">
+            <a:schemeClr val="accent1"/>
           </a:lnRef>
           <a:fillRef idx="0">
-            <a:schemeClr val="dk1"/>
-          </a:fillRef>
-          <a:effectRef idx="0">
-            <a:schemeClr val="dk1"/>
+            <a:schemeClr val="accent1"/>
+          </a:fillRef>
+          <a:effectRef idx="1">
+            <a:schemeClr val="accent1"/>
           </a:effectRef>
           <a:fontRef idx="minor">
             <a:schemeClr val="tx1"/>
@@ -5382,8 +5279,8 @@
         </p:nvCxnSpPr>
         <p:spPr>
           <a:xfrm flipV="1">
-            <a:off x="1828798" y="2935357"/>
-            <a:ext cx="755371" cy="2017644"/>
+            <a:off x="1789041" y="1967945"/>
+            <a:ext cx="775250" cy="2090530"/>
           </a:xfrm>
           <a:prstGeom prst="straightConnector1">
             <a:avLst/>
@@ -5393,14 +5290,14 @@
           </a:ln>
         </p:spPr>
         <p:style>
-          <a:lnRef idx="1">
-            <a:schemeClr val="dk1"/>
+          <a:lnRef idx="2">
+            <a:schemeClr val="accent1"/>
           </a:lnRef>
           <a:fillRef idx="0">
-            <a:schemeClr val="dk1"/>
-          </a:fillRef>
-          <a:effectRef idx="0">
-            <a:schemeClr val="dk1"/>
+            <a:schemeClr val="accent1"/>
+          </a:fillRef>
+          <a:effectRef idx="1">
+            <a:schemeClr val="accent1"/>
           </a:effectRef>
           <a:fontRef idx="minor">
             <a:schemeClr val="tx1"/>
@@ -5425,8 +5322,8 @@
         </p:nvCxnSpPr>
         <p:spPr>
           <a:xfrm flipV="1">
-            <a:off x="1828798" y="4280453"/>
-            <a:ext cx="755371" cy="672548"/>
+            <a:off x="1789041" y="3313041"/>
+            <a:ext cx="775250" cy="745434"/>
           </a:xfrm>
           <a:prstGeom prst="straightConnector1">
             <a:avLst/>
@@ -5436,14 +5333,14 @@
           </a:ln>
         </p:spPr>
         <p:style>
-          <a:lnRef idx="1">
-            <a:schemeClr val="dk1"/>
+          <a:lnRef idx="2">
+            <a:schemeClr val="accent1"/>
           </a:lnRef>
           <a:fillRef idx="0">
-            <a:schemeClr val="dk1"/>
-          </a:fillRef>
-          <a:effectRef idx="0">
-            <a:schemeClr val="dk1"/>
+            <a:schemeClr val="accent1"/>
+          </a:fillRef>
+          <a:effectRef idx="1">
+            <a:schemeClr val="accent1"/>
           </a:effectRef>
           <a:fontRef idx="minor">
             <a:schemeClr val="tx1"/>
@@ -5468,8 +5365,8 @@
         </p:nvCxnSpPr>
         <p:spPr>
           <a:xfrm>
-            <a:off x="1828798" y="4953001"/>
-            <a:ext cx="755370" cy="672548"/>
+            <a:off x="1789041" y="4058475"/>
+            <a:ext cx="775249" cy="599662"/>
           </a:xfrm>
           <a:prstGeom prst="straightConnector1">
             <a:avLst/>
@@ -5479,14 +5376,14 @@
           </a:ln>
         </p:spPr>
         <p:style>
-          <a:lnRef idx="1">
-            <a:schemeClr val="dk1"/>
+          <a:lnRef idx="2">
+            <a:schemeClr val="accent1"/>
           </a:lnRef>
           <a:fillRef idx="0">
-            <a:schemeClr val="dk1"/>
-          </a:fillRef>
-          <a:effectRef idx="0">
-            <a:schemeClr val="dk1"/>
+            <a:schemeClr val="accent1"/>
+          </a:fillRef>
+          <a:effectRef idx="1">
+            <a:schemeClr val="accent1"/>
           </a:effectRef>
           <a:fontRef idx="minor">
             <a:schemeClr val="tx1"/>
@@ -5511,8 +5408,8 @@
         </p:nvCxnSpPr>
         <p:spPr>
           <a:xfrm flipV="1">
-            <a:off x="1828795" y="2935357"/>
-            <a:ext cx="755374" cy="685800"/>
+            <a:off x="1789042" y="1967945"/>
+            <a:ext cx="775249" cy="609599"/>
           </a:xfrm>
           <a:prstGeom prst="straightConnector1">
             <a:avLst/>
@@ -5522,14 +5419,14 @@
           </a:ln>
         </p:spPr>
         <p:style>
-          <a:lnRef idx="1">
-            <a:schemeClr val="dk1"/>
+          <a:lnRef idx="2">
+            <a:schemeClr val="accent1"/>
           </a:lnRef>
           <a:fillRef idx="0">
-            <a:schemeClr val="dk1"/>
-          </a:fillRef>
-          <a:effectRef idx="0">
-            <a:schemeClr val="dk1"/>
+            <a:schemeClr val="accent1"/>
+          </a:fillRef>
+          <a:effectRef idx="1">
+            <a:schemeClr val="accent1"/>
           </a:effectRef>
           <a:fontRef idx="minor">
             <a:schemeClr val="tx1"/>
@@ -5554,8 +5451,8 @@
         </p:nvCxnSpPr>
         <p:spPr>
           <a:xfrm>
-            <a:off x="1828795" y="3621157"/>
-            <a:ext cx="755374" cy="659296"/>
+            <a:off x="1789042" y="2577544"/>
+            <a:ext cx="775249" cy="735497"/>
           </a:xfrm>
           <a:prstGeom prst="straightConnector1">
             <a:avLst/>
@@ -5565,14 +5462,14 @@
           </a:ln>
         </p:spPr>
         <p:style>
-          <a:lnRef idx="1">
-            <a:schemeClr val="dk1"/>
+          <a:lnRef idx="2">
+            <a:schemeClr val="accent1"/>
           </a:lnRef>
           <a:fillRef idx="0">
-            <a:schemeClr val="dk1"/>
-          </a:fillRef>
-          <a:effectRef idx="0">
-            <a:schemeClr val="dk1"/>
+            <a:schemeClr val="accent1"/>
+          </a:fillRef>
+          <a:effectRef idx="1">
+            <a:schemeClr val="accent1"/>
           </a:effectRef>
           <a:fontRef idx="minor">
             <a:schemeClr val="tx1"/>
@@ -5597,8 +5494,8 @@
         </p:nvCxnSpPr>
         <p:spPr>
           <a:xfrm>
-            <a:off x="1828795" y="3621157"/>
-            <a:ext cx="755373" cy="2004392"/>
+            <a:off x="1789042" y="2577544"/>
+            <a:ext cx="775248" cy="2080593"/>
           </a:xfrm>
           <a:prstGeom prst="straightConnector1">
             <a:avLst/>
@@ -5608,14 +5505,14 @@
           </a:ln>
         </p:spPr>
         <p:style>
-          <a:lnRef idx="1">
-            <a:schemeClr val="dk1"/>
+          <a:lnRef idx="2">
+            <a:schemeClr val="accent1"/>
           </a:lnRef>
           <a:fillRef idx="0">
-            <a:schemeClr val="dk1"/>
-          </a:fillRef>
-          <a:effectRef idx="0">
-            <a:schemeClr val="dk1"/>
+            <a:schemeClr val="accent1"/>
+          </a:fillRef>
+          <a:effectRef idx="1">
+            <a:schemeClr val="accent1"/>
           </a:effectRef>
           <a:fontRef idx="minor">
             <a:schemeClr val="tx1"/>
@@ -5640,7 +5537,7 @@
         </p:nvCxnSpPr>
         <p:spPr>
           <a:xfrm>
-            <a:off x="5996605" y="2199860"/>
+            <a:off x="5976727" y="1232448"/>
             <a:ext cx="566531" cy="0"/>
           </a:xfrm>
           <a:prstGeom prst="straightConnector1">
@@ -5651,14 +5548,14 @@
           </a:ln>
         </p:spPr>
         <p:style>
-          <a:lnRef idx="1">
-            <a:schemeClr val="dk1"/>
+          <a:lnRef idx="2">
+            <a:schemeClr val="accent1"/>
           </a:lnRef>
           <a:fillRef idx="0">
-            <a:schemeClr val="dk1"/>
-          </a:fillRef>
-          <a:effectRef idx="0">
-            <a:schemeClr val="dk1"/>
+            <a:schemeClr val="accent1"/>
+          </a:fillRef>
+          <a:effectRef idx="1">
+            <a:schemeClr val="accent1"/>
           </a:effectRef>
           <a:fontRef idx="minor">
             <a:schemeClr val="tx1"/>
@@ -5667,327 +5564,35 @@
       </p:cxnSp>
       <p:sp>
         <p:nvSpPr>
-          <p:cNvPr id="2" name="Rectangle 1">
-            <a:extLst>
-              <a:ext uri="{FF2B5EF4-FFF2-40B4-BE49-F238E27FC236}">
-                <a16:creationId xmlns:a16="http://schemas.microsoft.com/office/drawing/2014/main" id="{6F0E937D-1656-6ECE-8A2B-257F8DDBE3C7}"/>
-              </a:ext>
-            </a:extLst>
-          </p:cNvPr>
-          <p:cNvSpPr/>
-          <p:nvPr/>
-        </p:nvSpPr>
-        <p:spPr>
-          <a:xfrm>
-            <a:off x="2547721" y="960783"/>
-            <a:ext cx="1490876" cy="987287"/>
-          </a:xfrm>
-          <a:prstGeom prst="rect">
-            <a:avLst/>
-          </a:prstGeom>
-        </p:spPr>
-        <p:style>
-          <a:lnRef idx="3">
-            <a:schemeClr val="lt1"/>
-          </a:lnRef>
-          <a:fillRef idx="1">
-            <a:schemeClr val="accent2"/>
-          </a:fillRef>
-          <a:effectRef idx="1">
-            <a:schemeClr val="accent2"/>
-          </a:effectRef>
-          <a:fontRef idx="minor">
-            <a:schemeClr val="lt1"/>
-          </a:fontRef>
-        </p:style>
-        <p:txBody>
-          <a:bodyPr rtlCol="0" anchor="ctr"/>
-          <a:lstStyle/>
-          <a:p>
-            <a:pPr algn="ctr"/>
-            <a:r>
-              <a:rPr lang="en-GB" dirty="0"/>
-              <a:t>AFDS-GCAS</a:t>
-            </a:r>
-          </a:p>
-        </p:txBody>
-      </p:sp>
-      <p:cxnSp>
-        <p:nvCxnSpPr>
-          <p:cNvPr id="9" name="Straight Arrow Connector 8">
-            <a:extLst>
-              <a:ext uri="{FF2B5EF4-FFF2-40B4-BE49-F238E27FC236}">
-                <a16:creationId xmlns:a16="http://schemas.microsoft.com/office/drawing/2014/main" id="{B610B1D3-DED6-18B1-F868-154C531F40E3}"/>
-              </a:ext>
-            </a:extLst>
-          </p:cNvPr>
-          <p:cNvCxnSpPr>
-            <a:cxnSpLocks/>
-            <a:stCxn id="13" idx="0"/>
-            <a:endCxn id="2" idx="1"/>
-          </p:cNvCxnSpPr>
-          <p:nvPr/>
-        </p:nvCxnSpPr>
-        <p:spPr>
-          <a:xfrm flipV="1">
-            <a:off x="1142995" y="1454427"/>
-            <a:ext cx="1404726" cy="402533"/>
-          </a:xfrm>
-          <a:prstGeom prst="straightConnector1">
-            <a:avLst/>
-          </a:prstGeom>
-          <a:ln w="38100">
-            <a:tailEnd type="triangle"/>
-          </a:ln>
-        </p:spPr>
-        <p:style>
-          <a:lnRef idx="2">
-            <a:schemeClr val="accent2"/>
-          </a:lnRef>
-          <a:fillRef idx="0">
-            <a:schemeClr val="accent2"/>
-          </a:fillRef>
-          <a:effectRef idx="1">
-            <a:schemeClr val="accent2"/>
-          </a:effectRef>
-          <a:fontRef idx="minor">
-            <a:schemeClr val="tx1"/>
-          </a:fontRef>
-        </p:style>
-      </p:cxnSp>
-      <p:cxnSp>
-        <p:nvCxnSpPr>
-          <p:cNvPr id="36" name="Straight Arrow Connector 35">
-            <a:extLst>
-              <a:ext uri="{FF2B5EF4-FFF2-40B4-BE49-F238E27FC236}">
-                <a16:creationId xmlns:a16="http://schemas.microsoft.com/office/drawing/2014/main" id="{D2607BE5-D27C-E6ED-FDC0-9829D157EF7E}"/>
-              </a:ext>
-            </a:extLst>
-          </p:cNvPr>
-          <p:cNvCxnSpPr>
-            <a:cxnSpLocks/>
-            <a:stCxn id="2" idx="3"/>
-            <a:endCxn id="10" idx="1"/>
-          </p:cNvCxnSpPr>
-          <p:nvPr/>
-        </p:nvCxnSpPr>
-        <p:spPr>
-          <a:xfrm>
-            <a:off x="4038597" y="1454427"/>
-            <a:ext cx="2524539" cy="745433"/>
-          </a:xfrm>
-          <a:prstGeom prst="straightConnector1">
-            <a:avLst/>
-          </a:prstGeom>
-          <a:ln w="38100">
-            <a:tailEnd type="triangle"/>
-          </a:ln>
-        </p:spPr>
-        <p:style>
-          <a:lnRef idx="2">
-            <a:schemeClr val="accent2"/>
-          </a:lnRef>
-          <a:fillRef idx="0">
-            <a:schemeClr val="accent2"/>
-          </a:fillRef>
-          <a:effectRef idx="1">
-            <a:schemeClr val="accent2"/>
-          </a:effectRef>
-          <a:fontRef idx="minor">
-            <a:schemeClr val="tx1"/>
-          </a:fontRef>
-        </p:style>
-      </p:cxnSp>
-      <p:cxnSp>
-        <p:nvCxnSpPr>
-          <p:cNvPr id="41" name="Straight Arrow Connector 40">
-            <a:extLst>
-              <a:ext uri="{FF2B5EF4-FFF2-40B4-BE49-F238E27FC236}">
-                <a16:creationId xmlns:a16="http://schemas.microsoft.com/office/drawing/2014/main" id="{6B425733-8328-BDD9-250B-CC459FBF84AC}"/>
-              </a:ext>
-            </a:extLst>
-          </p:cNvPr>
-          <p:cNvCxnSpPr>
-            <a:cxnSpLocks/>
-            <a:stCxn id="2" idx="2"/>
-            <a:endCxn id="11" idx="0"/>
-          </p:cNvCxnSpPr>
-          <p:nvPr/>
-        </p:nvCxnSpPr>
-        <p:spPr>
-          <a:xfrm>
-            <a:off x="3293159" y="1948070"/>
-            <a:ext cx="1994455" cy="2443370"/>
-          </a:xfrm>
-          <a:prstGeom prst="straightConnector1">
-            <a:avLst/>
-          </a:prstGeom>
-          <a:ln w="38100">
-            <a:tailEnd type="triangle"/>
-          </a:ln>
-        </p:spPr>
-        <p:style>
-          <a:lnRef idx="2">
-            <a:schemeClr val="accent2"/>
-          </a:lnRef>
-          <a:fillRef idx="0">
-            <a:schemeClr val="accent2"/>
-          </a:fillRef>
-          <a:effectRef idx="1">
-            <a:schemeClr val="accent2"/>
-          </a:effectRef>
-          <a:fontRef idx="minor">
-            <a:schemeClr val="tx1"/>
-          </a:fontRef>
-        </p:style>
-      </p:cxnSp>
-      <p:cxnSp>
-        <p:nvCxnSpPr>
-          <p:cNvPr id="56" name="Straight Arrow Connector 55">
-            <a:extLst>
-              <a:ext uri="{FF2B5EF4-FFF2-40B4-BE49-F238E27FC236}">
-                <a16:creationId xmlns:a16="http://schemas.microsoft.com/office/drawing/2014/main" id="{D834F3A8-66AB-EB45-CAD4-59F2E804716A}"/>
-              </a:ext>
-            </a:extLst>
-          </p:cNvPr>
-          <p:cNvCxnSpPr>
-            <a:cxnSpLocks/>
-            <a:stCxn id="2" idx="2"/>
-            <a:endCxn id="6" idx="0"/>
-          </p:cNvCxnSpPr>
-          <p:nvPr/>
-        </p:nvCxnSpPr>
-        <p:spPr>
-          <a:xfrm>
-            <a:off x="3293159" y="1948070"/>
-            <a:ext cx="1" cy="3183835"/>
-          </a:xfrm>
-          <a:prstGeom prst="straightConnector1">
-            <a:avLst/>
-          </a:prstGeom>
-          <a:ln w="38100">
-            <a:tailEnd type="triangle"/>
-          </a:ln>
-        </p:spPr>
-        <p:style>
-          <a:lnRef idx="2">
-            <a:schemeClr val="accent2"/>
-          </a:lnRef>
-          <a:fillRef idx="0">
-            <a:schemeClr val="accent2"/>
-          </a:fillRef>
-          <a:effectRef idx="1">
-            <a:schemeClr val="accent2"/>
-          </a:effectRef>
-          <a:fontRef idx="minor">
-            <a:schemeClr val="tx1"/>
-          </a:fontRef>
-        </p:style>
-      </p:cxnSp>
-      <p:sp>
-        <p:nvSpPr>
           <p:cNvPr id="61" name="Title 60">
             <a:extLst>
               <a:ext uri="{FF2B5EF4-FFF2-40B4-BE49-F238E27FC236}">
-                <a16:creationId xmlns:a16="http://schemas.microsoft.com/office/drawing/2014/main" id="{95CE87A3-DEDC-7E04-70B8-55225AFBE15E}"/>
-              </a:ext>
-            </a:extLst>
-          </p:cNvPr>
-          <p:cNvSpPr txBox="1">
-            <a:spLocks/>
+                <a16:creationId xmlns:a16="http://schemas.microsoft.com/office/drawing/2014/main" id="{1682203B-9450-9B32-BD03-C99201713750}"/>
+              </a:ext>
+            </a:extLst>
+          </p:cNvPr>
+          <p:cNvSpPr>
+            <a:spLocks noGrp="1"/>
           </p:cNvSpPr>
-          <p:nvPr/>
-        </p:nvSpPr>
-        <p:spPr>
-          <a:xfrm>
-            <a:off x="0" y="39065"/>
-            <a:ext cx="2584168" cy="441325"/>
-          </a:xfrm>
-          <a:prstGeom prst="rect">
-            <a:avLst/>
-          </a:prstGeom>
-        </p:spPr>
-        <p:txBody>
-          <a:bodyPr vert="horz" lIns="91440" tIns="45720" rIns="91440" bIns="45720" rtlCol="0" anchor="b">
-            <a:normAutofit fontScale="77500" lnSpcReduction="20000"/>
+          <p:nvPr>
+            <p:ph type="title"/>
+          </p:nvPr>
+        </p:nvSpPr>
+        <p:spPr>
+          <a:xfrm>
+            <a:off x="0" y="-1489"/>
+            <a:ext cx="3092406" cy="624337"/>
+          </a:xfrm>
+        </p:spPr>
+        <p:txBody>
+          <a:bodyPr>
+            <a:normAutofit/>
           </a:bodyPr>
-          <a:lstStyle>
-            <a:lvl1pPr algn="ctr" defTabSz="914400" rtl="0" eaLnBrk="1" latinLnBrk="0" hangingPunct="1">
-              <a:lnSpc>
-                <a:spcPct val="90000"/>
-              </a:lnSpc>
-              <a:spcBef>
-                <a:spcPct val="0"/>
-              </a:spcBef>
-              <a:buNone/>
-              <a:defRPr sz="6000" kern="1200">
-                <a:solidFill>
-                  <a:schemeClr val="tx1"/>
-                </a:solidFill>
-                <a:latin typeface="+mj-lt"/>
-                <a:ea typeface="+mj-ea"/>
-                <a:cs typeface="+mj-cs"/>
-              </a:defRPr>
-            </a:lvl1pPr>
-          </a:lstStyle>
+          <a:lstStyle/>
           <a:p>
             <a:r>
               <a:rPr lang="en-GB" sz="2800" dirty="0"/>
-              <a:t>AFDS-GCAS override</a:t>
-            </a:r>
-          </a:p>
-        </p:txBody>
-      </p:sp>
-      <p:sp>
-        <p:nvSpPr>
-          <p:cNvPr id="13" name="Rectangle 12">
-            <a:extLst>
-              <a:ext uri="{FF2B5EF4-FFF2-40B4-BE49-F238E27FC236}">
-                <a16:creationId xmlns:a16="http://schemas.microsoft.com/office/drawing/2014/main" id="{7DCD25A4-CEDD-8166-1662-4091F69D90CA}"/>
-              </a:ext>
-            </a:extLst>
-          </p:cNvPr>
-          <p:cNvSpPr/>
-          <p:nvPr/>
-        </p:nvSpPr>
-        <p:spPr>
-          <a:xfrm>
-            <a:off x="434003" y="1856960"/>
-            <a:ext cx="1417983" cy="987287"/>
-          </a:xfrm>
-          <a:prstGeom prst="rect">
-            <a:avLst/>
-          </a:prstGeom>
-        </p:spPr>
-        <p:style>
-          <a:lnRef idx="3">
-            <a:schemeClr val="lt1"/>
-          </a:lnRef>
-          <a:fillRef idx="1">
-            <a:schemeClr val="accent2"/>
-          </a:fillRef>
-          <a:effectRef idx="1">
-            <a:schemeClr val="accent2"/>
-          </a:effectRef>
-          <a:fontRef idx="minor">
-            <a:schemeClr val="lt1"/>
-          </a:fontRef>
-        </p:style>
-        <p:txBody>
-          <a:bodyPr rtlCol="0" anchor="ctr"/>
-          <a:lstStyle/>
-          <a:p>
-            <a:pPr algn="ctr"/>
-            <a:r>
-              <a:rPr lang="en-GB" dirty="0"/>
-              <a:t>GCAS</a:t>
-            </a:r>
-          </a:p>
-          <a:p>
-            <a:pPr algn="ctr"/>
-            <a:r>
-              <a:rPr lang="en-GB" dirty="0"/>
-              <a:t>status</a:t>
+              <a:t>AFDS-* (Autopilot)</a:t>
             </a:r>
           </a:p>
         </p:txBody>
@@ -5995,7 +5600,7 @@
     </p:spTree>
     <p:extLst>
       <p:ext uri="{BB962C8B-B14F-4D97-AF65-F5344CB8AC3E}">
-        <p14:creationId xmlns:p14="http://schemas.microsoft.com/office/powerpoint/2010/main" val="2765171996"/>
+        <p14:creationId xmlns:p14="http://schemas.microsoft.com/office/powerpoint/2010/main" val="2944336919"/>
       </p:ext>
     </p:extLst>
   </p:cSld>
@@ -6024,6 +5629,1872 @@
       </p:grpSpPr>
       <p:sp>
         <p:nvSpPr>
+          <p:cNvPr id="4" name="Rectangle 3">
+            <a:extLst>
+              <a:ext uri="{FF2B5EF4-FFF2-40B4-BE49-F238E27FC236}">
+                <a16:creationId xmlns:a16="http://schemas.microsoft.com/office/drawing/2014/main" id="{67F4BA31-8377-4A5A-45C9-57A836BD003A}"/>
+              </a:ext>
+            </a:extLst>
+          </p:cNvPr>
+          <p:cNvSpPr/>
+          <p:nvPr/>
+        </p:nvSpPr>
+        <p:spPr>
+          <a:xfrm>
+            <a:off x="2584169" y="2441713"/>
+            <a:ext cx="1417983" cy="987287"/>
+          </a:xfrm>
+          <a:prstGeom prst="rect">
+            <a:avLst/>
+          </a:prstGeom>
+          <a:solidFill>
+            <a:schemeClr val="dk1">
+              <a:alpha val="50000"/>
+            </a:schemeClr>
+          </a:solidFill>
+          <a:ln>
+            <a:noFill/>
+          </a:ln>
+        </p:spPr>
+        <p:style>
+          <a:lnRef idx="0">
+            <a:scrgbClr r="0" g="0" b="0"/>
+          </a:lnRef>
+          <a:fillRef idx="0">
+            <a:scrgbClr r="0" g="0" b="0"/>
+          </a:fillRef>
+          <a:effectRef idx="0">
+            <a:scrgbClr r="0" g="0" b="0"/>
+          </a:effectRef>
+          <a:fontRef idx="minor">
+            <a:schemeClr val="lt1"/>
+          </a:fontRef>
+        </p:style>
+        <p:txBody>
+          <a:bodyPr rtlCol="0" anchor="ctr"/>
+          <a:lstStyle/>
+          <a:p>
+            <a:pPr algn="ctr"/>
+            <a:r>
+              <a:rPr lang="en-GB" dirty="0"/>
+              <a:t>Altitude</a:t>
+            </a:r>
+          </a:p>
+        </p:txBody>
+      </p:sp>
+      <p:sp>
+        <p:nvSpPr>
+          <p:cNvPr id="5" name="Rectangle 4">
+            <a:extLst>
+              <a:ext uri="{FF2B5EF4-FFF2-40B4-BE49-F238E27FC236}">
+                <a16:creationId xmlns:a16="http://schemas.microsoft.com/office/drawing/2014/main" id="{8EFA9B11-46BE-C9EC-A5CF-AD69CE6FCC13}"/>
+              </a:ext>
+            </a:extLst>
+          </p:cNvPr>
+          <p:cNvSpPr/>
+          <p:nvPr/>
+        </p:nvSpPr>
+        <p:spPr>
+          <a:xfrm>
+            <a:off x="2584169" y="3786809"/>
+            <a:ext cx="1417983" cy="987287"/>
+          </a:xfrm>
+          <a:prstGeom prst="rect">
+            <a:avLst/>
+          </a:prstGeom>
+          <a:solidFill>
+            <a:schemeClr val="dk1">
+              <a:alpha val="50000"/>
+            </a:schemeClr>
+          </a:solidFill>
+          <a:ln>
+            <a:noFill/>
+          </a:ln>
+        </p:spPr>
+        <p:style>
+          <a:lnRef idx="0">
+            <a:scrgbClr r="0" g="0" b="0"/>
+          </a:lnRef>
+          <a:fillRef idx="0">
+            <a:scrgbClr r="0" g="0" b="0"/>
+          </a:fillRef>
+          <a:effectRef idx="0">
+            <a:scrgbClr r="0" g="0" b="0"/>
+          </a:effectRef>
+          <a:fontRef idx="minor">
+            <a:schemeClr val="lt1"/>
+          </a:fontRef>
+        </p:style>
+        <p:txBody>
+          <a:bodyPr rtlCol="0" anchor="ctr"/>
+          <a:lstStyle/>
+          <a:p>
+            <a:pPr algn="ctr"/>
+            <a:r>
+              <a:rPr lang="en-GB" dirty="0"/>
+              <a:t>Heading</a:t>
+            </a:r>
+          </a:p>
+        </p:txBody>
+      </p:sp>
+      <p:sp>
+        <p:nvSpPr>
+          <p:cNvPr id="6" name="Rectangle 5">
+            <a:extLst>
+              <a:ext uri="{FF2B5EF4-FFF2-40B4-BE49-F238E27FC236}">
+                <a16:creationId xmlns:a16="http://schemas.microsoft.com/office/drawing/2014/main" id="{F2EC3387-B209-8129-BF91-A9BA1AD59B01}"/>
+              </a:ext>
+            </a:extLst>
+          </p:cNvPr>
+          <p:cNvSpPr/>
+          <p:nvPr/>
+        </p:nvSpPr>
+        <p:spPr>
+          <a:xfrm>
+            <a:off x="2584168" y="5131905"/>
+            <a:ext cx="1417983" cy="987287"/>
+          </a:xfrm>
+          <a:prstGeom prst="rect">
+            <a:avLst/>
+          </a:prstGeom>
+          <a:solidFill>
+            <a:schemeClr val="dk1">
+              <a:alpha val="50000"/>
+            </a:schemeClr>
+          </a:solidFill>
+          <a:ln>
+            <a:noFill/>
+          </a:ln>
+        </p:spPr>
+        <p:style>
+          <a:lnRef idx="0">
+            <a:scrgbClr r="0" g="0" b="0"/>
+          </a:lnRef>
+          <a:fillRef idx="0">
+            <a:scrgbClr r="0" g="0" b="0"/>
+          </a:fillRef>
+          <a:effectRef idx="0">
+            <a:scrgbClr r="0" g="0" b="0"/>
+          </a:effectRef>
+          <a:fontRef idx="minor">
+            <a:schemeClr val="lt1"/>
+          </a:fontRef>
+        </p:style>
+        <p:txBody>
+          <a:bodyPr rtlCol="0" anchor="ctr"/>
+          <a:lstStyle/>
+          <a:p>
+            <a:pPr algn="ctr"/>
+            <a:r>
+              <a:rPr lang="en-GB" dirty="0"/>
+              <a:t>Velocity</a:t>
+            </a:r>
+          </a:p>
+        </p:txBody>
+      </p:sp>
+      <p:sp>
+        <p:nvSpPr>
+          <p:cNvPr id="7" name="Rectangle 6">
+            <a:extLst>
+              <a:ext uri="{FF2B5EF4-FFF2-40B4-BE49-F238E27FC236}">
+                <a16:creationId xmlns:a16="http://schemas.microsoft.com/office/drawing/2014/main" id="{84FBFF6D-D8CD-0B4A-F7AC-9DB677FC21FD}"/>
+              </a:ext>
+            </a:extLst>
+          </p:cNvPr>
+          <p:cNvSpPr/>
+          <p:nvPr/>
+        </p:nvSpPr>
+        <p:spPr>
+          <a:xfrm>
+            <a:off x="410812" y="3127513"/>
+            <a:ext cx="1417983" cy="987287"/>
+          </a:xfrm>
+          <a:prstGeom prst="rect">
+            <a:avLst/>
+          </a:prstGeom>
+          <a:solidFill>
+            <a:schemeClr val="dk1">
+              <a:alpha val="50000"/>
+            </a:schemeClr>
+          </a:solidFill>
+          <a:ln>
+            <a:noFill/>
+          </a:ln>
+        </p:spPr>
+        <p:style>
+          <a:lnRef idx="0">
+            <a:scrgbClr r="0" g="0" b="0"/>
+          </a:lnRef>
+          <a:fillRef idx="0">
+            <a:scrgbClr r="0" g="0" b="0"/>
+          </a:fillRef>
+          <a:effectRef idx="0">
+            <a:scrgbClr r="0" g="0" b="0"/>
+          </a:effectRef>
+          <a:fontRef idx="minor">
+            <a:schemeClr val="lt1"/>
+          </a:fontRef>
+        </p:style>
+        <p:txBody>
+          <a:bodyPr rtlCol="0" anchor="ctr"/>
+          <a:lstStyle/>
+          <a:p>
+            <a:pPr algn="ctr"/>
+            <a:r>
+              <a:rPr lang="en-GB" dirty="0"/>
+              <a:t>Aircraft</a:t>
+            </a:r>
+          </a:p>
+          <a:p>
+            <a:pPr algn="ctr"/>
+            <a:r>
+              <a:rPr lang="en-GB" dirty="0"/>
+              <a:t>status</a:t>
+            </a:r>
+          </a:p>
+        </p:txBody>
+      </p:sp>
+      <p:sp>
+        <p:nvSpPr>
+          <p:cNvPr id="8" name="Rectangle 7">
+            <a:extLst>
+              <a:ext uri="{FF2B5EF4-FFF2-40B4-BE49-F238E27FC236}">
+                <a16:creationId xmlns:a16="http://schemas.microsoft.com/office/drawing/2014/main" id="{10D1B1A8-C243-21FC-E1CD-2BE904AFB49C}"/>
+              </a:ext>
+            </a:extLst>
+          </p:cNvPr>
+          <p:cNvSpPr/>
+          <p:nvPr/>
+        </p:nvSpPr>
+        <p:spPr>
+          <a:xfrm>
+            <a:off x="410815" y="4459357"/>
+            <a:ext cx="1417983" cy="987287"/>
+          </a:xfrm>
+          <a:prstGeom prst="rect">
+            <a:avLst/>
+          </a:prstGeom>
+          <a:solidFill>
+            <a:schemeClr val="dk1">
+              <a:alpha val="50000"/>
+            </a:schemeClr>
+          </a:solidFill>
+          <a:ln>
+            <a:noFill/>
+          </a:ln>
+        </p:spPr>
+        <p:style>
+          <a:lnRef idx="0">
+            <a:scrgbClr r="0" g="0" b="0"/>
+          </a:lnRef>
+          <a:fillRef idx="0">
+            <a:scrgbClr r="0" g="0" b="0"/>
+          </a:fillRef>
+          <a:effectRef idx="0">
+            <a:scrgbClr r="0" g="0" b="0"/>
+          </a:effectRef>
+          <a:fontRef idx="minor">
+            <a:schemeClr val="lt1"/>
+          </a:fontRef>
+        </p:style>
+        <p:txBody>
+          <a:bodyPr rtlCol="0" anchor="ctr"/>
+          <a:lstStyle/>
+          <a:p>
+            <a:pPr algn="ctr"/>
+            <a:r>
+              <a:rPr lang="en-GB" dirty="0"/>
+              <a:t>NAV</a:t>
+            </a:r>
+          </a:p>
+          <a:p>
+            <a:pPr algn="ctr"/>
+            <a:r>
+              <a:rPr lang="en-GB" dirty="0"/>
+              <a:t>settings</a:t>
+            </a:r>
+          </a:p>
+        </p:txBody>
+      </p:sp>
+      <p:sp>
+        <p:nvSpPr>
+          <p:cNvPr id="10" name="Rectangle 9">
+            <a:extLst>
+              <a:ext uri="{FF2B5EF4-FFF2-40B4-BE49-F238E27FC236}">
+                <a16:creationId xmlns:a16="http://schemas.microsoft.com/office/drawing/2014/main" id="{777DCE79-CD58-F68D-0F21-8FB059B45B40}"/>
+              </a:ext>
+            </a:extLst>
+          </p:cNvPr>
+          <p:cNvSpPr/>
+          <p:nvPr/>
+        </p:nvSpPr>
+        <p:spPr>
+          <a:xfrm>
+            <a:off x="6563136" y="1706216"/>
+            <a:ext cx="1417983" cy="987287"/>
+          </a:xfrm>
+          <a:prstGeom prst="rect">
+            <a:avLst/>
+          </a:prstGeom>
+          <a:solidFill>
+            <a:schemeClr val="dk1">
+              <a:alpha val="50000"/>
+            </a:schemeClr>
+          </a:solidFill>
+          <a:ln>
+            <a:noFill/>
+          </a:ln>
+        </p:spPr>
+        <p:style>
+          <a:lnRef idx="0">
+            <a:scrgbClr r="0" g="0" b="0"/>
+          </a:lnRef>
+          <a:fillRef idx="0">
+            <a:scrgbClr r="0" g="0" b="0"/>
+          </a:fillRef>
+          <a:effectRef idx="0">
+            <a:scrgbClr r="0" g="0" b="0"/>
+          </a:effectRef>
+          <a:fontRef idx="minor">
+            <a:schemeClr val="lt1"/>
+          </a:fontRef>
+        </p:style>
+        <p:txBody>
+          <a:bodyPr rtlCol="0" anchor="ctr"/>
+          <a:lstStyle/>
+          <a:p>
+            <a:pPr algn="ctr"/>
+            <a:r>
+              <a:rPr lang="en-GB" dirty="0"/>
+              <a:t>Pitch</a:t>
+            </a:r>
+          </a:p>
+        </p:txBody>
+      </p:sp>
+      <p:sp>
+        <p:nvSpPr>
+          <p:cNvPr id="11" name="Rectangle 10">
+            <a:extLst>
+              <a:ext uri="{FF2B5EF4-FFF2-40B4-BE49-F238E27FC236}">
+                <a16:creationId xmlns:a16="http://schemas.microsoft.com/office/drawing/2014/main" id="{E67B3ECB-8707-D244-37CC-A6B50D98EF35}"/>
+              </a:ext>
+            </a:extLst>
+          </p:cNvPr>
+          <p:cNvSpPr/>
+          <p:nvPr/>
+        </p:nvSpPr>
+        <p:spPr>
+          <a:xfrm>
+            <a:off x="4578622" y="4391440"/>
+            <a:ext cx="1417983" cy="987287"/>
+          </a:xfrm>
+          <a:prstGeom prst="rect">
+            <a:avLst/>
+          </a:prstGeom>
+          <a:solidFill>
+            <a:schemeClr val="dk1">
+              <a:alpha val="50000"/>
+            </a:schemeClr>
+          </a:solidFill>
+          <a:ln>
+            <a:noFill/>
+          </a:ln>
+        </p:spPr>
+        <p:style>
+          <a:lnRef idx="0">
+            <a:scrgbClr r="0" g="0" b="0"/>
+          </a:lnRef>
+          <a:fillRef idx="0">
+            <a:scrgbClr r="0" g="0" b="0"/>
+          </a:fillRef>
+          <a:effectRef idx="0">
+            <a:scrgbClr r="0" g="0" b="0"/>
+          </a:effectRef>
+          <a:fontRef idx="minor">
+            <a:schemeClr val="lt1"/>
+          </a:fontRef>
+        </p:style>
+        <p:txBody>
+          <a:bodyPr rtlCol="0" anchor="ctr"/>
+          <a:lstStyle/>
+          <a:p>
+            <a:pPr algn="ctr"/>
+            <a:r>
+              <a:rPr lang="en-GB" dirty="0"/>
+              <a:t>Roll</a:t>
+            </a:r>
+          </a:p>
+        </p:txBody>
+      </p:sp>
+      <p:sp>
+        <p:nvSpPr>
+          <p:cNvPr id="12" name="Rectangle 11">
+            <a:extLst>
+              <a:ext uri="{FF2B5EF4-FFF2-40B4-BE49-F238E27FC236}">
+                <a16:creationId xmlns:a16="http://schemas.microsoft.com/office/drawing/2014/main" id="{D692960C-ACE1-68B1-ABF4-EA7EC34BEBB9}"/>
+              </a:ext>
+            </a:extLst>
+          </p:cNvPr>
+          <p:cNvSpPr/>
+          <p:nvPr/>
+        </p:nvSpPr>
+        <p:spPr>
+          <a:xfrm>
+            <a:off x="8623848" y="4396407"/>
+            <a:ext cx="1417983" cy="987287"/>
+          </a:xfrm>
+          <a:prstGeom prst="rect">
+            <a:avLst/>
+          </a:prstGeom>
+          <a:solidFill>
+            <a:schemeClr val="dk1">
+              <a:alpha val="50000"/>
+            </a:schemeClr>
+          </a:solidFill>
+          <a:ln>
+            <a:noFill/>
+          </a:ln>
+        </p:spPr>
+        <p:style>
+          <a:lnRef idx="0">
+            <a:scrgbClr r="0" g="0" b="0"/>
+          </a:lnRef>
+          <a:fillRef idx="0">
+            <a:scrgbClr r="0" g="0" b="0"/>
+          </a:fillRef>
+          <a:effectRef idx="0">
+            <a:scrgbClr r="0" g="0" b="0"/>
+          </a:effectRef>
+          <a:fontRef idx="minor">
+            <a:schemeClr val="lt1"/>
+          </a:fontRef>
+        </p:style>
+        <p:txBody>
+          <a:bodyPr rtlCol="0" anchor="ctr"/>
+          <a:lstStyle/>
+          <a:p>
+            <a:pPr algn="ctr"/>
+            <a:r>
+              <a:rPr lang="en-GB" dirty="0"/>
+              <a:t>Ailerons</a:t>
+            </a:r>
+          </a:p>
+        </p:txBody>
+      </p:sp>
+      <p:sp>
+        <p:nvSpPr>
+          <p:cNvPr id="14" name="Rectangle 13">
+            <a:extLst>
+              <a:ext uri="{FF2B5EF4-FFF2-40B4-BE49-F238E27FC236}">
+                <a16:creationId xmlns:a16="http://schemas.microsoft.com/office/drawing/2014/main" id="{5A0CEAC6-0BCF-A476-F73E-01FAF2459D2C}"/>
+              </a:ext>
+            </a:extLst>
+          </p:cNvPr>
+          <p:cNvSpPr/>
+          <p:nvPr/>
+        </p:nvSpPr>
+        <p:spPr>
+          <a:xfrm>
+            <a:off x="4578622" y="1706216"/>
+            <a:ext cx="1417983" cy="987287"/>
+          </a:xfrm>
+          <a:prstGeom prst="rect">
+            <a:avLst/>
+          </a:prstGeom>
+          <a:solidFill>
+            <a:schemeClr val="dk1">
+              <a:alpha val="50000"/>
+            </a:schemeClr>
+          </a:solidFill>
+          <a:ln>
+            <a:noFill/>
+          </a:ln>
+        </p:spPr>
+        <p:style>
+          <a:lnRef idx="0">
+            <a:scrgbClr r="0" g="0" b="0"/>
+          </a:lnRef>
+          <a:fillRef idx="0">
+            <a:scrgbClr r="0" g="0" b="0"/>
+          </a:fillRef>
+          <a:effectRef idx="0">
+            <a:scrgbClr r="0" g="0" b="0"/>
+          </a:effectRef>
+          <a:fontRef idx="minor">
+            <a:schemeClr val="lt1"/>
+          </a:fontRef>
+        </p:style>
+        <p:txBody>
+          <a:bodyPr rtlCol="0" anchor="ctr"/>
+          <a:lstStyle/>
+          <a:p>
+            <a:pPr algn="ctr"/>
+            <a:r>
+              <a:rPr lang="en-GB" dirty="0"/>
+              <a:t>Vertical Speed</a:t>
+            </a:r>
+          </a:p>
+        </p:txBody>
+      </p:sp>
+      <p:sp>
+        <p:nvSpPr>
+          <p:cNvPr id="15" name="Rectangle 14">
+            <a:extLst>
+              <a:ext uri="{FF2B5EF4-FFF2-40B4-BE49-F238E27FC236}">
+                <a16:creationId xmlns:a16="http://schemas.microsoft.com/office/drawing/2014/main" id="{41700776-7CB7-C975-4C71-C21B39578110}"/>
+              </a:ext>
+            </a:extLst>
+          </p:cNvPr>
+          <p:cNvSpPr/>
+          <p:nvPr/>
+        </p:nvSpPr>
+        <p:spPr>
+          <a:xfrm>
+            <a:off x="8623849" y="1706216"/>
+            <a:ext cx="1417983" cy="987287"/>
+          </a:xfrm>
+          <a:prstGeom prst="rect">
+            <a:avLst/>
+          </a:prstGeom>
+          <a:solidFill>
+            <a:schemeClr val="dk1">
+              <a:alpha val="50000"/>
+            </a:schemeClr>
+          </a:solidFill>
+          <a:ln>
+            <a:noFill/>
+          </a:ln>
+        </p:spPr>
+        <p:style>
+          <a:lnRef idx="0">
+            <a:scrgbClr r="0" g="0" b="0"/>
+          </a:lnRef>
+          <a:fillRef idx="0">
+            <a:scrgbClr r="0" g="0" b="0"/>
+          </a:fillRef>
+          <a:effectRef idx="0">
+            <a:scrgbClr r="0" g="0" b="0"/>
+          </a:effectRef>
+          <a:fontRef idx="minor">
+            <a:schemeClr val="lt1"/>
+          </a:fontRef>
+        </p:style>
+        <p:txBody>
+          <a:bodyPr rtlCol="0" anchor="ctr"/>
+          <a:lstStyle/>
+          <a:p>
+            <a:pPr algn="ctr"/>
+            <a:r>
+              <a:rPr lang="en-GB" dirty="0"/>
+              <a:t>Elevators</a:t>
+            </a:r>
+          </a:p>
+        </p:txBody>
+      </p:sp>
+      <p:sp>
+        <p:nvSpPr>
+          <p:cNvPr id="16" name="Rectangle 15">
+            <a:extLst>
+              <a:ext uri="{FF2B5EF4-FFF2-40B4-BE49-F238E27FC236}">
+                <a16:creationId xmlns:a16="http://schemas.microsoft.com/office/drawing/2014/main" id="{D51E09BF-561D-A1FB-FAA9-29C4D0BFC62C}"/>
+              </a:ext>
+            </a:extLst>
+          </p:cNvPr>
+          <p:cNvSpPr/>
+          <p:nvPr/>
+        </p:nvSpPr>
+        <p:spPr>
+          <a:xfrm>
+            <a:off x="8623848" y="5741505"/>
+            <a:ext cx="1417983" cy="987287"/>
+          </a:xfrm>
+          <a:prstGeom prst="rect">
+            <a:avLst/>
+          </a:prstGeom>
+          <a:solidFill>
+            <a:schemeClr val="dk1">
+              <a:alpha val="50000"/>
+            </a:schemeClr>
+          </a:solidFill>
+          <a:ln>
+            <a:noFill/>
+          </a:ln>
+        </p:spPr>
+        <p:style>
+          <a:lnRef idx="0">
+            <a:scrgbClr r="0" g="0" b="0"/>
+          </a:lnRef>
+          <a:fillRef idx="0">
+            <a:scrgbClr r="0" g="0" b="0"/>
+          </a:fillRef>
+          <a:effectRef idx="0">
+            <a:scrgbClr r="0" g="0" b="0"/>
+          </a:effectRef>
+          <a:fontRef idx="minor">
+            <a:schemeClr val="lt1"/>
+          </a:fontRef>
+        </p:style>
+        <p:txBody>
+          <a:bodyPr rtlCol="0" anchor="ctr"/>
+          <a:lstStyle/>
+          <a:p>
+            <a:pPr algn="ctr"/>
+            <a:r>
+              <a:rPr lang="en-GB" dirty="0"/>
+              <a:t>Throttles</a:t>
+            </a:r>
+          </a:p>
+        </p:txBody>
+      </p:sp>
+      <p:sp>
+        <p:nvSpPr>
+          <p:cNvPr id="17" name="Rectangle 16">
+            <a:extLst>
+              <a:ext uri="{FF2B5EF4-FFF2-40B4-BE49-F238E27FC236}">
+                <a16:creationId xmlns:a16="http://schemas.microsoft.com/office/drawing/2014/main" id="{04B78173-958D-AD3A-BDC9-B44530117CAB}"/>
+              </a:ext>
+            </a:extLst>
+          </p:cNvPr>
+          <p:cNvSpPr/>
+          <p:nvPr/>
+        </p:nvSpPr>
+        <p:spPr>
+          <a:xfrm>
+            <a:off x="10608363" y="3667542"/>
+            <a:ext cx="1417983" cy="987287"/>
+          </a:xfrm>
+          <a:prstGeom prst="rect">
+            <a:avLst/>
+          </a:prstGeom>
+          <a:solidFill>
+            <a:schemeClr val="dk1">
+              <a:alpha val="50000"/>
+            </a:schemeClr>
+          </a:solidFill>
+          <a:ln>
+            <a:noFill/>
+          </a:ln>
+        </p:spPr>
+        <p:style>
+          <a:lnRef idx="0">
+            <a:scrgbClr r="0" g="0" b="0"/>
+          </a:lnRef>
+          <a:fillRef idx="0">
+            <a:scrgbClr r="0" g="0" b="0"/>
+          </a:fillRef>
+          <a:effectRef idx="0">
+            <a:scrgbClr r="0" g="0" b="0"/>
+          </a:effectRef>
+          <a:fontRef idx="minor">
+            <a:schemeClr val="lt1"/>
+          </a:fontRef>
+        </p:style>
+        <p:txBody>
+          <a:bodyPr rtlCol="0" anchor="ctr"/>
+          <a:lstStyle/>
+          <a:p>
+            <a:pPr algn="ctr"/>
+            <a:r>
+              <a:rPr lang="en-GB" dirty="0"/>
+              <a:t>Aircraft</a:t>
+            </a:r>
+          </a:p>
+          <a:p>
+            <a:pPr algn="ctr"/>
+            <a:r>
+              <a:rPr lang="en-GB" dirty="0"/>
+              <a:t>control</a:t>
+            </a:r>
+          </a:p>
+        </p:txBody>
+      </p:sp>
+      <p:sp>
+        <p:nvSpPr>
+          <p:cNvPr id="18" name="Rectangle 17">
+            <a:extLst>
+              <a:ext uri="{FF2B5EF4-FFF2-40B4-BE49-F238E27FC236}">
+                <a16:creationId xmlns:a16="http://schemas.microsoft.com/office/drawing/2014/main" id="{530DF511-CF72-2B5E-C7D9-809DCD24AB4E}"/>
+              </a:ext>
+            </a:extLst>
+          </p:cNvPr>
+          <p:cNvSpPr/>
+          <p:nvPr/>
+        </p:nvSpPr>
+        <p:spPr>
+          <a:xfrm>
+            <a:off x="8623848" y="3051312"/>
+            <a:ext cx="1417983" cy="987287"/>
+          </a:xfrm>
+          <a:prstGeom prst="rect">
+            <a:avLst/>
+          </a:prstGeom>
+          <a:solidFill>
+            <a:schemeClr val="dk1">
+              <a:alpha val="50000"/>
+            </a:schemeClr>
+          </a:solidFill>
+          <a:ln>
+            <a:noFill/>
+          </a:ln>
+        </p:spPr>
+        <p:style>
+          <a:lnRef idx="0">
+            <a:scrgbClr r="0" g="0" b="0"/>
+          </a:lnRef>
+          <a:fillRef idx="0">
+            <a:scrgbClr r="0" g="0" b="0"/>
+          </a:fillRef>
+          <a:effectRef idx="0">
+            <a:scrgbClr r="0" g="0" b="0"/>
+          </a:effectRef>
+          <a:fontRef idx="minor">
+            <a:schemeClr val="lt1"/>
+          </a:fontRef>
+        </p:style>
+        <p:txBody>
+          <a:bodyPr rtlCol="0" anchor="ctr"/>
+          <a:lstStyle/>
+          <a:p>
+            <a:pPr algn="ctr"/>
+            <a:r>
+              <a:rPr lang="en-GB" dirty="0"/>
+              <a:t>Rudder</a:t>
+            </a:r>
+          </a:p>
+        </p:txBody>
+      </p:sp>
+      <p:cxnSp>
+        <p:nvCxnSpPr>
+          <p:cNvPr id="20" name="Straight Arrow Connector 19">
+            <a:extLst>
+              <a:ext uri="{FF2B5EF4-FFF2-40B4-BE49-F238E27FC236}">
+                <a16:creationId xmlns:a16="http://schemas.microsoft.com/office/drawing/2014/main" id="{86E64262-9583-18CA-7C55-4E8A19C06678}"/>
+              </a:ext>
+            </a:extLst>
+          </p:cNvPr>
+          <p:cNvCxnSpPr>
+            <a:stCxn id="18" idx="3"/>
+            <a:endCxn id="17" idx="1"/>
+          </p:cNvCxnSpPr>
+          <p:nvPr/>
+        </p:nvCxnSpPr>
+        <p:spPr>
+          <a:xfrm>
+            <a:off x="10041831" y="3544956"/>
+            <a:ext cx="566532" cy="616230"/>
+          </a:xfrm>
+          <a:prstGeom prst="straightConnector1">
+            <a:avLst/>
+          </a:prstGeom>
+          <a:ln>
+            <a:tailEnd type="triangle"/>
+          </a:ln>
+        </p:spPr>
+        <p:style>
+          <a:lnRef idx="1">
+            <a:schemeClr val="dk1"/>
+          </a:lnRef>
+          <a:fillRef idx="0">
+            <a:schemeClr val="dk1"/>
+          </a:fillRef>
+          <a:effectRef idx="0">
+            <a:schemeClr val="dk1"/>
+          </a:effectRef>
+          <a:fontRef idx="minor">
+            <a:schemeClr val="tx1"/>
+          </a:fontRef>
+        </p:style>
+      </p:cxnSp>
+      <p:cxnSp>
+        <p:nvCxnSpPr>
+          <p:cNvPr id="21" name="Straight Arrow Connector 20">
+            <a:extLst>
+              <a:ext uri="{FF2B5EF4-FFF2-40B4-BE49-F238E27FC236}">
+                <a16:creationId xmlns:a16="http://schemas.microsoft.com/office/drawing/2014/main" id="{7C101BDA-D7CA-2C3A-259D-3FC4C2ADE019}"/>
+              </a:ext>
+            </a:extLst>
+          </p:cNvPr>
+          <p:cNvCxnSpPr>
+            <a:cxnSpLocks/>
+            <a:stCxn id="12" idx="3"/>
+            <a:endCxn id="17" idx="1"/>
+          </p:cNvCxnSpPr>
+          <p:nvPr/>
+        </p:nvCxnSpPr>
+        <p:spPr>
+          <a:xfrm flipV="1">
+            <a:off x="10041831" y="4161186"/>
+            <a:ext cx="566532" cy="728865"/>
+          </a:xfrm>
+          <a:prstGeom prst="straightConnector1">
+            <a:avLst/>
+          </a:prstGeom>
+          <a:ln>
+            <a:tailEnd type="triangle"/>
+          </a:ln>
+        </p:spPr>
+        <p:style>
+          <a:lnRef idx="1">
+            <a:schemeClr val="dk1"/>
+          </a:lnRef>
+          <a:fillRef idx="0">
+            <a:schemeClr val="dk1"/>
+          </a:fillRef>
+          <a:effectRef idx="0">
+            <a:schemeClr val="dk1"/>
+          </a:effectRef>
+          <a:fontRef idx="minor">
+            <a:schemeClr val="tx1"/>
+          </a:fontRef>
+        </p:style>
+      </p:cxnSp>
+      <p:cxnSp>
+        <p:nvCxnSpPr>
+          <p:cNvPr id="24" name="Straight Arrow Connector 23">
+            <a:extLst>
+              <a:ext uri="{FF2B5EF4-FFF2-40B4-BE49-F238E27FC236}">
+                <a16:creationId xmlns:a16="http://schemas.microsoft.com/office/drawing/2014/main" id="{29E0A8AD-06F6-3E7A-7C9A-A02644ADE13B}"/>
+              </a:ext>
+            </a:extLst>
+          </p:cNvPr>
+          <p:cNvCxnSpPr>
+            <a:cxnSpLocks/>
+            <a:stCxn id="16" idx="3"/>
+            <a:endCxn id="17" idx="1"/>
+          </p:cNvCxnSpPr>
+          <p:nvPr/>
+        </p:nvCxnSpPr>
+        <p:spPr>
+          <a:xfrm flipV="1">
+            <a:off x="10041831" y="4161186"/>
+            <a:ext cx="566532" cy="2073963"/>
+          </a:xfrm>
+          <a:prstGeom prst="straightConnector1">
+            <a:avLst/>
+          </a:prstGeom>
+          <a:ln>
+            <a:tailEnd type="triangle"/>
+          </a:ln>
+        </p:spPr>
+        <p:style>
+          <a:lnRef idx="1">
+            <a:schemeClr val="dk1"/>
+          </a:lnRef>
+          <a:fillRef idx="0">
+            <a:schemeClr val="dk1"/>
+          </a:fillRef>
+          <a:effectRef idx="0">
+            <a:schemeClr val="dk1"/>
+          </a:effectRef>
+          <a:fontRef idx="minor">
+            <a:schemeClr val="tx1"/>
+          </a:fontRef>
+        </p:style>
+      </p:cxnSp>
+      <p:cxnSp>
+        <p:nvCxnSpPr>
+          <p:cNvPr id="27" name="Straight Arrow Connector 26">
+            <a:extLst>
+              <a:ext uri="{FF2B5EF4-FFF2-40B4-BE49-F238E27FC236}">
+                <a16:creationId xmlns:a16="http://schemas.microsoft.com/office/drawing/2014/main" id="{7936D34F-0763-282F-AF82-1CD2D66B7B5A}"/>
+              </a:ext>
+            </a:extLst>
+          </p:cNvPr>
+          <p:cNvCxnSpPr>
+            <a:cxnSpLocks/>
+            <a:stCxn id="15" idx="3"/>
+            <a:endCxn id="17" idx="1"/>
+          </p:cNvCxnSpPr>
+          <p:nvPr/>
+        </p:nvCxnSpPr>
+        <p:spPr>
+          <a:xfrm>
+            <a:off x="10041832" y="2199860"/>
+            <a:ext cx="566531" cy="1961326"/>
+          </a:xfrm>
+          <a:prstGeom prst="straightConnector1">
+            <a:avLst/>
+          </a:prstGeom>
+          <a:ln>
+            <a:tailEnd type="triangle"/>
+          </a:ln>
+        </p:spPr>
+        <p:style>
+          <a:lnRef idx="1">
+            <a:schemeClr val="dk1"/>
+          </a:lnRef>
+          <a:fillRef idx="0">
+            <a:schemeClr val="dk1"/>
+          </a:fillRef>
+          <a:effectRef idx="0">
+            <a:schemeClr val="dk1"/>
+          </a:effectRef>
+          <a:fontRef idx="minor">
+            <a:schemeClr val="tx1"/>
+          </a:fontRef>
+        </p:style>
+      </p:cxnSp>
+      <p:cxnSp>
+        <p:nvCxnSpPr>
+          <p:cNvPr id="39" name="Straight Arrow Connector 38">
+            <a:extLst>
+              <a:ext uri="{FF2B5EF4-FFF2-40B4-BE49-F238E27FC236}">
+                <a16:creationId xmlns:a16="http://schemas.microsoft.com/office/drawing/2014/main" id="{1A165CEC-1BED-A184-7DB6-DAF9FEA3E0BA}"/>
+              </a:ext>
+            </a:extLst>
+          </p:cNvPr>
+          <p:cNvCxnSpPr>
+            <a:cxnSpLocks/>
+            <a:stCxn id="11" idx="3"/>
+            <a:endCxn id="12" idx="1"/>
+          </p:cNvCxnSpPr>
+          <p:nvPr/>
+        </p:nvCxnSpPr>
+        <p:spPr>
+          <a:xfrm>
+            <a:off x="5996605" y="4885084"/>
+            <a:ext cx="2627243" cy="4967"/>
+          </a:xfrm>
+          <a:prstGeom prst="straightConnector1">
+            <a:avLst/>
+          </a:prstGeom>
+          <a:ln>
+            <a:tailEnd type="triangle"/>
+          </a:ln>
+        </p:spPr>
+        <p:style>
+          <a:lnRef idx="1">
+            <a:schemeClr val="dk1"/>
+          </a:lnRef>
+          <a:fillRef idx="0">
+            <a:schemeClr val="dk1"/>
+          </a:fillRef>
+          <a:effectRef idx="0">
+            <a:schemeClr val="dk1"/>
+          </a:effectRef>
+          <a:fontRef idx="minor">
+            <a:schemeClr val="tx1"/>
+          </a:fontRef>
+        </p:style>
+      </p:cxnSp>
+      <p:cxnSp>
+        <p:nvCxnSpPr>
+          <p:cNvPr id="42" name="Straight Arrow Connector 41">
+            <a:extLst>
+              <a:ext uri="{FF2B5EF4-FFF2-40B4-BE49-F238E27FC236}">
+                <a16:creationId xmlns:a16="http://schemas.microsoft.com/office/drawing/2014/main" id="{7CFA5603-3EAF-EC7A-B8D6-52CD219C7108}"/>
+              </a:ext>
+            </a:extLst>
+          </p:cNvPr>
+          <p:cNvCxnSpPr>
+            <a:cxnSpLocks/>
+            <a:stCxn id="5" idx="3"/>
+            <a:endCxn id="18" idx="1"/>
+          </p:cNvCxnSpPr>
+          <p:nvPr/>
+        </p:nvCxnSpPr>
+        <p:spPr>
+          <a:xfrm flipV="1">
+            <a:off x="4002152" y="3544956"/>
+            <a:ext cx="4621696" cy="735497"/>
+          </a:xfrm>
+          <a:prstGeom prst="straightConnector1">
+            <a:avLst/>
+          </a:prstGeom>
+          <a:ln>
+            <a:tailEnd type="triangle"/>
+          </a:ln>
+        </p:spPr>
+        <p:style>
+          <a:lnRef idx="1">
+            <a:schemeClr val="dk1"/>
+          </a:lnRef>
+          <a:fillRef idx="0">
+            <a:schemeClr val="dk1"/>
+          </a:fillRef>
+          <a:effectRef idx="0">
+            <a:schemeClr val="dk1"/>
+          </a:effectRef>
+          <a:fontRef idx="minor">
+            <a:schemeClr val="tx1"/>
+          </a:fontRef>
+        </p:style>
+      </p:cxnSp>
+      <p:cxnSp>
+        <p:nvCxnSpPr>
+          <p:cNvPr id="45" name="Straight Arrow Connector 44">
+            <a:extLst>
+              <a:ext uri="{FF2B5EF4-FFF2-40B4-BE49-F238E27FC236}">
+                <a16:creationId xmlns:a16="http://schemas.microsoft.com/office/drawing/2014/main" id="{F23BF4F3-F84C-EAD6-3E0D-CBF6F68A5986}"/>
+              </a:ext>
+            </a:extLst>
+          </p:cNvPr>
+          <p:cNvCxnSpPr>
+            <a:cxnSpLocks/>
+            <a:stCxn id="5" idx="3"/>
+            <a:endCxn id="15" idx="1"/>
+          </p:cNvCxnSpPr>
+          <p:nvPr/>
+        </p:nvCxnSpPr>
+        <p:spPr>
+          <a:xfrm flipV="1">
+            <a:off x="4002152" y="2199860"/>
+            <a:ext cx="4621697" cy="2080593"/>
+          </a:xfrm>
+          <a:prstGeom prst="straightConnector1">
+            <a:avLst/>
+          </a:prstGeom>
+          <a:ln>
+            <a:tailEnd type="triangle"/>
+          </a:ln>
+        </p:spPr>
+        <p:style>
+          <a:lnRef idx="1">
+            <a:schemeClr val="dk1"/>
+          </a:lnRef>
+          <a:fillRef idx="0">
+            <a:schemeClr val="dk1"/>
+          </a:fillRef>
+          <a:effectRef idx="0">
+            <a:schemeClr val="dk1"/>
+          </a:effectRef>
+          <a:fontRef idx="minor">
+            <a:schemeClr val="tx1"/>
+          </a:fontRef>
+        </p:style>
+      </p:cxnSp>
+      <p:cxnSp>
+        <p:nvCxnSpPr>
+          <p:cNvPr id="48" name="Straight Arrow Connector 47">
+            <a:extLst>
+              <a:ext uri="{FF2B5EF4-FFF2-40B4-BE49-F238E27FC236}">
+                <a16:creationId xmlns:a16="http://schemas.microsoft.com/office/drawing/2014/main" id="{FE426249-9725-ED06-5CA7-39091D5D80B7}"/>
+              </a:ext>
+            </a:extLst>
+          </p:cNvPr>
+          <p:cNvCxnSpPr>
+            <a:cxnSpLocks/>
+            <a:stCxn id="10" idx="3"/>
+            <a:endCxn id="15" idx="1"/>
+          </p:cNvCxnSpPr>
+          <p:nvPr/>
+        </p:nvCxnSpPr>
+        <p:spPr>
+          <a:xfrm>
+            <a:off x="7981119" y="2199860"/>
+            <a:ext cx="642730" cy="0"/>
+          </a:xfrm>
+          <a:prstGeom prst="straightConnector1">
+            <a:avLst/>
+          </a:prstGeom>
+          <a:ln>
+            <a:tailEnd type="triangle"/>
+          </a:ln>
+        </p:spPr>
+        <p:style>
+          <a:lnRef idx="1">
+            <a:schemeClr val="dk1"/>
+          </a:lnRef>
+          <a:fillRef idx="0">
+            <a:schemeClr val="dk1"/>
+          </a:fillRef>
+          <a:effectRef idx="0">
+            <a:schemeClr val="dk1"/>
+          </a:effectRef>
+          <a:fontRef idx="minor">
+            <a:schemeClr val="tx1"/>
+          </a:fontRef>
+        </p:style>
+      </p:cxnSp>
+      <p:cxnSp>
+        <p:nvCxnSpPr>
+          <p:cNvPr id="51" name="Straight Arrow Connector 50">
+            <a:extLst>
+              <a:ext uri="{FF2B5EF4-FFF2-40B4-BE49-F238E27FC236}">
+                <a16:creationId xmlns:a16="http://schemas.microsoft.com/office/drawing/2014/main" id="{32C1FE92-FA4B-244B-F7C5-ABF0474437A3}"/>
+              </a:ext>
+            </a:extLst>
+          </p:cNvPr>
+          <p:cNvCxnSpPr>
+            <a:cxnSpLocks/>
+            <a:stCxn id="6" idx="3"/>
+            <a:endCxn id="16" idx="1"/>
+          </p:cNvCxnSpPr>
+          <p:nvPr/>
+        </p:nvCxnSpPr>
+        <p:spPr>
+          <a:xfrm>
+            <a:off x="4002151" y="5625549"/>
+            <a:ext cx="4621697" cy="609600"/>
+          </a:xfrm>
+          <a:prstGeom prst="straightConnector1">
+            <a:avLst/>
+          </a:prstGeom>
+          <a:ln>
+            <a:tailEnd type="triangle"/>
+          </a:ln>
+        </p:spPr>
+        <p:style>
+          <a:lnRef idx="1">
+            <a:schemeClr val="dk1"/>
+          </a:lnRef>
+          <a:fillRef idx="0">
+            <a:schemeClr val="dk1"/>
+          </a:fillRef>
+          <a:effectRef idx="0">
+            <a:schemeClr val="dk1"/>
+          </a:effectRef>
+          <a:fontRef idx="minor">
+            <a:schemeClr val="tx1"/>
+          </a:fontRef>
+        </p:style>
+      </p:cxnSp>
+      <p:cxnSp>
+        <p:nvCxnSpPr>
+          <p:cNvPr id="54" name="Straight Arrow Connector 53">
+            <a:extLst>
+              <a:ext uri="{FF2B5EF4-FFF2-40B4-BE49-F238E27FC236}">
+                <a16:creationId xmlns:a16="http://schemas.microsoft.com/office/drawing/2014/main" id="{C32FC923-F2CC-AA09-ABE5-7FA6F93F47EC}"/>
+              </a:ext>
+            </a:extLst>
+          </p:cNvPr>
+          <p:cNvCxnSpPr>
+            <a:cxnSpLocks/>
+            <a:stCxn id="5" idx="3"/>
+            <a:endCxn id="11" idx="1"/>
+          </p:cNvCxnSpPr>
+          <p:nvPr/>
+        </p:nvCxnSpPr>
+        <p:spPr>
+          <a:xfrm>
+            <a:off x="4002152" y="4280453"/>
+            <a:ext cx="576470" cy="604631"/>
+          </a:xfrm>
+          <a:prstGeom prst="straightConnector1">
+            <a:avLst/>
+          </a:prstGeom>
+          <a:ln>
+            <a:tailEnd type="triangle"/>
+          </a:ln>
+        </p:spPr>
+        <p:style>
+          <a:lnRef idx="1">
+            <a:schemeClr val="dk1"/>
+          </a:lnRef>
+          <a:fillRef idx="0">
+            <a:schemeClr val="dk1"/>
+          </a:fillRef>
+          <a:effectRef idx="0">
+            <a:schemeClr val="dk1"/>
+          </a:effectRef>
+          <a:fontRef idx="minor">
+            <a:schemeClr val="tx1"/>
+          </a:fontRef>
+        </p:style>
+      </p:cxnSp>
+      <p:cxnSp>
+        <p:nvCxnSpPr>
+          <p:cNvPr id="57" name="Straight Arrow Connector 56">
+            <a:extLst>
+              <a:ext uri="{FF2B5EF4-FFF2-40B4-BE49-F238E27FC236}">
+                <a16:creationId xmlns:a16="http://schemas.microsoft.com/office/drawing/2014/main" id="{19FE65BB-5DF9-D0E9-0288-8131CB768AB1}"/>
+              </a:ext>
+            </a:extLst>
+          </p:cNvPr>
+          <p:cNvCxnSpPr>
+            <a:cxnSpLocks/>
+            <a:stCxn id="4" idx="3"/>
+            <a:endCxn id="14" idx="1"/>
+          </p:cNvCxnSpPr>
+          <p:nvPr/>
+        </p:nvCxnSpPr>
+        <p:spPr>
+          <a:xfrm flipV="1">
+            <a:off x="4002152" y="2199860"/>
+            <a:ext cx="576470" cy="735497"/>
+          </a:xfrm>
+          <a:prstGeom prst="straightConnector1">
+            <a:avLst/>
+          </a:prstGeom>
+          <a:ln>
+            <a:tailEnd type="triangle"/>
+          </a:ln>
+        </p:spPr>
+        <p:style>
+          <a:lnRef idx="1">
+            <a:schemeClr val="dk1"/>
+          </a:lnRef>
+          <a:fillRef idx="0">
+            <a:schemeClr val="dk1"/>
+          </a:fillRef>
+          <a:effectRef idx="0">
+            <a:schemeClr val="dk1"/>
+          </a:effectRef>
+          <a:fontRef idx="minor">
+            <a:schemeClr val="tx1"/>
+          </a:fontRef>
+        </p:style>
+      </p:cxnSp>
+      <p:cxnSp>
+        <p:nvCxnSpPr>
+          <p:cNvPr id="60" name="Straight Arrow Connector 59">
+            <a:extLst>
+              <a:ext uri="{FF2B5EF4-FFF2-40B4-BE49-F238E27FC236}">
+                <a16:creationId xmlns:a16="http://schemas.microsoft.com/office/drawing/2014/main" id="{818BBD38-17E7-8E19-2BB2-C2DD19A84F66}"/>
+              </a:ext>
+            </a:extLst>
+          </p:cNvPr>
+          <p:cNvCxnSpPr>
+            <a:cxnSpLocks/>
+            <a:stCxn id="8" idx="3"/>
+            <a:endCxn id="4" idx="1"/>
+          </p:cNvCxnSpPr>
+          <p:nvPr/>
+        </p:nvCxnSpPr>
+        <p:spPr>
+          <a:xfrm flipV="1">
+            <a:off x="1828798" y="2935357"/>
+            <a:ext cx="755371" cy="2017644"/>
+          </a:xfrm>
+          <a:prstGeom prst="straightConnector1">
+            <a:avLst/>
+          </a:prstGeom>
+          <a:ln>
+            <a:tailEnd type="triangle"/>
+          </a:ln>
+        </p:spPr>
+        <p:style>
+          <a:lnRef idx="1">
+            <a:schemeClr val="dk1"/>
+          </a:lnRef>
+          <a:fillRef idx="0">
+            <a:schemeClr val="dk1"/>
+          </a:fillRef>
+          <a:effectRef idx="0">
+            <a:schemeClr val="dk1"/>
+          </a:effectRef>
+          <a:fontRef idx="minor">
+            <a:schemeClr val="tx1"/>
+          </a:fontRef>
+        </p:style>
+      </p:cxnSp>
+      <p:cxnSp>
+        <p:nvCxnSpPr>
+          <p:cNvPr id="63" name="Straight Arrow Connector 62">
+            <a:extLst>
+              <a:ext uri="{FF2B5EF4-FFF2-40B4-BE49-F238E27FC236}">
+                <a16:creationId xmlns:a16="http://schemas.microsoft.com/office/drawing/2014/main" id="{DE56C18F-6013-ACDD-669C-B18119B8291F}"/>
+              </a:ext>
+            </a:extLst>
+          </p:cNvPr>
+          <p:cNvCxnSpPr>
+            <a:cxnSpLocks/>
+            <a:stCxn id="8" idx="3"/>
+            <a:endCxn id="5" idx="1"/>
+          </p:cNvCxnSpPr>
+          <p:nvPr/>
+        </p:nvCxnSpPr>
+        <p:spPr>
+          <a:xfrm flipV="1">
+            <a:off x="1828798" y="4280453"/>
+            <a:ext cx="755371" cy="672548"/>
+          </a:xfrm>
+          <a:prstGeom prst="straightConnector1">
+            <a:avLst/>
+          </a:prstGeom>
+          <a:ln>
+            <a:tailEnd type="triangle"/>
+          </a:ln>
+        </p:spPr>
+        <p:style>
+          <a:lnRef idx="1">
+            <a:schemeClr val="dk1"/>
+          </a:lnRef>
+          <a:fillRef idx="0">
+            <a:schemeClr val="dk1"/>
+          </a:fillRef>
+          <a:effectRef idx="0">
+            <a:schemeClr val="dk1"/>
+          </a:effectRef>
+          <a:fontRef idx="minor">
+            <a:schemeClr val="tx1"/>
+          </a:fontRef>
+        </p:style>
+      </p:cxnSp>
+      <p:cxnSp>
+        <p:nvCxnSpPr>
+          <p:cNvPr id="66" name="Straight Arrow Connector 65">
+            <a:extLst>
+              <a:ext uri="{FF2B5EF4-FFF2-40B4-BE49-F238E27FC236}">
+                <a16:creationId xmlns:a16="http://schemas.microsoft.com/office/drawing/2014/main" id="{18A4E21B-8316-64DC-BDAF-DD92083D7AF3}"/>
+              </a:ext>
+            </a:extLst>
+          </p:cNvPr>
+          <p:cNvCxnSpPr>
+            <a:cxnSpLocks/>
+            <a:stCxn id="8" idx="3"/>
+            <a:endCxn id="6" idx="1"/>
+          </p:cNvCxnSpPr>
+          <p:nvPr/>
+        </p:nvCxnSpPr>
+        <p:spPr>
+          <a:xfrm>
+            <a:off x="1828798" y="4953001"/>
+            <a:ext cx="755370" cy="672548"/>
+          </a:xfrm>
+          <a:prstGeom prst="straightConnector1">
+            <a:avLst/>
+          </a:prstGeom>
+          <a:ln>
+            <a:tailEnd type="triangle"/>
+          </a:ln>
+        </p:spPr>
+        <p:style>
+          <a:lnRef idx="1">
+            <a:schemeClr val="dk1"/>
+          </a:lnRef>
+          <a:fillRef idx="0">
+            <a:schemeClr val="dk1"/>
+          </a:fillRef>
+          <a:effectRef idx="0">
+            <a:schemeClr val="dk1"/>
+          </a:effectRef>
+          <a:fontRef idx="minor">
+            <a:schemeClr val="tx1"/>
+          </a:fontRef>
+        </p:style>
+      </p:cxnSp>
+      <p:cxnSp>
+        <p:nvCxnSpPr>
+          <p:cNvPr id="75" name="Straight Arrow Connector 74">
+            <a:extLst>
+              <a:ext uri="{FF2B5EF4-FFF2-40B4-BE49-F238E27FC236}">
+                <a16:creationId xmlns:a16="http://schemas.microsoft.com/office/drawing/2014/main" id="{60D8DF70-9A0E-8261-3D38-8614FEDB636E}"/>
+              </a:ext>
+            </a:extLst>
+          </p:cNvPr>
+          <p:cNvCxnSpPr>
+            <a:cxnSpLocks/>
+            <a:stCxn id="7" idx="3"/>
+            <a:endCxn id="4" idx="1"/>
+          </p:cNvCxnSpPr>
+          <p:nvPr/>
+        </p:nvCxnSpPr>
+        <p:spPr>
+          <a:xfrm flipV="1">
+            <a:off x="1828795" y="2935357"/>
+            <a:ext cx="755374" cy="685800"/>
+          </a:xfrm>
+          <a:prstGeom prst="straightConnector1">
+            <a:avLst/>
+          </a:prstGeom>
+          <a:ln>
+            <a:tailEnd type="triangle"/>
+          </a:ln>
+        </p:spPr>
+        <p:style>
+          <a:lnRef idx="1">
+            <a:schemeClr val="dk1"/>
+          </a:lnRef>
+          <a:fillRef idx="0">
+            <a:schemeClr val="dk1"/>
+          </a:fillRef>
+          <a:effectRef idx="0">
+            <a:schemeClr val="dk1"/>
+          </a:effectRef>
+          <a:fontRef idx="minor">
+            <a:schemeClr val="tx1"/>
+          </a:fontRef>
+        </p:style>
+      </p:cxnSp>
+      <p:cxnSp>
+        <p:nvCxnSpPr>
+          <p:cNvPr id="78" name="Straight Arrow Connector 77">
+            <a:extLst>
+              <a:ext uri="{FF2B5EF4-FFF2-40B4-BE49-F238E27FC236}">
+                <a16:creationId xmlns:a16="http://schemas.microsoft.com/office/drawing/2014/main" id="{445F1C4F-724E-9EDA-88B1-742175246CE7}"/>
+              </a:ext>
+            </a:extLst>
+          </p:cNvPr>
+          <p:cNvCxnSpPr>
+            <a:cxnSpLocks/>
+            <a:stCxn id="7" idx="3"/>
+            <a:endCxn id="5" idx="1"/>
+          </p:cNvCxnSpPr>
+          <p:nvPr/>
+        </p:nvCxnSpPr>
+        <p:spPr>
+          <a:xfrm>
+            <a:off x="1828795" y="3621157"/>
+            <a:ext cx="755374" cy="659296"/>
+          </a:xfrm>
+          <a:prstGeom prst="straightConnector1">
+            <a:avLst/>
+          </a:prstGeom>
+          <a:ln>
+            <a:tailEnd type="triangle"/>
+          </a:ln>
+        </p:spPr>
+        <p:style>
+          <a:lnRef idx="1">
+            <a:schemeClr val="dk1"/>
+          </a:lnRef>
+          <a:fillRef idx="0">
+            <a:schemeClr val="dk1"/>
+          </a:fillRef>
+          <a:effectRef idx="0">
+            <a:schemeClr val="dk1"/>
+          </a:effectRef>
+          <a:fontRef idx="minor">
+            <a:schemeClr val="tx1"/>
+          </a:fontRef>
+        </p:style>
+      </p:cxnSp>
+      <p:cxnSp>
+        <p:nvCxnSpPr>
+          <p:cNvPr id="81" name="Straight Arrow Connector 80">
+            <a:extLst>
+              <a:ext uri="{FF2B5EF4-FFF2-40B4-BE49-F238E27FC236}">
+                <a16:creationId xmlns:a16="http://schemas.microsoft.com/office/drawing/2014/main" id="{DEEE687F-8591-A07C-E0B2-E4EB3AB1CA9F}"/>
+              </a:ext>
+            </a:extLst>
+          </p:cNvPr>
+          <p:cNvCxnSpPr>
+            <a:cxnSpLocks/>
+            <a:stCxn id="7" idx="3"/>
+            <a:endCxn id="6" idx="1"/>
+          </p:cNvCxnSpPr>
+          <p:nvPr/>
+        </p:nvCxnSpPr>
+        <p:spPr>
+          <a:xfrm>
+            <a:off x="1828795" y="3621157"/>
+            <a:ext cx="755373" cy="2004392"/>
+          </a:xfrm>
+          <a:prstGeom prst="straightConnector1">
+            <a:avLst/>
+          </a:prstGeom>
+          <a:ln>
+            <a:tailEnd type="triangle"/>
+          </a:ln>
+        </p:spPr>
+        <p:style>
+          <a:lnRef idx="1">
+            <a:schemeClr val="dk1"/>
+          </a:lnRef>
+          <a:fillRef idx="0">
+            <a:schemeClr val="dk1"/>
+          </a:fillRef>
+          <a:effectRef idx="0">
+            <a:schemeClr val="dk1"/>
+          </a:effectRef>
+          <a:fontRef idx="minor">
+            <a:schemeClr val="tx1"/>
+          </a:fontRef>
+        </p:style>
+      </p:cxnSp>
+      <p:cxnSp>
+        <p:nvCxnSpPr>
+          <p:cNvPr id="84" name="Straight Arrow Connector 83">
+            <a:extLst>
+              <a:ext uri="{FF2B5EF4-FFF2-40B4-BE49-F238E27FC236}">
+                <a16:creationId xmlns:a16="http://schemas.microsoft.com/office/drawing/2014/main" id="{54D48FBE-525C-86BA-FA22-D259F1CAED05}"/>
+              </a:ext>
+            </a:extLst>
+          </p:cNvPr>
+          <p:cNvCxnSpPr>
+            <a:cxnSpLocks/>
+            <a:stCxn id="14" idx="3"/>
+            <a:endCxn id="10" idx="1"/>
+          </p:cNvCxnSpPr>
+          <p:nvPr/>
+        </p:nvCxnSpPr>
+        <p:spPr>
+          <a:xfrm>
+            <a:off x="5996605" y="2199860"/>
+            <a:ext cx="566531" cy="0"/>
+          </a:xfrm>
+          <a:prstGeom prst="straightConnector1">
+            <a:avLst/>
+          </a:prstGeom>
+          <a:ln>
+            <a:tailEnd type="triangle"/>
+          </a:ln>
+        </p:spPr>
+        <p:style>
+          <a:lnRef idx="1">
+            <a:schemeClr val="dk1"/>
+          </a:lnRef>
+          <a:fillRef idx="0">
+            <a:schemeClr val="dk1"/>
+          </a:fillRef>
+          <a:effectRef idx="0">
+            <a:schemeClr val="dk1"/>
+          </a:effectRef>
+          <a:fontRef idx="minor">
+            <a:schemeClr val="tx1"/>
+          </a:fontRef>
+        </p:style>
+      </p:cxnSp>
+      <p:sp>
+        <p:nvSpPr>
+          <p:cNvPr id="2" name="Rectangle 1">
+            <a:extLst>
+              <a:ext uri="{FF2B5EF4-FFF2-40B4-BE49-F238E27FC236}">
+                <a16:creationId xmlns:a16="http://schemas.microsoft.com/office/drawing/2014/main" id="{6F0E937D-1656-6ECE-8A2B-257F8DDBE3C7}"/>
+              </a:ext>
+            </a:extLst>
+          </p:cNvPr>
+          <p:cNvSpPr/>
+          <p:nvPr/>
+        </p:nvSpPr>
+        <p:spPr>
+          <a:xfrm>
+            <a:off x="2547721" y="960783"/>
+            <a:ext cx="1490876" cy="987287"/>
+          </a:xfrm>
+          <a:prstGeom prst="rect">
+            <a:avLst/>
+          </a:prstGeom>
+        </p:spPr>
+        <p:style>
+          <a:lnRef idx="3">
+            <a:schemeClr val="lt1"/>
+          </a:lnRef>
+          <a:fillRef idx="1">
+            <a:schemeClr val="accent2"/>
+          </a:fillRef>
+          <a:effectRef idx="1">
+            <a:schemeClr val="accent2"/>
+          </a:effectRef>
+          <a:fontRef idx="minor">
+            <a:schemeClr val="lt1"/>
+          </a:fontRef>
+        </p:style>
+        <p:txBody>
+          <a:bodyPr rtlCol="0" anchor="ctr"/>
+          <a:lstStyle/>
+          <a:p>
+            <a:pPr algn="ctr"/>
+            <a:r>
+              <a:rPr lang="en-GB" dirty="0"/>
+              <a:t>AFDS-GCAS</a:t>
+            </a:r>
+          </a:p>
+        </p:txBody>
+      </p:sp>
+      <p:cxnSp>
+        <p:nvCxnSpPr>
+          <p:cNvPr id="9" name="Straight Arrow Connector 8">
+            <a:extLst>
+              <a:ext uri="{FF2B5EF4-FFF2-40B4-BE49-F238E27FC236}">
+                <a16:creationId xmlns:a16="http://schemas.microsoft.com/office/drawing/2014/main" id="{B610B1D3-DED6-18B1-F868-154C531F40E3}"/>
+              </a:ext>
+            </a:extLst>
+          </p:cNvPr>
+          <p:cNvCxnSpPr>
+            <a:cxnSpLocks/>
+            <a:stCxn id="13" idx="0"/>
+            <a:endCxn id="2" idx="1"/>
+          </p:cNvCxnSpPr>
+          <p:nvPr/>
+        </p:nvCxnSpPr>
+        <p:spPr>
+          <a:xfrm flipV="1">
+            <a:off x="1142995" y="1454427"/>
+            <a:ext cx="1404726" cy="402533"/>
+          </a:xfrm>
+          <a:prstGeom prst="straightConnector1">
+            <a:avLst/>
+          </a:prstGeom>
+          <a:ln w="38100">
+            <a:tailEnd type="triangle"/>
+          </a:ln>
+        </p:spPr>
+        <p:style>
+          <a:lnRef idx="2">
+            <a:schemeClr val="accent2"/>
+          </a:lnRef>
+          <a:fillRef idx="0">
+            <a:schemeClr val="accent2"/>
+          </a:fillRef>
+          <a:effectRef idx="1">
+            <a:schemeClr val="accent2"/>
+          </a:effectRef>
+          <a:fontRef idx="minor">
+            <a:schemeClr val="tx1"/>
+          </a:fontRef>
+        </p:style>
+      </p:cxnSp>
+      <p:cxnSp>
+        <p:nvCxnSpPr>
+          <p:cNvPr id="36" name="Straight Arrow Connector 35">
+            <a:extLst>
+              <a:ext uri="{FF2B5EF4-FFF2-40B4-BE49-F238E27FC236}">
+                <a16:creationId xmlns:a16="http://schemas.microsoft.com/office/drawing/2014/main" id="{D2607BE5-D27C-E6ED-FDC0-9829D157EF7E}"/>
+              </a:ext>
+            </a:extLst>
+          </p:cNvPr>
+          <p:cNvCxnSpPr>
+            <a:cxnSpLocks/>
+            <a:stCxn id="2" idx="3"/>
+            <a:endCxn id="10" idx="1"/>
+          </p:cNvCxnSpPr>
+          <p:nvPr/>
+        </p:nvCxnSpPr>
+        <p:spPr>
+          <a:xfrm>
+            <a:off x="4038597" y="1454427"/>
+            <a:ext cx="2524539" cy="745433"/>
+          </a:xfrm>
+          <a:prstGeom prst="straightConnector1">
+            <a:avLst/>
+          </a:prstGeom>
+          <a:ln w="38100">
+            <a:tailEnd type="triangle"/>
+          </a:ln>
+        </p:spPr>
+        <p:style>
+          <a:lnRef idx="2">
+            <a:schemeClr val="accent2"/>
+          </a:lnRef>
+          <a:fillRef idx="0">
+            <a:schemeClr val="accent2"/>
+          </a:fillRef>
+          <a:effectRef idx="1">
+            <a:schemeClr val="accent2"/>
+          </a:effectRef>
+          <a:fontRef idx="minor">
+            <a:schemeClr val="tx1"/>
+          </a:fontRef>
+        </p:style>
+      </p:cxnSp>
+      <p:cxnSp>
+        <p:nvCxnSpPr>
+          <p:cNvPr id="41" name="Straight Arrow Connector 40">
+            <a:extLst>
+              <a:ext uri="{FF2B5EF4-FFF2-40B4-BE49-F238E27FC236}">
+                <a16:creationId xmlns:a16="http://schemas.microsoft.com/office/drawing/2014/main" id="{6B425733-8328-BDD9-250B-CC459FBF84AC}"/>
+              </a:ext>
+            </a:extLst>
+          </p:cNvPr>
+          <p:cNvCxnSpPr>
+            <a:cxnSpLocks/>
+            <a:stCxn id="2" idx="2"/>
+            <a:endCxn id="11" idx="0"/>
+          </p:cNvCxnSpPr>
+          <p:nvPr/>
+        </p:nvCxnSpPr>
+        <p:spPr>
+          <a:xfrm>
+            <a:off x="3293159" y="1948070"/>
+            <a:ext cx="1994455" cy="2443370"/>
+          </a:xfrm>
+          <a:prstGeom prst="straightConnector1">
+            <a:avLst/>
+          </a:prstGeom>
+          <a:ln w="38100">
+            <a:tailEnd type="triangle"/>
+          </a:ln>
+        </p:spPr>
+        <p:style>
+          <a:lnRef idx="2">
+            <a:schemeClr val="accent2"/>
+          </a:lnRef>
+          <a:fillRef idx="0">
+            <a:schemeClr val="accent2"/>
+          </a:fillRef>
+          <a:effectRef idx="1">
+            <a:schemeClr val="accent2"/>
+          </a:effectRef>
+          <a:fontRef idx="minor">
+            <a:schemeClr val="tx1"/>
+          </a:fontRef>
+        </p:style>
+      </p:cxnSp>
+      <p:cxnSp>
+        <p:nvCxnSpPr>
+          <p:cNvPr id="56" name="Straight Arrow Connector 55">
+            <a:extLst>
+              <a:ext uri="{FF2B5EF4-FFF2-40B4-BE49-F238E27FC236}">
+                <a16:creationId xmlns:a16="http://schemas.microsoft.com/office/drawing/2014/main" id="{D834F3A8-66AB-EB45-CAD4-59F2E804716A}"/>
+              </a:ext>
+            </a:extLst>
+          </p:cNvPr>
+          <p:cNvCxnSpPr>
+            <a:cxnSpLocks/>
+            <a:stCxn id="2" idx="2"/>
+            <a:endCxn id="6" idx="0"/>
+          </p:cNvCxnSpPr>
+          <p:nvPr/>
+        </p:nvCxnSpPr>
+        <p:spPr>
+          <a:xfrm>
+            <a:off x="3293159" y="1948070"/>
+            <a:ext cx="1" cy="3183835"/>
+          </a:xfrm>
+          <a:prstGeom prst="straightConnector1">
+            <a:avLst/>
+          </a:prstGeom>
+          <a:ln w="38100">
+            <a:tailEnd type="triangle"/>
+          </a:ln>
+        </p:spPr>
+        <p:style>
+          <a:lnRef idx="2">
+            <a:schemeClr val="accent2"/>
+          </a:lnRef>
+          <a:fillRef idx="0">
+            <a:schemeClr val="accent2"/>
+          </a:fillRef>
+          <a:effectRef idx="1">
+            <a:schemeClr val="accent2"/>
+          </a:effectRef>
+          <a:fontRef idx="minor">
+            <a:schemeClr val="tx1"/>
+          </a:fontRef>
+        </p:style>
+      </p:cxnSp>
+      <p:sp>
+        <p:nvSpPr>
+          <p:cNvPr id="61" name="Title 60">
+            <a:extLst>
+              <a:ext uri="{FF2B5EF4-FFF2-40B4-BE49-F238E27FC236}">
+                <a16:creationId xmlns:a16="http://schemas.microsoft.com/office/drawing/2014/main" id="{95CE87A3-DEDC-7E04-70B8-55225AFBE15E}"/>
+              </a:ext>
+            </a:extLst>
+          </p:cNvPr>
+          <p:cNvSpPr txBox="1">
+            <a:spLocks/>
+          </p:cNvSpPr>
+          <p:nvPr/>
+        </p:nvSpPr>
+        <p:spPr>
+          <a:xfrm>
+            <a:off x="0" y="39065"/>
+            <a:ext cx="2584168" cy="441325"/>
+          </a:xfrm>
+          <a:prstGeom prst="rect">
+            <a:avLst/>
+          </a:prstGeom>
+        </p:spPr>
+        <p:txBody>
+          <a:bodyPr vert="horz" lIns="91440" tIns="45720" rIns="91440" bIns="45720" rtlCol="0" anchor="b">
+            <a:normAutofit fontScale="77500" lnSpcReduction="20000"/>
+          </a:bodyPr>
+          <a:lstStyle>
+            <a:lvl1pPr algn="ctr" defTabSz="914400" rtl="0" eaLnBrk="1" latinLnBrk="0" hangingPunct="1">
+              <a:lnSpc>
+                <a:spcPct val="90000"/>
+              </a:lnSpc>
+              <a:spcBef>
+                <a:spcPct val="0"/>
+              </a:spcBef>
+              <a:buNone/>
+              <a:defRPr sz="6000" kern="1200">
+                <a:solidFill>
+                  <a:schemeClr val="tx1"/>
+                </a:solidFill>
+                <a:latin typeface="+mj-lt"/>
+                <a:ea typeface="+mj-ea"/>
+                <a:cs typeface="+mj-cs"/>
+              </a:defRPr>
+            </a:lvl1pPr>
+          </a:lstStyle>
+          <a:p>
+            <a:r>
+              <a:rPr lang="en-GB" sz="2800" dirty="0"/>
+              <a:t>AFDS-GCAS override</a:t>
+            </a:r>
+          </a:p>
+        </p:txBody>
+      </p:sp>
+      <p:sp>
+        <p:nvSpPr>
+          <p:cNvPr id="13" name="Rectangle 12">
+            <a:extLst>
+              <a:ext uri="{FF2B5EF4-FFF2-40B4-BE49-F238E27FC236}">
+                <a16:creationId xmlns:a16="http://schemas.microsoft.com/office/drawing/2014/main" id="{7DCD25A4-CEDD-8166-1662-4091F69D90CA}"/>
+              </a:ext>
+            </a:extLst>
+          </p:cNvPr>
+          <p:cNvSpPr/>
+          <p:nvPr/>
+        </p:nvSpPr>
+        <p:spPr>
+          <a:xfrm>
+            <a:off x="434003" y="1856960"/>
+            <a:ext cx="1417983" cy="987287"/>
+          </a:xfrm>
+          <a:prstGeom prst="rect">
+            <a:avLst/>
+          </a:prstGeom>
+        </p:spPr>
+        <p:style>
+          <a:lnRef idx="3">
+            <a:schemeClr val="lt1"/>
+          </a:lnRef>
+          <a:fillRef idx="1">
+            <a:schemeClr val="accent2"/>
+          </a:fillRef>
+          <a:effectRef idx="1">
+            <a:schemeClr val="accent2"/>
+          </a:effectRef>
+          <a:fontRef idx="minor">
+            <a:schemeClr val="lt1"/>
+          </a:fontRef>
+        </p:style>
+        <p:txBody>
+          <a:bodyPr rtlCol="0" anchor="ctr"/>
+          <a:lstStyle/>
+          <a:p>
+            <a:pPr algn="ctr"/>
+            <a:r>
+              <a:rPr lang="en-GB" dirty="0"/>
+              <a:t>GCAS</a:t>
+            </a:r>
+          </a:p>
+          <a:p>
+            <a:pPr algn="ctr"/>
+            <a:r>
+              <a:rPr lang="en-GB" dirty="0"/>
+              <a:t>status</a:t>
+            </a:r>
+          </a:p>
+        </p:txBody>
+      </p:sp>
+    </p:spTree>
+    <p:extLst>
+      <p:ext uri="{BB962C8B-B14F-4D97-AF65-F5344CB8AC3E}">
+        <p14:creationId xmlns:p14="http://schemas.microsoft.com/office/powerpoint/2010/main" val="2765171996"/>
+      </p:ext>
+    </p:extLst>
+  </p:cSld>
+  <p:clrMapOvr>
+    <a:masterClrMapping/>
+  </p:clrMapOvr>
+</p:sld>
+</file>
+
+<file path=ppt/slides/slide12.xml><?xml version="1.0" encoding="utf-8"?>
+<p:sld xmlns:a="http://schemas.openxmlformats.org/drawingml/2006/main" xmlns:r="http://schemas.openxmlformats.org/officeDocument/2006/relationships" xmlns:p="http://schemas.openxmlformats.org/presentationml/2006/main">
+  <p:cSld>
+    <p:spTree>
+      <p:nvGrpSpPr>
+        <p:cNvPr id="1" name=""/>
+        <p:cNvGrpSpPr/>
+        <p:nvPr/>
+      </p:nvGrpSpPr>
+      <p:grpSpPr>
+        <a:xfrm>
+          <a:off x="0" y="0"/>
+          <a:ext cx="0" cy="0"/>
+          <a:chOff x="0" y="0"/>
+          <a:chExt cx="0" cy="0"/>
+        </a:xfrm>
+      </p:grpSpPr>
+      <p:sp>
+        <p:nvSpPr>
           <p:cNvPr id="4" name="Title 3">
             <a:extLst>
               <a:ext uri="{FF2B5EF4-FFF2-40B4-BE49-F238E27FC236}">
@@ -6088,7 +7559,7 @@
 </p:sld>
 </file>
 
-<file path=ppt/slides/slide12.xml><?xml version="1.0" encoding="utf-8"?>
+<file path=ppt/slides/slide13.xml><?xml version="1.0" encoding="utf-8"?>
 <p:sld xmlns:a="http://schemas.openxmlformats.org/drawingml/2006/main" xmlns:r="http://schemas.openxmlformats.org/officeDocument/2006/relationships" xmlns:p="http://schemas.openxmlformats.org/presentationml/2006/main">
   <p:cSld>
     <p:spTree>
@@ -8074,25 +9545,419 @@
       </p:grpSpPr>
       <p:sp>
         <p:nvSpPr>
-          <p:cNvPr id="4" name="Title 3">
-            <a:extLst>
-              <a:ext uri="{FF2B5EF4-FFF2-40B4-BE49-F238E27FC236}">
-                <a16:creationId xmlns:a16="http://schemas.microsoft.com/office/drawing/2014/main" id="{4C815C8B-B3DF-FC80-F7E5-6D73F8D4F1AD}"/>
-              </a:ext>
-            </a:extLst>
-          </p:cNvPr>
-          <p:cNvSpPr>
-            <a:spLocks noGrp="1"/>
-          </p:cNvSpPr>
-          <p:nvPr>
-            <p:ph type="title"/>
-          </p:nvPr>
-        </p:nvSpPr>
-        <p:spPr/>
-        <p:txBody>
-          <a:bodyPr/>
-          <a:lstStyle/>
-          <a:p>
+          <p:cNvPr id="8" name="Rectangle: Rounded Corners 7">
+            <a:extLst>
+              <a:ext uri="{FF2B5EF4-FFF2-40B4-BE49-F238E27FC236}">
+                <a16:creationId xmlns:a16="http://schemas.microsoft.com/office/drawing/2014/main" id="{4A0C7B21-AFB6-AF8B-11BE-55A4B486C7E7}"/>
+              </a:ext>
+            </a:extLst>
+          </p:cNvPr>
+          <p:cNvSpPr/>
+          <p:nvPr/>
+        </p:nvSpPr>
+        <p:spPr>
+          <a:xfrm>
+            <a:off x="576470" y="409155"/>
+            <a:ext cx="3472069" cy="2945301"/>
+          </a:xfrm>
+          <a:prstGeom prst="roundRect">
+            <a:avLst>
+              <a:gd name="adj" fmla="val 1699"/>
+            </a:avLst>
+          </a:prstGeom>
+        </p:spPr>
+        <p:style>
+          <a:lnRef idx="1">
+            <a:schemeClr val="accent1"/>
+          </a:lnRef>
+          <a:fillRef idx="2">
+            <a:schemeClr val="accent1"/>
+          </a:fillRef>
+          <a:effectRef idx="1">
+            <a:schemeClr val="accent1"/>
+          </a:effectRef>
+          <a:fontRef idx="minor">
+            <a:schemeClr val="dk1"/>
+          </a:fontRef>
+        </p:style>
+        <p:txBody>
+          <a:bodyPr rtlCol="0" anchor="t"/>
+          <a:lstStyle/>
+          <a:p>
+            <a:pPr algn="ctr"/>
+            <a:r>
+              <a:rPr lang="en-GB" dirty="0"/>
+              <a:t>AFDS</a:t>
+            </a:r>
+          </a:p>
+        </p:txBody>
+      </p:sp>
+      <p:sp>
+        <p:nvSpPr>
+          <p:cNvPr id="12" name="Rectangle: Rounded Corners 11">
+            <a:extLst>
+              <a:ext uri="{FF2B5EF4-FFF2-40B4-BE49-F238E27FC236}">
+                <a16:creationId xmlns:a16="http://schemas.microsoft.com/office/drawing/2014/main" id="{C84145FA-D299-B69D-667C-8E110B555480}"/>
+              </a:ext>
+            </a:extLst>
+          </p:cNvPr>
+          <p:cNvSpPr/>
+          <p:nvPr/>
+        </p:nvSpPr>
+        <p:spPr>
+          <a:xfrm>
+            <a:off x="674202" y="1919903"/>
+            <a:ext cx="3314703" cy="1308649"/>
+          </a:xfrm>
+          <a:prstGeom prst="roundRect">
+            <a:avLst>
+              <a:gd name="adj" fmla="val 1699"/>
+            </a:avLst>
+          </a:prstGeom>
+        </p:spPr>
+        <p:style>
+          <a:lnRef idx="2">
+            <a:schemeClr val="accent1">
+              <a:shade val="15000"/>
+            </a:schemeClr>
+          </a:lnRef>
+          <a:fillRef idx="1">
+            <a:schemeClr val="accent1"/>
+          </a:fillRef>
+          <a:effectRef idx="0">
+            <a:schemeClr val="accent1"/>
+          </a:effectRef>
+          <a:fontRef idx="minor">
+            <a:schemeClr val="lt1"/>
+          </a:fontRef>
+        </p:style>
+        <p:txBody>
+          <a:bodyPr rtlCol="0" anchor="t"/>
+          <a:lstStyle/>
+          <a:p>
+            <a:pPr algn="ctr"/>
+            <a:r>
+              <a:rPr lang="en-GB" dirty="0" err="1"/>
+              <a:t>AFDS.iface</a:t>
+            </a:r>
+            <a:endParaRPr lang="en-GB" dirty="0"/>
+          </a:p>
+        </p:txBody>
+      </p:sp>
+      <p:sp>
+        <p:nvSpPr>
+          <p:cNvPr id="4" name="Rectangle: Rounded Corners 3">
+            <a:extLst>
+              <a:ext uri="{FF2B5EF4-FFF2-40B4-BE49-F238E27FC236}">
+                <a16:creationId xmlns:a16="http://schemas.microsoft.com/office/drawing/2014/main" id="{E4F4E70A-BC8B-8D61-6BB7-E27B3DDCB91B}"/>
+              </a:ext>
+            </a:extLst>
+          </p:cNvPr>
+          <p:cNvSpPr/>
+          <p:nvPr/>
+        </p:nvSpPr>
+        <p:spPr>
+          <a:xfrm>
+            <a:off x="1364974" y="4883426"/>
+            <a:ext cx="9448800" cy="1205948"/>
+          </a:xfrm>
+          <a:prstGeom prst="roundRect">
+            <a:avLst/>
+          </a:prstGeom>
+        </p:spPr>
+        <p:style>
+          <a:lnRef idx="1">
+            <a:schemeClr val="accent1"/>
+          </a:lnRef>
+          <a:fillRef idx="2">
+            <a:schemeClr val="accent1"/>
+          </a:fillRef>
+          <a:effectRef idx="1">
+            <a:schemeClr val="accent1"/>
+          </a:effectRef>
+          <a:fontRef idx="minor">
+            <a:schemeClr val="dk1"/>
+          </a:fontRef>
+        </p:style>
+        <p:txBody>
+          <a:bodyPr rtlCol="0" anchor="b"/>
+          <a:lstStyle/>
+          <a:p>
+            <a:pPr algn="ctr"/>
+            <a:r>
+              <a:rPr lang="en-GB" dirty="0"/>
+              <a:t>IFACE</a:t>
+            </a:r>
+          </a:p>
+        </p:txBody>
+      </p:sp>
+      <p:sp>
+        <p:nvSpPr>
+          <p:cNvPr id="5" name="Rectangle: Rounded Corners 4">
+            <a:extLst>
+              <a:ext uri="{FF2B5EF4-FFF2-40B4-BE49-F238E27FC236}">
+                <a16:creationId xmlns:a16="http://schemas.microsoft.com/office/drawing/2014/main" id="{10483A7D-726D-57EF-F96D-8104C30BA98E}"/>
+              </a:ext>
+            </a:extLst>
+          </p:cNvPr>
+          <p:cNvSpPr/>
+          <p:nvPr/>
+        </p:nvSpPr>
+        <p:spPr>
+          <a:xfrm>
+            <a:off x="1514061" y="4996065"/>
+            <a:ext cx="2968487" cy="669235"/>
+          </a:xfrm>
+          <a:prstGeom prst="roundRect">
+            <a:avLst/>
+          </a:prstGeom>
+        </p:spPr>
+        <p:style>
+          <a:lnRef idx="3">
+            <a:schemeClr val="lt1"/>
+          </a:lnRef>
+          <a:fillRef idx="1">
+            <a:schemeClr val="accent4"/>
+          </a:fillRef>
+          <a:effectRef idx="1">
+            <a:schemeClr val="accent4"/>
+          </a:effectRef>
+          <a:fontRef idx="minor">
+            <a:schemeClr val="lt1"/>
+          </a:fontRef>
+        </p:style>
+        <p:txBody>
+          <a:bodyPr rtlCol="0" anchor="ctr"/>
+          <a:lstStyle/>
+          <a:p>
+            <a:pPr algn="ctr"/>
+            <a:r>
+              <a:rPr lang="en-GB" dirty="0" err="1"/>
+              <a:t>IFACE.aircraft</a:t>
+            </a:r>
+            <a:endParaRPr lang="en-GB" dirty="0"/>
+          </a:p>
+        </p:txBody>
+      </p:sp>
+      <p:sp>
+        <p:nvSpPr>
+          <p:cNvPr id="6" name="Rectangle: Rounded Corners 5">
+            <a:extLst>
+              <a:ext uri="{FF2B5EF4-FFF2-40B4-BE49-F238E27FC236}">
+                <a16:creationId xmlns:a16="http://schemas.microsoft.com/office/drawing/2014/main" id="{D18A554A-57FB-2821-05AB-6E5FF0B88809}"/>
+              </a:ext>
+            </a:extLst>
+          </p:cNvPr>
+          <p:cNvSpPr/>
+          <p:nvPr/>
+        </p:nvSpPr>
+        <p:spPr>
+          <a:xfrm>
+            <a:off x="4605130" y="4996067"/>
+            <a:ext cx="2968487" cy="669235"/>
+          </a:xfrm>
+          <a:prstGeom prst="roundRect">
+            <a:avLst/>
+          </a:prstGeom>
+        </p:spPr>
+        <p:style>
+          <a:lnRef idx="3">
+            <a:schemeClr val="lt1"/>
+          </a:lnRef>
+          <a:fillRef idx="1">
+            <a:schemeClr val="accent2"/>
+          </a:fillRef>
+          <a:effectRef idx="1">
+            <a:schemeClr val="accent2"/>
+          </a:effectRef>
+          <a:fontRef idx="minor">
+            <a:schemeClr val="lt1"/>
+          </a:fontRef>
+        </p:style>
+        <p:txBody>
+          <a:bodyPr rtlCol="0" anchor="ctr"/>
+          <a:lstStyle/>
+          <a:p>
+            <a:pPr algn="ctr"/>
+            <a:r>
+              <a:rPr lang="en-GB" dirty="0"/>
+              <a:t>IFACE.GCAS</a:t>
+            </a:r>
+          </a:p>
+        </p:txBody>
+      </p:sp>
+      <p:sp>
+        <p:nvSpPr>
+          <p:cNvPr id="7" name="Rectangle: Rounded Corners 6">
+            <a:extLst>
+              <a:ext uri="{FF2B5EF4-FFF2-40B4-BE49-F238E27FC236}">
+                <a16:creationId xmlns:a16="http://schemas.microsoft.com/office/drawing/2014/main" id="{02D89A48-3308-3EBA-35EC-222676BEF8F5}"/>
+              </a:ext>
+            </a:extLst>
+          </p:cNvPr>
+          <p:cNvSpPr/>
+          <p:nvPr/>
+        </p:nvSpPr>
+        <p:spPr>
+          <a:xfrm>
+            <a:off x="7709452" y="4996066"/>
+            <a:ext cx="2968487" cy="669235"/>
+          </a:xfrm>
+          <a:prstGeom prst="roundRect">
+            <a:avLst/>
+          </a:prstGeom>
+        </p:spPr>
+        <p:style>
+          <a:lnRef idx="3">
+            <a:schemeClr val="lt1"/>
+          </a:lnRef>
+          <a:fillRef idx="1">
+            <a:schemeClr val="accent6"/>
+          </a:fillRef>
+          <a:effectRef idx="1">
+            <a:schemeClr val="accent6"/>
+          </a:effectRef>
+          <a:fontRef idx="minor">
+            <a:schemeClr val="lt1"/>
+          </a:fontRef>
+        </p:style>
+        <p:txBody>
+          <a:bodyPr rtlCol="0" anchor="ctr"/>
+          <a:lstStyle/>
+          <a:p>
+            <a:pPr algn="ctr"/>
+            <a:r>
+              <a:rPr lang="en-GB" dirty="0"/>
+              <a:t>IFACE.NAV</a:t>
+            </a:r>
+          </a:p>
+        </p:txBody>
+      </p:sp>
+      <p:sp>
+        <p:nvSpPr>
+          <p:cNvPr id="9" name="Rectangle: Rounded Corners 8">
+            <a:extLst>
+              <a:ext uri="{FF2B5EF4-FFF2-40B4-BE49-F238E27FC236}">
+                <a16:creationId xmlns:a16="http://schemas.microsoft.com/office/drawing/2014/main" id="{877BA41E-8B99-1386-0B78-D3F3514FA0BF}"/>
+              </a:ext>
+            </a:extLst>
+          </p:cNvPr>
+          <p:cNvSpPr/>
+          <p:nvPr/>
+        </p:nvSpPr>
+        <p:spPr>
+          <a:xfrm>
+            <a:off x="757030" y="2297589"/>
+            <a:ext cx="980662" cy="877957"/>
+          </a:xfrm>
+          <a:prstGeom prst="roundRect">
+            <a:avLst/>
+          </a:prstGeom>
+          <a:ln/>
+        </p:spPr>
+        <p:style>
+          <a:lnRef idx="3">
+            <a:schemeClr val="lt1"/>
+          </a:lnRef>
+          <a:fillRef idx="1">
+            <a:schemeClr val="accent4"/>
+          </a:fillRef>
+          <a:effectRef idx="1">
+            <a:schemeClr val="accent4"/>
+          </a:effectRef>
+          <a:fontRef idx="minor">
+            <a:schemeClr val="lt1"/>
+          </a:fontRef>
+        </p:style>
+        <p:txBody>
+          <a:bodyPr rtlCol="0" anchor="ctr"/>
+          <a:lstStyle/>
+          <a:p>
+            <a:pPr algn="ctr"/>
+            <a:r>
+              <a:rPr lang="en-GB" dirty="0"/>
+              <a:t>AFDS.</a:t>
+            </a:r>
+            <a:br>
+              <a:rPr lang="en-GB" dirty="0"/>
+            </a:br>
+            <a:r>
+              <a:rPr lang="en-GB" dirty="0" err="1"/>
+              <a:t>iface</a:t>
+            </a:r>
+            <a:r>
+              <a:rPr lang="en-GB" dirty="0"/>
+              <a:t>.</a:t>
+            </a:r>
+            <a:br>
+              <a:rPr lang="en-GB" dirty="0"/>
+            </a:br>
+            <a:r>
+              <a:rPr lang="en-GB" dirty="0"/>
+              <a:t>aircraft</a:t>
+            </a:r>
+          </a:p>
+        </p:txBody>
+      </p:sp>
+      <p:sp>
+        <p:nvSpPr>
+          <p:cNvPr id="10" name="Rectangle: Rounded Corners 9">
+            <a:extLst>
+              <a:ext uri="{FF2B5EF4-FFF2-40B4-BE49-F238E27FC236}">
+                <a16:creationId xmlns:a16="http://schemas.microsoft.com/office/drawing/2014/main" id="{1B4067A1-0E81-C6AB-6025-84E2679236B4}"/>
+              </a:ext>
+            </a:extLst>
+          </p:cNvPr>
+          <p:cNvSpPr/>
+          <p:nvPr/>
+        </p:nvSpPr>
+        <p:spPr>
+          <a:xfrm>
+            <a:off x="1844536" y="2297589"/>
+            <a:ext cx="980662" cy="877957"/>
+          </a:xfrm>
+          <a:prstGeom prst="roundRect">
+            <a:avLst/>
+          </a:prstGeom>
+          <a:ln/>
+        </p:spPr>
+        <p:style>
+          <a:lnRef idx="3">
+            <a:schemeClr val="lt1"/>
+          </a:lnRef>
+          <a:fillRef idx="1">
+            <a:schemeClr val="accent2"/>
+          </a:fillRef>
+          <a:effectRef idx="1">
+            <a:schemeClr val="accent2"/>
+          </a:effectRef>
+          <a:fontRef idx="minor">
+            <a:schemeClr val="lt1"/>
+          </a:fontRef>
+        </p:style>
+        <p:txBody>
+          <a:bodyPr rtlCol="0" anchor="ctr"/>
+          <a:lstStyle/>
+          <a:p>
+            <a:pPr algn="ctr"/>
+            <a:r>
+              <a:rPr lang="en-GB" dirty="0"/>
+              <a:t>AFDS.</a:t>
+            </a:r>
+            <a:br>
+              <a:rPr lang="en-GB" dirty="0"/>
+            </a:br>
+            <a:r>
+              <a:rPr lang="en-GB" dirty="0" err="1"/>
+              <a:t>iface</a:t>
+            </a:r>
+            <a:r>
+              <a:rPr lang="en-GB" dirty="0"/>
+              <a:t>.</a:t>
+            </a:r>
+            <a:br>
+              <a:rPr lang="en-GB" dirty="0"/>
+            </a:br>
             <a:r>
               <a:rPr lang="en-GB" dirty="0"/>
               <a:t>GCAS</a:t>
@@ -8102,33 +9967,1036 @@
       </p:sp>
       <p:sp>
         <p:nvSpPr>
-          <p:cNvPr id="5" name="Text Placeholder 4">
-            <a:extLst>
-              <a:ext uri="{FF2B5EF4-FFF2-40B4-BE49-F238E27FC236}">
-                <a16:creationId xmlns:a16="http://schemas.microsoft.com/office/drawing/2014/main" id="{BB9FAD6E-70B2-2F58-26A5-F3AC0499A6B4}"/>
-              </a:ext>
-            </a:extLst>
-          </p:cNvPr>
-          <p:cNvSpPr>
-            <a:spLocks noGrp="1"/>
-          </p:cNvSpPr>
-          <p:nvPr>
-            <p:ph type="body" idx="1"/>
-          </p:nvPr>
-        </p:nvSpPr>
-        <p:spPr/>
-        <p:txBody>
-          <a:bodyPr/>
-          <a:lstStyle/>
-          <a:p>
-            <a:endParaRPr lang="en-GB"/>
-          </a:p>
-        </p:txBody>
-      </p:sp>
+          <p:cNvPr id="11" name="Rectangle: Rounded Corners 10">
+            <a:extLst>
+              <a:ext uri="{FF2B5EF4-FFF2-40B4-BE49-F238E27FC236}">
+                <a16:creationId xmlns:a16="http://schemas.microsoft.com/office/drawing/2014/main" id="{734E3BED-9B1E-31DB-8969-B4AD3972DC00}"/>
+              </a:ext>
+            </a:extLst>
+          </p:cNvPr>
+          <p:cNvSpPr/>
+          <p:nvPr/>
+        </p:nvSpPr>
+        <p:spPr>
+          <a:xfrm>
+            <a:off x="2929972" y="2297588"/>
+            <a:ext cx="980662" cy="877957"/>
+          </a:xfrm>
+          <a:prstGeom prst="roundRect">
+            <a:avLst/>
+          </a:prstGeom>
+          <a:ln/>
+        </p:spPr>
+        <p:style>
+          <a:lnRef idx="3">
+            <a:schemeClr val="lt1"/>
+          </a:lnRef>
+          <a:fillRef idx="1">
+            <a:schemeClr val="accent6"/>
+          </a:fillRef>
+          <a:effectRef idx="1">
+            <a:schemeClr val="accent6"/>
+          </a:effectRef>
+          <a:fontRef idx="minor">
+            <a:schemeClr val="lt1"/>
+          </a:fontRef>
+        </p:style>
+        <p:txBody>
+          <a:bodyPr rtlCol="0" anchor="ctr"/>
+          <a:lstStyle/>
+          <a:p>
+            <a:pPr algn="ctr"/>
+            <a:r>
+              <a:rPr lang="en-GB" dirty="0"/>
+              <a:t>AFDS.</a:t>
+            </a:r>
+            <a:br>
+              <a:rPr lang="en-GB" dirty="0"/>
+            </a:br>
+            <a:r>
+              <a:rPr lang="en-GB" dirty="0" err="1"/>
+              <a:t>iface</a:t>
+            </a:r>
+            <a:r>
+              <a:rPr lang="en-GB" dirty="0"/>
+              <a:t>.</a:t>
+            </a:r>
+            <a:br>
+              <a:rPr lang="en-GB" dirty="0"/>
+            </a:br>
+            <a:r>
+              <a:rPr lang="en-GB" dirty="0"/>
+              <a:t>NAV</a:t>
+            </a:r>
+          </a:p>
+        </p:txBody>
+      </p:sp>
+      <p:sp>
+        <p:nvSpPr>
+          <p:cNvPr id="14" name="Rectangle: Rounded Corners 13">
+            <a:extLst>
+              <a:ext uri="{FF2B5EF4-FFF2-40B4-BE49-F238E27FC236}">
+                <a16:creationId xmlns:a16="http://schemas.microsoft.com/office/drawing/2014/main" id="{B3270DA7-8F41-8B15-0D5D-390118848512}"/>
+              </a:ext>
+            </a:extLst>
+          </p:cNvPr>
+          <p:cNvSpPr/>
+          <p:nvPr/>
+        </p:nvSpPr>
+        <p:spPr>
+          <a:xfrm>
+            <a:off x="674201" y="791811"/>
+            <a:ext cx="3314703" cy="877957"/>
+          </a:xfrm>
+          <a:prstGeom prst="roundRect">
+            <a:avLst/>
+          </a:prstGeom>
+        </p:spPr>
+        <p:style>
+          <a:lnRef idx="2">
+            <a:schemeClr val="accent1">
+              <a:shade val="15000"/>
+            </a:schemeClr>
+          </a:lnRef>
+          <a:fillRef idx="1">
+            <a:schemeClr val="accent1"/>
+          </a:fillRef>
+          <a:effectRef idx="0">
+            <a:schemeClr val="accent1"/>
+          </a:effectRef>
+          <a:fontRef idx="minor">
+            <a:schemeClr val="lt1"/>
+          </a:fontRef>
+        </p:style>
+        <p:txBody>
+          <a:bodyPr rtlCol="0" anchor="ctr"/>
+          <a:lstStyle/>
+          <a:p>
+            <a:pPr algn="ctr"/>
+            <a:r>
+              <a:rPr lang="en-GB" dirty="0"/>
+              <a:t>AFDS.*</a:t>
+            </a:r>
+            <a:br>
+              <a:rPr lang="en-GB" dirty="0"/>
+            </a:br>
+            <a:r>
+              <a:rPr lang="en-GB" dirty="0"/>
+              <a:t>AFDS function implementation</a:t>
+            </a:r>
+          </a:p>
+        </p:txBody>
+      </p:sp>
+      <p:cxnSp>
+        <p:nvCxnSpPr>
+          <p:cNvPr id="16" name="Straight Arrow Connector 15">
+            <a:extLst>
+              <a:ext uri="{FF2B5EF4-FFF2-40B4-BE49-F238E27FC236}">
+                <a16:creationId xmlns:a16="http://schemas.microsoft.com/office/drawing/2014/main" id="{FD5DA021-AAE2-472D-F052-461408BDF8C2}"/>
+              </a:ext>
+            </a:extLst>
+          </p:cNvPr>
+          <p:cNvCxnSpPr>
+            <a:cxnSpLocks/>
+            <a:stCxn id="7" idx="0"/>
+            <a:endCxn id="11" idx="2"/>
+          </p:cNvCxnSpPr>
+          <p:nvPr/>
+        </p:nvCxnSpPr>
+        <p:spPr>
+          <a:xfrm flipH="1" flipV="1">
+            <a:off x="3420303" y="3175545"/>
+            <a:ext cx="5773393" cy="1820521"/>
+          </a:xfrm>
+          <a:prstGeom prst="straightConnector1">
+            <a:avLst/>
+          </a:prstGeom>
+          <a:ln w="57150">
+            <a:solidFill>
+              <a:schemeClr val="accent3">
+                <a:lumMod val="60000"/>
+                <a:lumOff val="40000"/>
+              </a:schemeClr>
+            </a:solidFill>
+            <a:tailEnd type="triangle"/>
+          </a:ln>
+        </p:spPr>
+        <p:style>
+          <a:lnRef idx="2">
+            <a:schemeClr val="accent6"/>
+          </a:lnRef>
+          <a:fillRef idx="0">
+            <a:schemeClr val="accent6"/>
+          </a:fillRef>
+          <a:effectRef idx="1">
+            <a:schemeClr val="accent6"/>
+          </a:effectRef>
+          <a:fontRef idx="minor">
+            <a:schemeClr val="tx1"/>
+          </a:fontRef>
+        </p:style>
+      </p:cxnSp>
+      <p:cxnSp>
+        <p:nvCxnSpPr>
+          <p:cNvPr id="23" name="Straight Arrow Connector 22">
+            <a:extLst>
+              <a:ext uri="{FF2B5EF4-FFF2-40B4-BE49-F238E27FC236}">
+                <a16:creationId xmlns:a16="http://schemas.microsoft.com/office/drawing/2014/main" id="{A58CE4FB-1D80-5274-CCCE-9E399492224B}"/>
+              </a:ext>
+            </a:extLst>
+          </p:cNvPr>
+          <p:cNvCxnSpPr>
+            <a:cxnSpLocks/>
+            <a:stCxn id="6" idx="0"/>
+            <a:endCxn id="10" idx="2"/>
+          </p:cNvCxnSpPr>
+          <p:nvPr/>
+        </p:nvCxnSpPr>
+        <p:spPr>
+          <a:xfrm flipH="1" flipV="1">
+            <a:off x="2334867" y="3175546"/>
+            <a:ext cx="3754507" cy="1820521"/>
+          </a:xfrm>
+          <a:prstGeom prst="straightConnector1">
+            <a:avLst/>
+          </a:prstGeom>
+          <a:ln w="57150">
+            <a:solidFill>
+              <a:schemeClr val="accent3">
+                <a:lumMod val="60000"/>
+                <a:lumOff val="40000"/>
+              </a:schemeClr>
+            </a:solidFill>
+            <a:tailEnd type="triangle"/>
+          </a:ln>
+        </p:spPr>
+        <p:style>
+          <a:lnRef idx="2">
+            <a:schemeClr val="accent6"/>
+          </a:lnRef>
+          <a:fillRef idx="0">
+            <a:schemeClr val="accent6"/>
+          </a:fillRef>
+          <a:effectRef idx="1">
+            <a:schemeClr val="accent6"/>
+          </a:effectRef>
+          <a:fontRef idx="minor">
+            <a:schemeClr val="tx1"/>
+          </a:fontRef>
+        </p:style>
+      </p:cxnSp>
+      <p:cxnSp>
+        <p:nvCxnSpPr>
+          <p:cNvPr id="28" name="Straight Arrow Connector 27">
+            <a:extLst>
+              <a:ext uri="{FF2B5EF4-FFF2-40B4-BE49-F238E27FC236}">
+                <a16:creationId xmlns:a16="http://schemas.microsoft.com/office/drawing/2014/main" id="{247BEC3A-CB33-5BA6-53E5-F39A323E5D7B}"/>
+              </a:ext>
+            </a:extLst>
+          </p:cNvPr>
+          <p:cNvCxnSpPr>
+            <a:cxnSpLocks/>
+            <a:stCxn id="9" idx="2"/>
+            <a:endCxn id="5" idx="0"/>
+          </p:cNvCxnSpPr>
+          <p:nvPr/>
+        </p:nvCxnSpPr>
+        <p:spPr>
+          <a:xfrm>
+            <a:off x="1247361" y="3175546"/>
+            <a:ext cx="1750944" cy="1820519"/>
+          </a:xfrm>
+          <a:prstGeom prst="straightConnector1">
+            <a:avLst/>
+          </a:prstGeom>
+          <a:ln w="57150">
+            <a:headEnd type="triangle"/>
+            <a:tailEnd type="triangle"/>
+          </a:ln>
+        </p:spPr>
+        <p:style>
+          <a:lnRef idx="2">
+            <a:schemeClr val="accent5"/>
+          </a:lnRef>
+          <a:fillRef idx="0">
+            <a:schemeClr val="accent5"/>
+          </a:fillRef>
+          <a:effectRef idx="1">
+            <a:schemeClr val="accent5"/>
+          </a:effectRef>
+          <a:fontRef idx="minor">
+            <a:schemeClr val="tx1"/>
+          </a:fontRef>
+        </p:style>
+      </p:cxnSp>
+      <p:sp>
+        <p:nvSpPr>
+          <p:cNvPr id="31" name="Rectangle: Rounded Corners 30">
+            <a:extLst>
+              <a:ext uri="{FF2B5EF4-FFF2-40B4-BE49-F238E27FC236}">
+                <a16:creationId xmlns:a16="http://schemas.microsoft.com/office/drawing/2014/main" id="{EAFC8C48-1C7F-6973-7489-428044CE062E}"/>
+              </a:ext>
+            </a:extLst>
+          </p:cNvPr>
+          <p:cNvSpPr/>
+          <p:nvPr/>
+        </p:nvSpPr>
+        <p:spPr>
+          <a:xfrm>
+            <a:off x="4390612" y="417442"/>
+            <a:ext cx="3472069" cy="2945301"/>
+          </a:xfrm>
+          <a:prstGeom prst="roundRect">
+            <a:avLst>
+              <a:gd name="adj" fmla="val 1699"/>
+            </a:avLst>
+          </a:prstGeom>
+        </p:spPr>
+        <p:style>
+          <a:lnRef idx="1">
+            <a:schemeClr val="accent1"/>
+          </a:lnRef>
+          <a:fillRef idx="2">
+            <a:schemeClr val="accent1"/>
+          </a:fillRef>
+          <a:effectRef idx="1">
+            <a:schemeClr val="accent1"/>
+          </a:effectRef>
+          <a:fontRef idx="minor">
+            <a:schemeClr val="dk1"/>
+          </a:fontRef>
+        </p:style>
+        <p:txBody>
+          <a:bodyPr rtlCol="0" anchor="t"/>
+          <a:lstStyle/>
+          <a:p>
+            <a:pPr algn="ctr"/>
+            <a:r>
+              <a:rPr lang="en-GB" dirty="0"/>
+              <a:t>GCAS</a:t>
+            </a:r>
+          </a:p>
+        </p:txBody>
+      </p:sp>
+      <p:sp>
+        <p:nvSpPr>
+          <p:cNvPr id="32" name="Rectangle: Rounded Corners 31">
+            <a:extLst>
+              <a:ext uri="{FF2B5EF4-FFF2-40B4-BE49-F238E27FC236}">
+                <a16:creationId xmlns:a16="http://schemas.microsoft.com/office/drawing/2014/main" id="{5D6213BC-308C-3FFB-7E20-48472C5CE4D0}"/>
+              </a:ext>
+            </a:extLst>
+          </p:cNvPr>
+          <p:cNvSpPr/>
+          <p:nvPr/>
+        </p:nvSpPr>
+        <p:spPr>
+          <a:xfrm>
+            <a:off x="4488344" y="1928190"/>
+            <a:ext cx="3314703" cy="1308649"/>
+          </a:xfrm>
+          <a:prstGeom prst="roundRect">
+            <a:avLst>
+              <a:gd name="adj" fmla="val 1699"/>
+            </a:avLst>
+          </a:prstGeom>
+        </p:spPr>
+        <p:style>
+          <a:lnRef idx="2">
+            <a:schemeClr val="accent1">
+              <a:shade val="15000"/>
+            </a:schemeClr>
+          </a:lnRef>
+          <a:fillRef idx="1">
+            <a:schemeClr val="accent1"/>
+          </a:fillRef>
+          <a:effectRef idx="0">
+            <a:schemeClr val="accent1"/>
+          </a:effectRef>
+          <a:fontRef idx="minor">
+            <a:schemeClr val="lt1"/>
+          </a:fontRef>
+        </p:style>
+        <p:txBody>
+          <a:bodyPr rtlCol="0" anchor="t"/>
+          <a:lstStyle/>
+          <a:p>
+            <a:pPr algn="ctr"/>
+            <a:r>
+              <a:rPr lang="en-GB" dirty="0" err="1"/>
+              <a:t>GCAS.iface</a:t>
+            </a:r>
+            <a:endParaRPr lang="en-GB" dirty="0"/>
+          </a:p>
+        </p:txBody>
+      </p:sp>
+      <p:sp>
+        <p:nvSpPr>
+          <p:cNvPr id="33" name="Rectangle: Rounded Corners 32">
+            <a:extLst>
+              <a:ext uri="{FF2B5EF4-FFF2-40B4-BE49-F238E27FC236}">
+                <a16:creationId xmlns:a16="http://schemas.microsoft.com/office/drawing/2014/main" id="{EA3D16DD-85C6-7FD7-FF55-79377CA12DBE}"/>
+              </a:ext>
+            </a:extLst>
+          </p:cNvPr>
+          <p:cNvSpPr/>
+          <p:nvPr/>
+        </p:nvSpPr>
+        <p:spPr>
+          <a:xfrm>
+            <a:off x="4981159" y="2306439"/>
+            <a:ext cx="980662" cy="877957"/>
+          </a:xfrm>
+          <a:prstGeom prst="roundRect">
+            <a:avLst/>
+          </a:prstGeom>
+          <a:ln/>
+        </p:spPr>
+        <p:style>
+          <a:lnRef idx="3">
+            <a:schemeClr val="lt1"/>
+          </a:lnRef>
+          <a:fillRef idx="1">
+            <a:schemeClr val="accent4"/>
+          </a:fillRef>
+          <a:effectRef idx="1">
+            <a:schemeClr val="accent4"/>
+          </a:effectRef>
+          <a:fontRef idx="minor">
+            <a:schemeClr val="lt1"/>
+          </a:fontRef>
+        </p:style>
+        <p:txBody>
+          <a:bodyPr rtlCol="0" anchor="ctr"/>
+          <a:lstStyle/>
+          <a:p>
+            <a:pPr algn="ctr"/>
+            <a:r>
+              <a:rPr lang="en-GB" dirty="0"/>
+              <a:t>GCAS.</a:t>
+            </a:r>
+            <a:br>
+              <a:rPr lang="en-GB" dirty="0"/>
+            </a:br>
+            <a:r>
+              <a:rPr lang="en-GB" dirty="0" err="1"/>
+              <a:t>iface</a:t>
+            </a:r>
+            <a:r>
+              <a:rPr lang="en-GB" dirty="0"/>
+              <a:t>.</a:t>
+            </a:r>
+            <a:br>
+              <a:rPr lang="en-GB" dirty="0"/>
+            </a:br>
+            <a:r>
+              <a:rPr lang="en-GB" dirty="0"/>
+              <a:t>aircraft</a:t>
+            </a:r>
+          </a:p>
+        </p:txBody>
+      </p:sp>
+      <p:sp>
+        <p:nvSpPr>
+          <p:cNvPr id="34" name="Rectangle: Rounded Corners 33">
+            <a:extLst>
+              <a:ext uri="{FF2B5EF4-FFF2-40B4-BE49-F238E27FC236}">
+                <a16:creationId xmlns:a16="http://schemas.microsoft.com/office/drawing/2014/main" id="{73C72259-D9DF-C900-7F23-F5E121432FAC}"/>
+              </a:ext>
+            </a:extLst>
+          </p:cNvPr>
+          <p:cNvSpPr/>
+          <p:nvPr/>
+        </p:nvSpPr>
+        <p:spPr>
+          <a:xfrm>
+            <a:off x="6341164" y="2306439"/>
+            <a:ext cx="980662" cy="877957"/>
+          </a:xfrm>
+          <a:prstGeom prst="roundRect">
+            <a:avLst/>
+          </a:prstGeom>
+          <a:ln/>
+        </p:spPr>
+        <p:style>
+          <a:lnRef idx="3">
+            <a:schemeClr val="lt1"/>
+          </a:lnRef>
+          <a:fillRef idx="1">
+            <a:schemeClr val="accent2"/>
+          </a:fillRef>
+          <a:effectRef idx="1">
+            <a:schemeClr val="accent2"/>
+          </a:effectRef>
+          <a:fontRef idx="minor">
+            <a:schemeClr val="lt1"/>
+          </a:fontRef>
+        </p:style>
+        <p:txBody>
+          <a:bodyPr rtlCol="0" anchor="ctr"/>
+          <a:lstStyle/>
+          <a:p>
+            <a:pPr algn="ctr"/>
+            <a:r>
+              <a:rPr lang="en-GB" dirty="0"/>
+              <a:t>GACS.</a:t>
+            </a:r>
+            <a:br>
+              <a:rPr lang="en-GB" dirty="0"/>
+            </a:br>
+            <a:r>
+              <a:rPr lang="en-GB" dirty="0" err="1"/>
+              <a:t>iface</a:t>
+            </a:r>
+            <a:r>
+              <a:rPr lang="en-GB" dirty="0"/>
+              <a:t>.</a:t>
+            </a:r>
+            <a:br>
+              <a:rPr lang="en-GB" dirty="0"/>
+            </a:br>
+            <a:r>
+              <a:rPr lang="en-GB" dirty="0"/>
+              <a:t>GCAS</a:t>
+            </a:r>
+          </a:p>
+        </p:txBody>
+      </p:sp>
+      <p:sp>
+        <p:nvSpPr>
+          <p:cNvPr id="36" name="Rectangle: Rounded Corners 35">
+            <a:extLst>
+              <a:ext uri="{FF2B5EF4-FFF2-40B4-BE49-F238E27FC236}">
+                <a16:creationId xmlns:a16="http://schemas.microsoft.com/office/drawing/2014/main" id="{E3933175-3BDD-CF1E-B63E-DAB20CC030B0}"/>
+              </a:ext>
+            </a:extLst>
+          </p:cNvPr>
+          <p:cNvSpPr/>
+          <p:nvPr/>
+        </p:nvSpPr>
+        <p:spPr>
+          <a:xfrm>
+            <a:off x="4488343" y="800098"/>
+            <a:ext cx="3314703" cy="877957"/>
+          </a:xfrm>
+          <a:prstGeom prst="roundRect">
+            <a:avLst/>
+          </a:prstGeom>
+        </p:spPr>
+        <p:style>
+          <a:lnRef idx="2">
+            <a:schemeClr val="accent1">
+              <a:shade val="15000"/>
+            </a:schemeClr>
+          </a:lnRef>
+          <a:fillRef idx="1">
+            <a:schemeClr val="accent1"/>
+          </a:fillRef>
+          <a:effectRef idx="0">
+            <a:schemeClr val="accent1"/>
+          </a:effectRef>
+          <a:fontRef idx="minor">
+            <a:schemeClr val="lt1"/>
+          </a:fontRef>
+        </p:style>
+        <p:txBody>
+          <a:bodyPr rtlCol="0" anchor="ctr"/>
+          <a:lstStyle/>
+          <a:p>
+            <a:pPr algn="ctr"/>
+            <a:r>
+              <a:rPr lang="en-GB" dirty="0"/>
+              <a:t>GCAS.*</a:t>
+            </a:r>
+            <a:br>
+              <a:rPr lang="en-GB" dirty="0"/>
+            </a:br>
+            <a:r>
+              <a:rPr lang="en-GB" dirty="0"/>
+              <a:t>GACS function implementation</a:t>
+            </a:r>
+          </a:p>
+        </p:txBody>
+      </p:sp>
+      <p:sp>
+        <p:nvSpPr>
+          <p:cNvPr id="37" name="Rectangle: Rounded Corners 36">
+            <a:extLst>
+              <a:ext uri="{FF2B5EF4-FFF2-40B4-BE49-F238E27FC236}">
+                <a16:creationId xmlns:a16="http://schemas.microsoft.com/office/drawing/2014/main" id="{F8CB9816-14CE-1F03-6616-BB5A9B7F8ABF}"/>
+              </a:ext>
+            </a:extLst>
+          </p:cNvPr>
+          <p:cNvSpPr/>
+          <p:nvPr/>
+        </p:nvSpPr>
+        <p:spPr>
+          <a:xfrm>
+            <a:off x="8199783" y="418007"/>
+            <a:ext cx="3472069" cy="2945301"/>
+          </a:xfrm>
+          <a:prstGeom prst="roundRect">
+            <a:avLst>
+              <a:gd name="adj" fmla="val 1699"/>
+            </a:avLst>
+          </a:prstGeom>
+        </p:spPr>
+        <p:style>
+          <a:lnRef idx="1">
+            <a:schemeClr val="accent1"/>
+          </a:lnRef>
+          <a:fillRef idx="2">
+            <a:schemeClr val="accent1"/>
+          </a:fillRef>
+          <a:effectRef idx="1">
+            <a:schemeClr val="accent1"/>
+          </a:effectRef>
+          <a:fontRef idx="minor">
+            <a:schemeClr val="dk1"/>
+          </a:fontRef>
+        </p:style>
+        <p:txBody>
+          <a:bodyPr rtlCol="0" anchor="t"/>
+          <a:lstStyle/>
+          <a:p>
+            <a:pPr algn="ctr"/>
+            <a:r>
+              <a:rPr lang="en-GB" dirty="0"/>
+              <a:t>NAV</a:t>
+            </a:r>
+          </a:p>
+        </p:txBody>
+      </p:sp>
+      <p:sp>
+        <p:nvSpPr>
+          <p:cNvPr id="38" name="Rectangle: Rounded Corners 37">
+            <a:extLst>
+              <a:ext uri="{FF2B5EF4-FFF2-40B4-BE49-F238E27FC236}">
+                <a16:creationId xmlns:a16="http://schemas.microsoft.com/office/drawing/2014/main" id="{5947FEA1-1A93-F3FF-3A69-9FC0C4228F3E}"/>
+              </a:ext>
+            </a:extLst>
+          </p:cNvPr>
+          <p:cNvSpPr/>
+          <p:nvPr/>
+        </p:nvSpPr>
+        <p:spPr>
+          <a:xfrm>
+            <a:off x="8297515" y="1928755"/>
+            <a:ext cx="3314703" cy="1308649"/>
+          </a:xfrm>
+          <a:prstGeom prst="roundRect">
+            <a:avLst>
+              <a:gd name="adj" fmla="val 1699"/>
+            </a:avLst>
+          </a:prstGeom>
+        </p:spPr>
+        <p:style>
+          <a:lnRef idx="2">
+            <a:schemeClr val="accent1">
+              <a:shade val="15000"/>
+            </a:schemeClr>
+          </a:lnRef>
+          <a:fillRef idx="1">
+            <a:schemeClr val="accent1"/>
+          </a:fillRef>
+          <a:effectRef idx="0">
+            <a:schemeClr val="accent1"/>
+          </a:effectRef>
+          <a:fontRef idx="minor">
+            <a:schemeClr val="lt1"/>
+          </a:fontRef>
+        </p:style>
+        <p:txBody>
+          <a:bodyPr rtlCol="0" anchor="t"/>
+          <a:lstStyle/>
+          <a:p>
+            <a:pPr algn="ctr"/>
+            <a:r>
+              <a:rPr lang="en-GB" dirty="0" err="1"/>
+              <a:t>NAV.iface</a:t>
+            </a:r>
+            <a:endParaRPr lang="en-GB" dirty="0"/>
+          </a:p>
+        </p:txBody>
+      </p:sp>
+      <p:sp>
+        <p:nvSpPr>
+          <p:cNvPr id="39" name="Rectangle: Rounded Corners 38">
+            <a:extLst>
+              <a:ext uri="{FF2B5EF4-FFF2-40B4-BE49-F238E27FC236}">
+                <a16:creationId xmlns:a16="http://schemas.microsoft.com/office/drawing/2014/main" id="{DA63F176-6AE8-4973-251C-341E1D6D0585}"/>
+              </a:ext>
+            </a:extLst>
+          </p:cNvPr>
+          <p:cNvSpPr/>
+          <p:nvPr/>
+        </p:nvSpPr>
+        <p:spPr>
+          <a:xfrm>
+            <a:off x="8756702" y="2320781"/>
+            <a:ext cx="980662" cy="877957"/>
+          </a:xfrm>
+          <a:prstGeom prst="roundRect">
+            <a:avLst/>
+          </a:prstGeom>
+          <a:ln/>
+        </p:spPr>
+        <p:style>
+          <a:lnRef idx="3">
+            <a:schemeClr val="lt1"/>
+          </a:lnRef>
+          <a:fillRef idx="1">
+            <a:schemeClr val="accent4"/>
+          </a:fillRef>
+          <a:effectRef idx="1">
+            <a:schemeClr val="accent4"/>
+          </a:effectRef>
+          <a:fontRef idx="minor">
+            <a:schemeClr val="lt1"/>
+          </a:fontRef>
+        </p:style>
+        <p:txBody>
+          <a:bodyPr rtlCol="0" anchor="ctr"/>
+          <a:lstStyle/>
+          <a:p>
+            <a:pPr algn="ctr"/>
+            <a:r>
+              <a:rPr lang="en-GB" dirty="0"/>
+              <a:t>NAV.</a:t>
+            </a:r>
+            <a:br>
+              <a:rPr lang="en-GB" dirty="0"/>
+            </a:br>
+            <a:r>
+              <a:rPr lang="en-GB" dirty="0" err="1"/>
+              <a:t>iface</a:t>
+            </a:r>
+            <a:r>
+              <a:rPr lang="en-GB" dirty="0"/>
+              <a:t>.</a:t>
+            </a:r>
+            <a:br>
+              <a:rPr lang="en-GB" dirty="0"/>
+            </a:br>
+            <a:r>
+              <a:rPr lang="en-GB" dirty="0"/>
+              <a:t>aircraft</a:t>
+            </a:r>
+          </a:p>
+        </p:txBody>
+      </p:sp>
+      <p:sp>
+        <p:nvSpPr>
+          <p:cNvPr id="41" name="Rectangle: Rounded Corners 40">
+            <a:extLst>
+              <a:ext uri="{FF2B5EF4-FFF2-40B4-BE49-F238E27FC236}">
+                <a16:creationId xmlns:a16="http://schemas.microsoft.com/office/drawing/2014/main" id="{A0E1940A-EB73-243C-B0BA-F2A4FCC4E021}"/>
+              </a:ext>
+            </a:extLst>
+          </p:cNvPr>
+          <p:cNvSpPr/>
+          <p:nvPr/>
+        </p:nvSpPr>
+        <p:spPr>
+          <a:xfrm>
+            <a:off x="10134748" y="2306439"/>
+            <a:ext cx="980662" cy="877957"/>
+          </a:xfrm>
+          <a:prstGeom prst="roundRect">
+            <a:avLst/>
+          </a:prstGeom>
+          <a:ln/>
+        </p:spPr>
+        <p:style>
+          <a:lnRef idx="3">
+            <a:schemeClr val="lt1"/>
+          </a:lnRef>
+          <a:fillRef idx="1">
+            <a:schemeClr val="accent6"/>
+          </a:fillRef>
+          <a:effectRef idx="1">
+            <a:schemeClr val="accent6"/>
+          </a:effectRef>
+          <a:fontRef idx="minor">
+            <a:schemeClr val="lt1"/>
+          </a:fontRef>
+        </p:style>
+        <p:txBody>
+          <a:bodyPr rtlCol="0" anchor="ctr"/>
+          <a:lstStyle/>
+          <a:p>
+            <a:pPr algn="ctr"/>
+            <a:r>
+              <a:rPr lang="en-GB" dirty="0"/>
+              <a:t>NAV.</a:t>
+            </a:r>
+            <a:br>
+              <a:rPr lang="en-GB" dirty="0"/>
+            </a:br>
+            <a:r>
+              <a:rPr lang="en-GB" dirty="0" err="1"/>
+              <a:t>iface</a:t>
+            </a:r>
+            <a:r>
+              <a:rPr lang="en-GB" dirty="0"/>
+              <a:t>.</a:t>
+            </a:r>
+            <a:br>
+              <a:rPr lang="en-GB" dirty="0"/>
+            </a:br>
+            <a:r>
+              <a:rPr lang="en-GB" dirty="0"/>
+              <a:t>NAV</a:t>
+            </a:r>
+          </a:p>
+        </p:txBody>
+      </p:sp>
+      <p:sp>
+        <p:nvSpPr>
+          <p:cNvPr id="42" name="Rectangle: Rounded Corners 41">
+            <a:extLst>
+              <a:ext uri="{FF2B5EF4-FFF2-40B4-BE49-F238E27FC236}">
+                <a16:creationId xmlns:a16="http://schemas.microsoft.com/office/drawing/2014/main" id="{D86E3F0F-742A-A61B-4DF4-6A233617F060}"/>
+              </a:ext>
+            </a:extLst>
+          </p:cNvPr>
+          <p:cNvSpPr/>
+          <p:nvPr/>
+        </p:nvSpPr>
+        <p:spPr>
+          <a:xfrm>
+            <a:off x="8297514" y="800663"/>
+            <a:ext cx="3314703" cy="877957"/>
+          </a:xfrm>
+          <a:prstGeom prst="roundRect">
+            <a:avLst/>
+          </a:prstGeom>
+        </p:spPr>
+        <p:style>
+          <a:lnRef idx="2">
+            <a:schemeClr val="accent1">
+              <a:shade val="15000"/>
+            </a:schemeClr>
+          </a:lnRef>
+          <a:fillRef idx="1">
+            <a:schemeClr val="accent1"/>
+          </a:fillRef>
+          <a:effectRef idx="0">
+            <a:schemeClr val="accent1"/>
+          </a:effectRef>
+          <a:fontRef idx="minor">
+            <a:schemeClr val="lt1"/>
+          </a:fontRef>
+        </p:style>
+        <p:txBody>
+          <a:bodyPr rtlCol="0" anchor="ctr"/>
+          <a:lstStyle/>
+          <a:p>
+            <a:pPr algn="ctr"/>
+            <a:r>
+              <a:rPr lang="en-GB" dirty="0"/>
+              <a:t>NAV.*</a:t>
+            </a:r>
+            <a:br>
+              <a:rPr lang="en-GB" dirty="0"/>
+            </a:br>
+            <a:r>
+              <a:rPr lang="en-GB" dirty="0"/>
+              <a:t>NAV function implementation</a:t>
+            </a:r>
+          </a:p>
+        </p:txBody>
+      </p:sp>
+      <p:cxnSp>
+        <p:nvCxnSpPr>
+          <p:cNvPr id="19" name="Straight Arrow Connector 18">
+            <a:extLst>
+              <a:ext uri="{FF2B5EF4-FFF2-40B4-BE49-F238E27FC236}">
+                <a16:creationId xmlns:a16="http://schemas.microsoft.com/office/drawing/2014/main" id="{BF38D9B4-25CE-3827-F426-422E1AA0C336}"/>
+              </a:ext>
+            </a:extLst>
+          </p:cNvPr>
+          <p:cNvCxnSpPr>
+            <a:cxnSpLocks/>
+            <a:stCxn id="41" idx="2"/>
+            <a:endCxn id="7" idx="0"/>
+          </p:cNvCxnSpPr>
+          <p:nvPr/>
+        </p:nvCxnSpPr>
+        <p:spPr>
+          <a:xfrm flipH="1">
+            <a:off x="9193696" y="3184396"/>
+            <a:ext cx="1431383" cy="1811670"/>
+          </a:xfrm>
+          <a:prstGeom prst="straightConnector1">
+            <a:avLst/>
+          </a:prstGeom>
+          <a:ln w="57150">
+            <a:headEnd type="triangle"/>
+            <a:tailEnd type="triangle"/>
+          </a:ln>
+        </p:spPr>
+        <p:style>
+          <a:lnRef idx="2">
+            <a:schemeClr val="accent5"/>
+          </a:lnRef>
+          <a:fillRef idx="0">
+            <a:schemeClr val="accent5"/>
+          </a:fillRef>
+          <a:effectRef idx="1">
+            <a:schemeClr val="accent5"/>
+          </a:effectRef>
+          <a:fontRef idx="minor">
+            <a:schemeClr val="tx1"/>
+          </a:fontRef>
+        </p:style>
+      </p:cxnSp>
+      <p:cxnSp>
+        <p:nvCxnSpPr>
+          <p:cNvPr id="45" name="Straight Arrow Connector 44">
+            <a:extLst>
+              <a:ext uri="{FF2B5EF4-FFF2-40B4-BE49-F238E27FC236}">
+                <a16:creationId xmlns:a16="http://schemas.microsoft.com/office/drawing/2014/main" id="{3FFDC435-95A8-1247-A69C-5B89C0DD64AA}"/>
+              </a:ext>
+            </a:extLst>
+          </p:cNvPr>
+          <p:cNvCxnSpPr>
+            <a:cxnSpLocks/>
+            <a:stCxn id="5" idx="0"/>
+            <a:endCxn id="39" idx="2"/>
+          </p:cNvCxnSpPr>
+          <p:nvPr/>
+        </p:nvCxnSpPr>
+        <p:spPr>
+          <a:xfrm flipV="1">
+            <a:off x="2998305" y="3198738"/>
+            <a:ext cx="6248728" cy="1797327"/>
+          </a:xfrm>
+          <a:prstGeom prst="straightConnector1">
+            <a:avLst/>
+          </a:prstGeom>
+          <a:ln w="57150">
+            <a:solidFill>
+              <a:schemeClr val="accent3">
+                <a:lumMod val="60000"/>
+                <a:lumOff val="40000"/>
+              </a:schemeClr>
+            </a:solidFill>
+            <a:tailEnd type="triangle"/>
+          </a:ln>
+        </p:spPr>
+        <p:style>
+          <a:lnRef idx="2">
+            <a:schemeClr val="accent6"/>
+          </a:lnRef>
+          <a:fillRef idx="0">
+            <a:schemeClr val="accent6"/>
+          </a:fillRef>
+          <a:effectRef idx="1">
+            <a:schemeClr val="accent6"/>
+          </a:effectRef>
+          <a:fontRef idx="minor">
+            <a:schemeClr val="tx1"/>
+          </a:fontRef>
+        </p:style>
+      </p:cxnSp>
+      <p:cxnSp>
+        <p:nvCxnSpPr>
+          <p:cNvPr id="48" name="Straight Arrow Connector 47">
+            <a:extLst>
+              <a:ext uri="{FF2B5EF4-FFF2-40B4-BE49-F238E27FC236}">
+                <a16:creationId xmlns:a16="http://schemas.microsoft.com/office/drawing/2014/main" id="{81FC5D8F-D8B0-1B78-F9A7-57BCF1EC7CC2}"/>
+              </a:ext>
+            </a:extLst>
+          </p:cNvPr>
+          <p:cNvCxnSpPr>
+            <a:cxnSpLocks/>
+            <a:stCxn id="34" idx="2"/>
+            <a:endCxn id="6" idx="0"/>
+          </p:cNvCxnSpPr>
+          <p:nvPr/>
+        </p:nvCxnSpPr>
+        <p:spPr>
+          <a:xfrm flipH="1">
+            <a:off x="6089374" y="3184396"/>
+            <a:ext cx="742121" cy="1811671"/>
+          </a:xfrm>
+          <a:prstGeom prst="straightConnector1">
+            <a:avLst/>
+          </a:prstGeom>
+          <a:ln w="57150">
+            <a:headEnd type="triangle"/>
+            <a:tailEnd type="triangle"/>
+          </a:ln>
+        </p:spPr>
+        <p:style>
+          <a:lnRef idx="2">
+            <a:schemeClr val="accent5"/>
+          </a:lnRef>
+          <a:fillRef idx="0">
+            <a:schemeClr val="accent5"/>
+          </a:fillRef>
+          <a:effectRef idx="1">
+            <a:schemeClr val="accent5"/>
+          </a:effectRef>
+          <a:fontRef idx="minor">
+            <a:schemeClr val="tx1"/>
+          </a:fontRef>
+        </p:style>
+      </p:cxnSp>
+      <p:cxnSp>
+        <p:nvCxnSpPr>
+          <p:cNvPr id="51" name="Straight Arrow Connector 50">
+            <a:extLst>
+              <a:ext uri="{FF2B5EF4-FFF2-40B4-BE49-F238E27FC236}">
+                <a16:creationId xmlns:a16="http://schemas.microsoft.com/office/drawing/2014/main" id="{287B2CF4-0E22-1D59-4766-E02692E6C20F}"/>
+              </a:ext>
+            </a:extLst>
+          </p:cNvPr>
+          <p:cNvCxnSpPr>
+            <a:cxnSpLocks/>
+            <a:stCxn id="5" idx="0"/>
+            <a:endCxn id="33" idx="2"/>
+          </p:cNvCxnSpPr>
+          <p:nvPr/>
+        </p:nvCxnSpPr>
+        <p:spPr>
+          <a:xfrm flipV="1">
+            <a:off x="2998305" y="3184396"/>
+            <a:ext cx="2473185" cy="1811669"/>
+          </a:xfrm>
+          <a:prstGeom prst="straightConnector1">
+            <a:avLst/>
+          </a:prstGeom>
+          <a:ln w="57150">
+            <a:solidFill>
+              <a:schemeClr val="accent3">
+                <a:lumMod val="60000"/>
+                <a:lumOff val="40000"/>
+              </a:schemeClr>
+            </a:solidFill>
+            <a:tailEnd type="triangle"/>
+          </a:ln>
+        </p:spPr>
+        <p:style>
+          <a:lnRef idx="2">
+            <a:schemeClr val="accent6"/>
+          </a:lnRef>
+          <a:fillRef idx="0">
+            <a:schemeClr val="accent6"/>
+          </a:fillRef>
+          <a:effectRef idx="1">
+            <a:schemeClr val="accent6"/>
+          </a:effectRef>
+          <a:fontRef idx="minor">
+            <a:schemeClr val="tx1"/>
+          </a:fontRef>
+        </p:style>
+      </p:cxnSp>
     </p:spTree>
     <p:extLst>
       <p:ext uri="{BB962C8B-B14F-4D97-AF65-F5344CB8AC3E}">
-        <p14:creationId xmlns:p14="http://schemas.microsoft.com/office/powerpoint/2010/main" val="1798731313"/>
+        <p14:creationId xmlns:p14="http://schemas.microsoft.com/office/powerpoint/2010/main" val="1039465238"/>
       </p:ext>
     </p:extLst>
   </p:cSld>
@@ -8160,7 +11028,7 @@
           <p:cNvPr id="4" name="Title 3">
             <a:extLst>
               <a:ext uri="{FF2B5EF4-FFF2-40B4-BE49-F238E27FC236}">
-                <a16:creationId xmlns:a16="http://schemas.microsoft.com/office/drawing/2014/main" id="{E6078E82-9D26-6C84-B99F-7ED45FE92994}"/>
+                <a16:creationId xmlns:a16="http://schemas.microsoft.com/office/drawing/2014/main" id="{4C815C8B-B3DF-FC80-F7E5-6D73F8D4F1AD}"/>
               </a:ext>
             </a:extLst>
           </p:cNvPr>
@@ -8171,16 +11039,9 @@
             <p:ph type="title"/>
           </p:nvPr>
         </p:nvSpPr>
-        <p:spPr>
-          <a:xfrm>
-            <a:off x="838200" y="365125"/>
-            <a:ext cx="10515600" cy="528803"/>
-          </a:xfrm>
-        </p:spPr>
-        <p:txBody>
-          <a:bodyPr>
-            <a:normAutofit fontScale="90000"/>
-          </a:bodyPr>
+        <p:spPr/>
+        <p:txBody>
+          <a:bodyPr/>
           <a:lstStyle/>
           <a:p>
             <a:r>
@@ -8192,10 +11053,10 @@
       </p:sp>
       <p:sp>
         <p:nvSpPr>
-          <p:cNvPr id="5" name="Content Placeholder 4">
-            <a:extLst>
-              <a:ext uri="{FF2B5EF4-FFF2-40B4-BE49-F238E27FC236}">
-                <a16:creationId xmlns:a16="http://schemas.microsoft.com/office/drawing/2014/main" id="{B61E349F-D45E-8B29-312A-7BEFB7A07CCE}"/>
+          <p:cNvPr id="5" name="Text Placeholder 4">
+            <a:extLst>
+              <a:ext uri="{FF2B5EF4-FFF2-40B4-BE49-F238E27FC236}">
+                <a16:creationId xmlns:a16="http://schemas.microsoft.com/office/drawing/2014/main" id="{BB9FAD6E-70B2-2F58-26A5-F3AC0499A6B4}"/>
               </a:ext>
             </a:extLst>
           </p:cNvPr>
@@ -8203,39 +11064,22 @@
             <a:spLocks noGrp="1"/>
           </p:cNvSpPr>
           <p:nvPr>
-            <p:ph idx="1"/>
+            <p:ph type="body" idx="1"/>
           </p:nvPr>
         </p:nvSpPr>
-        <p:spPr>
-          <a:xfrm>
-            <a:off x="838200" y="1023582"/>
-            <a:ext cx="10515600" cy="5153381"/>
-          </a:xfrm>
-        </p:spPr>
+        <p:spPr/>
         <p:txBody>
           <a:bodyPr/>
           <a:lstStyle/>
           <a:p>
-            <a:r>
-              <a:rPr lang="en-GB" dirty="0"/>
-              <a:t>The GCAS component detect potential ground collision and set the GCAS state accordingly (see next slide)</a:t>
-            </a:r>
-          </a:p>
-          <a:p>
-            <a:endParaRPr lang="en-GB" dirty="0"/>
-          </a:p>
-          <a:p>
-            <a:r>
-              <a:rPr lang="en-GB" dirty="0"/>
-              <a:t>The GCAS state is checked by the AFDS component and the AFDS.GCAS function of this component implements the required manoeuvre.</a:t>
-            </a:r>
+            <a:endParaRPr lang="en-GB"/>
           </a:p>
         </p:txBody>
       </p:sp>
     </p:spTree>
     <p:extLst>
       <p:ext uri="{BB962C8B-B14F-4D97-AF65-F5344CB8AC3E}">
-        <p14:creationId xmlns:p14="http://schemas.microsoft.com/office/powerpoint/2010/main" val="644809004"/>
+        <p14:creationId xmlns:p14="http://schemas.microsoft.com/office/powerpoint/2010/main" val="1798731313"/>
       </p:ext>
     </p:extLst>
   </p:cSld>
@@ -8264,54 +11108,34 @@
       </p:grpSpPr>
       <p:sp>
         <p:nvSpPr>
-          <p:cNvPr id="4" name="Rectangle 3">
-            <a:extLst>
-              <a:ext uri="{FF2B5EF4-FFF2-40B4-BE49-F238E27FC236}">
-                <a16:creationId xmlns:a16="http://schemas.microsoft.com/office/drawing/2014/main" id="{389CF64B-3EFF-A590-EFF2-279B2131A72F}"/>
-              </a:ext>
-            </a:extLst>
-          </p:cNvPr>
-          <p:cNvSpPr/>
-          <p:nvPr/>
-        </p:nvSpPr>
-        <p:spPr>
-          <a:xfrm>
-            <a:off x="3707295" y="474583"/>
-            <a:ext cx="4777409" cy="1560434"/>
-          </a:xfrm>
-          <a:prstGeom prst="rect">
-            <a:avLst/>
-          </a:prstGeom>
-          <a:solidFill>
-            <a:schemeClr val="dk1">
-              <a:alpha val="50000"/>
-            </a:schemeClr>
-          </a:solidFill>
-          <a:ln>
-            <a:noFill/>
-          </a:ln>
-        </p:spPr>
-        <p:style>
-          <a:lnRef idx="0">
-            <a:scrgbClr r="0" g="0" b="0"/>
-          </a:lnRef>
-          <a:fillRef idx="0">
-            <a:scrgbClr r="0" g="0" b="0"/>
-          </a:fillRef>
-          <a:effectRef idx="0">
-            <a:scrgbClr r="0" g="0" b="0"/>
-          </a:effectRef>
-          <a:fontRef idx="minor">
-            <a:schemeClr val="lt1"/>
-          </a:fontRef>
-        </p:style>
-        <p:txBody>
-          <a:bodyPr rtlCol="0" anchor="t"/>
-          <a:lstStyle/>
-          <a:p>
-            <a:pPr algn="ctr"/>
-            <a:r>
-              <a:rPr lang="en-GB" sz="2000" dirty="0"/>
+          <p:cNvPr id="4" name="Title 3">
+            <a:extLst>
+              <a:ext uri="{FF2B5EF4-FFF2-40B4-BE49-F238E27FC236}">
+                <a16:creationId xmlns:a16="http://schemas.microsoft.com/office/drawing/2014/main" id="{E6078E82-9D26-6C84-B99F-7ED45FE92994}"/>
+              </a:ext>
+            </a:extLst>
+          </p:cNvPr>
+          <p:cNvSpPr>
+            <a:spLocks noGrp="1"/>
+          </p:cNvSpPr>
+          <p:nvPr>
+            <p:ph type="title"/>
+          </p:nvPr>
+        </p:nvSpPr>
+        <p:spPr>
+          <a:xfrm>
+            <a:off x="838200" y="365125"/>
+            <a:ext cx="10515600" cy="528803"/>
+          </a:xfrm>
+        </p:spPr>
+        <p:txBody>
+          <a:bodyPr>
+            <a:normAutofit fontScale="90000"/>
+          </a:bodyPr>
+          <a:lstStyle/>
+          <a:p>
+            <a:r>
+              <a:rPr lang="en-GB" dirty="0"/>
               <a:t>GCAS</a:t>
             </a:r>
           </a:p>
@@ -8319,1214 +11143,42 @@
       </p:sp>
       <p:sp>
         <p:nvSpPr>
-          <p:cNvPr id="5" name="Rectangle 4">
-            <a:extLst>
-              <a:ext uri="{FF2B5EF4-FFF2-40B4-BE49-F238E27FC236}">
-                <a16:creationId xmlns:a16="http://schemas.microsoft.com/office/drawing/2014/main" id="{A6741F20-9DB9-A130-F066-E4A76DA80ECD}"/>
-              </a:ext>
-            </a:extLst>
-          </p:cNvPr>
-          <p:cNvSpPr/>
-          <p:nvPr/>
-        </p:nvSpPr>
-        <p:spPr>
-          <a:xfrm>
-            <a:off x="5396942" y="931776"/>
-            <a:ext cx="1417983" cy="987287"/>
-          </a:xfrm>
-          <a:prstGeom prst="rect">
-            <a:avLst/>
-          </a:prstGeom>
-        </p:spPr>
-        <p:style>
-          <a:lnRef idx="3">
-            <a:schemeClr val="lt1"/>
-          </a:lnRef>
-          <a:fillRef idx="1">
-            <a:schemeClr val="accent1"/>
-          </a:fillRef>
-          <a:effectRef idx="1">
-            <a:schemeClr val="accent1"/>
-          </a:effectRef>
-          <a:fontRef idx="minor">
-            <a:schemeClr val="lt1"/>
-          </a:fontRef>
-        </p:style>
-        <p:txBody>
-          <a:bodyPr rtlCol="0" anchor="ctr"/>
-          <a:lstStyle/>
-          <a:p>
-            <a:pPr algn="ctr"/>
-            <a:r>
-              <a:rPr lang="en-GB" dirty="0"/>
-              <a:t>GCAS-IMPL</a:t>
-            </a:r>
-          </a:p>
-        </p:txBody>
-      </p:sp>
-      <p:sp>
-        <p:nvSpPr>
-          <p:cNvPr id="6" name="Rectangle 5">
-            <a:extLst>
-              <a:ext uri="{FF2B5EF4-FFF2-40B4-BE49-F238E27FC236}">
-                <a16:creationId xmlns:a16="http://schemas.microsoft.com/office/drawing/2014/main" id="{2E8E28F6-F2FC-47DB-53EE-7D9E16408CA5}"/>
-              </a:ext>
-            </a:extLst>
-          </p:cNvPr>
-          <p:cNvSpPr/>
-          <p:nvPr/>
-        </p:nvSpPr>
-        <p:spPr>
-          <a:xfrm>
-            <a:off x="3826559" y="931775"/>
-            <a:ext cx="1461048" cy="987287"/>
-          </a:xfrm>
-          <a:prstGeom prst="rect">
-            <a:avLst/>
-          </a:prstGeom>
-          <a:solidFill>
-            <a:schemeClr val="dk1">
-              <a:alpha val="50000"/>
-            </a:schemeClr>
-          </a:solidFill>
-          <a:ln>
-            <a:noFill/>
-          </a:ln>
-        </p:spPr>
-        <p:style>
-          <a:lnRef idx="0">
-            <a:scrgbClr r="0" g="0" b="0"/>
-          </a:lnRef>
-          <a:fillRef idx="0">
-            <a:scrgbClr r="0" g="0" b="0"/>
-          </a:fillRef>
-          <a:effectRef idx="0">
-            <a:scrgbClr r="0" g="0" b="0"/>
-          </a:effectRef>
-          <a:fontRef idx="minor">
-            <a:schemeClr val="lt1"/>
-          </a:fontRef>
-        </p:style>
-        <p:txBody>
-          <a:bodyPr rtlCol="0" anchor="ctr"/>
-          <a:lstStyle/>
-          <a:p>
-            <a:pPr algn="ctr"/>
-            <a:r>
-              <a:rPr lang="en-GB" dirty="0"/>
-              <a:t>GCAS-IFACE</a:t>
-            </a:r>
-            <a:endParaRPr lang="en-GB" sz="1100" dirty="0"/>
-          </a:p>
-          <a:p>
-            <a:pPr algn="ctr"/>
-            <a:r>
-              <a:rPr lang="en-GB" sz="1100" dirty="0"/>
-              <a:t>Data Input</a:t>
-            </a:r>
-          </a:p>
-        </p:txBody>
-      </p:sp>
-      <p:sp>
-        <p:nvSpPr>
-          <p:cNvPr id="7" name="Rectangle 6">
-            <a:extLst>
-              <a:ext uri="{FF2B5EF4-FFF2-40B4-BE49-F238E27FC236}">
-                <a16:creationId xmlns:a16="http://schemas.microsoft.com/office/drawing/2014/main" id="{6BF8C09B-6E85-5F19-A5F2-6A7FA719E047}"/>
-              </a:ext>
-            </a:extLst>
-          </p:cNvPr>
-          <p:cNvSpPr/>
-          <p:nvPr/>
-        </p:nvSpPr>
-        <p:spPr>
-          <a:xfrm>
-            <a:off x="6924261" y="931774"/>
-            <a:ext cx="1461048" cy="987287"/>
-          </a:xfrm>
-          <a:prstGeom prst="rect">
-            <a:avLst/>
-          </a:prstGeom>
-          <a:solidFill>
-            <a:schemeClr val="dk1">
-              <a:alpha val="50000"/>
-            </a:schemeClr>
-          </a:solidFill>
-          <a:ln>
-            <a:noFill/>
-          </a:ln>
-        </p:spPr>
-        <p:style>
-          <a:lnRef idx="0">
-            <a:scrgbClr r="0" g="0" b="0"/>
-          </a:lnRef>
-          <a:fillRef idx="0">
-            <a:scrgbClr r="0" g="0" b="0"/>
-          </a:fillRef>
-          <a:effectRef idx="0">
-            <a:scrgbClr r="0" g="0" b="0"/>
-          </a:effectRef>
-          <a:fontRef idx="minor">
-            <a:schemeClr val="lt1"/>
-          </a:fontRef>
-        </p:style>
-        <p:txBody>
-          <a:bodyPr rtlCol="0" anchor="ctr"/>
-          <a:lstStyle/>
-          <a:p>
-            <a:pPr algn="ctr"/>
-            <a:r>
-              <a:rPr lang="en-GB" dirty="0"/>
-              <a:t>GCAS-IFACE</a:t>
-            </a:r>
-          </a:p>
-          <a:p>
-            <a:pPr algn="ctr"/>
-            <a:r>
-              <a:rPr lang="en-GB" sz="1100" dirty="0"/>
-              <a:t>Data Output</a:t>
-            </a:r>
-          </a:p>
-        </p:txBody>
-      </p:sp>
-      <p:sp>
-        <p:nvSpPr>
-          <p:cNvPr id="8" name="Rectangle: Rounded Corners 7">
-            <a:extLst>
-              <a:ext uri="{FF2B5EF4-FFF2-40B4-BE49-F238E27FC236}">
-                <a16:creationId xmlns:a16="http://schemas.microsoft.com/office/drawing/2014/main" id="{EBC9315B-F62E-C451-4064-95CC5C92E726}"/>
-              </a:ext>
-            </a:extLst>
-          </p:cNvPr>
-          <p:cNvSpPr/>
-          <p:nvPr/>
-        </p:nvSpPr>
-        <p:spPr>
-          <a:xfrm>
-            <a:off x="1156259" y="1444441"/>
-            <a:ext cx="1898379" cy="397565"/>
-          </a:xfrm>
-          <a:prstGeom prst="roundRect">
-            <a:avLst/>
-          </a:prstGeom>
-          <a:solidFill>
-            <a:schemeClr val="dk1">
-              <a:alpha val="50000"/>
-            </a:schemeClr>
-          </a:solidFill>
-          <a:ln>
-            <a:noFill/>
-          </a:ln>
-        </p:spPr>
-        <p:style>
-          <a:lnRef idx="0">
-            <a:scrgbClr r="0" g="0" b="0"/>
-          </a:lnRef>
-          <a:fillRef idx="0">
-            <a:scrgbClr r="0" g="0" b="0"/>
-          </a:fillRef>
-          <a:effectRef idx="0">
-            <a:scrgbClr r="0" g="0" b="0"/>
-          </a:effectRef>
-          <a:fontRef idx="minor">
-            <a:schemeClr val="lt1"/>
-          </a:fontRef>
-        </p:style>
-        <p:txBody>
-          <a:bodyPr rtlCol="0" anchor="ctr"/>
-          <a:lstStyle/>
-          <a:p>
-            <a:pPr algn="ctr"/>
-            <a:r>
-              <a:rPr lang="en-GB" dirty="0"/>
-              <a:t>GCAS Interface</a:t>
-            </a:r>
-          </a:p>
-        </p:txBody>
-      </p:sp>
-      <p:sp>
-        <p:nvSpPr>
-          <p:cNvPr id="9" name="Rectangle: Rounded Corners 8">
-            <a:extLst>
-              <a:ext uri="{FF2B5EF4-FFF2-40B4-BE49-F238E27FC236}">
-                <a16:creationId xmlns:a16="http://schemas.microsoft.com/office/drawing/2014/main" id="{38735929-E813-313D-8692-DA1C46FBE916}"/>
-              </a:ext>
-            </a:extLst>
-          </p:cNvPr>
-          <p:cNvSpPr/>
-          <p:nvPr/>
-        </p:nvSpPr>
-        <p:spPr>
-          <a:xfrm>
-            <a:off x="1154585" y="1040249"/>
-            <a:ext cx="1898379" cy="397565"/>
-          </a:xfrm>
-          <a:prstGeom prst="roundRect">
-            <a:avLst/>
-          </a:prstGeom>
-          <a:solidFill>
-            <a:schemeClr val="dk1">
-              <a:alpha val="50000"/>
-            </a:schemeClr>
-          </a:solidFill>
-          <a:ln>
-            <a:noFill/>
-          </a:ln>
-        </p:spPr>
-        <p:style>
-          <a:lnRef idx="0">
-            <a:scrgbClr r="0" g="0" b="0"/>
-          </a:lnRef>
-          <a:fillRef idx="0">
-            <a:scrgbClr r="0" g="0" b="0"/>
-          </a:fillRef>
-          <a:effectRef idx="0">
-            <a:scrgbClr r="0" g="0" b="0"/>
-          </a:effectRef>
-          <a:fontRef idx="minor">
-            <a:schemeClr val="lt1"/>
-          </a:fontRef>
-        </p:style>
-        <p:txBody>
-          <a:bodyPr rtlCol="0" anchor="ctr"/>
-          <a:lstStyle/>
-          <a:p>
-            <a:pPr algn="ctr"/>
-            <a:r>
-              <a:rPr lang="en-GB" dirty="0"/>
-              <a:t>Aircraft Interface</a:t>
-            </a:r>
-          </a:p>
-        </p:txBody>
-      </p:sp>
-      <p:sp>
-        <p:nvSpPr>
-          <p:cNvPr id="10" name="Rectangle: Rounded Corners 9">
-            <a:extLst>
-              <a:ext uri="{FF2B5EF4-FFF2-40B4-BE49-F238E27FC236}">
-                <a16:creationId xmlns:a16="http://schemas.microsoft.com/office/drawing/2014/main" id="{BC693D19-96BE-943B-6BD0-5B01C64310CF}"/>
-              </a:ext>
-            </a:extLst>
-          </p:cNvPr>
-          <p:cNvSpPr/>
-          <p:nvPr/>
-        </p:nvSpPr>
-        <p:spPr>
-          <a:xfrm>
-            <a:off x="9104233" y="1226634"/>
-            <a:ext cx="1898379" cy="397565"/>
-          </a:xfrm>
-          <a:prstGeom prst="roundRect">
-            <a:avLst/>
-          </a:prstGeom>
-          <a:solidFill>
-            <a:schemeClr val="dk1">
-              <a:alpha val="50000"/>
-            </a:schemeClr>
-          </a:solidFill>
-          <a:ln>
-            <a:noFill/>
-          </a:ln>
-        </p:spPr>
-        <p:style>
-          <a:lnRef idx="0">
-            <a:scrgbClr r="0" g="0" b="0"/>
-          </a:lnRef>
-          <a:fillRef idx="0">
-            <a:scrgbClr r="0" g="0" b="0"/>
-          </a:fillRef>
-          <a:effectRef idx="0">
-            <a:scrgbClr r="0" g="0" b="0"/>
-          </a:effectRef>
-          <a:fontRef idx="minor">
-            <a:schemeClr val="lt1"/>
-          </a:fontRef>
-        </p:style>
-        <p:txBody>
-          <a:bodyPr rtlCol="0" anchor="ctr"/>
-          <a:lstStyle/>
-          <a:p>
-            <a:pPr algn="ctr"/>
-            <a:r>
-              <a:rPr lang="en-GB" dirty="0"/>
-              <a:t>GCAS Interface</a:t>
-            </a:r>
-          </a:p>
-        </p:txBody>
-      </p:sp>
-      <p:sp>
-        <p:nvSpPr>
-          <p:cNvPr id="11" name="Arrow: Right 10">
-            <a:extLst>
-              <a:ext uri="{FF2B5EF4-FFF2-40B4-BE49-F238E27FC236}">
-                <a16:creationId xmlns:a16="http://schemas.microsoft.com/office/drawing/2014/main" id="{B3627525-6D5A-4C56-E171-8C93EB7A6657}"/>
-              </a:ext>
-            </a:extLst>
-          </p:cNvPr>
-          <p:cNvSpPr/>
-          <p:nvPr/>
-        </p:nvSpPr>
-        <p:spPr>
-          <a:xfrm>
-            <a:off x="3177208" y="1239887"/>
-            <a:ext cx="430691" cy="384312"/>
-          </a:xfrm>
-          <a:prstGeom prst="rightArrow">
-            <a:avLst/>
-          </a:prstGeom>
-          <a:solidFill>
-            <a:schemeClr val="dk1">
-              <a:alpha val="50000"/>
-            </a:schemeClr>
-          </a:solidFill>
-          <a:ln>
-            <a:noFill/>
-          </a:ln>
-        </p:spPr>
-        <p:style>
-          <a:lnRef idx="0">
-            <a:scrgbClr r="0" g="0" b="0"/>
-          </a:lnRef>
-          <a:fillRef idx="0">
-            <a:scrgbClr r="0" g="0" b="0"/>
-          </a:fillRef>
-          <a:effectRef idx="0">
-            <a:scrgbClr r="0" g="0" b="0"/>
-          </a:effectRef>
-          <a:fontRef idx="minor">
-            <a:schemeClr val="lt1"/>
-          </a:fontRef>
-        </p:style>
-        <p:txBody>
-          <a:bodyPr rtlCol="0" anchor="ctr"/>
-          <a:lstStyle/>
-          <a:p>
-            <a:pPr algn="ctr"/>
-            <a:endParaRPr lang="en-GB"/>
-          </a:p>
-        </p:txBody>
-      </p:sp>
-      <p:sp>
-        <p:nvSpPr>
-          <p:cNvPr id="12" name="Arrow: Right 11">
-            <a:extLst>
-              <a:ext uri="{FF2B5EF4-FFF2-40B4-BE49-F238E27FC236}">
-                <a16:creationId xmlns:a16="http://schemas.microsoft.com/office/drawing/2014/main" id="{97FE958B-6CB7-F7C7-ACDD-B5D5C187A1C8}"/>
-              </a:ext>
-            </a:extLst>
-          </p:cNvPr>
-          <p:cNvSpPr/>
-          <p:nvPr/>
-        </p:nvSpPr>
-        <p:spPr>
-          <a:xfrm>
-            <a:off x="8564207" y="1210059"/>
-            <a:ext cx="430691" cy="384312"/>
-          </a:xfrm>
-          <a:prstGeom prst="rightArrow">
-            <a:avLst/>
-          </a:prstGeom>
-          <a:solidFill>
-            <a:schemeClr val="dk1">
-              <a:alpha val="50000"/>
-            </a:schemeClr>
-          </a:solidFill>
-          <a:ln>
-            <a:noFill/>
-          </a:ln>
-        </p:spPr>
-        <p:style>
-          <a:lnRef idx="0">
-            <a:scrgbClr r="0" g="0" b="0"/>
-          </a:lnRef>
-          <a:fillRef idx="0">
-            <a:scrgbClr r="0" g="0" b="0"/>
-          </a:fillRef>
-          <a:effectRef idx="0">
-            <a:scrgbClr r="0" g="0" b="0"/>
-          </a:effectRef>
-          <a:fontRef idx="minor">
-            <a:schemeClr val="lt1"/>
-          </a:fontRef>
-        </p:style>
-        <p:txBody>
-          <a:bodyPr rtlCol="0" anchor="ctr"/>
-          <a:lstStyle/>
-          <a:p>
-            <a:pPr algn="ctr"/>
-            <a:endParaRPr lang="en-GB"/>
-          </a:p>
-        </p:txBody>
-      </p:sp>
-      <p:sp>
-        <p:nvSpPr>
-          <p:cNvPr id="15" name="Rectangle: Rounded Corners 14">
-            <a:extLst>
-              <a:ext uri="{FF2B5EF4-FFF2-40B4-BE49-F238E27FC236}">
-                <a16:creationId xmlns:a16="http://schemas.microsoft.com/office/drawing/2014/main" id="{D998A320-6C49-DB3D-61F8-E06D54919A14}"/>
-              </a:ext>
-            </a:extLst>
-          </p:cNvPr>
-          <p:cNvSpPr/>
-          <p:nvPr/>
-        </p:nvSpPr>
-        <p:spPr>
-          <a:xfrm>
-            <a:off x="2408581" y="3750365"/>
-            <a:ext cx="1537253" cy="543339"/>
-          </a:xfrm>
-          <a:prstGeom prst="roundRect">
-            <a:avLst/>
-          </a:prstGeom>
-        </p:spPr>
-        <p:style>
-          <a:lnRef idx="2">
-            <a:schemeClr val="accent6">
-              <a:shade val="15000"/>
-            </a:schemeClr>
-          </a:lnRef>
-          <a:fillRef idx="1">
-            <a:schemeClr val="accent6"/>
-          </a:fillRef>
-          <a:effectRef idx="0">
-            <a:schemeClr val="accent6"/>
-          </a:effectRef>
-          <a:fontRef idx="minor">
-            <a:schemeClr val="lt1"/>
-          </a:fontRef>
-        </p:style>
-        <p:txBody>
-          <a:bodyPr rtlCol="0" anchor="ctr"/>
-          <a:lstStyle/>
-          <a:p>
-            <a:pPr algn="ctr"/>
-            <a:r>
-              <a:rPr lang="en-GB" dirty="0"/>
-              <a:t>disengaged</a:t>
-            </a:r>
-          </a:p>
-        </p:txBody>
-      </p:sp>
-      <p:sp>
-        <p:nvSpPr>
-          <p:cNvPr id="16" name="Rectangle: Rounded Corners 15">
-            <a:extLst>
-              <a:ext uri="{FF2B5EF4-FFF2-40B4-BE49-F238E27FC236}">
-                <a16:creationId xmlns:a16="http://schemas.microsoft.com/office/drawing/2014/main" id="{A726DE8D-C94E-4FDC-8493-49BBDB2E7332}"/>
-              </a:ext>
-            </a:extLst>
-          </p:cNvPr>
-          <p:cNvSpPr/>
-          <p:nvPr/>
-        </p:nvSpPr>
-        <p:spPr>
-          <a:xfrm>
-            <a:off x="5277672" y="2720005"/>
-            <a:ext cx="1537253" cy="543339"/>
-          </a:xfrm>
-          <a:prstGeom prst="roundRect">
-            <a:avLst/>
-          </a:prstGeom>
-          <a:solidFill>
-            <a:srgbClr val="C00000"/>
-          </a:solidFill>
-        </p:spPr>
-        <p:style>
-          <a:lnRef idx="2">
-            <a:schemeClr val="accent1">
-              <a:shade val="15000"/>
-            </a:schemeClr>
-          </a:lnRef>
-          <a:fillRef idx="1">
-            <a:schemeClr val="accent1"/>
-          </a:fillRef>
-          <a:effectRef idx="0">
-            <a:schemeClr val="accent1"/>
-          </a:effectRef>
-          <a:fontRef idx="minor">
-            <a:schemeClr val="lt1"/>
-          </a:fontRef>
-        </p:style>
-        <p:txBody>
-          <a:bodyPr rtlCol="0" anchor="ctr"/>
-          <a:lstStyle/>
-          <a:p>
-            <a:pPr algn="ctr"/>
-            <a:r>
-              <a:rPr lang="en-GB" dirty="0"/>
-              <a:t>emergency</a:t>
-            </a:r>
-          </a:p>
-        </p:txBody>
-      </p:sp>
-      <p:sp>
-        <p:nvSpPr>
-          <p:cNvPr id="17" name="Rectangle: Rounded Corners 16">
-            <a:extLst>
-              <a:ext uri="{FF2B5EF4-FFF2-40B4-BE49-F238E27FC236}">
-                <a16:creationId xmlns:a16="http://schemas.microsoft.com/office/drawing/2014/main" id="{587D9DC9-2CA3-7D48-37D8-F39E8690DADB}"/>
-              </a:ext>
-            </a:extLst>
-          </p:cNvPr>
-          <p:cNvSpPr/>
-          <p:nvPr/>
-        </p:nvSpPr>
-        <p:spPr>
-          <a:xfrm>
-            <a:off x="8150070" y="3750365"/>
-            <a:ext cx="1537253" cy="543339"/>
-          </a:xfrm>
-          <a:prstGeom prst="roundRect">
-            <a:avLst/>
-          </a:prstGeom>
-        </p:spPr>
-        <p:style>
-          <a:lnRef idx="2">
-            <a:schemeClr val="accent2">
-              <a:shade val="15000"/>
-            </a:schemeClr>
-          </a:lnRef>
-          <a:fillRef idx="1">
-            <a:schemeClr val="accent2"/>
-          </a:fillRef>
-          <a:effectRef idx="0">
-            <a:schemeClr val="accent2"/>
-          </a:effectRef>
-          <a:fontRef idx="minor">
-            <a:schemeClr val="lt1"/>
-          </a:fontRef>
-        </p:style>
-        <p:txBody>
-          <a:bodyPr rtlCol="0" anchor="ctr"/>
-          <a:lstStyle/>
-          <a:p>
-            <a:pPr algn="ctr"/>
-            <a:r>
-              <a:rPr lang="en-GB" dirty="0"/>
-              <a:t>recovery</a:t>
-            </a:r>
-          </a:p>
-        </p:txBody>
-      </p:sp>
-      <p:sp>
-        <p:nvSpPr>
-          <p:cNvPr id="18" name="Rectangle: Rounded Corners 17">
-            <a:extLst>
-              <a:ext uri="{FF2B5EF4-FFF2-40B4-BE49-F238E27FC236}">
-                <a16:creationId xmlns:a16="http://schemas.microsoft.com/office/drawing/2014/main" id="{6F99A7CC-278F-49AB-BEC0-3240196F070A}"/>
-              </a:ext>
-            </a:extLst>
-          </p:cNvPr>
-          <p:cNvSpPr/>
-          <p:nvPr/>
-        </p:nvSpPr>
-        <p:spPr>
-          <a:xfrm>
-            <a:off x="5327372" y="5382885"/>
-            <a:ext cx="1537253" cy="543339"/>
-          </a:xfrm>
-          <a:prstGeom prst="roundRect">
-            <a:avLst/>
-          </a:prstGeom>
-        </p:spPr>
-        <p:style>
-          <a:lnRef idx="2">
-            <a:schemeClr val="accent4">
-              <a:shade val="15000"/>
-            </a:schemeClr>
-          </a:lnRef>
-          <a:fillRef idx="1">
-            <a:schemeClr val="accent4"/>
-          </a:fillRef>
-          <a:effectRef idx="0">
-            <a:schemeClr val="accent4"/>
-          </a:effectRef>
-          <a:fontRef idx="minor">
-            <a:schemeClr val="lt1"/>
-          </a:fontRef>
-        </p:style>
-        <p:txBody>
-          <a:bodyPr rtlCol="0" anchor="ctr"/>
-          <a:lstStyle/>
-          <a:p>
-            <a:pPr algn="ctr"/>
-            <a:r>
-              <a:rPr lang="en-GB" dirty="0"/>
-              <a:t>stabilize</a:t>
-            </a:r>
-          </a:p>
-        </p:txBody>
-      </p:sp>
-      <p:sp>
-        <p:nvSpPr>
-          <p:cNvPr id="19" name="Rectangle: Rounded Corners 18">
-            <a:extLst>
-              <a:ext uri="{FF2B5EF4-FFF2-40B4-BE49-F238E27FC236}">
-                <a16:creationId xmlns:a16="http://schemas.microsoft.com/office/drawing/2014/main" id="{28358A02-5642-E470-5E35-E6FAE4306DE1}"/>
-              </a:ext>
-            </a:extLst>
-          </p:cNvPr>
-          <p:cNvSpPr/>
-          <p:nvPr/>
-        </p:nvSpPr>
-        <p:spPr>
-          <a:xfrm>
-            <a:off x="1278834" y="3902765"/>
-            <a:ext cx="233559" cy="238538"/>
-          </a:xfrm>
-          <a:prstGeom prst="roundRect">
-            <a:avLst/>
-          </a:prstGeom>
-        </p:spPr>
-        <p:style>
-          <a:lnRef idx="2">
-            <a:schemeClr val="accent1">
-              <a:shade val="15000"/>
-            </a:schemeClr>
-          </a:lnRef>
-          <a:fillRef idx="1">
-            <a:schemeClr val="accent1"/>
-          </a:fillRef>
-          <a:effectRef idx="0">
-            <a:schemeClr val="accent1"/>
-          </a:effectRef>
-          <a:fontRef idx="minor">
-            <a:schemeClr val="lt1"/>
-          </a:fontRef>
-        </p:style>
-        <p:txBody>
-          <a:bodyPr rtlCol="0" anchor="ctr"/>
-          <a:lstStyle/>
-          <a:p>
-            <a:pPr algn="ctr"/>
+          <p:cNvPr id="5" name="Content Placeholder 4">
+            <a:extLst>
+              <a:ext uri="{FF2B5EF4-FFF2-40B4-BE49-F238E27FC236}">
+                <a16:creationId xmlns:a16="http://schemas.microsoft.com/office/drawing/2014/main" id="{B61E349F-D45E-8B29-312A-7BEFB7A07CCE}"/>
+              </a:ext>
+            </a:extLst>
+          </p:cNvPr>
+          <p:cNvSpPr>
+            <a:spLocks noGrp="1"/>
+          </p:cNvSpPr>
+          <p:nvPr>
+            <p:ph idx="1"/>
+          </p:nvPr>
+        </p:nvSpPr>
+        <p:spPr>
+          <a:xfrm>
+            <a:off x="838200" y="1023582"/>
+            <a:ext cx="10515600" cy="5153381"/>
+          </a:xfrm>
+        </p:spPr>
+        <p:txBody>
+          <a:bodyPr/>
+          <a:lstStyle/>
+          <a:p>
+            <a:r>
+              <a:rPr lang="en-GB" dirty="0"/>
+              <a:t>The GCAS component detect potential ground collision and set the GCAS state accordingly (see next slide)</a:t>
+            </a:r>
+          </a:p>
+          <a:p>
             <a:endParaRPr lang="en-GB" dirty="0"/>
           </a:p>
-        </p:txBody>
-      </p:sp>
-      <p:cxnSp>
-        <p:nvCxnSpPr>
-          <p:cNvPr id="21" name="Straight Arrow Connector 20">
-            <a:extLst>
-              <a:ext uri="{FF2B5EF4-FFF2-40B4-BE49-F238E27FC236}">
-                <a16:creationId xmlns:a16="http://schemas.microsoft.com/office/drawing/2014/main" id="{7784086F-9131-3D50-706C-67B8773CAC77}"/>
-              </a:ext>
-            </a:extLst>
-          </p:cNvPr>
-          <p:cNvCxnSpPr>
-            <a:stCxn id="19" idx="3"/>
-            <a:endCxn id="15" idx="1"/>
-          </p:cNvCxnSpPr>
-          <p:nvPr/>
-        </p:nvCxnSpPr>
-        <p:spPr>
-          <a:xfrm>
-            <a:off x="1512393" y="4022034"/>
-            <a:ext cx="896188" cy="1"/>
-          </a:xfrm>
-          <a:prstGeom prst="straightConnector1">
-            <a:avLst/>
-          </a:prstGeom>
-          <a:ln w="38100">
-            <a:tailEnd type="triangle"/>
-          </a:ln>
-        </p:spPr>
-        <p:style>
-          <a:lnRef idx="3">
-            <a:schemeClr val="accent6"/>
-          </a:lnRef>
-          <a:fillRef idx="0">
-            <a:schemeClr val="accent6"/>
-          </a:fillRef>
-          <a:effectRef idx="2">
-            <a:schemeClr val="accent6"/>
-          </a:effectRef>
-          <a:fontRef idx="minor">
-            <a:schemeClr val="tx1"/>
-          </a:fontRef>
-        </p:style>
-      </p:cxnSp>
-      <p:cxnSp>
-        <p:nvCxnSpPr>
-          <p:cNvPr id="22" name="Straight Arrow Connector 21">
-            <a:extLst>
-              <a:ext uri="{FF2B5EF4-FFF2-40B4-BE49-F238E27FC236}">
-                <a16:creationId xmlns:a16="http://schemas.microsoft.com/office/drawing/2014/main" id="{16D95CCA-2F4D-E0A5-9056-C152D2027563}"/>
-              </a:ext>
-            </a:extLst>
-          </p:cNvPr>
-          <p:cNvCxnSpPr>
-            <a:cxnSpLocks/>
-            <a:stCxn id="15" idx="0"/>
-            <a:endCxn id="16" idx="1"/>
-          </p:cNvCxnSpPr>
-          <p:nvPr/>
-        </p:nvCxnSpPr>
-        <p:spPr>
-          <a:xfrm flipV="1">
-            <a:off x="3177208" y="2991675"/>
-            <a:ext cx="2100464" cy="758690"/>
-          </a:xfrm>
-          <a:prstGeom prst="straightConnector1">
-            <a:avLst/>
-          </a:prstGeom>
-          <a:ln w="38100">
-            <a:solidFill>
-              <a:srgbClr val="C00000"/>
-            </a:solidFill>
-            <a:tailEnd type="triangle"/>
-          </a:ln>
-        </p:spPr>
-        <p:style>
-          <a:lnRef idx="2">
-            <a:schemeClr val="accent1"/>
-          </a:lnRef>
-          <a:fillRef idx="0">
-            <a:schemeClr val="accent1"/>
-          </a:fillRef>
-          <a:effectRef idx="1">
-            <a:schemeClr val="accent1"/>
-          </a:effectRef>
-          <a:fontRef idx="minor">
-            <a:schemeClr val="tx1"/>
-          </a:fontRef>
-        </p:style>
-      </p:cxnSp>
-      <p:cxnSp>
-        <p:nvCxnSpPr>
-          <p:cNvPr id="25" name="Straight Arrow Connector 24">
-            <a:extLst>
-              <a:ext uri="{FF2B5EF4-FFF2-40B4-BE49-F238E27FC236}">
-                <a16:creationId xmlns:a16="http://schemas.microsoft.com/office/drawing/2014/main" id="{C28CD740-A86A-846A-B336-79223F2DAC78}"/>
-              </a:ext>
-            </a:extLst>
-          </p:cNvPr>
-          <p:cNvCxnSpPr>
-            <a:cxnSpLocks/>
-            <a:stCxn id="16" idx="3"/>
-            <a:endCxn id="17" idx="0"/>
-          </p:cNvCxnSpPr>
-          <p:nvPr/>
-        </p:nvCxnSpPr>
-        <p:spPr>
-          <a:xfrm>
-            <a:off x="6814925" y="2991675"/>
-            <a:ext cx="2103772" cy="758690"/>
-          </a:xfrm>
-          <a:prstGeom prst="straightConnector1">
-            <a:avLst/>
-          </a:prstGeom>
-          <a:ln w="38100">
-            <a:tailEnd type="triangle"/>
-          </a:ln>
-        </p:spPr>
-        <p:style>
-          <a:lnRef idx="3">
-            <a:schemeClr val="accent6"/>
-          </a:lnRef>
-          <a:fillRef idx="0">
-            <a:schemeClr val="accent6"/>
-          </a:fillRef>
-          <a:effectRef idx="2">
-            <a:schemeClr val="accent6"/>
-          </a:effectRef>
-          <a:fontRef idx="minor">
-            <a:schemeClr val="tx1"/>
-          </a:fontRef>
-        </p:style>
-      </p:cxnSp>
-      <p:cxnSp>
-        <p:nvCxnSpPr>
-          <p:cNvPr id="28" name="Straight Arrow Connector 27">
-            <a:extLst>
-              <a:ext uri="{FF2B5EF4-FFF2-40B4-BE49-F238E27FC236}">
-                <a16:creationId xmlns:a16="http://schemas.microsoft.com/office/drawing/2014/main" id="{123A1647-CB1B-3B40-DA94-D89F26C7339E}"/>
-              </a:ext>
-            </a:extLst>
-          </p:cNvPr>
-          <p:cNvCxnSpPr>
-            <a:cxnSpLocks/>
-            <a:stCxn id="17" idx="2"/>
-            <a:endCxn id="18" idx="3"/>
-          </p:cNvCxnSpPr>
-          <p:nvPr/>
-        </p:nvCxnSpPr>
-        <p:spPr>
-          <a:xfrm flipH="1">
-            <a:off x="6864625" y="4293704"/>
-            <a:ext cx="2054072" cy="1360851"/>
-          </a:xfrm>
-          <a:prstGeom prst="straightConnector1">
-            <a:avLst/>
-          </a:prstGeom>
-          <a:ln w="38100">
-            <a:tailEnd type="triangle"/>
-          </a:ln>
-        </p:spPr>
-        <p:style>
-          <a:lnRef idx="3">
-            <a:schemeClr val="accent6"/>
-          </a:lnRef>
-          <a:fillRef idx="0">
-            <a:schemeClr val="accent6"/>
-          </a:fillRef>
-          <a:effectRef idx="2">
-            <a:schemeClr val="accent6"/>
-          </a:effectRef>
-          <a:fontRef idx="minor">
-            <a:schemeClr val="tx1"/>
-          </a:fontRef>
-        </p:style>
-      </p:cxnSp>
-      <p:cxnSp>
-        <p:nvCxnSpPr>
-          <p:cNvPr id="31" name="Straight Arrow Connector 30">
-            <a:extLst>
-              <a:ext uri="{FF2B5EF4-FFF2-40B4-BE49-F238E27FC236}">
-                <a16:creationId xmlns:a16="http://schemas.microsoft.com/office/drawing/2014/main" id="{63600C65-E2DF-2B2D-650A-1587B45AB3C0}"/>
-              </a:ext>
-            </a:extLst>
-          </p:cNvPr>
-          <p:cNvCxnSpPr>
-            <a:cxnSpLocks/>
-            <a:stCxn id="18" idx="1"/>
-            <a:endCxn id="15" idx="2"/>
-          </p:cNvCxnSpPr>
-          <p:nvPr/>
-        </p:nvCxnSpPr>
-        <p:spPr>
-          <a:xfrm flipH="1" flipV="1">
-            <a:off x="3177208" y="4293704"/>
-            <a:ext cx="2150164" cy="1360851"/>
-          </a:xfrm>
-          <a:prstGeom prst="straightConnector1">
-            <a:avLst/>
-          </a:prstGeom>
-          <a:ln w="38100">
-            <a:tailEnd type="triangle"/>
-          </a:ln>
-        </p:spPr>
-        <p:style>
-          <a:lnRef idx="3">
-            <a:schemeClr val="accent6"/>
-          </a:lnRef>
-          <a:fillRef idx="0">
-            <a:schemeClr val="accent6"/>
-          </a:fillRef>
-          <a:effectRef idx="2">
-            <a:schemeClr val="accent6"/>
-          </a:effectRef>
-          <a:fontRef idx="minor">
-            <a:schemeClr val="tx1"/>
-          </a:fontRef>
-        </p:style>
-      </p:cxnSp>
-      <p:sp>
-        <p:nvSpPr>
-          <p:cNvPr id="37" name="TextBox 36">
-            <a:extLst>
-              <a:ext uri="{FF2B5EF4-FFF2-40B4-BE49-F238E27FC236}">
-                <a16:creationId xmlns:a16="http://schemas.microsoft.com/office/drawing/2014/main" id="{43CCEA19-983C-53D8-C357-CBE49C50F1A3}"/>
-              </a:ext>
-            </a:extLst>
-          </p:cNvPr>
-          <p:cNvSpPr txBox="1"/>
-          <p:nvPr/>
-        </p:nvSpPr>
-        <p:spPr>
-          <a:xfrm rot="20379495">
-            <a:off x="3611984" y="3117233"/>
-            <a:ext cx="1284326" cy="253916"/>
-          </a:xfrm>
-          <a:prstGeom prst="rect">
-            <a:avLst/>
-          </a:prstGeom>
-          <a:noFill/>
-        </p:spPr>
-        <p:txBody>
-          <a:bodyPr wrap="none" rtlCol="0">
-            <a:spAutoFit/>
-          </a:bodyPr>
-          <a:lstStyle/>
-          <a:p>
-            <a:r>
-              <a:rPr lang="en-GB" sz="1050" dirty="0"/>
-              <a:t>Collision predicted</a:t>
-            </a:r>
-          </a:p>
-        </p:txBody>
-      </p:sp>
-      <p:sp>
-        <p:nvSpPr>
-          <p:cNvPr id="38" name="TextBox 37">
-            <a:extLst>
-              <a:ext uri="{FF2B5EF4-FFF2-40B4-BE49-F238E27FC236}">
-                <a16:creationId xmlns:a16="http://schemas.microsoft.com/office/drawing/2014/main" id="{C0AF6DFC-C08F-6B8F-03E7-126E1BEA26ED}"/>
-              </a:ext>
-            </a:extLst>
-          </p:cNvPr>
-          <p:cNvSpPr txBox="1"/>
-          <p:nvPr/>
-        </p:nvSpPr>
-        <p:spPr>
-          <a:xfrm>
-            <a:off x="7433404" y="2980677"/>
-            <a:ext cx="1699504" cy="253916"/>
-          </a:xfrm>
-          <a:prstGeom prst="rect">
-            <a:avLst/>
-          </a:prstGeom>
-          <a:noFill/>
-        </p:spPr>
-        <p:txBody>
-          <a:bodyPr wrap="none" rtlCol="0">
-            <a:spAutoFit/>
-          </a:bodyPr>
-          <a:lstStyle/>
-          <a:p>
-            <a:r>
-              <a:rPr lang="en-GB" sz="1050" dirty="0"/>
-              <a:t>Vertical speed &gt; threshold</a:t>
-            </a:r>
-          </a:p>
-        </p:txBody>
-      </p:sp>
-      <p:sp>
-        <p:nvSpPr>
-          <p:cNvPr id="39" name="TextBox 38">
-            <a:extLst>
-              <a:ext uri="{FF2B5EF4-FFF2-40B4-BE49-F238E27FC236}">
-                <a16:creationId xmlns:a16="http://schemas.microsoft.com/office/drawing/2014/main" id="{E3E74C85-DAD2-DD31-9C79-8BB26985CD58}"/>
-              </a:ext>
-            </a:extLst>
-          </p:cNvPr>
-          <p:cNvSpPr txBox="1"/>
-          <p:nvPr/>
-        </p:nvSpPr>
-        <p:spPr>
-          <a:xfrm>
-            <a:off x="7866811" y="4973598"/>
-            <a:ext cx="1322798" cy="253916"/>
-          </a:xfrm>
-          <a:prstGeom prst="rect">
-            <a:avLst/>
-          </a:prstGeom>
-          <a:noFill/>
-        </p:spPr>
-        <p:txBody>
-          <a:bodyPr wrap="none" rtlCol="0">
-            <a:spAutoFit/>
-          </a:bodyPr>
-          <a:lstStyle/>
-          <a:p>
-            <a:r>
-              <a:rPr lang="en-GB" sz="1050" dirty="0"/>
-              <a:t>Altitude &gt; threshold</a:t>
-            </a:r>
-          </a:p>
-        </p:txBody>
-      </p:sp>
-      <p:sp>
-        <p:nvSpPr>
-          <p:cNvPr id="40" name="TextBox 39">
-            <a:extLst>
-              <a:ext uri="{FF2B5EF4-FFF2-40B4-BE49-F238E27FC236}">
-                <a16:creationId xmlns:a16="http://schemas.microsoft.com/office/drawing/2014/main" id="{F4A25796-A536-C9B9-7A16-D3E9CD3B0AB5}"/>
-              </a:ext>
-            </a:extLst>
-          </p:cNvPr>
-          <p:cNvSpPr txBox="1"/>
-          <p:nvPr/>
-        </p:nvSpPr>
-        <p:spPr>
-          <a:xfrm>
-            <a:off x="3256729" y="5023656"/>
-            <a:ext cx="1383712" cy="577081"/>
-          </a:xfrm>
-          <a:prstGeom prst="rect">
-            <a:avLst/>
-          </a:prstGeom>
-          <a:noFill/>
-        </p:spPr>
-        <p:txBody>
-          <a:bodyPr wrap="none" rtlCol="0">
-            <a:spAutoFit/>
-          </a:bodyPr>
-          <a:lstStyle/>
-          <a:p>
-            <a:r>
-              <a:rPr lang="en-GB" sz="1050" dirty="0"/>
-              <a:t>Stable flight</a:t>
-            </a:r>
-          </a:p>
-          <a:p>
-            <a:r>
-              <a:rPr lang="en-GB" sz="1050" dirty="0"/>
-              <a:t>(Pitch, Roll, Velocity)</a:t>
-            </a:r>
-          </a:p>
-          <a:p>
-            <a:endParaRPr lang="en-GB" sz="1050" dirty="0"/>
-          </a:p>
-        </p:txBody>
-      </p:sp>
-      <p:cxnSp>
-        <p:nvCxnSpPr>
-          <p:cNvPr id="41" name="Straight Arrow Connector 40">
-            <a:extLst>
-              <a:ext uri="{FF2B5EF4-FFF2-40B4-BE49-F238E27FC236}">
-                <a16:creationId xmlns:a16="http://schemas.microsoft.com/office/drawing/2014/main" id="{C26CFC36-F5C3-E96C-365E-2348EBA0CBE5}"/>
-              </a:ext>
-            </a:extLst>
-          </p:cNvPr>
-          <p:cNvCxnSpPr>
-            <a:cxnSpLocks/>
-            <a:stCxn id="17" idx="1"/>
-            <a:endCxn id="16" idx="2"/>
-          </p:cNvCxnSpPr>
-          <p:nvPr/>
-        </p:nvCxnSpPr>
-        <p:spPr>
-          <a:xfrm flipH="1" flipV="1">
-            <a:off x="6046299" y="3263344"/>
-            <a:ext cx="2103771" cy="758691"/>
-          </a:xfrm>
-          <a:prstGeom prst="straightConnector1">
-            <a:avLst/>
-          </a:prstGeom>
-          <a:ln w="38100">
-            <a:solidFill>
-              <a:srgbClr val="C00000"/>
-            </a:solidFill>
-            <a:tailEnd type="triangle"/>
-          </a:ln>
-        </p:spPr>
-        <p:style>
-          <a:lnRef idx="2">
-            <a:schemeClr val="accent1"/>
-          </a:lnRef>
-          <a:fillRef idx="0">
-            <a:schemeClr val="accent1"/>
-          </a:fillRef>
-          <a:effectRef idx="1">
-            <a:schemeClr val="accent1"/>
-          </a:effectRef>
-          <a:fontRef idx="minor">
-            <a:schemeClr val="tx1"/>
-          </a:fontRef>
-        </p:style>
-      </p:cxnSp>
-      <p:cxnSp>
-        <p:nvCxnSpPr>
-          <p:cNvPr id="45" name="Straight Arrow Connector 44">
-            <a:extLst>
-              <a:ext uri="{FF2B5EF4-FFF2-40B4-BE49-F238E27FC236}">
-                <a16:creationId xmlns:a16="http://schemas.microsoft.com/office/drawing/2014/main" id="{14026901-2045-B7B5-4BD2-B4BF5A4AB1B5}"/>
-              </a:ext>
-            </a:extLst>
-          </p:cNvPr>
-          <p:cNvCxnSpPr>
-            <a:cxnSpLocks/>
-            <a:stCxn id="18" idx="0"/>
-            <a:endCxn id="16" idx="2"/>
-          </p:cNvCxnSpPr>
-          <p:nvPr/>
-        </p:nvCxnSpPr>
-        <p:spPr>
-          <a:xfrm flipH="1" flipV="1">
-            <a:off x="6046299" y="3263344"/>
-            <a:ext cx="49700" cy="2119541"/>
-          </a:xfrm>
-          <a:prstGeom prst="straightConnector1">
-            <a:avLst/>
-          </a:prstGeom>
-          <a:ln w="38100">
-            <a:solidFill>
-              <a:srgbClr val="C00000"/>
-            </a:solidFill>
-            <a:tailEnd type="triangle"/>
-          </a:ln>
-        </p:spPr>
-        <p:style>
-          <a:lnRef idx="2">
-            <a:schemeClr val="accent1"/>
-          </a:lnRef>
-          <a:fillRef idx="0">
-            <a:schemeClr val="accent1"/>
-          </a:fillRef>
-          <a:effectRef idx="1">
-            <a:schemeClr val="accent1"/>
-          </a:effectRef>
-          <a:fontRef idx="minor">
-            <a:schemeClr val="tx1"/>
-          </a:fontRef>
-        </p:style>
-      </p:cxnSp>
-      <p:sp>
-        <p:nvSpPr>
-          <p:cNvPr id="48" name="TextBox 47">
-            <a:extLst>
-              <a:ext uri="{FF2B5EF4-FFF2-40B4-BE49-F238E27FC236}">
-                <a16:creationId xmlns:a16="http://schemas.microsoft.com/office/drawing/2014/main" id="{D66B4800-130F-3ECA-AB82-9B332F57A642}"/>
-              </a:ext>
-            </a:extLst>
-          </p:cNvPr>
-          <p:cNvSpPr txBox="1"/>
-          <p:nvPr/>
-        </p:nvSpPr>
-        <p:spPr>
-          <a:xfrm rot="16200000">
-            <a:off x="5277177" y="4109862"/>
-            <a:ext cx="1284326" cy="253916"/>
-          </a:xfrm>
-          <a:prstGeom prst="rect">
-            <a:avLst/>
-          </a:prstGeom>
-          <a:noFill/>
-        </p:spPr>
-        <p:txBody>
-          <a:bodyPr wrap="none" rtlCol="0">
-            <a:spAutoFit/>
-          </a:bodyPr>
-          <a:lstStyle/>
-          <a:p>
-            <a:r>
-              <a:rPr lang="en-GB" sz="1050" dirty="0"/>
-              <a:t>Collision predicted</a:t>
-            </a:r>
-          </a:p>
-        </p:txBody>
-      </p:sp>
-      <p:sp>
-        <p:nvSpPr>
-          <p:cNvPr id="49" name="TextBox 48">
-            <a:extLst>
-              <a:ext uri="{FF2B5EF4-FFF2-40B4-BE49-F238E27FC236}">
-                <a16:creationId xmlns:a16="http://schemas.microsoft.com/office/drawing/2014/main" id="{6FD70617-0969-4B8D-9BBF-358285E7529B}"/>
-              </a:ext>
-            </a:extLst>
-          </p:cNvPr>
-          <p:cNvSpPr txBox="1"/>
-          <p:nvPr/>
-        </p:nvSpPr>
-        <p:spPr>
-          <a:xfrm rot="1241175">
-            <a:off x="6367012" y="3591463"/>
-            <a:ext cx="1284326" cy="253916"/>
-          </a:xfrm>
-          <a:prstGeom prst="rect">
-            <a:avLst/>
-          </a:prstGeom>
-          <a:noFill/>
-        </p:spPr>
-        <p:txBody>
-          <a:bodyPr wrap="none" rtlCol="0">
-            <a:spAutoFit/>
-          </a:bodyPr>
-          <a:lstStyle/>
-          <a:p>
-            <a:r>
-              <a:rPr lang="en-GB" sz="1050" dirty="0"/>
-              <a:t>Collision predicted</a:t>
+          <a:p>
+            <a:r>
+              <a:rPr lang="en-GB" dirty="0"/>
+              <a:t>The GCAS state is checked by the AFDS component and the AFDS.GCAS function of this component implements the required manoeuvre.</a:t>
             </a:r>
           </a:p>
         </p:txBody>
@@ -9534,7 +11186,7 @@
     </p:spTree>
     <p:extLst>
       <p:ext uri="{BB962C8B-B14F-4D97-AF65-F5344CB8AC3E}">
-        <p14:creationId xmlns:p14="http://schemas.microsoft.com/office/powerpoint/2010/main" val="4292345501"/>
+        <p14:creationId xmlns:p14="http://schemas.microsoft.com/office/powerpoint/2010/main" val="644809004"/>
       </p:ext>
     </p:extLst>
   </p:cSld>
@@ -9563,61 +11215,1277 @@
       </p:grpSpPr>
       <p:sp>
         <p:nvSpPr>
-          <p:cNvPr id="4" name="Title 3">
-            <a:extLst>
-              <a:ext uri="{FF2B5EF4-FFF2-40B4-BE49-F238E27FC236}">
-                <a16:creationId xmlns:a16="http://schemas.microsoft.com/office/drawing/2014/main" id="{472D649A-9B92-6EFA-D47E-7826AD2A195A}"/>
-              </a:ext>
-            </a:extLst>
-          </p:cNvPr>
-          <p:cNvSpPr>
-            <a:spLocks noGrp="1"/>
-          </p:cNvSpPr>
-          <p:nvPr>
-            <p:ph type="title"/>
-          </p:nvPr>
-        </p:nvSpPr>
-        <p:spPr/>
-        <p:txBody>
-          <a:bodyPr/>
-          <a:lstStyle/>
-          <a:p>
-            <a:r>
-              <a:rPr lang="en-GB" dirty="0"/>
-              <a:t>AFDS</a:t>
-            </a:r>
-          </a:p>
-        </p:txBody>
-      </p:sp>
-      <p:sp>
-        <p:nvSpPr>
-          <p:cNvPr id="5" name="Text Placeholder 4">
-            <a:extLst>
-              <a:ext uri="{FF2B5EF4-FFF2-40B4-BE49-F238E27FC236}">
-                <a16:creationId xmlns:a16="http://schemas.microsoft.com/office/drawing/2014/main" id="{449E2105-10CC-E5C0-9DA8-FA5BFA2EF15E}"/>
-              </a:ext>
-            </a:extLst>
-          </p:cNvPr>
-          <p:cNvSpPr>
-            <a:spLocks noGrp="1"/>
-          </p:cNvSpPr>
-          <p:nvPr>
-            <p:ph type="body" idx="1"/>
-          </p:nvPr>
-        </p:nvSpPr>
-        <p:spPr/>
-        <p:txBody>
-          <a:bodyPr/>
-          <a:lstStyle/>
-          <a:p>
+          <p:cNvPr id="4" name="Rectangle 3">
+            <a:extLst>
+              <a:ext uri="{FF2B5EF4-FFF2-40B4-BE49-F238E27FC236}">
+                <a16:creationId xmlns:a16="http://schemas.microsoft.com/office/drawing/2014/main" id="{389CF64B-3EFF-A590-EFF2-279B2131A72F}"/>
+              </a:ext>
+            </a:extLst>
+          </p:cNvPr>
+          <p:cNvSpPr/>
+          <p:nvPr/>
+        </p:nvSpPr>
+        <p:spPr>
+          <a:xfrm>
+            <a:off x="3707295" y="474583"/>
+            <a:ext cx="4777409" cy="1560434"/>
+          </a:xfrm>
+          <a:prstGeom prst="rect">
+            <a:avLst/>
+          </a:prstGeom>
+          <a:solidFill>
+            <a:schemeClr val="dk1">
+              <a:alpha val="50000"/>
+            </a:schemeClr>
+          </a:solidFill>
+          <a:ln>
+            <a:noFill/>
+          </a:ln>
+        </p:spPr>
+        <p:style>
+          <a:lnRef idx="0">
+            <a:scrgbClr r="0" g="0" b="0"/>
+          </a:lnRef>
+          <a:fillRef idx="0">
+            <a:scrgbClr r="0" g="0" b="0"/>
+          </a:fillRef>
+          <a:effectRef idx="0">
+            <a:scrgbClr r="0" g="0" b="0"/>
+          </a:effectRef>
+          <a:fontRef idx="minor">
+            <a:schemeClr val="lt1"/>
+          </a:fontRef>
+        </p:style>
+        <p:txBody>
+          <a:bodyPr rtlCol="0" anchor="t"/>
+          <a:lstStyle/>
+          <a:p>
+            <a:pPr algn="ctr"/>
+            <a:r>
+              <a:rPr lang="en-GB" sz="2000" dirty="0"/>
+              <a:t>GCAS</a:t>
+            </a:r>
+          </a:p>
+        </p:txBody>
+      </p:sp>
+      <p:sp>
+        <p:nvSpPr>
+          <p:cNvPr id="5" name="Rectangle 4">
+            <a:extLst>
+              <a:ext uri="{FF2B5EF4-FFF2-40B4-BE49-F238E27FC236}">
+                <a16:creationId xmlns:a16="http://schemas.microsoft.com/office/drawing/2014/main" id="{A6741F20-9DB9-A130-F066-E4A76DA80ECD}"/>
+              </a:ext>
+            </a:extLst>
+          </p:cNvPr>
+          <p:cNvSpPr/>
+          <p:nvPr/>
+        </p:nvSpPr>
+        <p:spPr>
+          <a:xfrm>
+            <a:off x="5396942" y="931776"/>
+            <a:ext cx="1417983" cy="987287"/>
+          </a:xfrm>
+          <a:prstGeom prst="rect">
+            <a:avLst/>
+          </a:prstGeom>
+        </p:spPr>
+        <p:style>
+          <a:lnRef idx="3">
+            <a:schemeClr val="lt1"/>
+          </a:lnRef>
+          <a:fillRef idx="1">
+            <a:schemeClr val="accent1"/>
+          </a:fillRef>
+          <a:effectRef idx="1">
+            <a:schemeClr val="accent1"/>
+          </a:effectRef>
+          <a:fontRef idx="minor">
+            <a:schemeClr val="lt1"/>
+          </a:fontRef>
+        </p:style>
+        <p:txBody>
+          <a:bodyPr rtlCol="0" anchor="ctr"/>
+          <a:lstStyle/>
+          <a:p>
+            <a:pPr algn="ctr"/>
+            <a:r>
+              <a:rPr lang="en-GB" dirty="0"/>
+              <a:t>GCAS-IMPL</a:t>
+            </a:r>
+          </a:p>
+        </p:txBody>
+      </p:sp>
+      <p:sp>
+        <p:nvSpPr>
+          <p:cNvPr id="6" name="Rectangle 5">
+            <a:extLst>
+              <a:ext uri="{FF2B5EF4-FFF2-40B4-BE49-F238E27FC236}">
+                <a16:creationId xmlns:a16="http://schemas.microsoft.com/office/drawing/2014/main" id="{2E8E28F6-F2FC-47DB-53EE-7D9E16408CA5}"/>
+              </a:ext>
+            </a:extLst>
+          </p:cNvPr>
+          <p:cNvSpPr/>
+          <p:nvPr/>
+        </p:nvSpPr>
+        <p:spPr>
+          <a:xfrm>
+            <a:off x="3826559" y="931775"/>
+            <a:ext cx="1461048" cy="987287"/>
+          </a:xfrm>
+          <a:prstGeom prst="rect">
+            <a:avLst/>
+          </a:prstGeom>
+          <a:solidFill>
+            <a:schemeClr val="dk1">
+              <a:alpha val="50000"/>
+            </a:schemeClr>
+          </a:solidFill>
+          <a:ln>
+            <a:noFill/>
+          </a:ln>
+        </p:spPr>
+        <p:style>
+          <a:lnRef idx="0">
+            <a:scrgbClr r="0" g="0" b="0"/>
+          </a:lnRef>
+          <a:fillRef idx="0">
+            <a:scrgbClr r="0" g="0" b="0"/>
+          </a:fillRef>
+          <a:effectRef idx="0">
+            <a:scrgbClr r="0" g="0" b="0"/>
+          </a:effectRef>
+          <a:fontRef idx="minor">
+            <a:schemeClr val="lt1"/>
+          </a:fontRef>
+        </p:style>
+        <p:txBody>
+          <a:bodyPr rtlCol="0" anchor="ctr"/>
+          <a:lstStyle/>
+          <a:p>
+            <a:pPr algn="ctr"/>
+            <a:r>
+              <a:rPr lang="en-GB" dirty="0"/>
+              <a:t>GCAS-IFACE</a:t>
+            </a:r>
+            <a:endParaRPr lang="en-GB" sz="1100" dirty="0"/>
+          </a:p>
+          <a:p>
+            <a:pPr algn="ctr"/>
+            <a:r>
+              <a:rPr lang="en-GB" sz="1100" dirty="0"/>
+              <a:t>Data Input</a:t>
+            </a:r>
+          </a:p>
+        </p:txBody>
+      </p:sp>
+      <p:sp>
+        <p:nvSpPr>
+          <p:cNvPr id="7" name="Rectangle 6">
+            <a:extLst>
+              <a:ext uri="{FF2B5EF4-FFF2-40B4-BE49-F238E27FC236}">
+                <a16:creationId xmlns:a16="http://schemas.microsoft.com/office/drawing/2014/main" id="{6BF8C09B-6E85-5F19-A5F2-6A7FA719E047}"/>
+              </a:ext>
+            </a:extLst>
+          </p:cNvPr>
+          <p:cNvSpPr/>
+          <p:nvPr/>
+        </p:nvSpPr>
+        <p:spPr>
+          <a:xfrm>
+            <a:off x="6924261" y="931774"/>
+            <a:ext cx="1461048" cy="987287"/>
+          </a:xfrm>
+          <a:prstGeom prst="rect">
+            <a:avLst/>
+          </a:prstGeom>
+          <a:solidFill>
+            <a:schemeClr val="dk1">
+              <a:alpha val="50000"/>
+            </a:schemeClr>
+          </a:solidFill>
+          <a:ln>
+            <a:noFill/>
+          </a:ln>
+        </p:spPr>
+        <p:style>
+          <a:lnRef idx="0">
+            <a:scrgbClr r="0" g="0" b="0"/>
+          </a:lnRef>
+          <a:fillRef idx="0">
+            <a:scrgbClr r="0" g="0" b="0"/>
+          </a:fillRef>
+          <a:effectRef idx="0">
+            <a:scrgbClr r="0" g="0" b="0"/>
+          </a:effectRef>
+          <a:fontRef idx="minor">
+            <a:schemeClr val="lt1"/>
+          </a:fontRef>
+        </p:style>
+        <p:txBody>
+          <a:bodyPr rtlCol="0" anchor="ctr"/>
+          <a:lstStyle/>
+          <a:p>
+            <a:pPr algn="ctr"/>
+            <a:r>
+              <a:rPr lang="en-GB" dirty="0"/>
+              <a:t>GCAS-IFACE</a:t>
+            </a:r>
+          </a:p>
+          <a:p>
+            <a:pPr algn="ctr"/>
+            <a:r>
+              <a:rPr lang="en-GB" sz="1100" dirty="0"/>
+              <a:t>Data Output</a:t>
+            </a:r>
+          </a:p>
+        </p:txBody>
+      </p:sp>
+      <p:sp>
+        <p:nvSpPr>
+          <p:cNvPr id="8" name="Rectangle: Rounded Corners 7">
+            <a:extLst>
+              <a:ext uri="{FF2B5EF4-FFF2-40B4-BE49-F238E27FC236}">
+                <a16:creationId xmlns:a16="http://schemas.microsoft.com/office/drawing/2014/main" id="{EBC9315B-F62E-C451-4064-95CC5C92E726}"/>
+              </a:ext>
+            </a:extLst>
+          </p:cNvPr>
+          <p:cNvSpPr/>
+          <p:nvPr/>
+        </p:nvSpPr>
+        <p:spPr>
+          <a:xfrm>
+            <a:off x="1156259" y="1444441"/>
+            <a:ext cx="1898379" cy="397565"/>
+          </a:xfrm>
+          <a:prstGeom prst="roundRect">
+            <a:avLst/>
+          </a:prstGeom>
+          <a:solidFill>
+            <a:schemeClr val="dk1">
+              <a:alpha val="50000"/>
+            </a:schemeClr>
+          </a:solidFill>
+          <a:ln>
+            <a:noFill/>
+          </a:ln>
+        </p:spPr>
+        <p:style>
+          <a:lnRef idx="0">
+            <a:scrgbClr r="0" g="0" b="0"/>
+          </a:lnRef>
+          <a:fillRef idx="0">
+            <a:scrgbClr r="0" g="0" b="0"/>
+          </a:fillRef>
+          <a:effectRef idx="0">
+            <a:scrgbClr r="0" g="0" b="0"/>
+          </a:effectRef>
+          <a:fontRef idx="minor">
+            <a:schemeClr val="lt1"/>
+          </a:fontRef>
+        </p:style>
+        <p:txBody>
+          <a:bodyPr rtlCol="0" anchor="ctr"/>
+          <a:lstStyle/>
+          <a:p>
+            <a:pPr algn="ctr"/>
+            <a:r>
+              <a:rPr lang="en-GB" dirty="0"/>
+              <a:t>GCAS Interface</a:t>
+            </a:r>
+          </a:p>
+        </p:txBody>
+      </p:sp>
+      <p:sp>
+        <p:nvSpPr>
+          <p:cNvPr id="9" name="Rectangle: Rounded Corners 8">
+            <a:extLst>
+              <a:ext uri="{FF2B5EF4-FFF2-40B4-BE49-F238E27FC236}">
+                <a16:creationId xmlns:a16="http://schemas.microsoft.com/office/drawing/2014/main" id="{38735929-E813-313D-8692-DA1C46FBE916}"/>
+              </a:ext>
+            </a:extLst>
+          </p:cNvPr>
+          <p:cNvSpPr/>
+          <p:nvPr/>
+        </p:nvSpPr>
+        <p:spPr>
+          <a:xfrm>
+            <a:off x="1154585" y="1040249"/>
+            <a:ext cx="1898379" cy="397565"/>
+          </a:xfrm>
+          <a:prstGeom prst="roundRect">
+            <a:avLst/>
+          </a:prstGeom>
+          <a:solidFill>
+            <a:schemeClr val="dk1">
+              <a:alpha val="50000"/>
+            </a:schemeClr>
+          </a:solidFill>
+          <a:ln>
+            <a:noFill/>
+          </a:ln>
+        </p:spPr>
+        <p:style>
+          <a:lnRef idx="0">
+            <a:scrgbClr r="0" g="0" b="0"/>
+          </a:lnRef>
+          <a:fillRef idx="0">
+            <a:scrgbClr r="0" g="0" b="0"/>
+          </a:fillRef>
+          <a:effectRef idx="0">
+            <a:scrgbClr r="0" g="0" b="0"/>
+          </a:effectRef>
+          <a:fontRef idx="minor">
+            <a:schemeClr val="lt1"/>
+          </a:fontRef>
+        </p:style>
+        <p:txBody>
+          <a:bodyPr rtlCol="0" anchor="ctr"/>
+          <a:lstStyle/>
+          <a:p>
+            <a:pPr algn="ctr"/>
+            <a:r>
+              <a:rPr lang="en-GB" dirty="0"/>
+              <a:t>Aircraft Interface</a:t>
+            </a:r>
+          </a:p>
+        </p:txBody>
+      </p:sp>
+      <p:sp>
+        <p:nvSpPr>
+          <p:cNvPr id="10" name="Rectangle: Rounded Corners 9">
+            <a:extLst>
+              <a:ext uri="{FF2B5EF4-FFF2-40B4-BE49-F238E27FC236}">
+                <a16:creationId xmlns:a16="http://schemas.microsoft.com/office/drawing/2014/main" id="{BC693D19-96BE-943B-6BD0-5B01C64310CF}"/>
+              </a:ext>
+            </a:extLst>
+          </p:cNvPr>
+          <p:cNvSpPr/>
+          <p:nvPr/>
+        </p:nvSpPr>
+        <p:spPr>
+          <a:xfrm>
+            <a:off x="9104233" y="1226634"/>
+            <a:ext cx="1898379" cy="397565"/>
+          </a:xfrm>
+          <a:prstGeom prst="roundRect">
+            <a:avLst/>
+          </a:prstGeom>
+          <a:solidFill>
+            <a:schemeClr val="dk1">
+              <a:alpha val="50000"/>
+            </a:schemeClr>
+          </a:solidFill>
+          <a:ln>
+            <a:noFill/>
+          </a:ln>
+        </p:spPr>
+        <p:style>
+          <a:lnRef idx="0">
+            <a:scrgbClr r="0" g="0" b="0"/>
+          </a:lnRef>
+          <a:fillRef idx="0">
+            <a:scrgbClr r="0" g="0" b="0"/>
+          </a:fillRef>
+          <a:effectRef idx="0">
+            <a:scrgbClr r="0" g="0" b="0"/>
+          </a:effectRef>
+          <a:fontRef idx="minor">
+            <a:schemeClr val="lt1"/>
+          </a:fontRef>
+        </p:style>
+        <p:txBody>
+          <a:bodyPr rtlCol="0" anchor="ctr"/>
+          <a:lstStyle/>
+          <a:p>
+            <a:pPr algn="ctr"/>
+            <a:r>
+              <a:rPr lang="en-GB" dirty="0"/>
+              <a:t>GCAS Interface</a:t>
+            </a:r>
+          </a:p>
+        </p:txBody>
+      </p:sp>
+      <p:sp>
+        <p:nvSpPr>
+          <p:cNvPr id="11" name="Arrow: Right 10">
+            <a:extLst>
+              <a:ext uri="{FF2B5EF4-FFF2-40B4-BE49-F238E27FC236}">
+                <a16:creationId xmlns:a16="http://schemas.microsoft.com/office/drawing/2014/main" id="{B3627525-6D5A-4C56-E171-8C93EB7A6657}"/>
+              </a:ext>
+            </a:extLst>
+          </p:cNvPr>
+          <p:cNvSpPr/>
+          <p:nvPr/>
+        </p:nvSpPr>
+        <p:spPr>
+          <a:xfrm>
+            <a:off x="3177208" y="1239887"/>
+            <a:ext cx="430691" cy="384312"/>
+          </a:xfrm>
+          <a:prstGeom prst="rightArrow">
+            <a:avLst/>
+          </a:prstGeom>
+          <a:solidFill>
+            <a:schemeClr val="dk1">
+              <a:alpha val="50000"/>
+            </a:schemeClr>
+          </a:solidFill>
+          <a:ln>
+            <a:noFill/>
+          </a:ln>
+        </p:spPr>
+        <p:style>
+          <a:lnRef idx="0">
+            <a:scrgbClr r="0" g="0" b="0"/>
+          </a:lnRef>
+          <a:fillRef idx="0">
+            <a:scrgbClr r="0" g="0" b="0"/>
+          </a:fillRef>
+          <a:effectRef idx="0">
+            <a:scrgbClr r="0" g="0" b="0"/>
+          </a:effectRef>
+          <a:fontRef idx="minor">
+            <a:schemeClr val="lt1"/>
+          </a:fontRef>
+        </p:style>
+        <p:txBody>
+          <a:bodyPr rtlCol="0" anchor="ctr"/>
+          <a:lstStyle/>
+          <a:p>
+            <a:pPr algn="ctr"/>
             <a:endParaRPr lang="en-GB"/>
+          </a:p>
+        </p:txBody>
+      </p:sp>
+      <p:sp>
+        <p:nvSpPr>
+          <p:cNvPr id="12" name="Arrow: Right 11">
+            <a:extLst>
+              <a:ext uri="{FF2B5EF4-FFF2-40B4-BE49-F238E27FC236}">
+                <a16:creationId xmlns:a16="http://schemas.microsoft.com/office/drawing/2014/main" id="{97FE958B-6CB7-F7C7-ACDD-B5D5C187A1C8}"/>
+              </a:ext>
+            </a:extLst>
+          </p:cNvPr>
+          <p:cNvSpPr/>
+          <p:nvPr/>
+        </p:nvSpPr>
+        <p:spPr>
+          <a:xfrm>
+            <a:off x="8564207" y="1210059"/>
+            <a:ext cx="430691" cy="384312"/>
+          </a:xfrm>
+          <a:prstGeom prst="rightArrow">
+            <a:avLst/>
+          </a:prstGeom>
+          <a:solidFill>
+            <a:schemeClr val="dk1">
+              <a:alpha val="50000"/>
+            </a:schemeClr>
+          </a:solidFill>
+          <a:ln>
+            <a:noFill/>
+          </a:ln>
+        </p:spPr>
+        <p:style>
+          <a:lnRef idx="0">
+            <a:scrgbClr r="0" g="0" b="0"/>
+          </a:lnRef>
+          <a:fillRef idx="0">
+            <a:scrgbClr r="0" g="0" b="0"/>
+          </a:fillRef>
+          <a:effectRef idx="0">
+            <a:scrgbClr r="0" g="0" b="0"/>
+          </a:effectRef>
+          <a:fontRef idx="minor">
+            <a:schemeClr val="lt1"/>
+          </a:fontRef>
+        </p:style>
+        <p:txBody>
+          <a:bodyPr rtlCol="0" anchor="ctr"/>
+          <a:lstStyle/>
+          <a:p>
+            <a:pPr algn="ctr"/>
+            <a:endParaRPr lang="en-GB"/>
+          </a:p>
+        </p:txBody>
+      </p:sp>
+      <p:sp>
+        <p:nvSpPr>
+          <p:cNvPr id="15" name="Rectangle: Rounded Corners 14">
+            <a:extLst>
+              <a:ext uri="{FF2B5EF4-FFF2-40B4-BE49-F238E27FC236}">
+                <a16:creationId xmlns:a16="http://schemas.microsoft.com/office/drawing/2014/main" id="{D998A320-6C49-DB3D-61F8-E06D54919A14}"/>
+              </a:ext>
+            </a:extLst>
+          </p:cNvPr>
+          <p:cNvSpPr/>
+          <p:nvPr/>
+        </p:nvSpPr>
+        <p:spPr>
+          <a:xfrm>
+            <a:off x="2408581" y="3750365"/>
+            <a:ext cx="1537253" cy="543339"/>
+          </a:xfrm>
+          <a:prstGeom prst="roundRect">
+            <a:avLst/>
+          </a:prstGeom>
+        </p:spPr>
+        <p:style>
+          <a:lnRef idx="2">
+            <a:schemeClr val="accent6">
+              <a:shade val="15000"/>
+            </a:schemeClr>
+          </a:lnRef>
+          <a:fillRef idx="1">
+            <a:schemeClr val="accent6"/>
+          </a:fillRef>
+          <a:effectRef idx="0">
+            <a:schemeClr val="accent6"/>
+          </a:effectRef>
+          <a:fontRef idx="minor">
+            <a:schemeClr val="lt1"/>
+          </a:fontRef>
+        </p:style>
+        <p:txBody>
+          <a:bodyPr rtlCol="0" anchor="ctr"/>
+          <a:lstStyle/>
+          <a:p>
+            <a:pPr algn="ctr"/>
+            <a:r>
+              <a:rPr lang="en-GB" dirty="0"/>
+              <a:t>disengaged</a:t>
+            </a:r>
+          </a:p>
+        </p:txBody>
+      </p:sp>
+      <p:sp>
+        <p:nvSpPr>
+          <p:cNvPr id="16" name="Rectangle: Rounded Corners 15">
+            <a:extLst>
+              <a:ext uri="{FF2B5EF4-FFF2-40B4-BE49-F238E27FC236}">
+                <a16:creationId xmlns:a16="http://schemas.microsoft.com/office/drawing/2014/main" id="{A726DE8D-C94E-4FDC-8493-49BBDB2E7332}"/>
+              </a:ext>
+            </a:extLst>
+          </p:cNvPr>
+          <p:cNvSpPr/>
+          <p:nvPr/>
+        </p:nvSpPr>
+        <p:spPr>
+          <a:xfrm>
+            <a:off x="5277672" y="2720005"/>
+            <a:ext cx="1537253" cy="543339"/>
+          </a:xfrm>
+          <a:prstGeom prst="roundRect">
+            <a:avLst/>
+          </a:prstGeom>
+          <a:solidFill>
+            <a:srgbClr val="C00000"/>
+          </a:solidFill>
+        </p:spPr>
+        <p:style>
+          <a:lnRef idx="2">
+            <a:schemeClr val="accent1">
+              <a:shade val="15000"/>
+            </a:schemeClr>
+          </a:lnRef>
+          <a:fillRef idx="1">
+            <a:schemeClr val="accent1"/>
+          </a:fillRef>
+          <a:effectRef idx="0">
+            <a:schemeClr val="accent1"/>
+          </a:effectRef>
+          <a:fontRef idx="minor">
+            <a:schemeClr val="lt1"/>
+          </a:fontRef>
+        </p:style>
+        <p:txBody>
+          <a:bodyPr rtlCol="0" anchor="ctr"/>
+          <a:lstStyle/>
+          <a:p>
+            <a:pPr algn="ctr"/>
+            <a:r>
+              <a:rPr lang="en-GB" dirty="0"/>
+              <a:t>emergency</a:t>
+            </a:r>
+          </a:p>
+        </p:txBody>
+      </p:sp>
+      <p:sp>
+        <p:nvSpPr>
+          <p:cNvPr id="17" name="Rectangle: Rounded Corners 16">
+            <a:extLst>
+              <a:ext uri="{FF2B5EF4-FFF2-40B4-BE49-F238E27FC236}">
+                <a16:creationId xmlns:a16="http://schemas.microsoft.com/office/drawing/2014/main" id="{587D9DC9-2CA3-7D48-37D8-F39E8690DADB}"/>
+              </a:ext>
+            </a:extLst>
+          </p:cNvPr>
+          <p:cNvSpPr/>
+          <p:nvPr/>
+        </p:nvSpPr>
+        <p:spPr>
+          <a:xfrm>
+            <a:off x="8150070" y="3750365"/>
+            <a:ext cx="1537253" cy="543339"/>
+          </a:xfrm>
+          <a:prstGeom prst="roundRect">
+            <a:avLst/>
+          </a:prstGeom>
+        </p:spPr>
+        <p:style>
+          <a:lnRef idx="2">
+            <a:schemeClr val="accent2">
+              <a:shade val="15000"/>
+            </a:schemeClr>
+          </a:lnRef>
+          <a:fillRef idx="1">
+            <a:schemeClr val="accent2"/>
+          </a:fillRef>
+          <a:effectRef idx="0">
+            <a:schemeClr val="accent2"/>
+          </a:effectRef>
+          <a:fontRef idx="minor">
+            <a:schemeClr val="lt1"/>
+          </a:fontRef>
+        </p:style>
+        <p:txBody>
+          <a:bodyPr rtlCol="0" anchor="ctr"/>
+          <a:lstStyle/>
+          <a:p>
+            <a:pPr algn="ctr"/>
+            <a:r>
+              <a:rPr lang="en-GB" dirty="0"/>
+              <a:t>recovery</a:t>
+            </a:r>
+          </a:p>
+        </p:txBody>
+      </p:sp>
+      <p:sp>
+        <p:nvSpPr>
+          <p:cNvPr id="18" name="Rectangle: Rounded Corners 17">
+            <a:extLst>
+              <a:ext uri="{FF2B5EF4-FFF2-40B4-BE49-F238E27FC236}">
+                <a16:creationId xmlns:a16="http://schemas.microsoft.com/office/drawing/2014/main" id="{6F99A7CC-278F-49AB-BEC0-3240196F070A}"/>
+              </a:ext>
+            </a:extLst>
+          </p:cNvPr>
+          <p:cNvSpPr/>
+          <p:nvPr/>
+        </p:nvSpPr>
+        <p:spPr>
+          <a:xfrm>
+            <a:off x="5327372" y="5382885"/>
+            <a:ext cx="1537253" cy="543339"/>
+          </a:xfrm>
+          <a:prstGeom prst="roundRect">
+            <a:avLst/>
+          </a:prstGeom>
+        </p:spPr>
+        <p:style>
+          <a:lnRef idx="2">
+            <a:schemeClr val="accent4">
+              <a:shade val="15000"/>
+            </a:schemeClr>
+          </a:lnRef>
+          <a:fillRef idx="1">
+            <a:schemeClr val="accent4"/>
+          </a:fillRef>
+          <a:effectRef idx="0">
+            <a:schemeClr val="accent4"/>
+          </a:effectRef>
+          <a:fontRef idx="minor">
+            <a:schemeClr val="lt1"/>
+          </a:fontRef>
+        </p:style>
+        <p:txBody>
+          <a:bodyPr rtlCol="0" anchor="ctr"/>
+          <a:lstStyle/>
+          <a:p>
+            <a:pPr algn="ctr"/>
+            <a:r>
+              <a:rPr lang="en-GB" dirty="0"/>
+              <a:t>stabilize</a:t>
+            </a:r>
+          </a:p>
+        </p:txBody>
+      </p:sp>
+      <p:sp>
+        <p:nvSpPr>
+          <p:cNvPr id="19" name="Rectangle: Rounded Corners 18">
+            <a:extLst>
+              <a:ext uri="{FF2B5EF4-FFF2-40B4-BE49-F238E27FC236}">
+                <a16:creationId xmlns:a16="http://schemas.microsoft.com/office/drawing/2014/main" id="{28358A02-5642-E470-5E35-E6FAE4306DE1}"/>
+              </a:ext>
+            </a:extLst>
+          </p:cNvPr>
+          <p:cNvSpPr/>
+          <p:nvPr/>
+        </p:nvSpPr>
+        <p:spPr>
+          <a:xfrm>
+            <a:off x="1278834" y="3902765"/>
+            <a:ext cx="233559" cy="238538"/>
+          </a:xfrm>
+          <a:prstGeom prst="roundRect">
+            <a:avLst/>
+          </a:prstGeom>
+        </p:spPr>
+        <p:style>
+          <a:lnRef idx="2">
+            <a:schemeClr val="accent1">
+              <a:shade val="15000"/>
+            </a:schemeClr>
+          </a:lnRef>
+          <a:fillRef idx="1">
+            <a:schemeClr val="accent1"/>
+          </a:fillRef>
+          <a:effectRef idx="0">
+            <a:schemeClr val="accent1"/>
+          </a:effectRef>
+          <a:fontRef idx="minor">
+            <a:schemeClr val="lt1"/>
+          </a:fontRef>
+        </p:style>
+        <p:txBody>
+          <a:bodyPr rtlCol="0" anchor="ctr"/>
+          <a:lstStyle/>
+          <a:p>
+            <a:pPr algn="ctr"/>
+            <a:endParaRPr lang="en-GB" dirty="0"/>
+          </a:p>
+        </p:txBody>
+      </p:sp>
+      <p:cxnSp>
+        <p:nvCxnSpPr>
+          <p:cNvPr id="21" name="Straight Arrow Connector 20">
+            <a:extLst>
+              <a:ext uri="{FF2B5EF4-FFF2-40B4-BE49-F238E27FC236}">
+                <a16:creationId xmlns:a16="http://schemas.microsoft.com/office/drawing/2014/main" id="{7784086F-9131-3D50-706C-67B8773CAC77}"/>
+              </a:ext>
+            </a:extLst>
+          </p:cNvPr>
+          <p:cNvCxnSpPr>
+            <a:stCxn id="19" idx="3"/>
+            <a:endCxn id="15" idx="1"/>
+          </p:cNvCxnSpPr>
+          <p:nvPr/>
+        </p:nvCxnSpPr>
+        <p:spPr>
+          <a:xfrm>
+            <a:off x="1512393" y="4022034"/>
+            <a:ext cx="896188" cy="1"/>
+          </a:xfrm>
+          <a:prstGeom prst="straightConnector1">
+            <a:avLst/>
+          </a:prstGeom>
+          <a:ln w="38100">
+            <a:tailEnd type="triangle"/>
+          </a:ln>
+        </p:spPr>
+        <p:style>
+          <a:lnRef idx="3">
+            <a:schemeClr val="accent6"/>
+          </a:lnRef>
+          <a:fillRef idx="0">
+            <a:schemeClr val="accent6"/>
+          </a:fillRef>
+          <a:effectRef idx="2">
+            <a:schemeClr val="accent6"/>
+          </a:effectRef>
+          <a:fontRef idx="minor">
+            <a:schemeClr val="tx1"/>
+          </a:fontRef>
+        </p:style>
+      </p:cxnSp>
+      <p:cxnSp>
+        <p:nvCxnSpPr>
+          <p:cNvPr id="22" name="Straight Arrow Connector 21">
+            <a:extLst>
+              <a:ext uri="{FF2B5EF4-FFF2-40B4-BE49-F238E27FC236}">
+                <a16:creationId xmlns:a16="http://schemas.microsoft.com/office/drawing/2014/main" id="{16D95CCA-2F4D-E0A5-9056-C152D2027563}"/>
+              </a:ext>
+            </a:extLst>
+          </p:cNvPr>
+          <p:cNvCxnSpPr>
+            <a:cxnSpLocks/>
+            <a:stCxn id="15" idx="0"/>
+            <a:endCxn id="16" idx="1"/>
+          </p:cNvCxnSpPr>
+          <p:nvPr/>
+        </p:nvCxnSpPr>
+        <p:spPr>
+          <a:xfrm flipV="1">
+            <a:off x="3177208" y="2991675"/>
+            <a:ext cx="2100464" cy="758690"/>
+          </a:xfrm>
+          <a:prstGeom prst="straightConnector1">
+            <a:avLst/>
+          </a:prstGeom>
+          <a:ln w="38100">
+            <a:solidFill>
+              <a:srgbClr val="C00000"/>
+            </a:solidFill>
+            <a:tailEnd type="triangle"/>
+          </a:ln>
+        </p:spPr>
+        <p:style>
+          <a:lnRef idx="2">
+            <a:schemeClr val="accent1"/>
+          </a:lnRef>
+          <a:fillRef idx="0">
+            <a:schemeClr val="accent1"/>
+          </a:fillRef>
+          <a:effectRef idx="1">
+            <a:schemeClr val="accent1"/>
+          </a:effectRef>
+          <a:fontRef idx="minor">
+            <a:schemeClr val="tx1"/>
+          </a:fontRef>
+        </p:style>
+      </p:cxnSp>
+      <p:cxnSp>
+        <p:nvCxnSpPr>
+          <p:cNvPr id="25" name="Straight Arrow Connector 24">
+            <a:extLst>
+              <a:ext uri="{FF2B5EF4-FFF2-40B4-BE49-F238E27FC236}">
+                <a16:creationId xmlns:a16="http://schemas.microsoft.com/office/drawing/2014/main" id="{C28CD740-A86A-846A-B336-79223F2DAC78}"/>
+              </a:ext>
+            </a:extLst>
+          </p:cNvPr>
+          <p:cNvCxnSpPr>
+            <a:cxnSpLocks/>
+            <a:stCxn id="16" idx="3"/>
+            <a:endCxn id="17" idx="0"/>
+          </p:cNvCxnSpPr>
+          <p:nvPr/>
+        </p:nvCxnSpPr>
+        <p:spPr>
+          <a:xfrm>
+            <a:off x="6814925" y="2991675"/>
+            <a:ext cx="2103772" cy="758690"/>
+          </a:xfrm>
+          <a:prstGeom prst="straightConnector1">
+            <a:avLst/>
+          </a:prstGeom>
+          <a:ln w="38100">
+            <a:tailEnd type="triangle"/>
+          </a:ln>
+        </p:spPr>
+        <p:style>
+          <a:lnRef idx="3">
+            <a:schemeClr val="accent6"/>
+          </a:lnRef>
+          <a:fillRef idx="0">
+            <a:schemeClr val="accent6"/>
+          </a:fillRef>
+          <a:effectRef idx="2">
+            <a:schemeClr val="accent6"/>
+          </a:effectRef>
+          <a:fontRef idx="minor">
+            <a:schemeClr val="tx1"/>
+          </a:fontRef>
+        </p:style>
+      </p:cxnSp>
+      <p:cxnSp>
+        <p:nvCxnSpPr>
+          <p:cNvPr id="28" name="Straight Arrow Connector 27">
+            <a:extLst>
+              <a:ext uri="{FF2B5EF4-FFF2-40B4-BE49-F238E27FC236}">
+                <a16:creationId xmlns:a16="http://schemas.microsoft.com/office/drawing/2014/main" id="{123A1647-CB1B-3B40-DA94-D89F26C7339E}"/>
+              </a:ext>
+            </a:extLst>
+          </p:cNvPr>
+          <p:cNvCxnSpPr>
+            <a:cxnSpLocks/>
+            <a:stCxn id="17" idx="2"/>
+            <a:endCxn id="18" idx="3"/>
+          </p:cNvCxnSpPr>
+          <p:nvPr/>
+        </p:nvCxnSpPr>
+        <p:spPr>
+          <a:xfrm flipH="1">
+            <a:off x="6864625" y="4293704"/>
+            <a:ext cx="2054072" cy="1360851"/>
+          </a:xfrm>
+          <a:prstGeom prst="straightConnector1">
+            <a:avLst/>
+          </a:prstGeom>
+          <a:ln w="38100">
+            <a:tailEnd type="triangle"/>
+          </a:ln>
+        </p:spPr>
+        <p:style>
+          <a:lnRef idx="3">
+            <a:schemeClr val="accent6"/>
+          </a:lnRef>
+          <a:fillRef idx="0">
+            <a:schemeClr val="accent6"/>
+          </a:fillRef>
+          <a:effectRef idx="2">
+            <a:schemeClr val="accent6"/>
+          </a:effectRef>
+          <a:fontRef idx="minor">
+            <a:schemeClr val="tx1"/>
+          </a:fontRef>
+        </p:style>
+      </p:cxnSp>
+      <p:cxnSp>
+        <p:nvCxnSpPr>
+          <p:cNvPr id="31" name="Straight Arrow Connector 30">
+            <a:extLst>
+              <a:ext uri="{FF2B5EF4-FFF2-40B4-BE49-F238E27FC236}">
+                <a16:creationId xmlns:a16="http://schemas.microsoft.com/office/drawing/2014/main" id="{63600C65-E2DF-2B2D-650A-1587B45AB3C0}"/>
+              </a:ext>
+            </a:extLst>
+          </p:cNvPr>
+          <p:cNvCxnSpPr>
+            <a:cxnSpLocks/>
+            <a:stCxn id="18" idx="1"/>
+            <a:endCxn id="15" idx="2"/>
+          </p:cNvCxnSpPr>
+          <p:nvPr/>
+        </p:nvCxnSpPr>
+        <p:spPr>
+          <a:xfrm flipH="1" flipV="1">
+            <a:off x="3177208" y="4293704"/>
+            <a:ext cx="2150164" cy="1360851"/>
+          </a:xfrm>
+          <a:prstGeom prst="straightConnector1">
+            <a:avLst/>
+          </a:prstGeom>
+          <a:ln w="38100">
+            <a:tailEnd type="triangle"/>
+          </a:ln>
+        </p:spPr>
+        <p:style>
+          <a:lnRef idx="3">
+            <a:schemeClr val="accent6"/>
+          </a:lnRef>
+          <a:fillRef idx="0">
+            <a:schemeClr val="accent6"/>
+          </a:fillRef>
+          <a:effectRef idx="2">
+            <a:schemeClr val="accent6"/>
+          </a:effectRef>
+          <a:fontRef idx="minor">
+            <a:schemeClr val="tx1"/>
+          </a:fontRef>
+        </p:style>
+      </p:cxnSp>
+      <p:sp>
+        <p:nvSpPr>
+          <p:cNvPr id="37" name="TextBox 36">
+            <a:extLst>
+              <a:ext uri="{FF2B5EF4-FFF2-40B4-BE49-F238E27FC236}">
+                <a16:creationId xmlns:a16="http://schemas.microsoft.com/office/drawing/2014/main" id="{43CCEA19-983C-53D8-C357-CBE49C50F1A3}"/>
+              </a:ext>
+            </a:extLst>
+          </p:cNvPr>
+          <p:cNvSpPr txBox="1"/>
+          <p:nvPr/>
+        </p:nvSpPr>
+        <p:spPr>
+          <a:xfrm rot="20379495">
+            <a:off x="3611984" y="3117233"/>
+            <a:ext cx="1284326" cy="253916"/>
+          </a:xfrm>
+          <a:prstGeom prst="rect">
+            <a:avLst/>
+          </a:prstGeom>
+          <a:noFill/>
+        </p:spPr>
+        <p:txBody>
+          <a:bodyPr wrap="none" rtlCol="0">
+            <a:spAutoFit/>
+          </a:bodyPr>
+          <a:lstStyle/>
+          <a:p>
+            <a:r>
+              <a:rPr lang="en-GB" sz="1050" dirty="0"/>
+              <a:t>Collision predicted</a:t>
+            </a:r>
+          </a:p>
+        </p:txBody>
+      </p:sp>
+      <p:sp>
+        <p:nvSpPr>
+          <p:cNvPr id="38" name="TextBox 37">
+            <a:extLst>
+              <a:ext uri="{FF2B5EF4-FFF2-40B4-BE49-F238E27FC236}">
+                <a16:creationId xmlns:a16="http://schemas.microsoft.com/office/drawing/2014/main" id="{C0AF6DFC-C08F-6B8F-03E7-126E1BEA26ED}"/>
+              </a:ext>
+            </a:extLst>
+          </p:cNvPr>
+          <p:cNvSpPr txBox="1"/>
+          <p:nvPr/>
+        </p:nvSpPr>
+        <p:spPr>
+          <a:xfrm>
+            <a:off x="7433404" y="2980677"/>
+            <a:ext cx="1699504" cy="253916"/>
+          </a:xfrm>
+          <a:prstGeom prst="rect">
+            <a:avLst/>
+          </a:prstGeom>
+          <a:noFill/>
+        </p:spPr>
+        <p:txBody>
+          <a:bodyPr wrap="none" rtlCol="0">
+            <a:spAutoFit/>
+          </a:bodyPr>
+          <a:lstStyle/>
+          <a:p>
+            <a:r>
+              <a:rPr lang="en-GB" sz="1050" dirty="0"/>
+              <a:t>Vertical speed &gt; threshold</a:t>
+            </a:r>
+          </a:p>
+        </p:txBody>
+      </p:sp>
+      <p:sp>
+        <p:nvSpPr>
+          <p:cNvPr id="39" name="TextBox 38">
+            <a:extLst>
+              <a:ext uri="{FF2B5EF4-FFF2-40B4-BE49-F238E27FC236}">
+                <a16:creationId xmlns:a16="http://schemas.microsoft.com/office/drawing/2014/main" id="{E3E74C85-DAD2-DD31-9C79-8BB26985CD58}"/>
+              </a:ext>
+            </a:extLst>
+          </p:cNvPr>
+          <p:cNvSpPr txBox="1"/>
+          <p:nvPr/>
+        </p:nvSpPr>
+        <p:spPr>
+          <a:xfrm>
+            <a:off x="7866811" y="4973598"/>
+            <a:ext cx="1322798" cy="253916"/>
+          </a:xfrm>
+          <a:prstGeom prst="rect">
+            <a:avLst/>
+          </a:prstGeom>
+          <a:noFill/>
+        </p:spPr>
+        <p:txBody>
+          <a:bodyPr wrap="none" rtlCol="0">
+            <a:spAutoFit/>
+          </a:bodyPr>
+          <a:lstStyle/>
+          <a:p>
+            <a:r>
+              <a:rPr lang="en-GB" sz="1050" dirty="0"/>
+              <a:t>Altitude &gt; threshold</a:t>
+            </a:r>
+          </a:p>
+        </p:txBody>
+      </p:sp>
+      <p:sp>
+        <p:nvSpPr>
+          <p:cNvPr id="40" name="TextBox 39">
+            <a:extLst>
+              <a:ext uri="{FF2B5EF4-FFF2-40B4-BE49-F238E27FC236}">
+                <a16:creationId xmlns:a16="http://schemas.microsoft.com/office/drawing/2014/main" id="{F4A25796-A536-C9B9-7A16-D3E9CD3B0AB5}"/>
+              </a:ext>
+            </a:extLst>
+          </p:cNvPr>
+          <p:cNvSpPr txBox="1"/>
+          <p:nvPr/>
+        </p:nvSpPr>
+        <p:spPr>
+          <a:xfrm>
+            <a:off x="3256729" y="5023656"/>
+            <a:ext cx="1383712" cy="577081"/>
+          </a:xfrm>
+          <a:prstGeom prst="rect">
+            <a:avLst/>
+          </a:prstGeom>
+          <a:noFill/>
+        </p:spPr>
+        <p:txBody>
+          <a:bodyPr wrap="none" rtlCol="0">
+            <a:spAutoFit/>
+          </a:bodyPr>
+          <a:lstStyle/>
+          <a:p>
+            <a:r>
+              <a:rPr lang="en-GB" sz="1050" dirty="0"/>
+              <a:t>Stable flight</a:t>
+            </a:r>
+          </a:p>
+          <a:p>
+            <a:r>
+              <a:rPr lang="en-GB" sz="1050" dirty="0"/>
+              <a:t>(Pitch, Roll, Velocity)</a:t>
+            </a:r>
+          </a:p>
+          <a:p>
+            <a:endParaRPr lang="en-GB" sz="1050" dirty="0"/>
+          </a:p>
+        </p:txBody>
+      </p:sp>
+      <p:cxnSp>
+        <p:nvCxnSpPr>
+          <p:cNvPr id="41" name="Straight Arrow Connector 40">
+            <a:extLst>
+              <a:ext uri="{FF2B5EF4-FFF2-40B4-BE49-F238E27FC236}">
+                <a16:creationId xmlns:a16="http://schemas.microsoft.com/office/drawing/2014/main" id="{C26CFC36-F5C3-E96C-365E-2348EBA0CBE5}"/>
+              </a:ext>
+            </a:extLst>
+          </p:cNvPr>
+          <p:cNvCxnSpPr>
+            <a:cxnSpLocks/>
+            <a:stCxn id="17" idx="1"/>
+            <a:endCxn id="16" idx="2"/>
+          </p:cNvCxnSpPr>
+          <p:nvPr/>
+        </p:nvCxnSpPr>
+        <p:spPr>
+          <a:xfrm flipH="1" flipV="1">
+            <a:off x="6046299" y="3263344"/>
+            <a:ext cx="2103771" cy="758691"/>
+          </a:xfrm>
+          <a:prstGeom prst="straightConnector1">
+            <a:avLst/>
+          </a:prstGeom>
+          <a:ln w="38100">
+            <a:solidFill>
+              <a:srgbClr val="C00000"/>
+            </a:solidFill>
+            <a:tailEnd type="triangle"/>
+          </a:ln>
+        </p:spPr>
+        <p:style>
+          <a:lnRef idx="2">
+            <a:schemeClr val="accent1"/>
+          </a:lnRef>
+          <a:fillRef idx="0">
+            <a:schemeClr val="accent1"/>
+          </a:fillRef>
+          <a:effectRef idx="1">
+            <a:schemeClr val="accent1"/>
+          </a:effectRef>
+          <a:fontRef idx="minor">
+            <a:schemeClr val="tx1"/>
+          </a:fontRef>
+        </p:style>
+      </p:cxnSp>
+      <p:cxnSp>
+        <p:nvCxnSpPr>
+          <p:cNvPr id="45" name="Straight Arrow Connector 44">
+            <a:extLst>
+              <a:ext uri="{FF2B5EF4-FFF2-40B4-BE49-F238E27FC236}">
+                <a16:creationId xmlns:a16="http://schemas.microsoft.com/office/drawing/2014/main" id="{14026901-2045-B7B5-4BD2-B4BF5A4AB1B5}"/>
+              </a:ext>
+            </a:extLst>
+          </p:cNvPr>
+          <p:cNvCxnSpPr>
+            <a:cxnSpLocks/>
+            <a:stCxn id="18" idx="0"/>
+            <a:endCxn id="16" idx="2"/>
+          </p:cNvCxnSpPr>
+          <p:nvPr/>
+        </p:nvCxnSpPr>
+        <p:spPr>
+          <a:xfrm flipH="1" flipV="1">
+            <a:off x="6046299" y="3263344"/>
+            <a:ext cx="49700" cy="2119541"/>
+          </a:xfrm>
+          <a:prstGeom prst="straightConnector1">
+            <a:avLst/>
+          </a:prstGeom>
+          <a:ln w="38100">
+            <a:solidFill>
+              <a:srgbClr val="C00000"/>
+            </a:solidFill>
+            <a:tailEnd type="triangle"/>
+          </a:ln>
+        </p:spPr>
+        <p:style>
+          <a:lnRef idx="2">
+            <a:schemeClr val="accent1"/>
+          </a:lnRef>
+          <a:fillRef idx="0">
+            <a:schemeClr val="accent1"/>
+          </a:fillRef>
+          <a:effectRef idx="1">
+            <a:schemeClr val="accent1"/>
+          </a:effectRef>
+          <a:fontRef idx="minor">
+            <a:schemeClr val="tx1"/>
+          </a:fontRef>
+        </p:style>
+      </p:cxnSp>
+      <p:sp>
+        <p:nvSpPr>
+          <p:cNvPr id="48" name="TextBox 47">
+            <a:extLst>
+              <a:ext uri="{FF2B5EF4-FFF2-40B4-BE49-F238E27FC236}">
+                <a16:creationId xmlns:a16="http://schemas.microsoft.com/office/drawing/2014/main" id="{D66B4800-130F-3ECA-AB82-9B332F57A642}"/>
+              </a:ext>
+            </a:extLst>
+          </p:cNvPr>
+          <p:cNvSpPr txBox="1"/>
+          <p:nvPr/>
+        </p:nvSpPr>
+        <p:spPr>
+          <a:xfrm rot="16200000">
+            <a:off x="5277177" y="4109862"/>
+            <a:ext cx="1284326" cy="253916"/>
+          </a:xfrm>
+          <a:prstGeom prst="rect">
+            <a:avLst/>
+          </a:prstGeom>
+          <a:noFill/>
+        </p:spPr>
+        <p:txBody>
+          <a:bodyPr wrap="none" rtlCol="0">
+            <a:spAutoFit/>
+          </a:bodyPr>
+          <a:lstStyle/>
+          <a:p>
+            <a:r>
+              <a:rPr lang="en-GB" sz="1050" dirty="0"/>
+              <a:t>Collision predicted</a:t>
+            </a:r>
+          </a:p>
+        </p:txBody>
+      </p:sp>
+      <p:sp>
+        <p:nvSpPr>
+          <p:cNvPr id="49" name="TextBox 48">
+            <a:extLst>
+              <a:ext uri="{FF2B5EF4-FFF2-40B4-BE49-F238E27FC236}">
+                <a16:creationId xmlns:a16="http://schemas.microsoft.com/office/drawing/2014/main" id="{6FD70617-0969-4B8D-9BBF-358285E7529B}"/>
+              </a:ext>
+            </a:extLst>
+          </p:cNvPr>
+          <p:cNvSpPr txBox="1"/>
+          <p:nvPr/>
+        </p:nvSpPr>
+        <p:spPr>
+          <a:xfrm rot="1241175">
+            <a:off x="6367012" y="3591463"/>
+            <a:ext cx="1284326" cy="253916"/>
+          </a:xfrm>
+          <a:prstGeom prst="rect">
+            <a:avLst/>
+          </a:prstGeom>
+          <a:noFill/>
+        </p:spPr>
+        <p:txBody>
+          <a:bodyPr wrap="none" rtlCol="0">
+            <a:spAutoFit/>
+          </a:bodyPr>
+          <a:lstStyle/>
+          <a:p>
+            <a:r>
+              <a:rPr lang="en-GB" sz="1050" dirty="0"/>
+              <a:t>Collision predicted</a:t>
+            </a:r>
           </a:p>
         </p:txBody>
       </p:sp>
     </p:spTree>
     <p:extLst>
       <p:ext uri="{BB962C8B-B14F-4D97-AF65-F5344CB8AC3E}">
-        <p14:creationId xmlns:p14="http://schemas.microsoft.com/office/powerpoint/2010/main" val="3622977380"/>
+        <p14:creationId xmlns:p14="http://schemas.microsoft.com/office/powerpoint/2010/main" val="4292345501"/>
       </p:ext>
     </p:extLst>
   </p:cSld>
@@ -9649,7 +12517,7 @@
           <p:cNvPr id="4" name="Title 3">
             <a:extLst>
               <a:ext uri="{FF2B5EF4-FFF2-40B4-BE49-F238E27FC236}">
-                <a16:creationId xmlns:a16="http://schemas.microsoft.com/office/drawing/2014/main" id="{E6078E82-9D26-6C84-B99F-7ED45FE92994}"/>
+                <a16:creationId xmlns:a16="http://schemas.microsoft.com/office/drawing/2014/main" id="{472D649A-9B92-6EFA-D47E-7826AD2A195A}"/>
               </a:ext>
             </a:extLst>
           </p:cNvPr>
@@ -9660,16 +12528,9 @@
             <p:ph type="title"/>
           </p:nvPr>
         </p:nvSpPr>
-        <p:spPr>
-          <a:xfrm>
-            <a:off x="838200" y="365125"/>
-            <a:ext cx="10515600" cy="528803"/>
-          </a:xfrm>
-        </p:spPr>
-        <p:txBody>
-          <a:bodyPr>
-            <a:normAutofit fontScale="90000"/>
-          </a:bodyPr>
+        <p:spPr/>
+        <p:txBody>
+          <a:bodyPr/>
           <a:lstStyle/>
           <a:p>
             <a:r>
@@ -9681,10 +12542,10 @@
       </p:sp>
       <p:sp>
         <p:nvSpPr>
-          <p:cNvPr id="5" name="Content Placeholder 4">
-            <a:extLst>
-              <a:ext uri="{FF2B5EF4-FFF2-40B4-BE49-F238E27FC236}">
-                <a16:creationId xmlns:a16="http://schemas.microsoft.com/office/drawing/2014/main" id="{B61E349F-D45E-8B29-312A-7BEFB7A07CCE}"/>
+          <p:cNvPr id="5" name="Text Placeholder 4">
+            <a:extLst>
+              <a:ext uri="{FF2B5EF4-FFF2-40B4-BE49-F238E27FC236}">
+                <a16:creationId xmlns:a16="http://schemas.microsoft.com/office/drawing/2014/main" id="{449E2105-10CC-E5C0-9DA8-FA5BFA2EF15E}"/>
               </a:ext>
             </a:extLst>
           </p:cNvPr>
@@ -9692,45 +12553,22 @@
             <a:spLocks noGrp="1"/>
           </p:cNvSpPr>
           <p:nvPr>
-            <p:ph idx="1"/>
+            <p:ph type="body" idx="1"/>
           </p:nvPr>
         </p:nvSpPr>
-        <p:spPr>
-          <a:xfrm>
-            <a:off x="838200" y="1023582"/>
-            <a:ext cx="10515600" cy="5153381"/>
-          </a:xfrm>
-        </p:spPr>
+        <p:spPr/>
         <p:txBody>
           <a:bodyPr/>
           <a:lstStyle/>
           <a:p>
-            <a:r>
-              <a:rPr lang="en-GB" dirty="0"/>
-              <a:t>The AFDS read the current and desired heading, altitude and velocity set by the NAV component and calculate the require commands for the aileron, elevator, rudder and throttle.</a:t>
-            </a:r>
-          </a:p>
-          <a:p>
-            <a:endParaRPr lang="en-GB" dirty="0"/>
-          </a:p>
-          <a:p>
-            <a:r>
-              <a:rPr lang="en-GB" dirty="0"/>
-              <a:t>The AFDS.GCAS can override the NAV input to force a emergency collision avoidance manoeuvre.</a:t>
-            </a:r>
-          </a:p>
-          <a:p>
-            <a:endParaRPr lang="en-GB" dirty="0"/>
-          </a:p>
-          <a:p>
-            <a:endParaRPr lang="en-GB" dirty="0"/>
+            <a:endParaRPr lang="en-GB"/>
           </a:p>
         </p:txBody>
       </p:sp>
     </p:spTree>
     <p:extLst>
       <p:ext uri="{BB962C8B-B14F-4D97-AF65-F5344CB8AC3E}">
-        <p14:creationId xmlns:p14="http://schemas.microsoft.com/office/powerpoint/2010/main" val="897701936"/>
+        <p14:creationId xmlns:p14="http://schemas.microsoft.com/office/powerpoint/2010/main" val="3622977380"/>
       </p:ext>
     </p:extLst>
   </p:cSld>
@@ -9759,1415 +12597,10 @@
       </p:grpSpPr>
       <p:sp>
         <p:nvSpPr>
-          <p:cNvPr id="4" name="Rectangle 3">
-            <a:extLst>
-              <a:ext uri="{FF2B5EF4-FFF2-40B4-BE49-F238E27FC236}">
-                <a16:creationId xmlns:a16="http://schemas.microsoft.com/office/drawing/2014/main" id="{67F4BA31-8377-4A5A-45C9-57A836BD003A}"/>
-              </a:ext>
-            </a:extLst>
-          </p:cNvPr>
-          <p:cNvSpPr/>
-          <p:nvPr/>
-        </p:nvSpPr>
-        <p:spPr>
-          <a:xfrm>
-            <a:off x="2564291" y="1474301"/>
-            <a:ext cx="1417983" cy="987287"/>
-          </a:xfrm>
-          <a:prstGeom prst="rect">
-            <a:avLst/>
-          </a:prstGeom>
-        </p:spPr>
-        <p:style>
-          <a:lnRef idx="3">
-            <a:schemeClr val="lt1"/>
-          </a:lnRef>
-          <a:fillRef idx="1">
-            <a:schemeClr val="accent1"/>
-          </a:fillRef>
-          <a:effectRef idx="1">
-            <a:schemeClr val="accent1"/>
-          </a:effectRef>
-          <a:fontRef idx="minor">
-            <a:schemeClr val="lt1"/>
-          </a:fontRef>
-        </p:style>
-        <p:txBody>
-          <a:bodyPr rtlCol="0" anchor="ctr"/>
-          <a:lstStyle/>
-          <a:p>
-            <a:pPr algn="ctr"/>
-            <a:r>
-              <a:rPr lang="en-GB" dirty="0"/>
-              <a:t>Altitude</a:t>
-            </a:r>
-          </a:p>
-        </p:txBody>
-      </p:sp>
-      <p:sp>
-        <p:nvSpPr>
-          <p:cNvPr id="5" name="Rectangle 4">
-            <a:extLst>
-              <a:ext uri="{FF2B5EF4-FFF2-40B4-BE49-F238E27FC236}">
-                <a16:creationId xmlns:a16="http://schemas.microsoft.com/office/drawing/2014/main" id="{8EFA9B11-46BE-C9EC-A5CF-AD69CE6FCC13}"/>
-              </a:ext>
-            </a:extLst>
-          </p:cNvPr>
-          <p:cNvSpPr/>
-          <p:nvPr/>
-        </p:nvSpPr>
-        <p:spPr>
-          <a:xfrm>
-            <a:off x="2564291" y="2819397"/>
-            <a:ext cx="1417983" cy="987287"/>
-          </a:xfrm>
-          <a:prstGeom prst="rect">
-            <a:avLst/>
-          </a:prstGeom>
-        </p:spPr>
-        <p:style>
-          <a:lnRef idx="3">
-            <a:schemeClr val="lt1"/>
-          </a:lnRef>
-          <a:fillRef idx="1">
-            <a:schemeClr val="accent1"/>
-          </a:fillRef>
-          <a:effectRef idx="1">
-            <a:schemeClr val="accent1"/>
-          </a:effectRef>
-          <a:fontRef idx="minor">
-            <a:schemeClr val="lt1"/>
-          </a:fontRef>
-        </p:style>
-        <p:txBody>
-          <a:bodyPr rtlCol="0" anchor="ctr"/>
-          <a:lstStyle/>
-          <a:p>
-            <a:pPr algn="ctr"/>
-            <a:r>
-              <a:rPr lang="en-GB" dirty="0"/>
-              <a:t>Heading</a:t>
-            </a:r>
-          </a:p>
-        </p:txBody>
-      </p:sp>
-      <p:sp>
-        <p:nvSpPr>
-          <p:cNvPr id="6" name="Rectangle 5">
-            <a:extLst>
-              <a:ext uri="{FF2B5EF4-FFF2-40B4-BE49-F238E27FC236}">
-                <a16:creationId xmlns:a16="http://schemas.microsoft.com/office/drawing/2014/main" id="{F2EC3387-B209-8129-BF91-A9BA1AD59B01}"/>
-              </a:ext>
-            </a:extLst>
-          </p:cNvPr>
-          <p:cNvSpPr/>
-          <p:nvPr/>
-        </p:nvSpPr>
-        <p:spPr>
-          <a:xfrm>
-            <a:off x="2564290" y="4164493"/>
-            <a:ext cx="1417983" cy="987287"/>
-          </a:xfrm>
-          <a:prstGeom prst="rect">
-            <a:avLst/>
-          </a:prstGeom>
-        </p:spPr>
-        <p:style>
-          <a:lnRef idx="3">
-            <a:schemeClr val="lt1"/>
-          </a:lnRef>
-          <a:fillRef idx="1">
-            <a:schemeClr val="accent1"/>
-          </a:fillRef>
-          <a:effectRef idx="1">
-            <a:schemeClr val="accent1"/>
-          </a:effectRef>
-          <a:fontRef idx="minor">
-            <a:schemeClr val="lt1"/>
-          </a:fontRef>
-        </p:style>
-        <p:txBody>
-          <a:bodyPr rtlCol="0" anchor="ctr"/>
-          <a:lstStyle/>
-          <a:p>
-            <a:pPr algn="ctr"/>
-            <a:r>
-              <a:rPr lang="en-GB" dirty="0"/>
-              <a:t>Velocity</a:t>
-            </a:r>
-          </a:p>
-        </p:txBody>
-      </p:sp>
-      <p:sp>
-        <p:nvSpPr>
-          <p:cNvPr id="7" name="Rectangle 6">
-            <a:extLst>
-              <a:ext uri="{FF2B5EF4-FFF2-40B4-BE49-F238E27FC236}">
-                <a16:creationId xmlns:a16="http://schemas.microsoft.com/office/drawing/2014/main" id="{84FBFF6D-D8CD-0B4A-F7AC-9DB677FC21FD}"/>
-              </a:ext>
-            </a:extLst>
-          </p:cNvPr>
-          <p:cNvSpPr/>
-          <p:nvPr/>
-        </p:nvSpPr>
-        <p:spPr>
-          <a:xfrm>
-            <a:off x="371059" y="2083900"/>
-            <a:ext cx="1417983" cy="987287"/>
-          </a:xfrm>
-          <a:prstGeom prst="rect">
-            <a:avLst/>
-          </a:prstGeom>
-        </p:spPr>
-        <p:style>
-          <a:lnRef idx="3">
-            <a:schemeClr val="lt1"/>
-          </a:lnRef>
-          <a:fillRef idx="1">
-            <a:schemeClr val="accent3"/>
-          </a:fillRef>
-          <a:effectRef idx="1">
-            <a:schemeClr val="accent3"/>
-          </a:effectRef>
-          <a:fontRef idx="minor">
-            <a:schemeClr val="lt1"/>
-          </a:fontRef>
-        </p:style>
-        <p:txBody>
-          <a:bodyPr rtlCol="0" anchor="ctr"/>
-          <a:lstStyle/>
-          <a:p>
-            <a:pPr algn="ctr"/>
-            <a:r>
-              <a:rPr lang="en-GB" dirty="0"/>
-              <a:t>Aircraft</a:t>
-            </a:r>
-          </a:p>
-          <a:p>
-            <a:pPr algn="ctr"/>
-            <a:r>
-              <a:rPr lang="en-GB" dirty="0"/>
-              <a:t>status</a:t>
-            </a:r>
-          </a:p>
-        </p:txBody>
-      </p:sp>
-      <p:sp>
-        <p:nvSpPr>
-          <p:cNvPr id="8" name="Rectangle 7">
-            <a:extLst>
-              <a:ext uri="{FF2B5EF4-FFF2-40B4-BE49-F238E27FC236}">
-                <a16:creationId xmlns:a16="http://schemas.microsoft.com/office/drawing/2014/main" id="{10D1B1A8-C243-21FC-E1CD-2BE904AFB49C}"/>
-              </a:ext>
-            </a:extLst>
-          </p:cNvPr>
-          <p:cNvSpPr/>
-          <p:nvPr/>
-        </p:nvSpPr>
-        <p:spPr>
-          <a:xfrm>
-            <a:off x="371058" y="3564831"/>
-            <a:ext cx="1417983" cy="987287"/>
-          </a:xfrm>
-          <a:prstGeom prst="rect">
-            <a:avLst/>
-          </a:prstGeom>
-        </p:spPr>
-        <p:style>
-          <a:lnRef idx="3">
-            <a:schemeClr val="lt1"/>
-          </a:lnRef>
-          <a:fillRef idx="1">
-            <a:schemeClr val="accent3"/>
-          </a:fillRef>
-          <a:effectRef idx="1">
-            <a:schemeClr val="accent3"/>
-          </a:effectRef>
-          <a:fontRef idx="minor">
-            <a:schemeClr val="lt1"/>
-          </a:fontRef>
-        </p:style>
-        <p:txBody>
-          <a:bodyPr rtlCol="0" anchor="ctr"/>
-          <a:lstStyle/>
-          <a:p>
-            <a:pPr algn="ctr"/>
-            <a:r>
-              <a:rPr lang="en-GB" dirty="0"/>
-              <a:t>NAV</a:t>
-            </a:r>
-          </a:p>
-          <a:p>
-            <a:pPr algn="ctr"/>
-            <a:r>
-              <a:rPr lang="en-GB" dirty="0"/>
-              <a:t>settings</a:t>
-            </a:r>
-          </a:p>
-        </p:txBody>
-      </p:sp>
-      <p:sp>
-        <p:nvSpPr>
-          <p:cNvPr id="10" name="Rectangle 9">
-            <a:extLst>
-              <a:ext uri="{FF2B5EF4-FFF2-40B4-BE49-F238E27FC236}">
-                <a16:creationId xmlns:a16="http://schemas.microsoft.com/office/drawing/2014/main" id="{777DCE79-CD58-F68D-0F21-8FB059B45B40}"/>
-              </a:ext>
-            </a:extLst>
-          </p:cNvPr>
-          <p:cNvSpPr/>
-          <p:nvPr/>
-        </p:nvSpPr>
-        <p:spPr>
-          <a:xfrm>
-            <a:off x="6543258" y="738804"/>
-            <a:ext cx="1417983" cy="987287"/>
-          </a:xfrm>
-          <a:prstGeom prst="rect">
-            <a:avLst/>
-          </a:prstGeom>
-        </p:spPr>
-        <p:style>
-          <a:lnRef idx="3">
-            <a:schemeClr val="lt1"/>
-          </a:lnRef>
-          <a:fillRef idx="1">
-            <a:schemeClr val="accent1"/>
-          </a:fillRef>
-          <a:effectRef idx="1">
-            <a:schemeClr val="accent1"/>
-          </a:effectRef>
-          <a:fontRef idx="minor">
-            <a:schemeClr val="lt1"/>
-          </a:fontRef>
-        </p:style>
-        <p:txBody>
-          <a:bodyPr rtlCol="0" anchor="ctr"/>
-          <a:lstStyle/>
-          <a:p>
-            <a:pPr algn="ctr"/>
-            <a:r>
-              <a:rPr lang="en-GB" dirty="0"/>
-              <a:t>Pitch</a:t>
-            </a:r>
-          </a:p>
-        </p:txBody>
-      </p:sp>
-      <p:sp>
-        <p:nvSpPr>
-          <p:cNvPr id="11" name="Rectangle 10">
-            <a:extLst>
-              <a:ext uri="{FF2B5EF4-FFF2-40B4-BE49-F238E27FC236}">
-                <a16:creationId xmlns:a16="http://schemas.microsoft.com/office/drawing/2014/main" id="{E67B3ECB-8707-D244-37CC-A6B50D98EF35}"/>
-              </a:ext>
-            </a:extLst>
-          </p:cNvPr>
-          <p:cNvSpPr/>
-          <p:nvPr/>
-        </p:nvSpPr>
-        <p:spPr>
-          <a:xfrm>
-            <a:off x="4558744" y="3424028"/>
-            <a:ext cx="1417983" cy="987287"/>
-          </a:xfrm>
-          <a:prstGeom prst="rect">
-            <a:avLst/>
-          </a:prstGeom>
-        </p:spPr>
-        <p:style>
-          <a:lnRef idx="3">
-            <a:schemeClr val="lt1"/>
-          </a:lnRef>
-          <a:fillRef idx="1">
-            <a:schemeClr val="accent1"/>
-          </a:fillRef>
-          <a:effectRef idx="1">
-            <a:schemeClr val="accent1"/>
-          </a:effectRef>
-          <a:fontRef idx="minor">
-            <a:schemeClr val="lt1"/>
-          </a:fontRef>
-        </p:style>
-        <p:txBody>
-          <a:bodyPr rtlCol="0" anchor="ctr"/>
-          <a:lstStyle/>
-          <a:p>
-            <a:pPr algn="ctr"/>
-            <a:r>
-              <a:rPr lang="en-GB" dirty="0"/>
-              <a:t>Roll</a:t>
-            </a:r>
-          </a:p>
-        </p:txBody>
-      </p:sp>
-      <p:sp>
-        <p:nvSpPr>
-          <p:cNvPr id="12" name="Rectangle 11">
-            <a:extLst>
-              <a:ext uri="{FF2B5EF4-FFF2-40B4-BE49-F238E27FC236}">
-                <a16:creationId xmlns:a16="http://schemas.microsoft.com/office/drawing/2014/main" id="{D692960C-ACE1-68B1-ABF4-EA7EC34BEBB9}"/>
-              </a:ext>
-            </a:extLst>
-          </p:cNvPr>
-          <p:cNvSpPr/>
-          <p:nvPr/>
-        </p:nvSpPr>
-        <p:spPr>
-          <a:xfrm>
-            <a:off x="8603970" y="3428995"/>
-            <a:ext cx="1417983" cy="987287"/>
-          </a:xfrm>
-          <a:prstGeom prst="rect">
-            <a:avLst/>
-          </a:prstGeom>
-        </p:spPr>
-        <p:style>
-          <a:lnRef idx="3">
-            <a:schemeClr val="lt1"/>
-          </a:lnRef>
-          <a:fillRef idx="1">
-            <a:schemeClr val="accent5"/>
-          </a:fillRef>
-          <a:effectRef idx="1">
-            <a:schemeClr val="accent5"/>
-          </a:effectRef>
-          <a:fontRef idx="minor">
-            <a:schemeClr val="lt1"/>
-          </a:fontRef>
-        </p:style>
-        <p:txBody>
-          <a:bodyPr rtlCol="0" anchor="ctr"/>
-          <a:lstStyle/>
-          <a:p>
-            <a:pPr algn="ctr"/>
-            <a:r>
-              <a:rPr lang="en-GB" dirty="0"/>
-              <a:t>Ailerons</a:t>
-            </a:r>
-          </a:p>
-        </p:txBody>
-      </p:sp>
-      <p:sp>
-        <p:nvSpPr>
-          <p:cNvPr id="14" name="Rectangle 13">
-            <a:extLst>
-              <a:ext uri="{FF2B5EF4-FFF2-40B4-BE49-F238E27FC236}">
-                <a16:creationId xmlns:a16="http://schemas.microsoft.com/office/drawing/2014/main" id="{5A0CEAC6-0BCF-A476-F73E-01FAF2459D2C}"/>
-              </a:ext>
-            </a:extLst>
-          </p:cNvPr>
-          <p:cNvSpPr/>
-          <p:nvPr/>
-        </p:nvSpPr>
-        <p:spPr>
-          <a:xfrm>
-            <a:off x="4558744" y="738804"/>
-            <a:ext cx="1417983" cy="987287"/>
-          </a:xfrm>
-          <a:prstGeom prst="rect">
-            <a:avLst/>
-          </a:prstGeom>
-        </p:spPr>
-        <p:style>
-          <a:lnRef idx="3">
-            <a:schemeClr val="lt1"/>
-          </a:lnRef>
-          <a:fillRef idx="1">
-            <a:schemeClr val="accent1"/>
-          </a:fillRef>
-          <a:effectRef idx="1">
-            <a:schemeClr val="accent1"/>
-          </a:effectRef>
-          <a:fontRef idx="minor">
-            <a:schemeClr val="lt1"/>
-          </a:fontRef>
-        </p:style>
-        <p:txBody>
-          <a:bodyPr rtlCol="0" anchor="ctr"/>
-          <a:lstStyle/>
-          <a:p>
-            <a:pPr algn="ctr"/>
-            <a:r>
-              <a:rPr lang="en-GB" dirty="0"/>
-              <a:t>Vertical Speed</a:t>
-            </a:r>
-          </a:p>
-        </p:txBody>
-      </p:sp>
-      <p:sp>
-        <p:nvSpPr>
-          <p:cNvPr id="15" name="Rectangle 14">
-            <a:extLst>
-              <a:ext uri="{FF2B5EF4-FFF2-40B4-BE49-F238E27FC236}">
-                <a16:creationId xmlns:a16="http://schemas.microsoft.com/office/drawing/2014/main" id="{41700776-7CB7-C975-4C71-C21B39578110}"/>
-              </a:ext>
-            </a:extLst>
-          </p:cNvPr>
-          <p:cNvSpPr/>
-          <p:nvPr/>
-        </p:nvSpPr>
-        <p:spPr>
-          <a:xfrm>
-            <a:off x="8603971" y="738804"/>
-            <a:ext cx="1417983" cy="987287"/>
-          </a:xfrm>
-          <a:prstGeom prst="rect">
-            <a:avLst/>
-          </a:prstGeom>
-        </p:spPr>
-        <p:style>
-          <a:lnRef idx="3">
-            <a:schemeClr val="lt1"/>
-          </a:lnRef>
-          <a:fillRef idx="1">
-            <a:schemeClr val="accent5"/>
-          </a:fillRef>
-          <a:effectRef idx="1">
-            <a:schemeClr val="accent5"/>
-          </a:effectRef>
-          <a:fontRef idx="minor">
-            <a:schemeClr val="lt1"/>
-          </a:fontRef>
-        </p:style>
-        <p:txBody>
-          <a:bodyPr rtlCol="0" anchor="ctr"/>
-          <a:lstStyle/>
-          <a:p>
-            <a:pPr algn="ctr"/>
-            <a:r>
-              <a:rPr lang="en-GB" dirty="0"/>
-              <a:t>Elevators</a:t>
-            </a:r>
-          </a:p>
-        </p:txBody>
-      </p:sp>
-      <p:sp>
-        <p:nvSpPr>
-          <p:cNvPr id="16" name="Rectangle 15">
-            <a:extLst>
-              <a:ext uri="{FF2B5EF4-FFF2-40B4-BE49-F238E27FC236}">
-                <a16:creationId xmlns:a16="http://schemas.microsoft.com/office/drawing/2014/main" id="{D51E09BF-561D-A1FB-FAA9-29C4D0BFC62C}"/>
-              </a:ext>
-            </a:extLst>
-          </p:cNvPr>
-          <p:cNvSpPr/>
-          <p:nvPr/>
-        </p:nvSpPr>
-        <p:spPr>
-          <a:xfrm>
-            <a:off x="8603970" y="4774093"/>
-            <a:ext cx="1417983" cy="987287"/>
-          </a:xfrm>
-          <a:prstGeom prst="rect">
-            <a:avLst/>
-          </a:prstGeom>
-        </p:spPr>
-        <p:style>
-          <a:lnRef idx="3">
-            <a:schemeClr val="lt1"/>
-          </a:lnRef>
-          <a:fillRef idx="1">
-            <a:schemeClr val="accent5"/>
-          </a:fillRef>
-          <a:effectRef idx="1">
-            <a:schemeClr val="accent5"/>
-          </a:effectRef>
-          <a:fontRef idx="minor">
-            <a:schemeClr val="lt1"/>
-          </a:fontRef>
-        </p:style>
-        <p:txBody>
-          <a:bodyPr rtlCol="0" anchor="ctr"/>
-          <a:lstStyle/>
-          <a:p>
-            <a:pPr algn="ctr"/>
-            <a:r>
-              <a:rPr lang="en-GB" dirty="0"/>
-              <a:t>Throttles</a:t>
-            </a:r>
-          </a:p>
-        </p:txBody>
-      </p:sp>
-      <p:sp>
-        <p:nvSpPr>
-          <p:cNvPr id="17" name="Rectangle 16">
-            <a:extLst>
-              <a:ext uri="{FF2B5EF4-FFF2-40B4-BE49-F238E27FC236}">
-                <a16:creationId xmlns:a16="http://schemas.microsoft.com/office/drawing/2014/main" id="{04B78173-958D-AD3A-BDC9-B44530117CAB}"/>
-              </a:ext>
-            </a:extLst>
-          </p:cNvPr>
-          <p:cNvSpPr/>
-          <p:nvPr/>
-        </p:nvSpPr>
-        <p:spPr>
-          <a:xfrm>
-            <a:off x="10588485" y="2700130"/>
-            <a:ext cx="1417983" cy="987287"/>
-          </a:xfrm>
-          <a:prstGeom prst="rect">
-            <a:avLst/>
-          </a:prstGeom>
-        </p:spPr>
-        <p:style>
-          <a:lnRef idx="3">
-            <a:schemeClr val="lt1"/>
-          </a:lnRef>
-          <a:fillRef idx="1">
-            <a:schemeClr val="accent2"/>
-          </a:fillRef>
-          <a:effectRef idx="1">
-            <a:schemeClr val="accent2"/>
-          </a:effectRef>
-          <a:fontRef idx="minor">
-            <a:schemeClr val="lt1"/>
-          </a:fontRef>
-        </p:style>
-        <p:txBody>
-          <a:bodyPr rtlCol="0" anchor="ctr"/>
-          <a:lstStyle/>
-          <a:p>
-            <a:pPr algn="ctr"/>
-            <a:r>
-              <a:rPr lang="en-GB" dirty="0"/>
-              <a:t>Aircraft</a:t>
-            </a:r>
-          </a:p>
-          <a:p>
-            <a:pPr algn="ctr"/>
-            <a:r>
-              <a:rPr lang="en-GB" dirty="0"/>
-              <a:t>control</a:t>
-            </a:r>
-          </a:p>
-        </p:txBody>
-      </p:sp>
-      <p:sp>
-        <p:nvSpPr>
-          <p:cNvPr id="18" name="Rectangle 17">
-            <a:extLst>
-              <a:ext uri="{FF2B5EF4-FFF2-40B4-BE49-F238E27FC236}">
-                <a16:creationId xmlns:a16="http://schemas.microsoft.com/office/drawing/2014/main" id="{530DF511-CF72-2B5E-C7D9-809DCD24AB4E}"/>
-              </a:ext>
-            </a:extLst>
-          </p:cNvPr>
-          <p:cNvSpPr/>
-          <p:nvPr/>
-        </p:nvSpPr>
-        <p:spPr>
-          <a:xfrm>
-            <a:off x="8603970" y="2083900"/>
-            <a:ext cx="1417983" cy="987287"/>
-          </a:xfrm>
-          <a:prstGeom prst="rect">
-            <a:avLst/>
-          </a:prstGeom>
-        </p:spPr>
-        <p:style>
-          <a:lnRef idx="3">
-            <a:schemeClr val="lt1"/>
-          </a:lnRef>
-          <a:fillRef idx="1">
-            <a:schemeClr val="accent5"/>
-          </a:fillRef>
-          <a:effectRef idx="1">
-            <a:schemeClr val="accent5"/>
-          </a:effectRef>
-          <a:fontRef idx="minor">
-            <a:schemeClr val="lt1"/>
-          </a:fontRef>
-        </p:style>
-        <p:txBody>
-          <a:bodyPr rtlCol="0" anchor="ctr"/>
-          <a:lstStyle/>
-          <a:p>
-            <a:pPr algn="ctr"/>
-            <a:r>
-              <a:rPr lang="en-GB" dirty="0"/>
-              <a:t>Rudder</a:t>
-            </a:r>
-          </a:p>
-        </p:txBody>
-      </p:sp>
-      <p:cxnSp>
-        <p:nvCxnSpPr>
-          <p:cNvPr id="20" name="Straight Arrow Connector 19">
-            <a:extLst>
-              <a:ext uri="{FF2B5EF4-FFF2-40B4-BE49-F238E27FC236}">
-                <a16:creationId xmlns:a16="http://schemas.microsoft.com/office/drawing/2014/main" id="{86E64262-9583-18CA-7C55-4E8A19C06678}"/>
-              </a:ext>
-            </a:extLst>
-          </p:cNvPr>
-          <p:cNvCxnSpPr>
-            <a:stCxn id="18" idx="3"/>
-            <a:endCxn id="17" idx="1"/>
-          </p:cNvCxnSpPr>
-          <p:nvPr/>
-        </p:nvCxnSpPr>
-        <p:spPr>
-          <a:xfrm>
-            <a:off x="10021953" y="2577544"/>
-            <a:ext cx="566532" cy="616230"/>
-          </a:xfrm>
-          <a:prstGeom prst="straightConnector1">
-            <a:avLst/>
-          </a:prstGeom>
-          <a:ln>
-            <a:tailEnd type="triangle"/>
-          </a:ln>
-        </p:spPr>
-        <p:style>
-          <a:lnRef idx="2">
-            <a:schemeClr val="accent1"/>
-          </a:lnRef>
-          <a:fillRef idx="0">
-            <a:schemeClr val="accent1"/>
-          </a:fillRef>
-          <a:effectRef idx="1">
-            <a:schemeClr val="accent1"/>
-          </a:effectRef>
-          <a:fontRef idx="minor">
-            <a:schemeClr val="tx1"/>
-          </a:fontRef>
-        </p:style>
-      </p:cxnSp>
-      <p:cxnSp>
-        <p:nvCxnSpPr>
-          <p:cNvPr id="21" name="Straight Arrow Connector 20">
-            <a:extLst>
-              <a:ext uri="{FF2B5EF4-FFF2-40B4-BE49-F238E27FC236}">
-                <a16:creationId xmlns:a16="http://schemas.microsoft.com/office/drawing/2014/main" id="{7C101BDA-D7CA-2C3A-259D-3FC4C2ADE019}"/>
-              </a:ext>
-            </a:extLst>
-          </p:cNvPr>
-          <p:cNvCxnSpPr>
-            <a:cxnSpLocks/>
-            <a:stCxn id="12" idx="3"/>
-            <a:endCxn id="17" idx="1"/>
-          </p:cNvCxnSpPr>
-          <p:nvPr/>
-        </p:nvCxnSpPr>
-        <p:spPr>
-          <a:xfrm flipV="1">
-            <a:off x="10021953" y="3193774"/>
-            <a:ext cx="566532" cy="728865"/>
-          </a:xfrm>
-          <a:prstGeom prst="straightConnector1">
-            <a:avLst/>
-          </a:prstGeom>
-          <a:ln>
-            <a:tailEnd type="triangle"/>
-          </a:ln>
-        </p:spPr>
-        <p:style>
-          <a:lnRef idx="2">
-            <a:schemeClr val="accent1"/>
-          </a:lnRef>
-          <a:fillRef idx="0">
-            <a:schemeClr val="accent1"/>
-          </a:fillRef>
-          <a:effectRef idx="1">
-            <a:schemeClr val="accent1"/>
-          </a:effectRef>
-          <a:fontRef idx="minor">
-            <a:schemeClr val="tx1"/>
-          </a:fontRef>
-        </p:style>
-      </p:cxnSp>
-      <p:cxnSp>
-        <p:nvCxnSpPr>
-          <p:cNvPr id="24" name="Straight Arrow Connector 23">
-            <a:extLst>
-              <a:ext uri="{FF2B5EF4-FFF2-40B4-BE49-F238E27FC236}">
-                <a16:creationId xmlns:a16="http://schemas.microsoft.com/office/drawing/2014/main" id="{29E0A8AD-06F6-3E7A-7C9A-A02644ADE13B}"/>
-              </a:ext>
-            </a:extLst>
-          </p:cNvPr>
-          <p:cNvCxnSpPr>
-            <a:cxnSpLocks/>
-            <a:stCxn id="16" idx="3"/>
-            <a:endCxn id="17" idx="1"/>
-          </p:cNvCxnSpPr>
-          <p:nvPr/>
-        </p:nvCxnSpPr>
-        <p:spPr>
-          <a:xfrm flipV="1">
-            <a:off x="10021953" y="3193774"/>
-            <a:ext cx="566532" cy="2073963"/>
-          </a:xfrm>
-          <a:prstGeom prst="straightConnector1">
-            <a:avLst/>
-          </a:prstGeom>
-          <a:ln>
-            <a:tailEnd type="triangle"/>
-          </a:ln>
-        </p:spPr>
-        <p:style>
-          <a:lnRef idx="2">
-            <a:schemeClr val="accent1"/>
-          </a:lnRef>
-          <a:fillRef idx="0">
-            <a:schemeClr val="accent1"/>
-          </a:fillRef>
-          <a:effectRef idx="1">
-            <a:schemeClr val="accent1"/>
-          </a:effectRef>
-          <a:fontRef idx="minor">
-            <a:schemeClr val="tx1"/>
-          </a:fontRef>
-        </p:style>
-      </p:cxnSp>
-      <p:cxnSp>
-        <p:nvCxnSpPr>
-          <p:cNvPr id="27" name="Straight Arrow Connector 26">
-            <a:extLst>
-              <a:ext uri="{FF2B5EF4-FFF2-40B4-BE49-F238E27FC236}">
-                <a16:creationId xmlns:a16="http://schemas.microsoft.com/office/drawing/2014/main" id="{7936D34F-0763-282F-AF82-1CD2D66B7B5A}"/>
-              </a:ext>
-            </a:extLst>
-          </p:cNvPr>
-          <p:cNvCxnSpPr>
-            <a:cxnSpLocks/>
-            <a:stCxn id="15" idx="3"/>
-            <a:endCxn id="17" idx="1"/>
-          </p:cNvCxnSpPr>
-          <p:nvPr/>
-        </p:nvCxnSpPr>
-        <p:spPr>
-          <a:xfrm>
-            <a:off x="10021954" y="1232448"/>
-            <a:ext cx="566531" cy="1961326"/>
-          </a:xfrm>
-          <a:prstGeom prst="straightConnector1">
-            <a:avLst/>
-          </a:prstGeom>
-          <a:ln>
-            <a:tailEnd type="triangle"/>
-          </a:ln>
-        </p:spPr>
-        <p:style>
-          <a:lnRef idx="2">
-            <a:schemeClr val="accent1"/>
-          </a:lnRef>
-          <a:fillRef idx="0">
-            <a:schemeClr val="accent1"/>
-          </a:fillRef>
-          <a:effectRef idx="1">
-            <a:schemeClr val="accent1"/>
-          </a:effectRef>
-          <a:fontRef idx="minor">
-            <a:schemeClr val="tx1"/>
-          </a:fontRef>
-        </p:style>
-      </p:cxnSp>
-      <p:cxnSp>
-        <p:nvCxnSpPr>
-          <p:cNvPr id="39" name="Straight Arrow Connector 38">
-            <a:extLst>
-              <a:ext uri="{FF2B5EF4-FFF2-40B4-BE49-F238E27FC236}">
-                <a16:creationId xmlns:a16="http://schemas.microsoft.com/office/drawing/2014/main" id="{1A165CEC-1BED-A184-7DB6-DAF9FEA3E0BA}"/>
-              </a:ext>
-            </a:extLst>
-          </p:cNvPr>
-          <p:cNvCxnSpPr>
-            <a:cxnSpLocks/>
-            <a:stCxn id="11" idx="3"/>
-            <a:endCxn id="12" idx="1"/>
-          </p:cNvCxnSpPr>
-          <p:nvPr/>
-        </p:nvCxnSpPr>
-        <p:spPr>
-          <a:xfrm>
-            <a:off x="5976727" y="3917672"/>
-            <a:ext cx="2627243" cy="4967"/>
-          </a:xfrm>
-          <a:prstGeom prst="straightConnector1">
-            <a:avLst/>
-          </a:prstGeom>
-          <a:ln>
-            <a:tailEnd type="triangle"/>
-          </a:ln>
-        </p:spPr>
-        <p:style>
-          <a:lnRef idx="2">
-            <a:schemeClr val="accent1"/>
-          </a:lnRef>
-          <a:fillRef idx="0">
-            <a:schemeClr val="accent1"/>
-          </a:fillRef>
-          <a:effectRef idx="1">
-            <a:schemeClr val="accent1"/>
-          </a:effectRef>
-          <a:fontRef idx="minor">
-            <a:schemeClr val="tx1"/>
-          </a:fontRef>
-        </p:style>
-      </p:cxnSp>
-      <p:cxnSp>
-        <p:nvCxnSpPr>
-          <p:cNvPr id="42" name="Straight Arrow Connector 41">
-            <a:extLst>
-              <a:ext uri="{FF2B5EF4-FFF2-40B4-BE49-F238E27FC236}">
-                <a16:creationId xmlns:a16="http://schemas.microsoft.com/office/drawing/2014/main" id="{7CFA5603-3EAF-EC7A-B8D6-52CD219C7108}"/>
-              </a:ext>
-            </a:extLst>
-          </p:cNvPr>
-          <p:cNvCxnSpPr>
-            <a:cxnSpLocks/>
-            <a:stCxn id="5" idx="3"/>
-            <a:endCxn id="18" idx="1"/>
-          </p:cNvCxnSpPr>
-          <p:nvPr/>
-        </p:nvCxnSpPr>
-        <p:spPr>
-          <a:xfrm flipV="1">
-            <a:off x="3982274" y="2577544"/>
-            <a:ext cx="4621696" cy="735497"/>
-          </a:xfrm>
-          <a:prstGeom prst="straightConnector1">
-            <a:avLst/>
-          </a:prstGeom>
-          <a:ln>
-            <a:tailEnd type="triangle"/>
-          </a:ln>
-        </p:spPr>
-        <p:style>
-          <a:lnRef idx="2">
-            <a:schemeClr val="accent1"/>
-          </a:lnRef>
-          <a:fillRef idx="0">
-            <a:schemeClr val="accent1"/>
-          </a:fillRef>
-          <a:effectRef idx="1">
-            <a:schemeClr val="accent1"/>
-          </a:effectRef>
-          <a:fontRef idx="minor">
-            <a:schemeClr val="tx1"/>
-          </a:fontRef>
-        </p:style>
-      </p:cxnSp>
-      <p:cxnSp>
-        <p:nvCxnSpPr>
-          <p:cNvPr id="45" name="Straight Arrow Connector 44">
-            <a:extLst>
-              <a:ext uri="{FF2B5EF4-FFF2-40B4-BE49-F238E27FC236}">
-                <a16:creationId xmlns:a16="http://schemas.microsoft.com/office/drawing/2014/main" id="{F23BF4F3-F84C-EAD6-3E0D-CBF6F68A5986}"/>
-              </a:ext>
-            </a:extLst>
-          </p:cNvPr>
-          <p:cNvCxnSpPr>
-            <a:cxnSpLocks/>
-            <a:stCxn id="5" idx="3"/>
-            <a:endCxn id="15" idx="1"/>
-          </p:cNvCxnSpPr>
-          <p:nvPr/>
-        </p:nvCxnSpPr>
-        <p:spPr>
-          <a:xfrm flipV="1">
-            <a:off x="3982274" y="1232448"/>
-            <a:ext cx="4621697" cy="2080593"/>
-          </a:xfrm>
-          <a:prstGeom prst="straightConnector1">
-            <a:avLst/>
-          </a:prstGeom>
-          <a:ln>
-            <a:tailEnd type="triangle"/>
-          </a:ln>
-        </p:spPr>
-        <p:style>
-          <a:lnRef idx="2">
-            <a:schemeClr val="accent1"/>
-          </a:lnRef>
-          <a:fillRef idx="0">
-            <a:schemeClr val="accent1"/>
-          </a:fillRef>
-          <a:effectRef idx="1">
-            <a:schemeClr val="accent1"/>
-          </a:effectRef>
-          <a:fontRef idx="minor">
-            <a:schemeClr val="tx1"/>
-          </a:fontRef>
-        </p:style>
-      </p:cxnSp>
-      <p:cxnSp>
-        <p:nvCxnSpPr>
-          <p:cNvPr id="48" name="Straight Arrow Connector 47">
-            <a:extLst>
-              <a:ext uri="{FF2B5EF4-FFF2-40B4-BE49-F238E27FC236}">
-                <a16:creationId xmlns:a16="http://schemas.microsoft.com/office/drawing/2014/main" id="{FE426249-9725-ED06-5CA7-39091D5D80B7}"/>
-              </a:ext>
-            </a:extLst>
-          </p:cNvPr>
-          <p:cNvCxnSpPr>
-            <a:cxnSpLocks/>
-            <a:stCxn id="10" idx="3"/>
-            <a:endCxn id="15" idx="1"/>
-          </p:cNvCxnSpPr>
-          <p:nvPr/>
-        </p:nvCxnSpPr>
-        <p:spPr>
-          <a:xfrm>
-            <a:off x="7961241" y="1232448"/>
-            <a:ext cx="642730" cy="0"/>
-          </a:xfrm>
-          <a:prstGeom prst="straightConnector1">
-            <a:avLst/>
-          </a:prstGeom>
-          <a:ln>
-            <a:tailEnd type="triangle"/>
-          </a:ln>
-        </p:spPr>
-        <p:style>
-          <a:lnRef idx="2">
-            <a:schemeClr val="accent1"/>
-          </a:lnRef>
-          <a:fillRef idx="0">
-            <a:schemeClr val="accent1"/>
-          </a:fillRef>
-          <a:effectRef idx="1">
-            <a:schemeClr val="accent1"/>
-          </a:effectRef>
-          <a:fontRef idx="minor">
-            <a:schemeClr val="tx1"/>
-          </a:fontRef>
-        </p:style>
-      </p:cxnSp>
-      <p:cxnSp>
-        <p:nvCxnSpPr>
-          <p:cNvPr id="51" name="Straight Arrow Connector 50">
-            <a:extLst>
-              <a:ext uri="{FF2B5EF4-FFF2-40B4-BE49-F238E27FC236}">
-                <a16:creationId xmlns:a16="http://schemas.microsoft.com/office/drawing/2014/main" id="{32C1FE92-FA4B-244B-F7C5-ABF0474437A3}"/>
-              </a:ext>
-            </a:extLst>
-          </p:cNvPr>
-          <p:cNvCxnSpPr>
-            <a:cxnSpLocks/>
-            <a:stCxn id="6" idx="3"/>
-            <a:endCxn id="16" idx="1"/>
-          </p:cNvCxnSpPr>
-          <p:nvPr/>
-        </p:nvCxnSpPr>
-        <p:spPr>
-          <a:xfrm>
-            <a:off x="3982273" y="4658137"/>
-            <a:ext cx="4621697" cy="609600"/>
-          </a:xfrm>
-          <a:prstGeom prst="straightConnector1">
-            <a:avLst/>
-          </a:prstGeom>
-          <a:ln>
-            <a:tailEnd type="triangle"/>
-          </a:ln>
-        </p:spPr>
-        <p:style>
-          <a:lnRef idx="2">
-            <a:schemeClr val="accent1"/>
-          </a:lnRef>
-          <a:fillRef idx="0">
-            <a:schemeClr val="accent1"/>
-          </a:fillRef>
-          <a:effectRef idx="1">
-            <a:schemeClr val="accent1"/>
-          </a:effectRef>
-          <a:fontRef idx="minor">
-            <a:schemeClr val="tx1"/>
-          </a:fontRef>
-        </p:style>
-      </p:cxnSp>
-      <p:cxnSp>
-        <p:nvCxnSpPr>
-          <p:cNvPr id="54" name="Straight Arrow Connector 53">
-            <a:extLst>
-              <a:ext uri="{FF2B5EF4-FFF2-40B4-BE49-F238E27FC236}">
-                <a16:creationId xmlns:a16="http://schemas.microsoft.com/office/drawing/2014/main" id="{C32FC923-F2CC-AA09-ABE5-7FA6F93F47EC}"/>
-              </a:ext>
-            </a:extLst>
-          </p:cNvPr>
-          <p:cNvCxnSpPr>
-            <a:cxnSpLocks/>
-            <a:stCxn id="5" idx="3"/>
-            <a:endCxn id="11" idx="1"/>
-          </p:cNvCxnSpPr>
-          <p:nvPr/>
-        </p:nvCxnSpPr>
-        <p:spPr>
-          <a:xfrm>
-            <a:off x="3982274" y="3313041"/>
-            <a:ext cx="576470" cy="604631"/>
-          </a:xfrm>
-          <a:prstGeom prst="straightConnector1">
-            <a:avLst/>
-          </a:prstGeom>
-          <a:ln>
-            <a:tailEnd type="triangle"/>
-          </a:ln>
-        </p:spPr>
-        <p:style>
-          <a:lnRef idx="2">
-            <a:schemeClr val="accent1"/>
-          </a:lnRef>
-          <a:fillRef idx="0">
-            <a:schemeClr val="accent1"/>
-          </a:fillRef>
-          <a:effectRef idx="1">
-            <a:schemeClr val="accent1"/>
-          </a:effectRef>
-          <a:fontRef idx="minor">
-            <a:schemeClr val="tx1"/>
-          </a:fontRef>
-        </p:style>
-      </p:cxnSp>
-      <p:cxnSp>
-        <p:nvCxnSpPr>
-          <p:cNvPr id="57" name="Straight Arrow Connector 56">
-            <a:extLst>
-              <a:ext uri="{FF2B5EF4-FFF2-40B4-BE49-F238E27FC236}">
-                <a16:creationId xmlns:a16="http://schemas.microsoft.com/office/drawing/2014/main" id="{19FE65BB-5DF9-D0E9-0288-8131CB768AB1}"/>
-              </a:ext>
-            </a:extLst>
-          </p:cNvPr>
-          <p:cNvCxnSpPr>
-            <a:cxnSpLocks/>
-            <a:stCxn id="4" idx="3"/>
-            <a:endCxn id="14" idx="1"/>
-          </p:cNvCxnSpPr>
-          <p:nvPr/>
-        </p:nvCxnSpPr>
-        <p:spPr>
-          <a:xfrm flipV="1">
-            <a:off x="3982274" y="1232448"/>
-            <a:ext cx="576470" cy="735497"/>
-          </a:xfrm>
-          <a:prstGeom prst="straightConnector1">
-            <a:avLst/>
-          </a:prstGeom>
-          <a:ln>
-            <a:tailEnd type="triangle"/>
-          </a:ln>
-        </p:spPr>
-        <p:style>
-          <a:lnRef idx="2">
-            <a:schemeClr val="accent1"/>
-          </a:lnRef>
-          <a:fillRef idx="0">
-            <a:schemeClr val="accent1"/>
-          </a:fillRef>
-          <a:effectRef idx="1">
-            <a:schemeClr val="accent1"/>
-          </a:effectRef>
-          <a:fontRef idx="minor">
-            <a:schemeClr val="tx1"/>
-          </a:fontRef>
-        </p:style>
-      </p:cxnSp>
-      <p:cxnSp>
-        <p:nvCxnSpPr>
-          <p:cNvPr id="60" name="Straight Arrow Connector 59">
-            <a:extLst>
-              <a:ext uri="{FF2B5EF4-FFF2-40B4-BE49-F238E27FC236}">
-                <a16:creationId xmlns:a16="http://schemas.microsoft.com/office/drawing/2014/main" id="{818BBD38-17E7-8E19-2BB2-C2DD19A84F66}"/>
-              </a:ext>
-            </a:extLst>
-          </p:cNvPr>
-          <p:cNvCxnSpPr>
-            <a:cxnSpLocks/>
-            <a:stCxn id="8" idx="3"/>
-            <a:endCxn id="4" idx="1"/>
-          </p:cNvCxnSpPr>
-          <p:nvPr/>
-        </p:nvCxnSpPr>
-        <p:spPr>
-          <a:xfrm flipV="1">
-            <a:off x="1789041" y="1967945"/>
-            <a:ext cx="775250" cy="2090530"/>
-          </a:xfrm>
-          <a:prstGeom prst="straightConnector1">
-            <a:avLst/>
-          </a:prstGeom>
-          <a:ln>
-            <a:tailEnd type="triangle"/>
-          </a:ln>
-        </p:spPr>
-        <p:style>
-          <a:lnRef idx="2">
-            <a:schemeClr val="accent1"/>
-          </a:lnRef>
-          <a:fillRef idx="0">
-            <a:schemeClr val="accent1"/>
-          </a:fillRef>
-          <a:effectRef idx="1">
-            <a:schemeClr val="accent1"/>
-          </a:effectRef>
-          <a:fontRef idx="minor">
-            <a:schemeClr val="tx1"/>
-          </a:fontRef>
-        </p:style>
-      </p:cxnSp>
-      <p:cxnSp>
-        <p:nvCxnSpPr>
-          <p:cNvPr id="63" name="Straight Arrow Connector 62">
-            <a:extLst>
-              <a:ext uri="{FF2B5EF4-FFF2-40B4-BE49-F238E27FC236}">
-                <a16:creationId xmlns:a16="http://schemas.microsoft.com/office/drawing/2014/main" id="{DE56C18F-6013-ACDD-669C-B18119B8291F}"/>
-              </a:ext>
-            </a:extLst>
-          </p:cNvPr>
-          <p:cNvCxnSpPr>
-            <a:cxnSpLocks/>
-            <a:stCxn id="8" idx="3"/>
-            <a:endCxn id="5" idx="1"/>
-          </p:cNvCxnSpPr>
-          <p:nvPr/>
-        </p:nvCxnSpPr>
-        <p:spPr>
-          <a:xfrm flipV="1">
-            <a:off x="1789041" y="3313041"/>
-            <a:ext cx="775250" cy="745434"/>
-          </a:xfrm>
-          <a:prstGeom prst="straightConnector1">
-            <a:avLst/>
-          </a:prstGeom>
-          <a:ln>
-            <a:tailEnd type="triangle"/>
-          </a:ln>
-        </p:spPr>
-        <p:style>
-          <a:lnRef idx="2">
-            <a:schemeClr val="accent1"/>
-          </a:lnRef>
-          <a:fillRef idx="0">
-            <a:schemeClr val="accent1"/>
-          </a:fillRef>
-          <a:effectRef idx="1">
-            <a:schemeClr val="accent1"/>
-          </a:effectRef>
-          <a:fontRef idx="minor">
-            <a:schemeClr val="tx1"/>
-          </a:fontRef>
-        </p:style>
-      </p:cxnSp>
-      <p:cxnSp>
-        <p:nvCxnSpPr>
-          <p:cNvPr id="66" name="Straight Arrow Connector 65">
-            <a:extLst>
-              <a:ext uri="{FF2B5EF4-FFF2-40B4-BE49-F238E27FC236}">
-                <a16:creationId xmlns:a16="http://schemas.microsoft.com/office/drawing/2014/main" id="{18A4E21B-8316-64DC-BDAF-DD92083D7AF3}"/>
-              </a:ext>
-            </a:extLst>
-          </p:cNvPr>
-          <p:cNvCxnSpPr>
-            <a:cxnSpLocks/>
-            <a:stCxn id="8" idx="3"/>
-            <a:endCxn id="6" idx="1"/>
-          </p:cNvCxnSpPr>
-          <p:nvPr/>
-        </p:nvCxnSpPr>
-        <p:spPr>
-          <a:xfrm>
-            <a:off x="1789041" y="4058475"/>
-            <a:ext cx="775249" cy="599662"/>
-          </a:xfrm>
-          <a:prstGeom prst="straightConnector1">
-            <a:avLst/>
-          </a:prstGeom>
-          <a:ln>
-            <a:tailEnd type="triangle"/>
-          </a:ln>
-        </p:spPr>
-        <p:style>
-          <a:lnRef idx="2">
-            <a:schemeClr val="accent1"/>
-          </a:lnRef>
-          <a:fillRef idx="0">
-            <a:schemeClr val="accent1"/>
-          </a:fillRef>
-          <a:effectRef idx="1">
-            <a:schemeClr val="accent1"/>
-          </a:effectRef>
-          <a:fontRef idx="minor">
-            <a:schemeClr val="tx1"/>
-          </a:fontRef>
-        </p:style>
-      </p:cxnSp>
-      <p:cxnSp>
-        <p:nvCxnSpPr>
-          <p:cNvPr id="75" name="Straight Arrow Connector 74">
-            <a:extLst>
-              <a:ext uri="{FF2B5EF4-FFF2-40B4-BE49-F238E27FC236}">
-                <a16:creationId xmlns:a16="http://schemas.microsoft.com/office/drawing/2014/main" id="{60D8DF70-9A0E-8261-3D38-8614FEDB636E}"/>
-              </a:ext>
-            </a:extLst>
-          </p:cNvPr>
-          <p:cNvCxnSpPr>
-            <a:cxnSpLocks/>
-            <a:stCxn id="7" idx="3"/>
-            <a:endCxn id="4" idx="1"/>
-          </p:cNvCxnSpPr>
-          <p:nvPr/>
-        </p:nvCxnSpPr>
-        <p:spPr>
-          <a:xfrm flipV="1">
-            <a:off x="1789042" y="1967945"/>
-            <a:ext cx="775249" cy="609599"/>
-          </a:xfrm>
-          <a:prstGeom prst="straightConnector1">
-            <a:avLst/>
-          </a:prstGeom>
-          <a:ln>
-            <a:tailEnd type="triangle"/>
-          </a:ln>
-        </p:spPr>
-        <p:style>
-          <a:lnRef idx="2">
-            <a:schemeClr val="accent1"/>
-          </a:lnRef>
-          <a:fillRef idx="0">
-            <a:schemeClr val="accent1"/>
-          </a:fillRef>
-          <a:effectRef idx="1">
-            <a:schemeClr val="accent1"/>
-          </a:effectRef>
-          <a:fontRef idx="minor">
-            <a:schemeClr val="tx1"/>
-          </a:fontRef>
-        </p:style>
-      </p:cxnSp>
-      <p:cxnSp>
-        <p:nvCxnSpPr>
-          <p:cNvPr id="78" name="Straight Arrow Connector 77">
-            <a:extLst>
-              <a:ext uri="{FF2B5EF4-FFF2-40B4-BE49-F238E27FC236}">
-                <a16:creationId xmlns:a16="http://schemas.microsoft.com/office/drawing/2014/main" id="{445F1C4F-724E-9EDA-88B1-742175246CE7}"/>
-              </a:ext>
-            </a:extLst>
-          </p:cNvPr>
-          <p:cNvCxnSpPr>
-            <a:cxnSpLocks/>
-            <a:stCxn id="7" idx="3"/>
-            <a:endCxn id="5" idx="1"/>
-          </p:cNvCxnSpPr>
-          <p:nvPr/>
-        </p:nvCxnSpPr>
-        <p:spPr>
-          <a:xfrm>
-            <a:off x="1789042" y="2577544"/>
-            <a:ext cx="775249" cy="735497"/>
-          </a:xfrm>
-          <a:prstGeom prst="straightConnector1">
-            <a:avLst/>
-          </a:prstGeom>
-          <a:ln>
-            <a:tailEnd type="triangle"/>
-          </a:ln>
-        </p:spPr>
-        <p:style>
-          <a:lnRef idx="2">
-            <a:schemeClr val="accent1"/>
-          </a:lnRef>
-          <a:fillRef idx="0">
-            <a:schemeClr val="accent1"/>
-          </a:fillRef>
-          <a:effectRef idx="1">
-            <a:schemeClr val="accent1"/>
-          </a:effectRef>
-          <a:fontRef idx="minor">
-            <a:schemeClr val="tx1"/>
-          </a:fontRef>
-        </p:style>
-      </p:cxnSp>
-      <p:cxnSp>
-        <p:nvCxnSpPr>
-          <p:cNvPr id="81" name="Straight Arrow Connector 80">
-            <a:extLst>
-              <a:ext uri="{FF2B5EF4-FFF2-40B4-BE49-F238E27FC236}">
-                <a16:creationId xmlns:a16="http://schemas.microsoft.com/office/drawing/2014/main" id="{DEEE687F-8591-A07C-E0B2-E4EB3AB1CA9F}"/>
-              </a:ext>
-            </a:extLst>
-          </p:cNvPr>
-          <p:cNvCxnSpPr>
-            <a:cxnSpLocks/>
-            <a:stCxn id="7" idx="3"/>
-            <a:endCxn id="6" idx="1"/>
-          </p:cNvCxnSpPr>
-          <p:nvPr/>
-        </p:nvCxnSpPr>
-        <p:spPr>
-          <a:xfrm>
-            <a:off x="1789042" y="2577544"/>
-            <a:ext cx="775248" cy="2080593"/>
-          </a:xfrm>
-          <a:prstGeom prst="straightConnector1">
-            <a:avLst/>
-          </a:prstGeom>
-          <a:ln>
-            <a:tailEnd type="triangle"/>
-          </a:ln>
-        </p:spPr>
-        <p:style>
-          <a:lnRef idx="2">
-            <a:schemeClr val="accent1"/>
-          </a:lnRef>
-          <a:fillRef idx="0">
-            <a:schemeClr val="accent1"/>
-          </a:fillRef>
-          <a:effectRef idx="1">
-            <a:schemeClr val="accent1"/>
-          </a:effectRef>
-          <a:fontRef idx="minor">
-            <a:schemeClr val="tx1"/>
-          </a:fontRef>
-        </p:style>
-      </p:cxnSp>
-      <p:cxnSp>
-        <p:nvCxnSpPr>
-          <p:cNvPr id="84" name="Straight Arrow Connector 83">
-            <a:extLst>
-              <a:ext uri="{FF2B5EF4-FFF2-40B4-BE49-F238E27FC236}">
-                <a16:creationId xmlns:a16="http://schemas.microsoft.com/office/drawing/2014/main" id="{54D48FBE-525C-86BA-FA22-D259F1CAED05}"/>
-              </a:ext>
-            </a:extLst>
-          </p:cNvPr>
-          <p:cNvCxnSpPr>
-            <a:cxnSpLocks/>
-            <a:stCxn id="14" idx="3"/>
-            <a:endCxn id="10" idx="1"/>
-          </p:cNvCxnSpPr>
-          <p:nvPr/>
-        </p:nvCxnSpPr>
-        <p:spPr>
-          <a:xfrm>
-            <a:off x="5976727" y="1232448"/>
-            <a:ext cx="566531" cy="0"/>
-          </a:xfrm>
-          <a:prstGeom prst="straightConnector1">
-            <a:avLst/>
-          </a:prstGeom>
-          <a:ln>
-            <a:tailEnd type="triangle"/>
-          </a:ln>
-        </p:spPr>
-        <p:style>
-          <a:lnRef idx="2">
-            <a:schemeClr val="accent1"/>
-          </a:lnRef>
-          <a:fillRef idx="0">
-            <a:schemeClr val="accent1"/>
-          </a:fillRef>
-          <a:effectRef idx="1">
-            <a:schemeClr val="accent1"/>
-          </a:effectRef>
-          <a:fontRef idx="minor">
-            <a:schemeClr val="tx1"/>
-          </a:fontRef>
-        </p:style>
-      </p:cxnSp>
-      <p:sp>
-        <p:nvSpPr>
-          <p:cNvPr id="61" name="Title 60">
-            <a:extLst>
-              <a:ext uri="{FF2B5EF4-FFF2-40B4-BE49-F238E27FC236}">
-                <a16:creationId xmlns:a16="http://schemas.microsoft.com/office/drawing/2014/main" id="{1682203B-9450-9B32-BD03-C99201713750}"/>
+          <p:cNvPr id="4" name="Title 3">
+            <a:extLst>
+              <a:ext uri="{FF2B5EF4-FFF2-40B4-BE49-F238E27FC236}">
+                <a16:creationId xmlns:a16="http://schemas.microsoft.com/office/drawing/2014/main" id="{E6078E82-9D26-6C84-B99F-7ED45FE92994}"/>
               </a:ext>
             </a:extLst>
           </p:cNvPr>
@@ -11180,27 +12613,75 @@
         </p:nvSpPr>
         <p:spPr>
           <a:xfrm>
-            <a:off x="0" y="-1489"/>
-            <a:ext cx="3092406" cy="624337"/>
+            <a:off x="838200" y="365125"/>
+            <a:ext cx="10515600" cy="528803"/>
           </a:xfrm>
         </p:spPr>
         <p:txBody>
           <a:bodyPr>
-            <a:normAutofit/>
+            <a:normAutofit fontScale="90000"/>
           </a:bodyPr>
           <a:lstStyle/>
           <a:p>
             <a:r>
-              <a:rPr lang="en-GB" sz="2800" dirty="0"/>
-              <a:t>AFDS-* (Autopilot)</a:t>
-            </a:r>
+              <a:rPr lang="en-GB" dirty="0"/>
+              <a:t>AFDS</a:t>
+            </a:r>
+          </a:p>
+        </p:txBody>
+      </p:sp>
+      <p:sp>
+        <p:nvSpPr>
+          <p:cNvPr id="5" name="Content Placeholder 4">
+            <a:extLst>
+              <a:ext uri="{FF2B5EF4-FFF2-40B4-BE49-F238E27FC236}">
+                <a16:creationId xmlns:a16="http://schemas.microsoft.com/office/drawing/2014/main" id="{B61E349F-D45E-8B29-312A-7BEFB7A07CCE}"/>
+              </a:ext>
+            </a:extLst>
+          </p:cNvPr>
+          <p:cNvSpPr>
+            <a:spLocks noGrp="1"/>
+          </p:cNvSpPr>
+          <p:nvPr>
+            <p:ph idx="1"/>
+          </p:nvPr>
+        </p:nvSpPr>
+        <p:spPr>
+          <a:xfrm>
+            <a:off x="838200" y="1023582"/>
+            <a:ext cx="10515600" cy="5153381"/>
+          </a:xfrm>
+        </p:spPr>
+        <p:txBody>
+          <a:bodyPr/>
+          <a:lstStyle/>
+          <a:p>
+            <a:r>
+              <a:rPr lang="en-GB" dirty="0"/>
+              <a:t>The AFDS read the current and desired heading, altitude and velocity set by the NAV component and calculate the require commands for the aileron, elevator, rudder and throttle.</a:t>
+            </a:r>
+          </a:p>
+          <a:p>
+            <a:endParaRPr lang="en-GB" dirty="0"/>
+          </a:p>
+          <a:p>
+            <a:r>
+              <a:rPr lang="en-GB" dirty="0"/>
+              <a:t>The AFDS.GCAS can override the NAV input to force a emergency collision avoidance manoeuvre.</a:t>
+            </a:r>
+          </a:p>
+          <a:p>
+            <a:endParaRPr lang="en-GB" dirty="0"/>
+          </a:p>
+          <a:p>
+            <a:endParaRPr lang="en-GB" dirty="0"/>
           </a:p>
         </p:txBody>
       </p:sp>
     </p:spTree>
     <p:extLst>
       <p:ext uri="{BB962C8B-B14F-4D97-AF65-F5344CB8AC3E}">
-        <p14:creationId xmlns:p14="http://schemas.microsoft.com/office/powerpoint/2010/main" val="2944336919"/>
+        <p14:creationId xmlns:p14="http://schemas.microsoft.com/office/powerpoint/2010/main" val="897701936"/>
       </p:ext>
     </p:extLst>
   </p:cSld>
